--- a/TokyoResults/250710_TokyoResults_delta.pptx
+++ b/TokyoResults/250710_TokyoResults_delta.pptx
@@ -5,13 +5,15 @@
     <p:sldMasterId id="2147483648" r:id="rId4"/>
   </p:sldMasterIdLst>
   <p:notesMasterIdLst>
-    <p:notesMasterId r:id="rId6"/>
+    <p:notesMasterId r:id="rId8"/>
   </p:notesMasterIdLst>
   <p:handoutMasterIdLst>
-    <p:handoutMasterId r:id="rId7"/>
+    <p:handoutMasterId r:id="rId9"/>
   </p:handoutMasterIdLst>
   <p:sldIdLst>
     <p:sldId id="312" r:id="rId5"/>
+    <p:sldId id="314" r:id="rId6"/>
+    <p:sldId id="315" r:id="rId7"/>
   </p:sldIdLst>
   <p:sldSz cx="12192000" cy="6858000"/>
   <p:notesSz cx="6858000" cy="9144000"/>
@@ -249,6 +251,357 @@
     </pc:docChg>
   </pc:docChgLst>
   <pc:docChgLst>
+    <pc:chgData name="菱田 寛之(Hiroyuki Hishida)" userId="0b678a1d-3430-4bff-929e-dc8c867d5f9d" providerId="ADAL" clId="{F4B0C7BE-0295-488E-97B1-E0C4953F9793}"/>
+    <pc:docChg chg="undo custSel addSld delSld modSld">
+      <pc:chgData name="菱田 寛之(Hiroyuki Hishida)" userId="0b678a1d-3430-4bff-929e-dc8c867d5f9d" providerId="ADAL" clId="{F4B0C7BE-0295-488E-97B1-E0C4953F9793}" dt="2025-05-16T06:25:51.078" v="1542" actId="47"/>
+      <pc:docMkLst>
+        <pc:docMk/>
+      </pc:docMkLst>
+      <pc:sldChg chg="addSp delSp modSp del mod">
+        <pc:chgData name="菱田 寛之(Hiroyuki Hishida)" userId="0b678a1d-3430-4bff-929e-dc8c867d5f9d" providerId="ADAL" clId="{F4B0C7BE-0295-488E-97B1-E0C4953F9793}" dt="2025-05-16T06:25:51.078" v="1542" actId="47"/>
+        <pc:sldMkLst>
+          <pc:docMk/>
+          <pc:sldMk cId="916248490" sldId="311"/>
+        </pc:sldMkLst>
+        <pc:spChg chg="mod">
+          <ac:chgData name="菱田 寛之(Hiroyuki Hishida)" userId="0b678a1d-3430-4bff-929e-dc8c867d5f9d" providerId="ADAL" clId="{F4B0C7BE-0295-488E-97B1-E0C4953F9793}" dt="2025-05-16T06:15:25.521" v="407"/>
+          <ac:spMkLst>
+            <pc:docMk/>
+            <pc:sldMk cId="916248490" sldId="311"/>
+            <ac:spMk id="2" creationId="{BBF49989-0311-C9D2-8BA0-910AA4035B6B}"/>
+          </ac:spMkLst>
+        </pc:spChg>
+        <pc:spChg chg="mod">
+          <ac:chgData name="菱田 寛之(Hiroyuki Hishida)" userId="0b678a1d-3430-4bff-929e-dc8c867d5f9d" providerId="ADAL" clId="{F4B0C7BE-0295-488E-97B1-E0C4953F9793}" dt="2025-05-16T06:20:49.865" v="1523" actId="6549"/>
+          <ac:spMkLst>
+            <pc:docMk/>
+            <pc:sldMk cId="916248490" sldId="311"/>
+            <ac:spMk id="3" creationId="{3AA560DC-E059-C457-1C74-015DB0150F2C}"/>
+          </ac:spMkLst>
+        </pc:spChg>
+        <pc:spChg chg="add mod">
+          <ac:chgData name="菱田 寛之(Hiroyuki Hishida)" userId="0b678a1d-3430-4bff-929e-dc8c867d5f9d" providerId="ADAL" clId="{F4B0C7BE-0295-488E-97B1-E0C4953F9793}" dt="2025-05-16T06:06:45.468" v="181" actId="164"/>
+          <ac:spMkLst>
+            <pc:docMk/>
+            <pc:sldMk cId="916248490" sldId="311"/>
+            <ac:spMk id="16" creationId="{A5F4A247-DBE5-B81E-559C-A78283D267C8}"/>
+          </ac:spMkLst>
+        </pc:spChg>
+        <pc:spChg chg="add mod">
+          <ac:chgData name="菱田 寛之(Hiroyuki Hishida)" userId="0b678a1d-3430-4bff-929e-dc8c867d5f9d" providerId="ADAL" clId="{F4B0C7BE-0295-488E-97B1-E0C4953F9793}" dt="2025-05-16T06:06:45.468" v="181" actId="164"/>
+          <ac:spMkLst>
+            <pc:docMk/>
+            <pc:sldMk cId="916248490" sldId="311"/>
+            <ac:spMk id="17" creationId="{B43B33E4-4F3A-63E0-83FB-F1AF5F586F90}"/>
+          </ac:spMkLst>
+        </pc:spChg>
+        <pc:spChg chg="add mod">
+          <ac:chgData name="菱田 寛之(Hiroyuki Hishida)" userId="0b678a1d-3430-4bff-929e-dc8c867d5f9d" providerId="ADAL" clId="{F4B0C7BE-0295-488E-97B1-E0C4953F9793}" dt="2025-05-16T06:06:45.468" v="181" actId="164"/>
+          <ac:spMkLst>
+            <pc:docMk/>
+            <pc:sldMk cId="916248490" sldId="311"/>
+            <ac:spMk id="18" creationId="{4B4499F2-C41A-51EA-2F04-FF1D6D91AAF6}"/>
+          </ac:spMkLst>
+        </pc:spChg>
+        <pc:spChg chg="add mod">
+          <ac:chgData name="菱田 寛之(Hiroyuki Hishida)" userId="0b678a1d-3430-4bff-929e-dc8c867d5f9d" providerId="ADAL" clId="{F4B0C7BE-0295-488E-97B1-E0C4953F9793}" dt="2025-05-16T06:21:02.687" v="1540" actId="1036"/>
+          <ac:spMkLst>
+            <pc:docMk/>
+            <pc:sldMk cId="916248490" sldId="311"/>
+            <ac:spMk id="21" creationId="{A981459E-C2F7-55FE-DA74-95648F736DF1}"/>
+          </ac:spMkLst>
+        </pc:spChg>
+        <pc:spChg chg="add mod">
+          <ac:chgData name="菱田 寛之(Hiroyuki Hishida)" userId="0b678a1d-3430-4bff-929e-dc8c867d5f9d" providerId="ADAL" clId="{F4B0C7BE-0295-488E-97B1-E0C4953F9793}" dt="2025-05-16T06:21:02.687" v="1540" actId="1036"/>
+          <ac:spMkLst>
+            <pc:docMk/>
+            <pc:sldMk cId="916248490" sldId="311"/>
+            <ac:spMk id="22" creationId="{DB75FA40-474A-2AA5-0C15-DA55C6578FB8}"/>
+          </ac:spMkLst>
+        </pc:spChg>
+        <pc:spChg chg="add mod">
+          <ac:chgData name="菱田 寛之(Hiroyuki Hishida)" userId="0b678a1d-3430-4bff-929e-dc8c867d5f9d" providerId="ADAL" clId="{F4B0C7BE-0295-488E-97B1-E0C4953F9793}" dt="2025-05-16T06:21:02.687" v="1540" actId="1036"/>
+          <ac:spMkLst>
+            <pc:docMk/>
+            <pc:sldMk cId="916248490" sldId="311"/>
+            <ac:spMk id="23" creationId="{5711B8D5-A041-4C21-58A1-F4C63AC6F433}"/>
+          </ac:spMkLst>
+        </pc:spChg>
+        <pc:spChg chg="mod">
+          <ac:chgData name="菱田 寛之(Hiroyuki Hishida)" userId="0b678a1d-3430-4bff-929e-dc8c867d5f9d" providerId="ADAL" clId="{F4B0C7BE-0295-488E-97B1-E0C4953F9793}" dt="2025-05-16T06:21:02.687" v="1540" actId="1036"/>
+          <ac:spMkLst>
+            <pc:docMk/>
+            <pc:sldMk cId="916248490" sldId="311"/>
+            <ac:spMk id="50" creationId="{68331D5B-E524-835D-1EBC-F05F79D2DCF5}"/>
+          </ac:spMkLst>
+        </pc:spChg>
+        <pc:spChg chg="add mod">
+          <ac:chgData name="菱田 寛之(Hiroyuki Hishida)" userId="0b678a1d-3430-4bff-929e-dc8c867d5f9d" providerId="ADAL" clId="{F4B0C7BE-0295-488E-97B1-E0C4953F9793}" dt="2025-05-16T06:21:02.687" v="1540" actId="1036"/>
+          <ac:spMkLst>
+            <pc:docMk/>
+            <pc:sldMk cId="916248490" sldId="311"/>
+            <ac:spMk id="56" creationId="{35EE2F3E-94F4-977A-1797-B4EA2D3944CD}"/>
+          </ac:spMkLst>
+        </pc:spChg>
+        <pc:spChg chg="add mod">
+          <ac:chgData name="菱田 寛之(Hiroyuki Hishida)" userId="0b678a1d-3430-4bff-929e-dc8c867d5f9d" providerId="ADAL" clId="{F4B0C7BE-0295-488E-97B1-E0C4953F9793}" dt="2025-05-16T06:21:02.687" v="1540" actId="1036"/>
+          <ac:spMkLst>
+            <pc:docMk/>
+            <pc:sldMk cId="916248490" sldId="311"/>
+            <ac:spMk id="57" creationId="{8DF83716-9611-5F9E-E8F4-FCE4377493C2}"/>
+          </ac:spMkLst>
+        </pc:spChg>
+        <pc:spChg chg="add mod">
+          <ac:chgData name="菱田 寛之(Hiroyuki Hishida)" userId="0b678a1d-3430-4bff-929e-dc8c867d5f9d" providerId="ADAL" clId="{F4B0C7BE-0295-488E-97B1-E0C4953F9793}" dt="2025-05-16T06:21:02.687" v="1540" actId="1036"/>
+          <ac:spMkLst>
+            <pc:docMk/>
+            <pc:sldMk cId="916248490" sldId="311"/>
+            <ac:spMk id="58" creationId="{76D94B13-4804-6D1E-1C63-F59E26B844DE}"/>
+          </ac:spMkLst>
+        </pc:spChg>
+        <pc:spChg chg="add mod">
+          <ac:chgData name="菱田 寛之(Hiroyuki Hishida)" userId="0b678a1d-3430-4bff-929e-dc8c867d5f9d" providerId="ADAL" clId="{F4B0C7BE-0295-488E-97B1-E0C4953F9793}" dt="2025-05-16T06:21:02.687" v="1540" actId="1036"/>
+          <ac:spMkLst>
+            <pc:docMk/>
+            <pc:sldMk cId="916248490" sldId="311"/>
+            <ac:spMk id="59" creationId="{5AE0A233-3A91-F388-C12C-F0240D73090C}"/>
+          </ac:spMkLst>
+        </pc:spChg>
+        <pc:spChg chg="add mod">
+          <ac:chgData name="菱田 寛之(Hiroyuki Hishida)" userId="0b678a1d-3430-4bff-929e-dc8c867d5f9d" providerId="ADAL" clId="{F4B0C7BE-0295-488E-97B1-E0C4953F9793}" dt="2025-05-16T06:21:02.687" v="1540" actId="1036"/>
+          <ac:spMkLst>
+            <pc:docMk/>
+            <pc:sldMk cId="916248490" sldId="311"/>
+            <ac:spMk id="60" creationId="{EF3AC5BD-5744-C4E7-9FC1-E7457A02312A}"/>
+          </ac:spMkLst>
+        </pc:spChg>
+        <pc:spChg chg="add mod">
+          <ac:chgData name="菱田 寛之(Hiroyuki Hishida)" userId="0b678a1d-3430-4bff-929e-dc8c867d5f9d" providerId="ADAL" clId="{F4B0C7BE-0295-488E-97B1-E0C4953F9793}" dt="2025-05-16T06:21:02.687" v="1540" actId="1036"/>
+          <ac:spMkLst>
+            <pc:docMk/>
+            <pc:sldMk cId="916248490" sldId="311"/>
+            <ac:spMk id="61" creationId="{E10AEBF8-F889-E87B-37E0-BD517AEF7E31}"/>
+          </ac:spMkLst>
+        </pc:spChg>
+        <pc:spChg chg="add mod">
+          <ac:chgData name="菱田 寛之(Hiroyuki Hishida)" userId="0b678a1d-3430-4bff-929e-dc8c867d5f9d" providerId="ADAL" clId="{F4B0C7BE-0295-488E-97B1-E0C4953F9793}" dt="2025-05-16T06:20:56.896" v="1528" actId="1036"/>
+          <ac:spMkLst>
+            <pc:docMk/>
+            <pc:sldMk cId="916248490" sldId="311"/>
+            <ac:spMk id="62" creationId="{4ED3FDE9-2520-40C9-FA94-5F7DF26F3DE7}"/>
+          </ac:spMkLst>
+        </pc:spChg>
+        <pc:grpChg chg="add del mod">
+          <ac:chgData name="菱田 寛之(Hiroyuki Hishida)" userId="0b678a1d-3430-4bff-929e-dc8c867d5f9d" providerId="ADAL" clId="{F4B0C7BE-0295-488E-97B1-E0C4953F9793}" dt="2025-05-16T06:08:12.285" v="202" actId="478"/>
+          <ac:grpSpMkLst>
+            <pc:docMk/>
+            <pc:sldMk cId="916248490" sldId="311"/>
+            <ac:grpSpMk id="20" creationId="{FEFEB2A9-8503-3340-D187-BC0258995C87}"/>
+          </ac:grpSpMkLst>
+        </pc:grpChg>
+        <pc:grpChg chg="add mod">
+          <ac:chgData name="菱田 寛之(Hiroyuki Hishida)" userId="0b678a1d-3430-4bff-929e-dc8c867d5f9d" providerId="ADAL" clId="{F4B0C7BE-0295-488E-97B1-E0C4953F9793}" dt="2025-05-16T06:21:02.687" v="1540" actId="1036"/>
+          <ac:grpSpMkLst>
+            <pc:docMk/>
+            <pc:sldMk cId="916248490" sldId="311"/>
+            <ac:grpSpMk id="49" creationId="{2C05B6B4-D9D7-F151-FCDF-BA64B2263088}"/>
+          </ac:grpSpMkLst>
+        </pc:grpChg>
+        <pc:picChg chg="add mod">
+          <ac:chgData name="菱田 寛之(Hiroyuki Hishida)" userId="0b678a1d-3430-4bff-929e-dc8c867d5f9d" providerId="ADAL" clId="{F4B0C7BE-0295-488E-97B1-E0C4953F9793}" dt="2025-05-16T06:21:02.687" v="1540" actId="1036"/>
+          <ac:picMkLst>
+            <pc:docMk/>
+            <pc:sldMk cId="916248490" sldId="311"/>
+            <ac:picMk id="5" creationId="{608A13E9-FEFC-8204-0114-6E359A029CC2}"/>
+          </ac:picMkLst>
+        </pc:picChg>
+        <pc:picChg chg="add mod">
+          <ac:chgData name="菱田 寛之(Hiroyuki Hishida)" userId="0b678a1d-3430-4bff-929e-dc8c867d5f9d" providerId="ADAL" clId="{F4B0C7BE-0295-488E-97B1-E0C4953F9793}" dt="2025-05-16T06:21:02.687" v="1540" actId="1036"/>
+          <ac:picMkLst>
+            <pc:docMk/>
+            <pc:sldMk cId="916248490" sldId="311"/>
+            <ac:picMk id="7" creationId="{8984A73E-6FD5-455E-F8D4-F51F7F8BC657}"/>
+          </ac:picMkLst>
+        </pc:picChg>
+        <pc:picChg chg="add mod">
+          <ac:chgData name="菱田 寛之(Hiroyuki Hishida)" userId="0b678a1d-3430-4bff-929e-dc8c867d5f9d" providerId="ADAL" clId="{F4B0C7BE-0295-488E-97B1-E0C4953F9793}" dt="2025-05-16T06:21:02.687" v="1540" actId="1036"/>
+          <ac:picMkLst>
+            <pc:docMk/>
+            <pc:sldMk cId="916248490" sldId="311"/>
+            <ac:picMk id="9" creationId="{D3B71E8A-EA35-7680-1539-79AD95BFD34A}"/>
+          </ac:picMkLst>
+        </pc:picChg>
+        <pc:picChg chg="add mod">
+          <ac:chgData name="菱田 寛之(Hiroyuki Hishida)" userId="0b678a1d-3430-4bff-929e-dc8c867d5f9d" providerId="ADAL" clId="{F4B0C7BE-0295-488E-97B1-E0C4953F9793}" dt="2025-05-16T06:21:02.687" v="1540" actId="1036"/>
+          <ac:picMkLst>
+            <pc:docMk/>
+            <pc:sldMk cId="916248490" sldId="311"/>
+            <ac:picMk id="11" creationId="{F4430F18-47F0-CD17-21DE-1433EA75AA54}"/>
+          </ac:picMkLst>
+        </pc:picChg>
+        <pc:picChg chg="add del mod">
+          <ac:chgData name="菱田 寛之(Hiroyuki Hishida)" userId="0b678a1d-3430-4bff-929e-dc8c867d5f9d" providerId="ADAL" clId="{F4B0C7BE-0295-488E-97B1-E0C4953F9793}" dt="2025-05-16T06:10:50.203" v="247" actId="478"/>
+          <ac:picMkLst>
+            <pc:docMk/>
+            <pc:sldMk cId="916248490" sldId="311"/>
+            <ac:picMk id="13" creationId="{5F2B5DB7-D0AD-D2BA-D976-9B76A6E6490A}"/>
+          </ac:picMkLst>
+        </pc:picChg>
+        <pc:picChg chg="add mod">
+          <ac:chgData name="菱田 寛之(Hiroyuki Hishida)" userId="0b678a1d-3430-4bff-929e-dc8c867d5f9d" providerId="ADAL" clId="{F4B0C7BE-0295-488E-97B1-E0C4953F9793}" dt="2025-05-16T06:21:02.687" v="1540" actId="1036"/>
+          <ac:picMkLst>
+            <pc:docMk/>
+            <pc:sldMk cId="916248490" sldId="311"/>
+            <ac:picMk id="15" creationId="{3BCEDA5A-C209-C457-73AE-E88F440C2717}"/>
+          </ac:picMkLst>
+        </pc:picChg>
+        <pc:picChg chg="add mod">
+          <ac:chgData name="菱田 寛之(Hiroyuki Hishida)" userId="0b678a1d-3430-4bff-929e-dc8c867d5f9d" providerId="ADAL" clId="{F4B0C7BE-0295-488E-97B1-E0C4953F9793}" dt="2025-05-16T06:06:45.468" v="181" actId="164"/>
+          <ac:picMkLst>
+            <pc:docMk/>
+            <pc:sldMk cId="916248490" sldId="311"/>
+            <ac:picMk id="19" creationId="{1F765AF2-D5EF-18A2-89F0-B1433A314EF6}"/>
+          </ac:picMkLst>
+        </pc:picChg>
+        <pc:picChg chg="add mod">
+          <ac:chgData name="菱田 寛之(Hiroyuki Hishida)" userId="0b678a1d-3430-4bff-929e-dc8c867d5f9d" providerId="ADAL" clId="{F4B0C7BE-0295-488E-97B1-E0C4953F9793}" dt="2025-05-16T06:21:02.687" v="1540" actId="1036"/>
+          <ac:picMkLst>
+            <pc:docMk/>
+            <pc:sldMk cId="916248490" sldId="311"/>
+            <ac:picMk id="24" creationId="{A782DA64-2047-DEF5-61BF-CE450B759A3B}"/>
+          </ac:picMkLst>
+        </pc:picChg>
+        <pc:picChg chg="mod">
+          <ac:chgData name="菱田 寛之(Hiroyuki Hishida)" userId="0b678a1d-3430-4bff-929e-dc8c867d5f9d" providerId="ADAL" clId="{F4B0C7BE-0295-488E-97B1-E0C4953F9793}" dt="2025-05-16T06:21:02.687" v="1540" actId="1036"/>
+          <ac:picMkLst>
+            <pc:docMk/>
+            <pc:sldMk cId="916248490" sldId="311"/>
+            <ac:picMk id="51" creationId="{4855784D-2A9A-88C7-D5BE-723D44362D9D}"/>
+          </ac:picMkLst>
+        </pc:picChg>
+        <pc:picChg chg="add mod">
+          <ac:chgData name="菱田 寛之(Hiroyuki Hishida)" userId="0b678a1d-3430-4bff-929e-dc8c867d5f9d" providerId="ADAL" clId="{F4B0C7BE-0295-488E-97B1-E0C4953F9793}" dt="2025-05-16T06:21:02.687" v="1540" actId="1036"/>
+          <ac:picMkLst>
+            <pc:docMk/>
+            <pc:sldMk cId="916248490" sldId="311"/>
+            <ac:picMk id="52" creationId="{8EFE8F84-957B-0D10-A0CF-420AD4CD94D5}"/>
+          </ac:picMkLst>
+        </pc:picChg>
+        <pc:picChg chg="add mod">
+          <ac:chgData name="菱田 寛之(Hiroyuki Hishida)" userId="0b678a1d-3430-4bff-929e-dc8c867d5f9d" providerId="ADAL" clId="{F4B0C7BE-0295-488E-97B1-E0C4953F9793}" dt="2025-05-16T06:21:02.687" v="1540" actId="1036"/>
+          <ac:picMkLst>
+            <pc:docMk/>
+            <pc:sldMk cId="916248490" sldId="311"/>
+            <ac:picMk id="53" creationId="{01329FA7-3D97-77DF-FFDD-F1FB1ED65D93}"/>
+          </ac:picMkLst>
+        </pc:picChg>
+        <pc:picChg chg="add mod">
+          <ac:chgData name="菱田 寛之(Hiroyuki Hishida)" userId="0b678a1d-3430-4bff-929e-dc8c867d5f9d" providerId="ADAL" clId="{F4B0C7BE-0295-488E-97B1-E0C4953F9793}" dt="2025-05-16T06:21:02.687" v="1540" actId="1036"/>
+          <ac:picMkLst>
+            <pc:docMk/>
+            <pc:sldMk cId="916248490" sldId="311"/>
+            <ac:picMk id="54" creationId="{278E1655-9912-748F-D701-EA206FB6B762}"/>
+          </ac:picMkLst>
+        </pc:picChg>
+        <pc:picChg chg="add mod">
+          <ac:chgData name="菱田 寛之(Hiroyuki Hishida)" userId="0b678a1d-3430-4bff-929e-dc8c867d5f9d" providerId="ADAL" clId="{F4B0C7BE-0295-488E-97B1-E0C4953F9793}" dt="2025-05-16T06:21:02.687" v="1540" actId="1036"/>
+          <ac:picMkLst>
+            <pc:docMk/>
+            <pc:sldMk cId="916248490" sldId="311"/>
+            <ac:picMk id="55" creationId="{A2F4CB98-1D4D-7E63-C4BD-6927DD70C175}"/>
+          </ac:picMkLst>
+        </pc:picChg>
+        <pc:picChg chg="add del">
+          <ac:chgData name="菱田 寛之(Hiroyuki Hishida)" userId="0b678a1d-3430-4bff-929e-dc8c867d5f9d" providerId="ADAL" clId="{F4B0C7BE-0295-488E-97B1-E0C4953F9793}" dt="2025-05-16T06:06:18.004" v="179"/>
+          <ac:picMkLst>
+            <pc:docMk/>
+            <pc:sldMk cId="916248490" sldId="311"/>
+            <ac:picMk id="1026" creationId="{15D4E4D6-FF6D-8797-68D8-6426500B22AB}"/>
+          </ac:picMkLst>
+        </pc:picChg>
+        <pc:cxnChg chg="add mod">
+          <ac:chgData name="菱田 寛之(Hiroyuki Hishida)" userId="0b678a1d-3430-4bff-929e-dc8c867d5f9d" providerId="ADAL" clId="{F4B0C7BE-0295-488E-97B1-E0C4953F9793}" dt="2025-05-16T06:21:02.687" v="1540" actId="1036"/>
+          <ac:cxnSpMkLst>
+            <pc:docMk/>
+            <pc:sldMk cId="916248490" sldId="311"/>
+            <ac:cxnSpMk id="26" creationId="{EFB31504-83A5-75A4-240B-31B162B27236}"/>
+          </ac:cxnSpMkLst>
+        </pc:cxnChg>
+        <pc:cxnChg chg="add mod">
+          <ac:chgData name="菱田 寛之(Hiroyuki Hishida)" userId="0b678a1d-3430-4bff-929e-dc8c867d5f9d" providerId="ADAL" clId="{F4B0C7BE-0295-488E-97B1-E0C4953F9793}" dt="2025-05-16T06:21:02.687" v="1540" actId="1036"/>
+          <ac:cxnSpMkLst>
+            <pc:docMk/>
+            <pc:sldMk cId="916248490" sldId="311"/>
+            <ac:cxnSpMk id="27" creationId="{B3F2102F-10E2-EBD5-C3ED-4EC235001F13}"/>
+          </ac:cxnSpMkLst>
+        </pc:cxnChg>
+        <pc:cxnChg chg="add del mod">
+          <ac:chgData name="菱田 寛之(Hiroyuki Hishida)" userId="0b678a1d-3430-4bff-929e-dc8c867d5f9d" providerId="ADAL" clId="{F4B0C7BE-0295-488E-97B1-E0C4953F9793}" dt="2025-05-16T06:08:58.701" v="216" actId="478"/>
+          <ac:cxnSpMkLst>
+            <pc:docMk/>
+            <pc:sldMk cId="916248490" sldId="311"/>
+            <ac:cxnSpMk id="30" creationId="{BAD4AA57-80C0-3471-8893-CB6E0C5BB81D}"/>
+          </ac:cxnSpMkLst>
+        </pc:cxnChg>
+        <pc:cxnChg chg="add mod">
+          <ac:chgData name="菱田 寛之(Hiroyuki Hishida)" userId="0b678a1d-3430-4bff-929e-dc8c867d5f9d" providerId="ADAL" clId="{F4B0C7BE-0295-488E-97B1-E0C4953F9793}" dt="2025-05-16T06:21:02.687" v="1540" actId="1036"/>
+          <ac:cxnSpMkLst>
+            <pc:docMk/>
+            <pc:sldMk cId="916248490" sldId="311"/>
+            <ac:cxnSpMk id="34" creationId="{090D1ABE-BE2D-B781-0BC1-9B7FC6B6DA34}"/>
+          </ac:cxnSpMkLst>
+        </pc:cxnChg>
+        <pc:cxnChg chg="add mod">
+          <ac:chgData name="菱田 寛之(Hiroyuki Hishida)" userId="0b678a1d-3430-4bff-929e-dc8c867d5f9d" providerId="ADAL" clId="{F4B0C7BE-0295-488E-97B1-E0C4953F9793}" dt="2025-05-16T06:21:02.687" v="1540" actId="1036"/>
+          <ac:cxnSpMkLst>
+            <pc:docMk/>
+            <pc:sldMk cId="916248490" sldId="311"/>
+            <ac:cxnSpMk id="35" creationId="{7B708961-D0B6-0AB4-0D5F-3EEE1DE1F057}"/>
+          </ac:cxnSpMkLst>
+        </pc:cxnChg>
+        <pc:cxnChg chg="add mod">
+          <ac:chgData name="菱田 寛之(Hiroyuki Hishida)" userId="0b678a1d-3430-4bff-929e-dc8c867d5f9d" providerId="ADAL" clId="{F4B0C7BE-0295-488E-97B1-E0C4953F9793}" dt="2025-05-16T06:21:02.687" v="1540" actId="1036"/>
+          <ac:cxnSpMkLst>
+            <pc:docMk/>
+            <pc:sldMk cId="916248490" sldId="311"/>
+            <ac:cxnSpMk id="38" creationId="{1A2790BE-9BFD-D7F0-250E-B49FD7FFE3C7}"/>
+          </ac:cxnSpMkLst>
+        </pc:cxnChg>
+        <pc:cxnChg chg="add mod">
+          <ac:chgData name="菱田 寛之(Hiroyuki Hishida)" userId="0b678a1d-3430-4bff-929e-dc8c867d5f9d" providerId="ADAL" clId="{F4B0C7BE-0295-488E-97B1-E0C4953F9793}" dt="2025-05-16T06:21:02.687" v="1540" actId="1036"/>
+          <ac:cxnSpMkLst>
+            <pc:docMk/>
+            <pc:sldMk cId="916248490" sldId="311"/>
+            <ac:cxnSpMk id="41" creationId="{A5139DD3-CDC8-8E93-C7FE-D33F96F7DC7F}"/>
+          </ac:cxnSpMkLst>
+        </pc:cxnChg>
+        <pc:cxnChg chg="add del mod">
+          <ac:chgData name="菱田 寛之(Hiroyuki Hishida)" userId="0b678a1d-3430-4bff-929e-dc8c867d5f9d" providerId="ADAL" clId="{F4B0C7BE-0295-488E-97B1-E0C4953F9793}" dt="2025-05-16T06:10:03.991" v="228"/>
+          <ac:cxnSpMkLst>
+            <pc:docMk/>
+            <pc:sldMk cId="916248490" sldId="311"/>
+            <ac:cxnSpMk id="44" creationId="{AFB6722C-DAFD-5321-17B8-4AE3CEDC46E5}"/>
+          </ac:cxnSpMkLst>
+        </pc:cxnChg>
+        <pc:cxnChg chg="add mod">
+          <ac:chgData name="菱田 寛之(Hiroyuki Hishida)" userId="0b678a1d-3430-4bff-929e-dc8c867d5f9d" providerId="ADAL" clId="{F4B0C7BE-0295-488E-97B1-E0C4953F9793}" dt="2025-05-16T06:21:02.687" v="1540" actId="1036"/>
+          <ac:cxnSpMkLst>
+            <pc:docMk/>
+            <pc:sldMk cId="916248490" sldId="311"/>
+            <ac:cxnSpMk id="45" creationId="{A996EB61-E624-E0B0-415E-66DC02C9CE76}"/>
+          </ac:cxnSpMkLst>
+        </pc:cxnChg>
+      </pc:sldChg>
+      <pc:sldChg chg="new">
+        <pc:chgData name="菱田 寛之(Hiroyuki Hishida)" userId="0b678a1d-3430-4bff-929e-dc8c867d5f9d" providerId="ADAL" clId="{F4B0C7BE-0295-488E-97B1-E0C4953F9793}" dt="2025-05-16T06:25:49.442" v="1541" actId="680"/>
+        <pc:sldMkLst>
+          <pc:docMk/>
+          <pc:sldMk cId="111196494" sldId="312"/>
+        </pc:sldMkLst>
+      </pc:sldChg>
+    </pc:docChg>
+  </pc:docChgLst>
+  <pc:docChgLst>
     <pc:chgData name="菱田 寛之(Hiroyuki Hishida)" userId="0b678a1d-3430-4bff-929e-dc8c867d5f9d" providerId="ADAL" clId="{EC77B3FC-C583-47E2-BDF2-1ABFA058B4F7}"/>
     <pc:docChg chg="undo redo custSel addSld delSld modSld">
       <pc:chgData name="菱田 寛之(Hiroyuki Hishida)" userId="0b678a1d-3430-4bff-929e-dc8c867d5f9d" providerId="ADAL" clId="{EC77B3FC-C583-47E2-BDF2-1ABFA058B4F7}" dt="2025-04-04T13:00:29.421" v="775" actId="47"/>
@@ -463,357 +816,6 @@
     </pc:docChg>
   </pc:docChgLst>
   <pc:docChgLst>
-    <pc:chgData name="菱田 寛之(Hiroyuki Hishida)" userId="0b678a1d-3430-4bff-929e-dc8c867d5f9d" providerId="ADAL" clId="{F4B0C7BE-0295-488E-97B1-E0C4953F9793}"/>
-    <pc:docChg chg="undo custSel addSld delSld modSld">
-      <pc:chgData name="菱田 寛之(Hiroyuki Hishida)" userId="0b678a1d-3430-4bff-929e-dc8c867d5f9d" providerId="ADAL" clId="{F4B0C7BE-0295-488E-97B1-E0C4953F9793}" dt="2025-05-16T06:25:51.078" v="1542" actId="47"/>
-      <pc:docMkLst>
-        <pc:docMk/>
-      </pc:docMkLst>
-      <pc:sldChg chg="addSp delSp modSp del mod">
-        <pc:chgData name="菱田 寛之(Hiroyuki Hishida)" userId="0b678a1d-3430-4bff-929e-dc8c867d5f9d" providerId="ADAL" clId="{F4B0C7BE-0295-488E-97B1-E0C4953F9793}" dt="2025-05-16T06:25:51.078" v="1542" actId="47"/>
-        <pc:sldMkLst>
-          <pc:docMk/>
-          <pc:sldMk cId="916248490" sldId="311"/>
-        </pc:sldMkLst>
-        <pc:spChg chg="mod">
-          <ac:chgData name="菱田 寛之(Hiroyuki Hishida)" userId="0b678a1d-3430-4bff-929e-dc8c867d5f9d" providerId="ADAL" clId="{F4B0C7BE-0295-488E-97B1-E0C4953F9793}" dt="2025-05-16T06:15:25.521" v="407"/>
-          <ac:spMkLst>
-            <pc:docMk/>
-            <pc:sldMk cId="916248490" sldId="311"/>
-            <ac:spMk id="2" creationId="{BBF49989-0311-C9D2-8BA0-910AA4035B6B}"/>
-          </ac:spMkLst>
-        </pc:spChg>
-        <pc:spChg chg="mod">
-          <ac:chgData name="菱田 寛之(Hiroyuki Hishida)" userId="0b678a1d-3430-4bff-929e-dc8c867d5f9d" providerId="ADAL" clId="{F4B0C7BE-0295-488E-97B1-E0C4953F9793}" dt="2025-05-16T06:20:49.865" v="1523" actId="6549"/>
-          <ac:spMkLst>
-            <pc:docMk/>
-            <pc:sldMk cId="916248490" sldId="311"/>
-            <ac:spMk id="3" creationId="{3AA560DC-E059-C457-1C74-015DB0150F2C}"/>
-          </ac:spMkLst>
-        </pc:spChg>
-        <pc:spChg chg="add mod">
-          <ac:chgData name="菱田 寛之(Hiroyuki Hishida)" userId="0b678a1d-3430-4bff-929e-dc8c867d5f9d" providerId="ADAL" clId="{F4B0C7BE-0295-488E-97B1-E0C4953F9793}" dt="2025-05-16T06:06:45.468" v="181" actId="164"/>
-          <ac:spMkLst>
-            <pc:docMk/>
-            <pc:sldMk cId="916248490" sldId="311"/>
-            <ac:spMk id="16" creationId="{A5F4A247-DBE5-B81E-559C-A78283D267C8}"/>
-          </ac:spMkLst>
-        </pc:spChg>
-        <pc:spChg chg="add mod">
-          <ac:chgData name="菱田 寛之(Hiroyuki Hishida)" userId="0b678a1d-3430-4bff-929e-dc8c867d5f9d" providerId="ADAL" clId="{F4B0C7BE-0295-488E-97B1-E0C4953F9793}" dt="2025-05-16T06:06:45.468" v="181" actId="164"/>
-          <ac:spMkLst>
-            <pc:docMk/>
-            <pc:sldMk cId="916248490" sldId="311"/>
-            <ac:spMk id="17" creationId="{B43B33E4-4F3A-63E0-83FB-F1AF5F586F90}"/>
-          </ac:spMkLst>
-        </pc:spChg>
-        <pc:spChg chg="add mod">
-          <ac:chgData name="菱田 寛之(Hiroyuki Hishida)" userId="0b678a1d-3430-4bff-929e-dc8c867d5f9d" providerId="ADAL" clId="{F4B0C7BE-0295-488E-97B1-E0C4953F9793}" dt="2025-05-16T06:06:45.468" v="181" actId="164"/>
-          <ac:spMkLst>
-            <pc:docMk/>
-            <pc:sldMk cId="916248490" sldId="311"/>
-            <ac:spMk id="18" creationId="{4B4499F2-C41A-51EA-2F04-FF1D6D91AAF6}"/>
-          </ac:spMkLst>
-        </pc:spChg>
-        <pc:spChg chg="add mod">
-          <ac:chgData name="菱田 寛之(Hiroyuki Hishida)" userId="0b678a1d-3430-4bff-929e-dc8c867d5f9d" providerId="ADAL" clId="{F4B0C7BE-0295-488E-97B1-E0C4953F9793}" dt="2025-05-16T06:21:02.687" v="1540" actId="1036"/>
-          <ac:spMkLst>
-            <pc:docMk/>
-            <pc:sldMk cId="916248490" sldId="311"/>
-            <ac:spMk id="21" creationId="{A981459E-C2F7-55FE-DA74-95648F736DF1}"/>
-          </ac:spMkLst>
-        </pc:spChg>
-        <pc:spChg chg="add mod">
-          <ac:chgData name="菱田 寛之(Hiroyuki Hishida)" userId="0b678a1d-3430-4bff-929e-dc8c867d5f9d" providerId="ADAL" clId="{F4B0C7BE-0295-488E-97B1-E0C4953F9793}" dt="2025-05-16T06:21:02.687" v="1540" actId="1036"/>
-          <ac:spMkLst>
-            <pc:docMk/>
-            <pc:sldMk cId="916248490" sldId="311"/>
-            <ac:spMk id="22" creationId="{DB75FA40-474A-2AA5-0C15-DA55C6578FB8}"/>
-          </ac:spMkLst>
-        </pc:spChg>
-        <pc:spChg chg="add mod">
-          <ac:chgData name="菱田 寛之(Hiroyuki Hishida)" userId="0b678a1d-3430-4bff-929e-dc8c867d5f9d" providerId="ADAL" clId="{F4B0C7BE-0295-488E-97B1-E0C4953F9793}" dt="2025-05-16T06:21:02.687" v="1540" actId="1036"/>
-          <ac:spMkLst>
-            <pc:docMk/>
-            <pc:sldMk cId="916248490" sldId="311"/>
-            <ac:spMk id="23" creationId="{5711B8D5-A041-4C21-58A1-F4C63AC6F433}"/>
-          </ac:spMkLst>
-        </pc:spChg>
-        <pc:spChg chg="mod">
-          <ac:chgData name="菱田 寛之(Hiroyuki Hishida)" userId="0b678a1d-3430-4bff-929e-dc8c867d5f9d" providerId="ADAL" clId="{F4B0C7BE-0295-488E-97B1-E0C4953F9793}" dt="2025-05-16T06:21:02.687" v="1540" actId="1036"/>
-          <ac:spMkLst>
-            <pc:docMk/>
-            <pc:sldMk cId="916248490" sldId="311"/>
-            <ac:spMk id="50" creationId="{68331D5B-E524-835D-1EBC-F05F79D2DCF5}"/>
-          </ac:spMkLst>
-        </pc:spChg>
-        <pc:spChg chg="add mod">
-          <ac:chgData name="菱田 寛之(Hiroyuki Hishida)" userId="0b678a1d-3430-4bff-929e-dc8c867d5f9d" providerId="ADAL" clId="{F4B0C7BE-0295-488E-97B1-E0C4953F9793}" dt="2025-05-16T06:21:02.687" v="1540" actId="1036"/>
-          <ac:spMkLst>
-            <pc:docMk/>
-            <pc:sldMk cId="916248490" sldId="311"/>
-            <ac:spMk id="56" creationId="{35EE2F3E-94F4-977A-1797-B4EA2D3944CD}"/>
-          </ac:spMkLst>
-        </pc:spChg>
-        <pc:spChg chg="add mod">
-          <ac:chgData name="菱田 寛之(Hiroyuki Hishida)" userId="0b678a1d-3430-4bff-929e-dc8c867d5f9d" providerId="ADAL" clId="{F4B0C7BE-0295-488E-97B1-E0C4953F9793}" dt="2025-05-16T06:21:02.687" v="1540" actId="1036"/>
-          <ac:spMkLst>
-            <pc:docMk/>
-            <pc:sldMk cId="916248490" sldId="311"/>
-            <ac:spMk id="57" creationId="{8DF83716-9611-5F9E-E8F4-FCE4377493C2}"/>
-          </ac:spMkLst>
-        </pc:spChg>
-        <pc:spChg chg="add mod">
-          <ac:chgData name="菱田 寛之(Hiroyuki Hishida)" userId="0b678a1d-3430-4bff-929e-dc8c867d5f9d" providerId="ADAL" clId="{F4B0C7BE-0295-488E-97B1-E0C4953F9793}" dt="2025-05-16T06:21:02.687" v="1540" actId="1036"/>
-          <ac:spMkLst>
-            <pc:docMk/>
-            <pc:sldMk cId="916248490" sldId="311"/>
-            <ac:spMk id="58" creationId="{76D94B13-4804-6D1E-1C63-F59E26B844DE}"/>
-          </ac:spMkLst>
-        </pc:spChg>
-        <pc:spChg chg="add mod">
-          <ac:chgData name="菱田 寛之(Hiroyuki Hishida)" userId="0b678a1d-3430-4bff-929e-dc8c867d5f9d" providerId="ADAL" clId="{F4B0C7BE-0295-488E-97B1-E0C4953F9793}" dt="2025-05-16T06:21:02.687" v="1540" actId="1036"/>
-          <ac:spMkLst>
-            <pc:docMk/>
-            <pc:sldMk cId="916248490" sldId="311"/>
-            <ac:spMk id="59" creationId="{5AE0A233-3A91-F388-C12C-F0240D73090C}"/>
-          </ac:spMkLst>
-        </pc:spChg>
-        <pc:spChg chg="add mod">
-          <ac:chgData name="菱田 寛之(Hiroyuki Hishida)" userId="0b678a1d-3430-4bff-929e-dc8c867d5f9d" providerId="ADAL" clId="{F4B0C7BE-0295-488E-97B1-E0C4953F9793}" dt="2025-05-16T06:21:02.687" v="1540" actId="1036"/>
-          <ac:spMkLst>
-            <pc:docMk/>
-            <pc:sldMk cId="916248490" sldId="311"/>
-            <ac:spMk id="60" creationId="{EF3AC5BD-5744-C4E7-9FC1-E7457A02312A}"/>
-          </ac:spMkLst>
-        </pc:spChg>
-        <pc:spChg chg="add mod">
-          <ac:chgData name="菱田 寛之(Hiroyuki Hishida)" userId="0b678a1d-3430-4bff-929e-dc8c867d5f9d" providerId="ADAL" clId="{F4B0C7BE-0295-488E-97B1-E0C4953F9793}" dt="2025-05-16T06:21:02.687" v="1540" actId="1036"/>
-          <ac:spMkLst>
-            <pc:docMk/>
-            <pc:sldMk cId="916248490" sldId="311"/>
-            <ac:spMk id="61" creationId="{E10AEBF8-F889-E87B-37E0-BD517AEF7E31}"/>
-          </ac:spMkLst>
-        </pc:spChg>
-        <pc:spChg chg="add mod">
-          <ac:chgData name="菱田 寛之(Hiroyuki Hishida)" userId="0b678a1d-3430-4bff-929e-dc8c867d5f9d" providerId="ADAL" clId="{F4B0C7BE-0295-488E-97B1-E0C4953F9793}" dt="2025-05-16T06:20:56.896" v="1528" actId="1036"/>
-          <ac:spMkLst>
-            <pc:docMk/>
-            <pc:sldMk cId="916248490" sldId="311"/>
-            <ac:spMk id="62" creationId="{4ED3FDE9-2520-40C9-FA94-5F7DF26F3DE7}"/>
-          </ac:spMkLst>
-        </pc:spChg>
-        <pc:grpChg chg="add del mod">
-          <ac:chgData name="菱田 寛之(Hiroyuki Hishida)" userId="0b678a1d-3430-4bff-929e-dc8c867d5f9d" providerId="ADAL" clId="{F4B0C7BE-0295-488E-97B1-E0C4953F9793}" dt="2025-05-16T06:08:12.285" v="202" actId="478"/>
-          <ac:grpSpMkLst>
-            <pc:docMk/>
-            <pc:sldMk cId="916248490" sldId="311"/>
-            <ac:grpSpMk id="20" creationId="{FEFEB2A9-8503-3340-D187-BC0258995C87}"/>
-          </ac:grpSpMkLst>
-        </pc:grpChg>
-        <pc:grpChg chg="add mod">
-          <ac:chgData name="菱田 寛之(Hiroyuki Hishida)" userId="0b678a1d-3430-4bff-929e-dc8c867d5f9d" providerId="ADAL" clId="{F4B0C7BE-0295-488E-97B1-E0C4953F9793}" dt="2025-05-16T06:21:02.687" v="1540" actId="1036"/>
-          <ac:grpSpMkLst>
-            <pc:docMk/>
-            <pc:sldMk cId="916248490" sldId="311"/>
-            <ac:grpSpMk id="49" creationId="{2C05B6B4-D9D7-F151-FCDF-BA64B2263088}"/>
-          </ac:grpSpMkLst>
-        </pc:grpChg>
-        <pc:picChg chg="add mod">
-          <ac:chgData name="菱田 寛之(Hiroyuki Hishida)" userId="0b678a1d-3430-4bff-929e-dc8c867d5f9d" providerId="ADAL" clId="{F4B0C7BE-0295-488E-97B1-E0C4953F9793}" dt="2025-05-16T06:21:02.687" v="1540" actId="1036"/>
-          <ac:picMkLst>
-            <pc:docMk/>
-            <pc:sldMk cId="916248490" sldId="311"/>
-            <ac:picMk id="5" creationId="{608A13E9-FEFC-8204-0114-6E359A029CC2}"/>
-          </ac:picMkLst>
-        </pc:picChg>
-        <pc:picChg chg="add mod">
-          <ac:chgData name="菱田 寛之(Hiroyuki Hishida)" userId="0b678a1d-3430-4bff-929e-dc8c867d5f9d" providerId="ADAL" clId="{F4B0C7BE-0295-488E-97B1-E0C4953F9793}" dt="2025-05-16T06:21:02.687" v="1540" actId="1036"/>
-          <ac:picMkLst>
-            <pc:docMk/>
-            <pc:sldMk cId="916248490" sldId="311"/>
-            <ac:picMk id="7" creationId="{8984A73E-6FD5-455E-F8D4-F51F7F8BC657}"/>
-          </ac:picMkLst>
-        </pc:picChg>
-        <pc:picChg chg="add mod">
-          <ac:chgData name="菱田 寛之(Hiroyuki Hishida)" userId="0b678a1d-3430-4bff-929e-dc8c867d5f9d" providerId="ADAL" clId="{F4B0C7BE-0295-488E-97B1-E0C4953F9793}" dt="2025-05-16T06:21:02.687" v="1540" actId="1036"/>
-          <ac:picMkLst>
-            <pc:docMk/>
-            <pc:sldMk cId="916248490" sldId="311"/>
-            <ac:picMk id="9" creationId="{D3B71E8A-EA35-7680-1539-79AD95BFD34A}"/>
-          </ac:picMkLst>
-        </pc:picChg>
-        <pc:picChg chg="add mod">
-          <ac:chgData name="菱田 寛之(Hiroyuki Hishida)" userId="0b678a1d-3430-4bff-929e-dc8c867d5f9d" providerId="ADAL" clId="{F4B0C7BE-0295-488E-97B1-E0C4953F9793}" dt="2025-05-16T06:21:02.687" v="1540" actId="1036"/>
-          <ac:picMkLst>
-            <pc:docMk/>
-            <pc:sldMk cId="916248490" sldId="311"/>
-            <ac:picMk id="11" creationId="{F4430F18-47F0-CD17-21DE-1433EA75AA54}"/>
-          </ac:picMkLst>
-        </pc:picChg>
-        <pc:picChg chg="add del mod">
-          <ac:chgData name="菱田 寛之(Hiroyuki Hishida)" userId="0b678a1d-3430-4bff-929e-dc8c867d5f9d" providerId="ADAL" clId="{F4B0C7BE-0295-488E-97B1-E0C4953F9793}" dt="2025-05-16T06:10:50.203" v="247" actId="478"/>
-          <ac:picMkLst>
-            <pc:docMk/>
-            <pc:sldMk cId="916248490" sldId="311"/>
-            <ac:picMk id="13" creationId="{5F2B5DB7-D0AD-D2BA-D976-9B76A6E6490A}"/>
-          </ac:picMkLst>
-        </pc:picChg>
-        <pc:picChg chg="add mod">
-          <ac:chgData name="菱田 寛之(Hiroyuki Hishida)" userId="0b678a1d-3430-4bff-929e-dc8c867d5f9d" providerId="ADAL" clId="{F4B0C7BE-0295-488E-97B1-E0C4953F9793}" dt="2025-05-16T06:21:02.687" v="1540" actId="1036"/>
-          <ac:picMkLst>
-            <pc:docMk/>
-            <pc:sldMk cId="916248490" sldId="311"/>
-            <ac:picMk id="15" creationId="{3BCEDA5A-C209-C457-73AE-E88F440C2717}"/>
-          </ac:picMkLst>
-        </pc:picChg>
-        <pc:picChg chg="add mod">
-          <ac:chgData name="菱田 寛之(Hiroyuki Hishida)" userId="0b678a1d-3430-4bff-929e-dc8c867d5f9d" providerId="ADAL" clId="{F4B0C7BE-0295-488E-97B1-E0C4953F9793}" dt="2025-05-16T06:06:45.468" v="181" actId="164"/>
-          <ac:picMkLst>
-            <pc:docMk/>
-            <pc:sldMk cId="916248490" sldId="311"/>
-            <ac:picMk id="19" creationId="{1F765AF2-D5EF-18A2-89F0-B1433A314EF6}"/>
-          </ac:picMkLst>
-        </pc:picChg>
-        <pc:picChg chg="add mod">
-          <ac:chgData name="菱田 寛之(Hiroyuki Hishida)" userId="0b678a1d-3430-4bff-929e-dc8c867d5f9d" providerId="ADAL" clId="{F4B0C7BE-0295-488E-97B1-E0C4953F9793}" dt="2025-05-16T06:21:02.687" v="1540" actId="1036"/>
-          <ac:picMkLst>
-            <pc:docMk/>
-            <pc:sldMk cId="916248490" sldId="311"/>
-            <ac:picMk id="24" creationId="{A782DA64-2047-DEF5-61BF-CE450B759A3B}"/>
-          </ac:picMkLst>
-        </pc:picChg>
-        <pc:picChg chg="mod">
-          <ac:chgData name="菱田 寛之(Hiroyuki Hishida)" userId="0b678a1d-3430-4bff-929e-dc8c867d5f9d" providerId="ADAL" clId="{F4B0C7BE-0295-488E-97B1-E0C4953F9793}" dt="2025-05-16T06:21:02.687" v="1540" actId="1036"/>
-          <ac:picMkLst>
-            <pc:docMk/>
-            <pc:sldMk cId="916248490" sldId="311"/>
-            <ac:picMk id="51" creationId="{4855784D-2A9A-88C7-D5BE-723D44362D9D}"/>
-          </ac:picMkLst>
-        </pc:picChg>
-        <pc:picChg chg="add mod">
-          <ac:chgData name="菱田 寛之(Hiroyuki Hishida)" userId="0b678a1d-3430-4bff-929e-dc8c867d5f9d" providerId="ADAL" clId="{F4B0C7BE-0295-488E-97B1-E0C4953F9793}" dt="2025-05-16T06:21:02.687" v="1540" actId="1036"/>
-          <ac:picMkLst>
-            <pc:docMk/>
-            <pc:sldMk cId="916248490" sldId="311"/>
-            <ac:picMk id="52" creationId="{8EFE8F84-957B-0D10-A0CF-420AD4CD94D5}"/>
-          </ac:picMkLst>
-        </pc:picChg>
-        <pc:picChg chg="add mod">
-          <ac:chgData name="菱田 寛之(Hiroyuki Hishida)" userId="0b678a1d-3430-4bff-929e-dc8c867d5f9d" providerId="ADAL" clId="{F4B0C7BE-0295-488E-97B1-E0C4953F9793}" dt="2025-05-16T06:21:02.687" v="1540" actId="1036"/>
-          <ac:picMkLst>
-            <pc:docMk/>
-            <pc:sldMk cId="916248490" sldId="311"/>
-            <ac:picMk id="53" creationId="{01329FA7-3D97-77DF-FFDD-F1FB1ED65D93}"/>
-          </ac:picMkLst>
-        </pc:picChg>
-        <pc:picChg chg="add mod">
-          <ac:chgData name="菱田 寛之(Hiroyuki Hishida)" userId="0b678a1d-3430-4bff-929e-dc8c867d5f9d" providerId="ADAL" clId="{F4B0C7BE-0295-488E-97B1-E0C4953F9793}" dt="2025-05-16T06:21:02.687" v="1540" actId="1036"/>
-          <ac:picMkLst>
-            <pc:docMk/>
-            <pc:sldMk cId="916248490" sldId="311"/>
-            <ac:picMk id="54" creationId="{278E1655-9912-748F-D701-EA206FB6B762}"/>
-          </ac:picMkLst>
-        </pc:picChg>
-        <pc:picChg chg="add mod">
-          <ac:chgData name="菱田 寛之(Hiroyuki Hishida)" userId="0b678a1d-3430-4bff-929e-dc8c867d5f9d" providerId="ADAL" clId="{F4B0C7BE-0295-488E-97B1-E0C4953F9793}" dt="2025-05-16T06:21:02.687" v="1540" actId="1036"/>
-          <ac:picMkLst>
-            <pc:docMk/>
-            <pc:sldMk cId="916248490" sldId="311"/>
-            <ac:picMk id="55" creationId="{A2F4CB98-1D4D-7E63-C4BD-6927DD70C175}"/>
-          </ac:picMkLst>
-        </pc:picChg>
-        <pc:picChg chg="add del">
-          <ac:chgData name="菱田 寛之(Hiroyuki Hishida)" userId="0b678a1d-3430-4bff-929e-dc8c867d5f9d" providerId="ADAL" clId="{F4B0C7BE-0295-488E-97B1-E0C4953F9793}" dt="2025-05-16T06:06:18.004" v="179"/>
-          <ac:picMkLst>
-            <pc:docMk/>
-            <pc:sldMk cId="916248490" sldId="311"/>
-            <ac:picMk id="1026" creationId="{15D4E4D6-FF6D-8797-68D8-6426500B22AB}"/>
-          </ac:picMkLst>
-        </pc:picChg>
-        <pc:cxnChg chg="add mod">
-          <ac:chgData name="菱田 寛之(Hiroyuki Hishida)" userId="0b678a1d-3430-4bff-929e-dc8c867d5f9d" providerId="ADAL" clId="{F4B0C7BE-0295-488E-97B1-E0C4953F9793}" dt="2025-05-16T06:21:02.687" v="1540" actId="1036"/>
-          <ac:cxnSpMkLst>
-            <pc:docMk/>
-            <pc:sldMk cId="916248490" sldId="311"/>
-            <ac:cxnSpMk id="26" creationId="{EFB31504-83A5-75A4-240B-31B162B27236}"/>
-          </ac:cxnSpMkLst>
-        </pc:cxnChg>
-        <pc:cxnChg chg="add mod">
-          <ac:chgData name="菱田 寛之(Hiroyuki Hishida)" userId="0b678a1d-3430-4bff-929e-dc8c867d5f9d" providerId="ADAL" clId="{F4B0C7BE-0295-488E-97B1-E0C4953F9793}" dt="2025-05-16T06:21:02.687" v="1540" actId="1036"/>
-          <ac:cxnSpMkLst>
-            <pc:docMk/>
-            <pc:sldMk cId="916248490" sldId="311"/>
-            <ac:cxnSpMk id="27" creationId="{B3F2102F-10E2-EBD5-C3ED-4EC235001F13}"/>
-          </ac:cxnSpMkLst>
-        </pc:cxnChg>
-        <pc:cxnChg chg="add del mod">
-          <ac:chgData name="菱田 寛之(Hiroyuki Hishida)" userId="0b678a1d-3430-4bff-929e-dc8c867d5f9d" providerId="ADAL" clId="{F4B0C7BE-0295-488E-97B1-E0C4953F9793}" dt="2025-05-16T06:08:58.701" v="216" actId="478"/>
-          <ac:cxnSpMkLst>
-            <pc:docMk/>
-            <pc:sldMk cId="916248490" sldId="311"/>
-            <ac:cxnSpMk id="30" creationId="{BAD4AA57-80C0-3471-8893-CB6E0C5BB81D}"/>
-          </ac:cxnSpMkLst>
-        </pc:cxnChg>
-        <pc:cxnChg chg="add mod">
-          <ac:chgData name="菱田 寛之(Hiroyuki Hishida)" userId="0b678a1d-3430-4bff-929e-dc8c867d5f9d" providerId="ADAL" clId="{F4B0C7BE-0295-488E-97B1-E0C4953F9793}" dt="2025-05-16T06:21:02.687" v="1540" actId="1036"/>
-          <ac:cxnSpMkLst>
-            <pc:docMk/>
-            <pc:sldMk cId="916248490" sldId="311"/>
-            <ac:cxnSpMk id="34" creationId="{090D1ABE-BE2D-B781-0BC1-9B7FC6B6DA34}"/>
-          </ac:cxnSpMkLst>
-        </pc:cxnChg>
-        <pc:cxnChg chg="add mod">
-          <ac:chgData name="菱田 寛之(Hiroyuki Hishida)" userId="0b678a1d-3430-4bff-929e-dc8c867d5f9d" providerId="ADAL" clId="{F4B0C7BE-0295-488E-97B1-E0C4953F9793}" dt="2025-05-16T06:21:02.687" v="1540" actId="1036"/>
-          <ac:cxnSpMkLst>
-            <pc:docMk/>
-            <pc:sldMk cId="916248490" sldId="311"/>
-            <ac:cxnSpMk id="35" creationId="{7B708961-D0B6-0AB4-0D5F-3EEE1DE1F057}"/>
-          </ac:cxnSpMkLst>
-        </pc:cxnChg>
-        <pc:cxnChg chg="add mod">
-          <ac:chgData name="菱田 寛之(Hiroyuki Hishida)" userId="0b678a1d-3430-4bff-929e-dc8c867d5f9d" providerId="ADAL" clId="{F4B0C7BE-0295-488E-97B1-E0C4953F9793}" dt="2025-05-16T06:21:02.687" v="1540" actId="1036"/>
-          <ac:cxnSpMkLst>
-            <pc:docMk/>
-            <pc:sldMk cId="916248490" sldId="311"/>
-            <ac:cxnSpMk id="38" creationId="{1A2790BE-9BFD-D7F0-250E-B49FD7FFE3C7}"/>
-          </ac:cxnSpMkLst>
-        </pc:cxnChg>
-        <pc:cxnChg chg="add mod">
-          <ac:chgData name="菱田 寛之(Hiroyuki Hishida)" userId="0b678a1d-3430-4bff-929e-dc8c867d5f9d" providerId="ADAL" clId="{F4B0C7BE-0295-488E-97B1-E0C4953F9793}" dt="2025-05-16T06:21:02.687" v="1540" actId="1036"/>
-          <ac:cxnSpMkLst>
-            <pc:docMk/>
-            <pc:sldMk cId="916248490" sldId="311"/>
-            <ac:cxnSpMk id="41" creationId="{A5139DD3-CDC8-8E93-C7FE-D33F96F7DC7F}"/>
-          </ac:cxnSpMkLst>
-        </pc:cxnChg>
-        <pc:cxnChg chg="add del mod">
-          <ac:chgData name="菱田 寛之(Hiroyuki Hishida)" userId="0b678a1d-3430-4bff-929e-dc8c867d5f9d" providerId="ADAL" clId="{F4B0C7BE-0295-488E-97B1-E0C4953F9793}" dt="2025-05-16T06:10:03.991" v="228"/>
-          <ac:cxnSpMkLst>
-            <pc:docMk/>
-            <pc:sldMk cId="916248490" sldId="311"/>
-            <ac:cxnSpMk id="44" creationId="{AFB6722C-DAFD-5321-17B8-4AE3CEDC46E5}"/>
-          </ac:cxnSpMkLst>
-        </pc:cxnChg>
-        <pc:cxnChg chg="add mod">
-          <ac:chgData name="菱田 寛之(Hiroyuki Hishida)" userId="0b678a1d-3430-4bff-929e-dc8c867d5f9d" providerId="ADAL" clId="{F4B0C7BE-0295-488E-97B1-E0C4953F9793}" dt="2025-05-16T06:21:02.687" v="1540" actId="1036"/>
-          <ac:cxnSpMkLst>
-            <pc:docMk/>
-            <pc:sldMk cId="916248490" sldId="311"/>
-            <ac:cxnSpMk id="45" creationId="{A996EB61-E624-E0B0-415E-66DC02C9CE76}"/>
-          </ac:cxnSpMkLst>
-        </pc:cxnChg>
-      </pc:sldChg>
-      <pc:sldChg chg="new">
-        <pc:chgData name="菱田 寛之(Hiroyuki Hishida)" userId="0b678a1d-3430-4bff-929e-dc8c867d5f9d" providerId="ADAL" clId="{F4B0C7BE-0295-488E-97B1-E0C4953F9793}" dt="2025-05-16T06:25:49.442" v="1541" actId="680"/>
-        <pc:sldMkLst>
-          <pc:docMk/>
-          <pc:sldMk cId="111196494" sldId="312"/>
-        </pc:sldMkLst>
-      </pc:sldChg>
-    </pc:docChg>
-  </pc:docChgLst>
-  <pc:docChgLst>
     <pc:chgData name="菱田 寛之(Hiroyuki Hishida)" userId="0b678a1d-3430-4bff-929e-dc8c867d5f9d" providerId="ADAL" clId="{0A02F421-C705-4E16-9D22-542AFB325BD4}"/>
     <pc:docChg chg="undo custSel addSld delSld modSld sldOrd">
       <pc:chgData name="菱田 寛之(Hiroyuki Hishida)" userId="0b678a1d-3430-4bff-929e-dc8c867d5f9d" providerId="ADAL" clId="{0A02F421-C705-4E16-9D22-542AFB325BD4}" dt="2025-01-15T07:22:27.033" v="3793"/>
@@ -1309,6 +1311,1078 @@
     </pc:docChg>
   </pc:docChgLst>
 </pc:chgInfo>
+</file>
+
+<file path=ppt/charts/chart1.xml><?xml version="1.0" encoding="utf-8"?>
+<c:chartSpace xmlns:c="http://schemas.openxmlformats.org/drawingml/2006/chart" xmlns:a="http://schemas.openxmlformats.org/drawingml/2006/main" xmlns:r="http://schemas.openxmlformats.org/officeDocument/2006/relationships" xmlns:c16r2="http://schemas.microsoft.com/office/drawing/2015/06/chart">
+  <c:date1904 val="0"/>
+  <c:lang val="ja-JP"/>
+  <c:roundedCorners val="0"/>
+  <mc:AlternateContent xmlns:mc="http://schemas.openxmlformats.org/markup-compatibility/2006">
+    <mc:Choice xmlns:c14="http://schemas.microsoft.com/office/drawing/2007/8/2/chart" Requires="c14">
+      <c14:style val="102"/>
+    </mc:Choice>
+    <mc:Fallback>
+      <c:style val="2"/>
+    </mc:Fallback>
+  </mc:AlternateContent>
+  <c:chart>
+    <c:title>
+      <c:tx>
+        <c:rich>
+          <a:bodyPr rot="0" spcFirstLastPara="1" vertOverflow="ellipsis" vert="horz" wrap="square" anchor="ctr" anchorCtr="1"/>
+          <a:lstStyle/>
+          <a:p>
+            <a:pPr>
+              <a:defRPr sz="1400" b="0" i="0" u="none" strike="noStrike" kern="1200" spc="0" baseline="0">
+                <a:solidFill>
+                  <a:schemeClr val="tx1">
+                    <a:lumMod val="65000"/>
+                    <a:lumOff val="35000"/>
+                  </a:schemeClr>
+                </a:solidFill>
+                <a:latin typeface="+mn-lt"/>
+                <a:ea typeface="+mn-ea"/>
+                <a:cs typeface="+mn-cs"/>
+              </a:defRPr>
+            </a:pPr>
+            <a:r>
+              <a:rPr lang="en-US" altLang="ja-JP"/>
+              <a:t>Tokyo</a:t>
+            </a:r>
+            <a:r>
+              <a:rPr lang="en-US" altLang="ja-JP" baseline="0"/>
+              <a:t> sensitivy analysis [GWh / monthly]</a:t>
+            </a:r>
+            <a:endParaRPr lang="ja-JP" altLang="en-US"/>
+          </a:p>
+        </c:rich>
+      </c:tx>
+      <c:overlay val="0"/>
+      <c:spPr>
+        <a:noFill/>
+        <a:ln>
+          <a:noFill/>
+        </a:ln>
+        <a:effectLst/>
+      </c:spPr>
+      <c:txPr>
+        <a:bodyPr rot="0" spcFirstLastPara="1" vertOverflow="ellipsis" vert="horz" wrap="square" anchor="ctr" anchorCtr="1"/>
+        <a:lstStyle/>
+        <a:p>
+          <a:pPr>
+            <a:defRPr sz="1400" b="0" i="0" u="none" strike="noStrike" kern="1200" spc="0" baseline="0">
+              <a:solidFill>
+                <a:schemeClr val="tx1">
+                  <a:lumMod val="65000"/>
+                  <a:lumOff val="35000"/>
+                </a:schemeClr>
+              </a:solidFill>
+              <a:latin typeface="+mn-lt"/>
+              <a:ea typeface="+mn-ea"/>
+              <a:cs typeface="+mn-cs"/>
+            </a:defRPr>
+          </a:pPr>
+          <a:endParaRPr lang="ja-JP"/>
+        </a:p>
+      </c:txPr>
+    </c:title>
+    <c:autoTitleDeleted val="0"/>
+    <c:plotArea>
+      <c:layout/>
+      <c:lineChart>
+        <c:grouping val="standard"/>
+        <c:varyColors val="0"/>
+        <c:ser>
+          <c:idx val="0"/>
+          <c:order val="0"/>
+          <c:tx>
+            <c:strRef>
+              <c:f>delta_Demand_Tokyo!$E$1</c:f>
+              <c:strCache>
+                <c:ptCount val="1"/>
+                <c:pt idx="0">
+                  <c:v>demand</c:v>
+                </c:pt>
+              </c:strCache>
+            </c:strRef>
+          </c:tx>
+          <c:spPr>
+            <a:ln w="28575" cap="rnd">
+              <a:solidFill>
+                <a:schemeClr val="accent1"/>
+              </a:solidFill>
+              <a:round/>
+            </a:ln>
+            <a:effectLst/>
+          </c:spPr>
+          <c:marker>
+            <c:symbol val="none"/>
+          </c:marker>
+          <c:cat>
+            <c:strRef>
+              <c:f>delta_Demand_Tokyo!$D$2:$D$13</c:f>
+              <c:strCache>
+                <c:ptCount val="12"/>
+                <c:pt idx="0">
+                  <c:v>April</c:v>
+                </c:pt>
+                <c:pt idx="1">
+                  <c:v>May</c:v>
+                </c:pt>
+                <c:pt idx="2">
+                  <c:v>June</c:v>
+                </c:pt>
+                <c:pt idx="3">
+                  <c:v>July</c:v>
+                </c:pt>
+                <c:pt idx="4">
+                  <c:v>August</c:v>
+                </c:pt>
+                <c:pt idx="5">
+                  <c:v>September</c:v>
+                </c:pt>
+                <c:pt idx="6">
+                  <c:v>October</c:v>
+                </c:pt>
+                <c:pt idx="7">
+                  <c:v>November</c:v>
+                </c:pt>
+                <c:pt idx="8">
+                  <c:v>December</c:v>
+                </c:pt>
+                <c:pt idx="9">
+                  <c:v>January</c:v>
+                </c:pt>
+                <c:pt idx="10">
+                  <c:v>February</c:v>
+                </c:pt>
+                <c:pt idx="11">
+                  <c:v>March</c:v>
+                </c:pt>
+              </c:strCache>
+            </c:strRef>
+          </c:cat>
+          <c:val>
+            <c:numRef>
+              <c:f>delta_Demand_Tokyo!$E$2:$E$13</c:f>
+              <c:numCache>
+                <c:formatCode>General</c:formatCode>
+                <c:ptCount val="12"/>
+                <c:pt idx="0">
+                  <c:v>-209.19833659056499</c:v>
+                </c:pt>
+                <c:pt idx="1">
+                  <c:v>86.738423996270896</c:v>
+                </c:pt>
+                <c:pt idx="2">
+                  <c:v>359.653047998131</c:v>
+                </c:pt>
+                <c:pt idx="3">
+                  <c:v>861.94880223490202</c:v>
+                </c:pt>
+                <c:pt idx="4">
+                  <c:v>836.77055834363205</c:v>
+                </c:pt>
+                <c:pt idx="5">
+                  <c:v>667.66239696927005</c:v>
+                </c:pt>
+                <c:pt idx="6">
+                  <c:v>104.55577247712201</c:v>
+                </c:pt>
+                <c:pt idx="7">
+                  <c:v>-298.975647206318</c:v>
+                </c:pt>
+                <c:pt idx="8">
+                  <c:v>-567.64295710190402</c:v>
+                </c:pt>
+                <c:pt idx="9">
+                  <c:v>-558.82391636464899</c:v>
+                </c:pt>
+                <c:pt idx="10">
+                  <c:v>-491.58809391941497</c:v>
+                </c:pt>
+                <c:pt idx="11">
+                  <c:v>-476.025486938825</c:v>
+                </c:pt>
+              </c:numCache>
+            </c:numRef>
+          </c:val>
+          <c:smooth val="0"/>
+          <c:extLst>
+            <c:ext xmlns:c16="http://schemas.microsoft.com/office/drawing/2014/chart" uri="{C3380CC4-5D6E-409C-BE32-E72D297353CC}">
+              <c16:uniqueId val="{00000000-51C3-4E83-B871-1A21B18EF81C}"/>
+            </c:ext>
+          </c:extLst>
+        </c:ser>
+        <c:ser>
+          <c:idx val="1"/>
+          <c:order val="1"/>
+          <c:tx>
+            <c:strRef>
+              <c:f>delta_Demand_Tokyo!$F$1</c:f>
+              <c:strCache>
+                <c:ptCount val="1"/>
+                <c:pt idx="0">
+                  <c:v>residual demand</c:v>
+                </c:pt>
+              </c:strCache>
+            </c:strRef>
+          </c:tx>
+          <c:spPr>
+            <a:ln w="28575" cap="rnd">
+              <a:solidFill>
+                <a:schemeClr val="accent2"/>
+              </a:solidFill>
+              <a:round/>
+            </a:ln>
+            <a:effectLst/>
+          </c:spPr>
+          <c:marker>
+            <c:symbol val="none"/>
+          </c:marker>
+          <c:cat>
+            <c:strRef>
+              <c:f>delta_Demand_Tokyo!$D$2:$D$13</c:f>
+              <c:strCache>
+                <c:ptCount val="12"/>
+                <c:pt idx="0">
+                  <c:v>April</c:v>
+                </c:pt>
+                <c:pt idx="1">
+                  <c:v>May</c:v>
+                </c:pt>
+                <c:pt idx="2">
+                  <c:v>June</c:v>
+                </c:pt>
+                <c:pt idx="3">
+                  <c:v>July</c:v>
+                </c:pt>
+                <c:pt idx="4">
+                  <c:v>August</c:v>
+                </c:pt>
+                <c:pt idx="5">
+                  <c:v>September</c:v>
+                </c:pt>
+                <c:pt idx="6">
+                  <c:v>October</c:v>
+                </c:pt>
+                <c:pt idx="7">
+                  <c:v>November</c:v>
+                </c:pt>
+                <c:pt idx="8">
+                  <c:v>December</c:v>
+                </c:pt>
+                <c:pt idx="9">
+                  <c:v>January</c:v>
+                </c:pt>
+                <c:pt idx="10">
+                  <c:v>February</c:v>
+                </c:pt>
+                <c:pt idx="11">
+                  <c:v>March</c:v>
+                </c:pt>
+              </c:strCache>
+            </c:strRef>
+          </c:cat>
+          <c:val>
+            <c:numRef>
+              <c:f>delta_Demand_Tokyo!$F$2:$F$13</c:f>
+              <c:numCache>
+                <c:formatCode>General</c:formatCode>
+                <c:ptCount val="12"/>
+                <c:pt idx="0">
+                  <c:v>-187.35011700000001</c:v>
+                </c:pt>
+                <c:pt idx="1">
+                  <c:v>29.661894790000002</c:v>
+                </c:pt>
+                <c:pt idx="2">
+                  <c:v>262.32501209999998</c:v>
+                </c:pt>
+                <c:pt idx="3">
+                  <c:v>677.42698110000003</c:v>
+                </c:pt>
+                <c:pt idx="4">
+                  <c:v>647.79315970000005</c:v>
+                </c:pt>
+                <c:pt idx="5">
+                  <c:v>605.07743470000003</c:v>
+                </c:pt>
+                <c:pt idx="6">
+                  <c:v>142.38586190000001</c:v>
+                </c:pt>
+                <c:pt idx="7">
+                  <c:v>-272.7926847</c:v>
+                </c:pt>
+                <c:pt idx="8">
+                  <c:v>-515.62389350000001</c:v>
+                </c:pt>
+                <c:pt idx="9">
+                  <c:v>-525.59391589999996</c:v>
+                </c:pt>
+                <c:pt idx="10">
+                  <c:v>-464.03497370000002</c:v>
+                </c:pt>
+                <c:pt idx="11">
+                  <c:v>-481.71582419999999</c:v>
+                </c:pt>
+              </c:numCache>
+            </c:numRef>
+          </c:val>
+          <c:smooth val="0"/>
+          <c:extLst>
+            <c:ext xmlns:c16="http://schemas.microsoft.com/office/drawing/2014/chart" uri="{C3380CC4-5D6E-409C-BE32-E72D297353CC}">
+              <c16:uniqueId val="{00000001-51C3-4E83-B871-1A21B18EF81C}"/>
+            </c:ext>
+          </c:extLst>
+        </c:ser>
+        <c:dLbls>
+          <c:showLegendKey val="0"/>
+          <c:showVal val="0"/>
+          <c:showCatName val="0"/>
+          <c:showSerName val="0"/>
+          <c:showPercent val="0"/>
+          <c:showBubbleSize val="0"/>
+        </c:dLbls>
+        <c:smooth val="0"/>
+        <c:axId val="1088916863"/>
+        <c:axId val="1162782671"/>
+      </c:lineChart>
+      <c:catAx>
+        <c:axId val="1088916863"/>
+        <c:scaling>
+          <c:orientation val="minMax"/>
+        </c:scaling>
+        <c:delete val="0"/>
+        <c:axPos val="b"/>
+        <c:numFmt formatCode="General" sourceLinked="1"/>
+        <c:majorTickMark val="none"/>
+        <c:minorTickMark val="none"/>
+        <c:tickLblPos val="nextTo"/>
+        <c:spPr>
+          <a:noFill/>
+          <a:ln w="9525" cap="flat" cmpd="sng" algn="ctr">
+            <a:solidFill>
+              <a:schemeClr val="tx1">
+                <a:lumMod val="15000"/>
+                <a:lumOff val="85000"/>
+              </a:schemeClr>
+            </a:solidFill>
+            <a:round/>
+          </a:ln>
+          <a:effectLst/>
+        </c:spPr>
+        <c:txPr>
+          <a:bodyPr rot="-60000000" spcFirstLastPara="1" vertOverflow="ellipsis" vert="horz" wrap="square" anchor="ctr" anchorCtr="1"/>
+          <a:lstStyle/>
+          <a:p>
+            <a:pPr>
+              <a:defRPr sz="900" b="0" i="0" u="none" strike="noStrike" kern="1200" baseline="0">
+                <a:solidFill>
+                  <a:schemeClr val="tx1">
+                    <a:lumMod val="65000"/>
+                    <a:lumOff val="35000"/>
+                  </a:schemeClr>
+                </a:solidFill>
+                <a:latin typeface="+mn-lt"/>
+                <a:ea typeface="+mn-ea"/>
+                <a:cs typeface="+mn-cs"/>
+              </a:defRPr>
+            </a:pPr>
+            <a:endParaRPr lang="ja-JP"/>
+          </a:p>
+        </c:txPr>
+        <c:crossAx val="1162782671"/>
+        <c:crosses val="autoZero"/>
+        <c:auto val="1"/>
+        <c:lblAlgn val="ctr"/>
+        <c:lblOffset val="100"/>
+        <c:noMultiLvlLbl val="0"/>
+      </c:catAx>
+      <c:valAx>
+        <c:axId val="1162782671"/>
+        <c:scaling>
+          <c:orientation val="minMax"/>
+        </c:scaling>
+        <c:delete val="0"/>
+        <c:axPos val="l"/>
+        <c:majorGridlines>
+          <c:spPr>
+            <a:ln w="9525" cap="flat" cmpd="sng" algn="ctr">
+              <a:solidFill>
+                <a:schemeClr val="tx1">
+                  <a:lumMod val="15000"/>
+                  <a:lumOff val="85000"/>
+                </a:schemeClr>
+              </a:solidFill>
+              <a:round/>
+            </a:ln>
+            <a:effectLst/>
+          </c:spPr>
+        </c:majorGridlines>
+        <c:numFmt formatCode="General" sourceLinked="1"/>
+        <c:majorTickMark val="none"/>
+        <c:minorTickMark val="none"/>
+        <c:tickLblPos val="nextTo"/>
+        <c:spPr>
+          <a:noFill/>
+          <a:ln>
+            <a:noFill/>
+          </a:ln>
+          <a:effectLst/>
+        </c:spPr>
+        <c:txPr>
+          <a:bodyPr rot="-60000000" spcFirstLastPara="1" vertOverflow="ellipsis" vert="horz" wrap="square" anchor="ctr" anchorCtr="1"/>
+          <a:lstStyle/>
+          <a:p>
+            <a:pPr>
+              <a:defRPr sz="900" b="0" i="0" u="none" strike="noStrike" kern="1200" baseline="0">
+                <a:solidFill>
+                  <a:schemeClr val="tx1">
+                    <a:lumMod val="65000"/>
+                    <a:lumOff val="35000"/>
+                  </a:schemeClr>
+                </a:solidFill>
+                <a:latin typeface="+mn-lt"/>
+                <a:ea typeface="+mn-ea"/>
+                <a:cs typeface="+mn-cs"/>
+              </a:defRPr>
+            </a:pPr>
+            <a:endParaRPr lang="ja-JP"/>
+          </a:p>
+        </c:txPr>
+        <c:crossAx val="1088916863"/>
+        <c:crosses val="autoZero"/>
+        <c:crossBetween val="between"/>
+      </c:valAx>
+      <c:spPr>
+        <a:noFill/>
+        <a:ln>
+          <a:noFill/>
+        </a:ln>
+        <a:effectLst/>
+      </c:spPr>
+    </c:plotArea>
+    <c:legend>
+      <c:legendPos val="b"/>
+      <c:overlay val="0"/>
+      <c:spPr>
+        <a:noFill/>
+        <a:ln>
+          <a:noFill/>
+        </a:ln>
+        <a:effectLst/>
+      </c:spPr>
+      <c:txPr>
+        <a:bodyPr rot="0" spcFirstLastPara="1" vertOverflow="ellipsis" vert="horz" wrap="square" anchor="ctr" anchorCtr="1"/>
+        <a:lstStyle/>
+        <a:p>
+          <a:pPr>
+            <a:defRPr sz="900" b="0" i="0" u="none" strike="noStrike" kern="1200" baseline="0">
+              <a:solidFill>
+                <a:schemeClr val="tx1">
+                  <a:lumMod val="65000"/>
+                  <a:lumOff val="35000"/>
+                </a:schemeClr>
+              </a:solidFill>
+              <a:latin typeface="+mn-lt"/>
+              <a:ea typeface="+mn-ea"/>
+              <a:cs typeface="+mn-cs"/>
+            </a:defRPr>
+          </a:pPr>
+          <a:endParaRPr lang="ja-JP"/>
+        </a:p>
+      </c:txPr>
+    </c:legend>
+    <c:plotVisOnly val="1"/>
+    <c:dispBlanksAs val="gap"/>
+    <c:extLst>
+      <c:ext xmlns:c16r3="http://schemas.microsoft.com/office/drawing/2017/03/chart" uri="{56B9EC1D-385E-4148-901F-78D8002777C0}">
+        <c16r3:dataDisplayOptions16>
+          <c16r3:dispNaAsBlank val="1"/>
+        </c16r3:dataDisplayOptions16>
+      </c:ext>
+    </c:extLst>
+    <c:showDLblsOverMax val="0"/>
+  </c:chart>
+  <c:spPr>
+    <a:noFill/>
+    <a:ln>
+      <a:noFill/>
+    </a:ln>
+    <a:effectLst/>
+  </c:spPr>
+  <c:txPr>
+    <a:bodyPr/>
+    <a:lstStyle/>
+    <a:p>
+      <a:pPr>
+        <a:defRPr/>
+      </a:pPr>
+      <a:endParaRPr lang="ja-JP"/>
+    </a:p>
+  </c:txPr>
+  <c:externalData r:id="rId3">
+    <c:autoUpdate val="0"/>
+  </c:externalData>
+</c:chartSpace>
+</file>
+
+<file path=ppt/charts/colors1.xml><?xml version="1.0" encoding="utf-8"?>
+<cs:colorStyle xmlns:cs="http://schemas.microsoft.com/office/drawing/2012/chartStyle" xmlns:a="http://schemas.openxmlformats.org/drawingml/2006/main" meth="cycle" id="10">
+  <a:schemeClr val="accent1"/>
+  <a:schemeClr val="accent2"/>
+  <a:schemeClr val="accent3"/>
+  <a:schemeClr val="accent4"/>
+  <a:schemeClr val="accent5"/>
+  <a:schemeClr val="accent6"/>
+  <cs:variation/>
+  <cs:variation>
+    <a:lumMod val="60000"/>
+  </cs:variation>
+  <cs:variation>
+    <a:lumMod val="80000"/>
+    <a:lumOff val="20000"/>
+  </cs:variation>
+  <cs:variation>
+    <a:lumMod val="80000"/>
+  </cs:variation>
+  <cs:variation>
+    <a:lumMod val="60000"/>
+    <a:lumOff val="40000"/>
+  </cs:variation>
+  <cs:variation>
+    <a:lumMod val="50000"/>
+  </cs:variation>
+  <cs:variation>
+    <a:lumMod val="70000"/>
+    <a:lumOff val="30000"/>
+  </cs:variation>
+  <cs:variation>
+    <a:lumMod val="70000"/>
+  </cs:variation>
+  <cs:variation>
+    <a:lumMod val="50000"/>
+    <a:lumOff val="50000"/>
+  </cs:variation>
+</cs:colorStyle>
+</file>
+
+<file path=ppt/charts/style1.xml><?xml version="1.0" encoding="utf-8"?>
+<cs:chartStyle xmlns:cs="http://schemas.microsoft.com/office/drawing/2012/chartStyle" xmlns:a="http://schemas.openxmlformats.org/drawingml/2006/main" id="227">
+  <cs:axisTitle>
+    <cs:lnRef idx="0"/>
+    <cs:fillRef idx="0"/>
+    <cs:effectRef idx="0"/>
+    <cs:fontRef idx="minor">
+      <a:schemeClr val="tx1">
+        <a:lumMod val="65000"/>
+        <a:lumOff val="35000"/>
+      </a:schemeClr>
+    </cs:fontRef>
+    <cs:defRPr sz="1000" kern="1200"/>
+  </cs:axisTitle>
+  <cs:categoryAxis>
+    <cs:lnRef idx="0"/>
+    <cs:fillRef idx="0"/>
+    <cs:effectRef idx="0"/>
+    <cs:fontRef idx="minor">
+      <a:schemeClr val="tx1">
+        <a:lumMod val="65000"/>
+        <a:lumOff val="35000"/>
+      </a:schemeClr>
+    </cs:fontRef>
+    <cs:spPr>
+      <a:ln w="9525" cap="flat" cmpd="sng" algn="ctr">
+        <a:solidFill>
+          <a:schemeClr val="tx1">
+            <a:lumMod val="15000"/>
+            <a:lumOff val="85000"/>
+          </a:schemeClr>
+        </a:solidFill>
+        <a:round/>
+      </a:ln>
+    </cs:spPr>
+    <cs:defRPr sz="900" kern="1200"/>
+  </cs:categoryAxis>
+  <cs:chartArea mods="allowNoFillOverride allowNoLineOverride">
+    <cs:lnRef idx="0"/>
+    <cs:fillRef idx="0"/>
+    <cs:effectRef idx="0"/>
+    <cs:fontRef idx="minor">
+      <a:schemeClr val="tx1"/>
+    </cs:fontRef>
+    <cs:spPr>
+      <a:solidFill>
+        <a:schemeClr val="bg1"/>
+      </a:solidFill>
+      <a:ln w="9525" cap="flat" cmpd="sng" algn="ctr">
+        <a:solidFill>
+          <a:schemeClr val="tx1">
+            <a:lumMod val="15000"/>
+            <a:lumOff val="85000"/>
+          </a:schemeClr>
+        </a:solidFill>
+        <a:round/>
+      </a:ln>
+    </cs:spPr>
+    <cs:defRPr sz="1000" kern="1200"/>
+  </cs:chartArea>
+  <cs:dataLabel>
+    <cs:lnRef idx="0"/>
+    <cs:fillRef idx="0"/>
+    <cs:effectRef idx="0"/>
+    <cs:fontRef idx="minor">
+      <a:schemeClr val="tx1">
+        <a:lumMod val="75000"/>
+        <a:lumOff val="25000"/>
+      </a:schemeClr>
+    </cs:fontRef>
+    <cs:defRPr sz="900" kern="1200"/>
+  </cs:dataLabel>
+  <cs:dataLabelCallout>
+    <cs:lnRef idx="0"/>
+    <cs:fillRef idx="0"/>
+    <cs:effectRef idx="0"/>
+    <cs:fontRef idx="minor">
+      <a:schemeClr val="dk1">
+        <a:lumMod val="65000"/>
+        <a:lumOff val="35000"/>
+      </a:schemeClr>
+    </cs:fontRef>
+    <cs:spPr>
+      <a:solidFill>
+        <a:schemeClr val="lt1"/>
+      </a:solidFill>
+      <a:ln>
+        <a:solidFill>
+          <a:schemeClr val="dk1">
+            <a:lumMod val="25000"/>
+            <a:lumOff val="75000"/>
+          </a:schemeClr>
+        </a:solidFill>
+      </a:ln>
+    </cs:spPr>
+    <cs:defRPr sz="900" kern="1200"/>
+    <cs:bodyPr rot="0" spcFirstLastPara="1" vertOverflow="clip" horzOverflow="clip" vert="horz" wrap="square" lIns="36576" tIns="18288" rIns="36576" bIns="18288" anchor="ctr" anchorCtr="1">
+      <a:spAutoFit/>
+    </cs:bodyPr>
+  </cs:dataLabelCallout>
+  <cs:dataPoint>
+    <cs:lnRef idx="0"/>
+    <cs:fillRef idx="1">
+      <cs:styleClr val="auto"/>
+    </cs:fillRef>
+    <cs:effectRef idx="0"/>
+    <cs:fontRef idx="minor">
+      <a:schemeClr val="tx1"/>
+    </cs:fontRef>
+    <cs:spPr>
+      <a:solidFill>
+        <a:schemeClr val="phClr"/>
+      </a:solidFill>
+    </cs:spPr>
+  </cs:dataPoint>
+  <cs:dataPoint3D>
+    <cs:lnRef idx="0"/>
+    <cs:fillRef idx="1">
+      <cs:styleClr val="auto"/>
+    </cs:fillRef>
+    <cs:effectRef idx="0"/>
+    <cs:fontRef idx="minor">
+      <a:schemeClr val="tx1"/>
+    </cs:fontRef>
+    <cs:spPr>
+      <a:solidFill>
+        <a:schemeClr val="phClr"/>
+      </a:solidFill>
+    </cs:spPr>
+  </cs:dataPoint3D>
+  <cs:dataPointLine>
+    <cs:lnRef idx="0">
+      <cs:styleClr val="auto"/>
+    </cs:lnRef>
+    <cs:fillRef idx="1"/>
+    <cs:effectRef idx="0"/>
+    <cs:fontRef idx="minor">
+      <a:schemeClr val="tx1"/>
+    </cs:fontRef>
+    <cs:spPr>
+      <a:ln w="28575" cap="rnd">
+        <a:solidFill>
+          <a:schemeClr val="phClr"/>
+        </a:solidFill>
+        <a:round/>
+      </a:ln>
+    </cs:spPr>
+  </cs:dataPointLine>
+  <cs:dataPointMarker>
+    <cs:lnRef idx="0">
+      <cs:styleClr val="auto"/>
+    </cs:lnRef>
+    <cs:fillRef idx="1">
+      <cs:styleClr val="auto"/>
+    </cs:fillRef>
+    <cs:effectRef idx="0"/>
+    <cs:fontRef idx="minor">
+      <a:schemeClr val="tx1"/>
+    </cs:fontRef>
+    <cs:spPr>
+      <a:solidFill>
+        <a:schemeClr val="phClr"/>
+      </a:solidFill>
+      <a:ln w="9525">
+        <a:solidFill>
+          <a:schemeClr val="phClr"/>
+        </a:solidFill>
+      </a:ln>
+    </cs:spPr>
+  </cs:dataPointMarker>
+  <cs:dataPointMarkerLayout symbol="circle" size="5"/>
+  <cs:dataPointWireframe>
+    <cs:lnRef idx="0">
+      <cs:styleClr val="auto"/>
+    </cs:lnRef>
+    <cs:fillRef idx="1"/>
+    <cs:effectRef idx="0"/>
+    <cs:fontRef idx="minor">
+      <a:schemeClr val="tx1"/>
+    </cs:fontRef>
+    <cs:spPr>
+      <a:ln w="9525" cap="rnd">
+        <a:solidFill>
+          <a:schemeClr val="phClr"/>
+        </a:solidFill>
+        <a:round/>
+      </a:ln>
+    </cs:spPr>
+  </cs:dataPointWireframe>
+  <cs:dataTable>
+    <cs:lnRef idx="0"/>
+    <cs:fillRef idx="0"/>
+    <cs:effectRef idx="0"/>
+    <cs:fontRef idx="minor">
+      <a:schemeClr val="tx1">
+        <a:lumMod val="65000"/>
+        <a:lumOff val="35000"/>
+      </a:schemeClr>
+    </cs:fontRef>
+    <cs:spPr>
+      <a:noFill/>
+      <a:ln w="9525" cap="flat" cmpd="sng" algn="ctr">
+        <a:solidFill>
+          <a:schemeClr val="tx1">
+            <a:lumMod val="15000"/>
+            <a:lumOff val="85000"/>
+          </a:schemeClr>
+        </a:solidFill>
+        <a:round/>
+      </a:ln>
+    </cs:spPr>
+    <cs:defRPr sz="900" kern="1200"/>
+  </cs:dataTable>
+  <cs:downBar>
+    <cs:lnRef idx="0"/>
+    <cs:fillRef idx="0"/>
+    <cs:effectRef idx="0"/>
+    <cs:fontRef idx="minor">
+      <a:schemeClr val="dk1"/>
+    </cs:fontRef>
+    <cs:spPr>
+      <a:solidFill>
+        <a:schemeClr val="dk1">
+          <a:lumMod val="65000"/>
+          <a:lumOff val="35000"/>
+        </a:schemeClr>
+      </a:solidFill>
+      <a:ln w="9525">
+        <a:solidFill>
+          <a:schemeClr val="tx1">
+            <a:lumMod val="65000"/>
+            <a:lumOff val="35000"/>
+          </a:schemeClr>
+        </a:solidFill>
+      </a:ln>
+    </cs:spPr>
+  </cs:downBar>
+  <cs:dropLine>
+    <cs:lnRef idx="0"/>
+    <cs:fillRef idx="0"/>
+    <cs:effectRef idx="0"/>
+    <cs:fontRef idx="minor">
+      <a:schemeClr val="tx1"/>
+    </cs:fontRef>
+    <cs:spPr>
+      <a:ln w="9525" cap="flat" cmpd="sng" algn="ctr">
+        <a:solidFill>
+          <a:schemeClr val="tx1">
+            <a:lumMod val="35000"/>
+            <a:lumOff val="65000"/>
+          </a:schemeClr>
+        </a:solidFill>
+        <a:round/>
+      </a:ln>
+    </cs:spPr>
+  </cs:dropLine>
+  <cs:errorBar>
+    <cs:lnRef idx="0"/>
+    <cs:fillRef idx="0"/>
+    <cs:effectRef idx="0"/>
+    <cs:fontRef idx="minor">
+      <a:schemeClr val="tx1"/>
+    </cs:fontRef>
+    <cs:spPr>
+      <a:ln w="9525" cap="flat" cmpd="sng" algn="ctr">
+        <a:solidFill>
+          <a:schemeClr val="tx1">
+            <a:lumMod val="65000"/>
+            <a:lumOff val="35000"/>
+          </a:schemeClr>
+        </a:solidFill>
+        <a:round/>
+      </a:ln>
+    </cs:spPr>
+  </cs:errorBar>
+  <cs:floor>
+    <cs:lnRef idx="0"/>
+    <cs:fillRef idx="0"/>
+    <cs:effectRef idx="0"/>
+    <cs:fontRef idx="minor">
+      <a:schemeClr val="tx1"/>
+    </cs:fontRef>
+    <cs:spPr>
+      <a:noFill/>
+      <a:ln>
+        <a:noFill/>
+      </a:ln>
+    </cs:spPr>
+  </cs:floor>
+  <cs:gridlineMajor>
+    <cs:lnRef idx="0"/>
+    <cs:fillRef idx="0"/>
+    <cs:effectRef idx="0"/>
+    <cs:fontRef idx="minor">
+      <a:schemeClr val="tx1"/>
+    </cs:fontRef>
+    <cs:spPr>
+      <a:ln w="9525" cap="flat" cmpd="sng" algn="ctr">
+        <a:solidFill>
+          <a:schemeClr val="tx1">
+            <a:lumMod val="15000"/>
+            <a:lumOff val="85000"/>
+          </a:schemeClr>
+        </a:solidFill>
+        <a:round/>
+      </a:ln>
+    </cs:spPr>
+  </cs:gridlineMajor>
+  <cs:gridlineMinor>
+    <cs:lnRef idx="0"/>
+    <cs:fillRef idx="0"/>
+    <cs:effectRef idx="0"/>
+    <cs:fontRef idx="minor">
+      <a:schemeClr val="tx1"/>
+    </cs:fontRef>
+    <cs:spPr>
+      <a:ln w="9525" cap="flat" cmpd="sng" algn="ctr">
+        <a:solidFill>
+          <a:schemeClr val="tx1">
+            <a:lumMod val="5000"/>
+            <a:lumOff val="95000"/>
+          </a:schemeClr>
+        </a:solidFill>
+        <a:round/>
+      </a:ln>
+    </cs:spPr>
+  </cs:gridlineMinor>
+  <cs:hiLoLine>
+    <cs:lnRef idx="0"/>
+    <cs:fillRef idx="0"/>
+    <cs:effectRef idx="0"/>
+    <cs:fontRef idx="minor">
+      <a:schemeClr val="tx1"/>
+    </cs:fontRef>
+    <cs:spPr>
+      <a:ln w="9525" cap="flat" cmpd="sng" algn="ctr">
+        <a:solidFill>
+          <a:schemeClr val="tx1">
+            <a:lumMod val="75000"/>
+            <a:lumOff val="25000"/>
+          </a:schemeClr>
+        </a:solidFill>
+        <a:round/>
+      </a:ln>
+    </cs:spPr>
+  </cs:hiLoLine>
+  <cs:leaderLine>
+    <cs:lnRef idx="0"/>
+    <cs:fillRef idx="0"/>
+    <cs:effectRef idx="0"/>
+    <cs:fontRef idx="minor">
+      <a:schemeClr val="tx1"/>
+    </cs:fontRef>
+    <cs:spPr>
+      <a:ln w="9525" cap="flat" cmpd="sng" algn="ctr">
+        <a:solidFill>
+          <a:schemeClr val="tx1">
+            <a:lumMod val="35000"/>
+            <a:lumOff val="65000"/>
+          </a:schemeClr>
+        </a:solidFill>
+        <a:round/>
+      </a:ln>
+    </cs:spPr>
+  </cs:leaderLine>
+  <cs:legend>
+    <cs:lnRef idx="0"/>
+    <cs:fillRef idx="0"/>
+    <cs:effectRef idx="0"/>
+    <cs:fontRef idx="minor">
+      <a:schemeClr val="tx1">
+        <a:lumMod val="65000"/>
+        <a:lumOff val="35000"/>
+      </a:schemeClr>
+    </cs:fontRef>
+    <cs:defRPr sz="900" kern="1200"/>
+  </cs:legend>
+  <cs:plotArea mods="allowNoFillOverride allowNoLineOverride">
+    <cs:lnRef idx="0"/>
+    <cs:fillRef idx="0"/>
+    <cs:effectRef idx="0"/>
+    <cs:fontRef idx="minor">
+      <a:schemeClr val="tx1"/>
+    </cs:fontRef>
+  </cs:plotArea>
+  <cs:plotArea3D mods="allowNoFillOverride allowNoLineOverride">
+    <cs:lnRef idx="0"/>
+    <cs:fillRef idx="0"/>
+    <cs:effectRef idx="0"/>
+    <cs:fontRef idx="minor">
+      <a:schemeClr val="tx1"/>
+    </cs:fontRef>
+  </cs:plotArea3D>
+  <cs:seriesAxis>
+    <cs:lnRef idx="0"/>
+    <cs:fillRef idx="0"/>
+    <cs:effectRef idx="0"/>
+    <cs:fontRef idx="minor">
+      <a:schemeClr val="tx1">
+        <a:lumMod val="65000"/>
+        <a:lumOff val="35000"/>
+      </a:schemeClr>
+    </cs:fontRef>
+    <cs:defRPr sz="900" kern="1200"/>
+  </cs:seriesAxis>
+  <cs:seriesLine>
+    <cs:lnRef idx="0"/>
+    <cs:fillRef idx="0"/>
+    <cs:effectRef idx="0"/>
+    <cs:fontRef idx="minor">
+      <a:schemeClr val="tx1"/>
+    </cs:fontRef>
+    <cs:spPr>
+      <a:ln w="9525" cap="flat" cmpd="sng" algn="ctr">
+        <a:solidFill>
+          <a:schemeClr val="tx1">
+            <a:lumMod val="35000"/>
+            <a:lumOff val="65000"/>
+          </a:schemeClr>
+        </a:solidFill>
+        <a:round/>
+      </a:ln>
+    </cs:spPr>
+  </cs:seriesLine>
+  <cs:title>
+    <cs:lnRef idx="0"/>
+    <cs:fillRef idx="0"/>
+    <cs:effectRef idx="0"/>
+    <cs:fontRef idx="minor">
+      <a:schemeClr val="tx1">
+        <a:lumMod val="65000"/>
+        <a:lumOff val="35000"/>
+      </a:schemeClr>
+    </cs:fontRef>
+    <cs:defRPr sz="1400" b="0" kern="1200" spc="0" baseline="0"/>
+  </cs:title>
+  <cs:trendline>
+    <cs:lnRef idx="0">
+      <cs:styleClr val="auto"/>
+    </cs:lnRef>
+    <cs:fillRef idx="0"/>
+    <cs:effectRef idx="0"/>
+    <cs:fontRef idx="minor">
+      <a:schemeClr val="tx1"/>
+    </cs:fontRef>
+    <cs:spPr>
+      <a:ln w="19050" cap="rnd">
+        <a:solidFill>
+          <a:schemeClr val="phClr"/>
+        </a:solidFill>
+        <a:prstDash val="sysDot"/>
+      </a:ln>
+    </cs:spPr>
+  </cs:trendline>
+  <cs:trendlineLabel>
+    <cs:lnRef idx="0"/>
+    <cs:fillRef idx="0"/>
+    <cs:effectRef idx="0"/>
+    <cs:fontRef idx="minor">
+      <a:schemeClr val="tx1">
+        <a:lumMod val="65000"/>
+        <a:lumOff val="35000"/>
+      </a:schemeClr>
+    </cs:fontRef>
+    <cs:defRPr sz="900" kern="1200"/>
+  </cs:trendlineLabel>
+  <cs:upBar>
+    <cs:lnRef idx="0"/>
+    <cs:fillRef idx="0"/>
+    <cs:effectRef idx="0"/>
+    <cs:fontRef idx="minor">
+      <a:schemeClr val="dk1"/>
+    </cs:fontRef>
+    <cs:spPr>
+      <a:solidFill>
+        <a:schemeClr val="lt1"/>
+      </a:solidFill>
+      <a:ln w="9525">
+        <a:solidFill>
+          <a:schemeClr val="tx1">
+            <a:lumMod val="15000"/>
+            <a:lumOff val="85000"/>
+          </a:schemeClr>
+        </a:solidFill>
+      </a:ln>
+    </cs:spPr>
+  </cs:upBar>
+  <cs:valueAxis>
+    <cs:lnRef idx="0"/>
+    <cs:fillRef idx="0"/>
+    <cs:effectRef idx="0"/>
+    <cs:fontRef idx="minor">
+      <a:schemeClr val="tx1">
+        <a:lumMod val="65000"/>
+        <a:lumOff val="35000"/>
+      </a:schemeClr>
+    </cs:fontRef>
+    <cs:defRPr sz="900" kern="1200"/>
+  </cs:valueAxis>
+  <cs:wall>
+    <cs:lnRef idx="0"/>
+    <cs:fillRef idx="0"/>
+    <cs:effectRef idx="0"/>
+    <cs:fontRef idx="minor">
+      <a:schemeClr val="tx1"/>
+    </cs:fontRef>
+    <cs:spPr>
+      <a:noFill/>
+      <a:ln>
+        <a:noFill/>
+      </a:ln>
+    </cs:spPr>
+  </cs:wall>
+</cs:chartStyle>
 </file>
 
 <file path=ppt/handoutMasters/handoutMaster1.xml><?xml version="1.0" encoding="utf-8"?>
@@ -1393,7 +2467,7 @@
           <a:p>
             <a:fld id="{6C2C4386-B183-654C-9E7B-D52C24951AF5}" type="datetimeFigureOut">
               <a:rPr kumimoji="1" lang="ja-JP" altLang="en-US" smtClean="0"/>
-              <a:t>2025/5/16</a:t>
+              <a:t>2025/7/10</a:t>
             </a:fld>
             <a:endParaRPr kumimoji="1" lang="ja-JP" altLang="en-US"/>
           </a:p>
@@ -1559,7 +2633,7 @@
           <a:p>
             <a:fld id="{7DC62E43-6BEB-E141-BAB0-607A387E4360}" type="datetimeFigureOut">
               <a:rPr kumimoji="1" lang="ja-JP" altLang="en-US" smtClean="0"/>
-              <a:t>2025/5/16</a:t>
+              <a:t>2025/7/10</a:t>
             </a:fld>
             <a:endParaRPr kumimoji="1" lang="ja-JP" altLang="en-US"/>
           </a:p>
@@ -2028,7 +3102,7 @@
           <a:blip r:embed="rId2">
             <a:extLst>
               <a:ext uri="{28A0092B-C50C-407E-A947-70E740481C1C}">
-                <a14:useLocalDpi xmlns:a14="http://schemas.microsoft.com/office/drawing/2010/main" val="0"/>
+                <a14:useLocalDpi xmlns:a14="http://schemas.microsoft.com/office/drawing/2010/main"/>
               </a:ext>
             </a:extLst>
           </a:blip>
@@ -2505,7 +3579,7 @@
           <a:blip r:embed="rId2">
             <a:extLst>
               <a:ext uri="{28A0092B-C50C-407E-A947-70E740481C1C}">
-                <a14:useLocalDpi xmlns:a14="http://schemas.microsoft.com/office/drawing/2010/main" val="0"/>
+                <a14:useLocalDpi xmlns:a14="http://schemas.microsoft.com/office/drawing/2010/main"/>
               </a:ext>
             </a:extLst>
           </a:blip>
@@ -2692,7 +3766,7 @@
           <a:blip r:embed="rId2">
             <a:extLst>
               <a:ext uri="{28A0092B-C50C-407E-A947-70E740481C1C}">
-                <a14:useLocalDpi xmlns:a14="http://schemas.microsoft.com/office/drawing/2010/main" val="0"/>
+                <a14:useLocalDpi xmlns:a14="http://schemas.microsoft.com/office/drawing/2010/main"/>
               </a:ext>
             </a:extLst>
           </a:blip>
@@ -2861,7 +3935,7 @@
           <a:blip r:embed="rId7">
             <a:extLst>
               <a:ext uri="{28A0092B-C50C-407E-A947-70E740481C1C}">
-                <a14:useLocalDpi xmlns:a14="http://schemas.microsoft.com/office/drawing/2010/main" val="0"/>
+                <a14:useLocalDpi xmlns:a14="http://schemas.microsoft.com/office/drawing/2010/main"/>
               </a:ext>
             </a:extLst>
           </a:blip>
@@ -2973,7 +4047,7 @@
           <a:blip r:embed="rId8">
             <a:extLst>
               <a:ext uri="{28A0092B-C50C-407E-A947-70E740481C1C}">
-                <a14:useLocalDpi xmlns:a14="http://schemas.microsoft.com/office/drawing/2010/main" val="0"/>
+                <a14:useLocalDpi xmlns:a14="http://schemas.microsoft.com/office/drawing/2010/main"/>
               </a:ext>
             </a:extLst>
           </a:blip>
@@ -3314,10 +4388,269 @@
       </p:grpSpPr>
       <p:sp>
         <p:nvSpPr>
+          <p:cNvPr id="4" name="タイトル 3">
+            <a:extLst>
+              <a:ext uri="{FF2B5EF4-FFF2-40B4-BE49-F238E27FC236}">
+                <a16:creationId xmlns:a16="http://schemas.microsoft.com/office/drawing/2014/main" id="{8C5CE027-A6CC-E7F5-92D8-2984C1CC83D8}"/>
+              </a:ext>
+            </a:extLst>
+          </p:cNvPr>
+          <p:cNvSpPr>
+            <a:spLocks noGrp="1"/>
+          </p:cNvSpPr>
+          <p:nvPr>
+            <p:ph type="ctrTitle"/>
+          </p:nvPr>
+        </p:nvSpPr>
+        <p:spPr/>
+        <p:txBody>
+          <a:bodyPr/>
+          <a:lstStyle/>
+          <a:p>
+            <a:r>
+              <a:rPr lang="en-US" altLang="ja-JP" dirty="0"/>
+              <a:t>Tokyo (residual) demand delta evaluation</a:t>
+            </a:r>
+            <a:endParaRPr lang="ja-JP" altLang="en-US" dirty="0"/>
+          </a:p>
+        </p:txBody>
+      </p:sp>
+      <p:sp>
+        <p:nvSpPr>
+          <p:cNvPr id="5" name="字幕 4">
+            <a:extLst>
+              <a:ext uri="{FF2B5EF4-FFF2-40B4-BE49-F238E27FC236}">
+                <a16:creationId xmlns:a16="http://schemas.microsoft.com/office/drawing/2014/main" id="{1DA292BB-60EE-294E-F957-2A62506C926C}"/>
+              </a:ext>
+            </a:extLst>
+          </p:cNvPr>
+          <p:cNvSpPr>
+            <a:spLocks noGrp="1"/>
+          </p:cNvSpPr>
+          <p:nvPr>
+            <p:ph type="subTitle" idx="1"/>
+          </p:nvPr>
+        </p:nvSpPr>
+        <p:spPr/>
+        <p:txBody>
+          <a:bodyPr/>
+          <a:lstStyle/>
+          <a:p>
+            <a:r>
+              <a:rPr lang="en-US" altLang="ja-JP" dirty="0"/>
+              <a:t>2025/7/10, Hishida</a:t>
+            </a:r>
+            <a:endParaRPr lang="ja-JP" altLang="en-US" dirty="0"/>
+          </a:p>
+        </p:txBody>
+      </p:sp>
+    </p:spTree>
+    <p:extLst>
+      <p:ext uri="{BB962C8B-B14F-4D97-AF65-F5344CB8AC3E}">
+        <p14:creationId xmlns:p14="http://schemas.microsoft.com/office/powerpoint/2010/main" val="111196494"/>
+      </p:ext>
+    </p:extLst>
+  </p:cSld>
+  <p:clrMapOvr>
+    <a:masterClrMapping/>
+  </p:clrMapOvr>
+</p:sld>
+</file>
+
+<file path=ppt/slides/slide2.xml><?xml version="1.0" encoding="utf-8"?>
+<p:sld xmlns:a="http://schemas.openxmlformats.org/drawingml/2006/main" xmlns:r="http://schemas.openxmlformats.org/officeDocument/2006/relationships" xmlns:p="http://schemas.openxmlformats.org/presentationml/2006/main">
+  <p:cSld>
+    <p:spTree>
+      <p:nvGrpSpPr>
+        <p:cNvPr id="1" name=""/>
+        <p:cNvGrpSpPr/>
+        <p:nvPr/>
+      </p:nvGrpSpPr>
+      <p:grpSpPr>
+        <a:xfrm>
+          <a:off x="0" y="0"/>
+          <a:ext cx="0" cy="0"/>
+          <a:chOff x="0" y="0"/>
+          <a:chExt cx="0" cy="0"/>
+        </a:xfrm>
+      </p:grpSpPr>
+      <p:sp>
+        <p:nvSpPr>
           <p:cNvPr id="2" name="タイトル 1">
             <a:extLst>
               <a:ext uri="{FF2B5EF4-FFF2-40B4-BE49-F238E27FC236}">
-                <a16:creationId xmlns:a16="http://schemas.microsoft.com/office/drawing/2014/main" id="{212A979E-8F1B-55C4-376E-54F8B259C86F}"/>
+                <a16:creationId xmlns:a16="http://schemas.microsoft.com/office/drawing/2014/main" id="{DC9BC9C8-7974-B085-DC9C-1CB7709FE148}"/>
+              </a:ext>
+            </a:extLst>
+          </p:cNvPr>
+          <p:cNvSpPr>
+            <a:spLocks noGrp="1"/>
+          </p:cNvSpPr>
+          <p:nvPr>
+            <p:ph type="title"/>
+          </p:nvPr>
+        </p:nvSpPr>
+        <p:spPr/>
+        <p:txBody>
+          <a:bodyPr>
+            <a:normAutofit fontScale="90000"/>
+          </a:bodyPr>
+          <a:lstStyle/>
+          <a:p>
+            <a:r>
+              <a:rPr kumimoji="1" lang="en-US" altLang="ja-JP" dirty="0"/>
+              <a:t>1 degree change might hit 1 cargo for July ~ September and December ~ March</a:t>
+            </a:r>
+            <a:endParaRPr kumimoji="1" lang="ja-JP" altLang="en-US" dirty="0"/>
+          </a:p>
+        </p:txBody>
+      </p:sp>
+      <p:graphicFrame>
+        <p:nvGraphicFramePr>
+          <p:cNvPr id="4" name="コンテンツ プレースホルダー 3">
+            <a:extLst>
+              <a:ext uri="{FF2B5EF4-FFF2-40B4-BE49-F238E27FC236}">
+                <a16:creationId xmlns:a16="http://schemas.microsoft.com/office/drawing/2014/main" id="{0FA96198-A11A-88A4-D608-0E284E5A053D}"/>
+              </a:ext>
+            </a:extLst>
+          </p:cNvPr>
+          <p:cNvGraphicFramePr>
+            <a:graphicFrameLocks noGrp="1"/>
+          </p:cNvGraphicFramePr>
+          <p:nvPr>
+            <p:ph idx="1"/>
+          </p:nvPr>
+        </p:nvGraphicFramePr>
+        <p:xfrm>
+          <a:off x="593725" y="1314450"/>
+          <a:ext cx="11339513" cy="5105400"/>
+        </p:xfrm>
+        <a:graphic>
+          <a:graphicData uri="http://schemas.openxmlformats.org/drawingml/2006/chart">
+            <c:chart xmlns:c="http://schemas.openxmlformats.org/drawingml/2006/chart" xmlns:r="http://schemas.openxmlformats.org/officeDocument/2006/relationships" r:id="rId2"/>
+          </a:graphicData>
+        </a:graphic>
+      </p:graphicFrame>
+      <p:cxnSp>
+        <p:nvCxnSpPr>
+          <p:cNvPr id="5" name="直線コネクタ 4">
+            <a:extLst>
+              <a:ext uri="{FF2B5EF4-FFF2-40B4-BE49-F238E27FC236}">
+                <a16:creationId xmlns:a16="http://schemas.microsoft.com/office/drawing/2014/main" id="{3418138E-9F28-5869-E585-6CEFFAB218E2}"/>
+              </a:ext>
+            </a:extLst>
+          </p:cNvPr>
+          <p:cNvCxnSpPr>
+            <a:cxnSpLocks/>
+          </p:cNvCxnSpPr>
+          <p:nvPr/>
+        </p:nvCxnSpPr>
+        <p:spPr>
+          <a:xfrm>
+            <a:off x="1004047" y="2958353"/>
+            <a:ext cx="10929222" cy="0"/>
+          </a:xfrm>
+          <a:prstGeom prst="line">
+            <a:avLst/>
+          </a:prstGeom>
+          <a:ln>
+            <a:headEnd type="none" w="med" len="med"/>
+            <a:tailEnd type="none" w="med" len="med"/>
+          </a:ln>
+        </p:spPr>
+        <p:style>
+          <a:lnRef idx="1">
+            <a:schemeClr val="accent5"/>
+          </a:lnRef>
+          <a:fillRef idx="0">
+            <a:schemeClr val="accent5"/>
+          </a:fillRef>
+          <a:effectRef idx="0">
+            <a:schemeClr val="accent5"/>
+          </a:effectRef>
+          <a:fontRef idx="minor">
+            <a:schemeClr val="tx1"/>
+          </a:fontRef>
+        </p:style>
+      </p:cxnSp>
+      <p:cxnSp>
+        <p:nvCxnSpPr>
+          <p:cNvPr id="7" name="直線コネクタ 6">
+            <a:extLst>
+              <a:ext uri="{FF2B5EF4-FFF2-40B4-BE49-F238E27FC236}">
+                <a16:creationId xmlns:a16="http://schemas.microsoft.com/office/drawing/2014/main" id="{C0115438-5BAB-4A73-A273-E56C8E9CAB9A}"/>
+              </a:ext>
+            </a:extLst>
+          </p:cNvPr>
+          <p:cNvCxnSpPr>
+            <a:cxnSpLocks/>
+          </p:cNvCxnSpPr>
+          <p:nvPr/>
+        </p:nvCxnSpPr>
+        <p:spPr>
+          <a:xfrm>
+            <a:off x="914400" y="5298141"/>
+            <a:ext cx="10929222" cy="0"/>
+          </a:xfrm>
+          <a:prstGeom prst="line">
+            <a:avLst/>
+          </a:prstGeom>
+          <a:ln>
+            <a:headEnd type="none" w="med" len="med"/>
+            <a:tailEnd type="none" w="med" len="med"/>
+          </a:ln>
+        </p:spPr>
+        <p:style>
+          <a:lnRef idx="1">
+            <a:schemeClr val="accent5"/>
+          </a:lnRef>
+          <a:fillRef idx="0">
+            <a:schemeClr val="accent5"/>
+          </a:fillRef>
+          <a:effectRef idx="0">
+            <a:schemeClr val="accent5"/>
+          </a:effectRef>
+          <a:fontRef idx="minor">
+            <a:schemeClr val="tx1"/>
+          </a:fontRef>
+        </p:style>
+      </p:cxnSp>
+    </p:spTree>
+    <p:extLst>
+      <p:ext uri="{BB962C8B-B14F-4D97-AF65-F5344CB8AC3E}">
+        <p14:creationId xmlns:p14="http://schemas.microsoft.com/office/powerpoint/2010/main" val="4271646046"/>
+      </p:ext>
+    </p:extLst>
+  </p:cSld>
+  <p:clrMapOvr>
+    <a:masterClrMapping/>
+  </p:clrMapOvr>
+</p:sld>
+</file>
+
+<file path=ppt/slides/slide3.xml><?xml version="1.0" encoding="utf-8"?>
+<p:sld xmlns:a="http://schemas.openxmlformats.org/drawingml/2006/main" xmlns:r="http://schemas.openxmlformats.org/officeDocument/2006/relationships" xmlns:p="http://schemas.openxmlformats.org/presentationml/2006/main">
+  <p:cSld>
+    <p:spTree>
+      <p:nvGrpSpPr>
+        <p:cNvPr id="1" name=""/>
+        <p:cNvGrpSpPr/>
+        <p:nvPr/>
+      </p:nvGrpSpPr>
+      <p:grpSpPr>
+        <a:xfrm>
+          <a:off x="0" y="0"/>
+          <a:ext cx="0" cy="0"/>
+          <a:chOff x="0" y="0"/>
+          <a:chExt cx="0" cy="0"/>
+        </a:xfrm>
+      </p:grpSpPr>
+      <p:sp>
+        <p:nvSpPr>
+          <p:cNvPr id="2" name="タイトル 1">
+            <a:extLst>
+              <a:ext uri="{FF2B5EF4-FFF2-40B4-BE49-F238E27FC236}">
+                <a16:creationId xmlns:a16="http://schemas.microsoft.com/office/drawing/2014/main" id="{C5405D7B-1555-D6B2-9373-E264247EC0B0}"/>
               </a:ext>
             </a:extLst>
           </p:cNvPr>
@@ -3333,16 +4666,20 @@
           <a:bodyPr/>
           <a:lstStyle/>
           <a:p>
-            <a:endParaRPr kumimoji="1" lang="ja-JP" altLang="en-US"/>
+            <a:r>
+              <a:rPr kumimoji="1" lang="en-US" altLang="ja-JP" dirty="0"/>
+              <a:t>Details</a:t>
+            </a:r>
+            <a:endParaRPr kumimoji="1" lang="ja-JP" altLang="en-US" dirty="0"/>
           </a:p>
         </p:txBody>
       </p:sp>
       <p:sp>
         <p:nvSpPr>
-          <p:cNvPr id="3" name="コンテンツ プレースホルダー 2">
+          <p:cNvPr id="6" name="コンテンツ プレースホルダー 5">
             <a:extLst>
               <a:ext uri="{FF2B5EF4-FFF2-40B4-BE49-F238E27FC236}">
-                <a16:creationId xmlns:a16="http://schemas.microsoft.com/office/drawing/2014/main" id="{66133EB4-89F0-3388-D5C1-7A303492A3D3}"/>
+                <a16:creationId xmlns:a16="http://schemas.microsoft.com/office/drawing/2014/main" id="{F1C2A557-11B4-C242-7BC4-29503120842D}"/>
               </a:ext>
             </a:extLst>
           </p:cNvPr>
@@ -3358,14 +4695,166 @@
           <a:bodyPr/>
           <a:lstStyle/>
           <a:p>
-            <a:endParaRPr kumimoji="1" lang="ja-JP" altLang="en-US"/>
+            <a:r>
+              <a:rPr lang="en-US" altLang="ja-JP" dirty="0"/>
+              <a:t>Figures</a:t>
+            </a:r>
+          </a:p>
+          <a:p>
+            <a:pPr lvl="1"/>
+            <a:r>
+              <a:rPr lang="en-US" altLang="ja-JP" dirty="0"/>
+              <a:t>Demand: </a:t>
+            </a:r>
+            <a:r>
+              <a:rPr kumimoji="0" lang="ja-JP" altLang="ja-JP" sz="2000" b="0" i="0" u="none" strike="noStrike" cap="none" normalizeH="0" baseline="0" dirty="0">
+                <a:ln>
+                  <a:noFill/>
+                </a:ln>
+                <a:solidFill>
+                  <a:schemeClr val="tx1"/>
+                </a:solidFill>
+                <a:effectLst/>
+                <a:latin typeface="Arial" panose="020B0604020202020204" pitchFamily="34" charset="0"/>
+                <a:hlinkClick r:id="rId2"/>
+              </a:rPr>
+              <a:t>Demand</a:t>
+            </a:r>
+            <a:endParaRPr kumimoji="0" lang="ja-JP" altLang="ja-JP" sz="2000" b="0" i="0" u="none" strike="noStrike" cap="none" normalizeH="0" baseline="0" dirty="0">
+              <a:ln>
+                <a:noFill/>
+              </a:ln>
+              <a:solidFill>
+                <a:schemeClr val="tx1"/>
+              </a:solidFill>
+              <a:effectLst/>
+              <a:latin typeface="Arial" panose="020B0604020202020204" pitchFamily="34" charset="0"/>
+            </a:endParaRPr>
+          </a:p>
+          <a:p>
+            <a:pPr lvl="1"/>
+            <a:r>
+              <a:rPr lang="en-US" altLang="ja-JP" dirty="0"/>
+              <a:t>Residual demand: </a:t>
+            </a:r>
+            <a:r>
+              <a:rPr kumimoji="0" lang="ja-JP" altLang="ja-JP" sz="2000" b="0" i="0" u="none" strike="noStrike" cap="none" normalizeH="0" baseline="0" dirty="0">
+                <a:ln>
+                  <a:noFill/>
+                </a:ln>
+                <a:solidFill>
+                  <a:schemeClr val="tx1"/>
+                </a:solidFill>
+                <a:effectLst/>
+                <a:latin typeface="Arial" panose="020B0604020202020204" pitchFamily="34" charset="0"/>
+                <a:hlinkClick r:id="rId3"/>
+              </a:rPr>
+              <a:t>ResidualDemand</a:t>
+            </a:r>
+            <a:endParaRPr kumimoji="0" lang="ja-JP" altLang="ja-JP" sz="2000" b="0" i="0" u="none" strike="noStrike" cap="none" normalizeH="0" baseline="0" dirty="0">
+              <a:ln>
+                <a:noFill/>
+              </a:ln>
+              <a:solidFill>
+                <a:schemeClr val="tx1"/>
+              </a:solidFill>
+              <a:effectLst/>
+              <a:latin typeface="Arial" panose="020B0604020202020204" pitchFamily="34" charset="0"/>
+            </a:endParaRPr>
+          </a:p>
+          <a:p>
+            <a:pPr lvl="1"/>
+            <a:endParaRPr lang="en-US" altLang="ja-JP" dirty="0"/>
+          </a:p>
+          <a:p>
+            <a:r>
+              <a:rPr lang="en-US" altLang="ja-JP"/>
+              <a:t>Gits</a:t>
+            </a:r>
+            <a:endParaRPr lang="en-US" altLang="ja-JP" dirty="0"/>
+          </a:p>
+          <a:p>
+            <a:pPr lvl="1"/>
+            <a:endParaRPr lang="ja-JP" altLang="en-US" dirty="0"/>
+          </a:p>
+        </p:txBody>
+      </p:sp>
+      <p:pic>
+        <p:nvPicPr>
+          <p:cNvPr id="10" name="図 9" descr="グラフ&#10;&#10;自動的に生成された説明">
+            <a:extLst>
+              <a:ext uri="{FF2B5EF4-FFF2-40B4-BE49-F238E27FC236}">
+                <a16:creationId xmlns:a16="http://schemas.microsoft.com/office/drawing/2014/main" id="{71D19914-4813-B56C-A951-8CA48CD6C994}"/>
+              </a:ext>
+            </a:extLst>
+          </p:cNvPr>
+          <p:cNvPicPr>
+            <a:picLocks noChangeAspect="1"/>
+          </p:cNvPicPr>
+          <p:nvPr/>
+        </p:nvPicPr>
+        <p:blipFill>
+          <a:blip r:embed="rId4" cstate="hqprint">
+            <a:extLst>
+              <a:ext uri="{28A0092B-C50C-407E-A947-70E740481C1C}">
+                <a14:useLocalDpi xmlns:a14="http://schemas.microsoft.com/office/drawing/2010/main"/>
+              </a:ext>
+            </a:extLst>
+          </a:blip>
+          <a:stretch>
+            <a:fillRect/>
+          </a:stretch>
+        </p:blipFill>
+        <p:spPr>
+          <a:xfrm>
+            <a:off x="7746885" y="560005"/>
+            <a:ext cx="3792750" cy="1963636"/>
+          </a:xfrm>
+          <a:prstGeom prst="rect">
+            <a:avLst/>
+          </a:prstGeom>
+        </p:spPr>
+      </p:pic>
+      <p:sp>
+        <p:nvSpPr>
+          <p:cNvPr id="11" name="テキスト ボックス 10">
+            <a:extLst>
+              <a:ext uri="{FF2B5EF4-FFF2-40B4-BE49-F238E27FC236}">
+                <a16:creationId xmlns:a16="http://schemas.microsoft.com/office/drawing/2014/main" id="{EA24B1BA-4D69-2CF6-7D94-F63E5C206119}"/>
+              </a:ext>
+            </a:extLst>
+          </p:cNvPr>
+          <p:cNvSpPr txBox="1"/>
+          <p:nvPr/>
+        </p:nvSpPr>
+        <p:spPr>
+          <a:xfrm>
+            <a:off x="8812306" y="2512571"/>
+            <a:ext cx="2098651" cy="338554"/>
+          </a:xfrm>
+          <a:prstGeom prst="rect">
+            <a:avLst/>
+          </a:prstGeom>
+          <a:noFill/>
+        </p:spPr>
+        <p:txBody>
+          <a:bodyPr wrap="none" rtlCol="0">
+            <a:spAutoFit/>
+          </a:bodyPr>
+          <a:lstStyle/>
+          <a:p>
+            <a:r>
+              <a:rPr kumimoji="1" lang="en-US" altLang="ja-JP" sz="1600" dirty="0"/>
+              <a:t>Demand delta in July</a:t>
+            </a:r>
+            <a:endParaRPr kumimoji="1" lang="ja-JP" altLang="en-US" sz="1600" dirty="0"/>
           </a:p>
         </p:txBody>
       </p:sp>
     </p:spTree>
     <p:extLst>
       <p:ext uri="{BB962C8B-B14F-4D97-AF65-F5344CB8AC3E}">
-        <p14:creationId xmlns:p14="http://schemas.microsoft.com/office/powerpoint/2010/main" val="111196494"/>
+        <p14:creationId xmlns:p14="http://schemas.microsoft.com/office/powerpoint/2010/main" val="2188303582"/>
       </p:ext>
     </p:extLst>
   </p:cSld>
@@ -4315,21 +5804,6 @@
 </file>
 
 <file path=customXml/item1.xml><?xml version="1.0" encoding="utf-8"?>
-<p:properties xmlns:p="http://schemas.microsoft.com/office/2006/metadata/properties" xmlns:xsi="http://www.w3.org/2001/XMLSchema-instance" xmlns:pc="http://schemas.microsoft.com/office/infopath/2007/PartnerControls">
-  <documentManagement/>
-</p:properties>
-</file>
-
-<file path=customXml/item2.xml><?xml version="1.0" encoding="utf-8"?>
-<?mso-contentType ?>
-<FormTemplates xmlns="http://schemas.microsoft.com/sharepoint/v3/contenttype/forms">
-  <Display>DocumentLibraryForm</Display>
-  <Edit>DocumentLibraryForm</Edit>
-  <New>DocumentLibraryForm</New>
-</FormTemplates>
-</file>
-
-<file path=customXml/item3.xml><?xml version="1.0" encoding="utf-8"?>
 <ct:contentTypeSchema xmlns:ct="http://schemas.microsoft.com/office/2006/metadata/contentType" xmlns:ma="http://schemas.microsoft.com/office/2006/metadata/properties/metaAttributes" ct:_="" ma:_="" ma:contentTypeName="ドキュメント" ma:contentTypeID="0x010100FF2F93FF3DB9634F8FBAEA602B638785" ma:contentTypeVersion="4" ma:contentTypeDescription="新しいドキュメントを作成します。" ma:contentTypeScope="" ma:versionID="1565eda96bd0f07e1690113f58b0beb9">
   <xsd:schema xmlns:xsd="http://www.w3.org/2001/XMLSchema" xmlns:xs="http://www.w3.org/2001/XMLSchema" xmlns:p="http://schemas.microsoft.com/office/2006/metadata/properties" xmlns:ns2="653e9419-0903-4931-b774-08ac89ba5ce0" targetNamespace="http://schemas.microsoft.com/office/2006/metadata/properties" ma:root="true" ma:fieldsID="6ef5f73c226f902315490317dc3ee3d0" ns2:_="">
     <xsd:import namespace="653e9419-0903-4931-b774-08ac89ba5ce0"/>
@@ -4473,24 +5947,22 @@
 </ct:contentTypeSchema>
 </file>
 
-<file path=customXml/itemProps1.xml><?xml version="1.0" encoding="utf-8"?>
-<ds:datastoreItem xmlns:ds="http://schemas.openxmlformats.org/officeDocument/2006/customXml" ds:itemID="{7C6CC81E-8697-4FBD-A01F-BB37C2C87EA1}">
-  <ds:schemaRefs>
-    <ds:schemaRef ds:uri="http://schemas.microsoft.com/office/2006/metadata/properties"/>
-    <ds:schemaRef ds:uri="http://schemas.microsoft.com/office/infopath/2007/PartnerControls"/>
-  </ds:schemaRefs>
-</ds:datastoreItem>
+<file path=customXml/item2.xml><?xml version="1.0" encoding="utf-8"?>
+<p:properties xmlns:p="http://schemas.microsoft.com/office/2006/metadata/properties" xmlns:xsi="http://www.w3.org/2001/XMLSchema-instance" xmlns:pc="http://schemas.microsoft.com/office/infopath/2007/PartnerControls">
+  <documentManagement/>
+</p:properties>
 </file>
 
-<file path=customXml/itemProps2.xml><?xml version="1.0" encoding="utf-8"?>
-<ds:datastoreItem xmlns:ds="http://schemas.openxmlformats.org/officeDocument/2006/customXml" ds:itemID="{8197A689-2F84-449E-AE7C-4D0E5BE883F0}">
-  <ds:schemaRefs>
-    <ds:schemaRef ds:uri="http://schemas.microsoft.com/sharepoint/v3/contenttype/forms"/>
-  </ds:schemaRefs>
-</ds:datastoreItem>
+<file path=customXml/item3.xml><?xml version="1.0" encoding="utf-8"?>
+<?mso-contentType ?>
+<FormTemplates xmlns="http://schemas.microsoft.com/sharepoint/v3/contenttype/forms">
+  <Display>DocumentLibraryForm</Display>
+  <Edit>DocumentLibraryForm</Edit>
+  <New>DocumentLibraryForm</New>
+</FormTemplates>
 </file>
 
-<file path=customXml/itemProps3.xml><?xml version="1.0" encoding="utf-8"?>
+<file path=customXml/itemProps1.xml><?xml version="1.0" encoding="utf-8"?>
 <ds:datastoreItem xmlns:ds="http://schemas.openxmlformats.org/officeDocument/2006/customXml" ds:itemID="{148C5804-AFBE-4CEC-9FE5-A729380FEC27}">
   <ds:schemaRefs>
     <ds:schemaRef ds:uri="http://schemas.microsoft.com/office/2006/metadata/contentType"/>
@@ -4506,4 +5978,21 @@
     <ds:schemaRef ds:uri="http://schemas.microsoft.com/internal/obd"/>
   </ds:schemaRefs>
 </ds:datastoreItem>
+</file>
+
+<file path=customXml/itemProps2.xml><?xml version="1.0" encoding="utf-8"?>
+<ds:datastoreItem xmlns:ds="http://schemas.openxmlformats.org/officeDocument/2006/customXml" ds:itemID="{7C6CC81E-8697-4FBD-A01F-BB37C2C87EA1}">
+  <ds:schemaRefs>
+    <ds:schemaRef ds:uri="http://schemas.microsoft.com/office/2006/metadata/properties"/>
+    <ds:schemaRef ds:uri="http://schemas.microsoft.com/office/infopath/2007/PartnerControls"/>
+  </ds:schemaRefs>
+</ds:datastoreItem>
+</file>
+
+<file path=customXml/itemProps3.xml><?xml version="1.0" encoding="utf-8"?>
+<ds:datastoreItem xmlns:ds="http://schemas.openxmlformats.org/officeDocument/2006/customXml" ds:itemID="{8197A689-2F84-449E-AE7C-4D0E5BE883F0}">
+  <ds:schemaRefs>
+    <ds:schemaRef ds:uri="http://schemas.microsoft.com/sharepoint/v3/contenttype/forms"/>
+  </ds:schemaRefs>
+</ds:datastoreItem>
 </file>
--- a/TokyoResults/250710_TokyoResults_delta.pptx
+++ b/TokyoResults/250710_TokyoResults_delta.pptx
@@ -5,15 +5,16 @@
     <p:sldMasterId id="2147483648" r:id="rId4"/>
   </p:sldMasterIdLst>
   <p:notesMasterIdLst>
-    <p:notesMasterId r:id="rId8"/>
+    <p:notesMasterId r:id="rId9"/>
   </p:notesMasterIdLst>
   <p:handoutMasterIdLst>
-    <p:handoutMasterId r:id="rId9"/>
+    <p:handoutMasterId r:id="rId10"/>
   </p:handoutMasterIdLst>
   <p:sldIdLst>
     <p:sldId id="312" r:id="rId5"/>
-    <p:sldId id="314" r:id="rId6"/>
-    <p:sldId id="315" r:id="rId7"/>
+    <p:sldId id="316" r:id="rId6"/>
+    <p:sldId id="314" r:id="rId7"/>
+    <p:sldId id="315" r:id="rId8"/>
   </p:sldIdLst>
   <p:sldSz cx="12192000" cy="6858000"/>
   <p:notesSz cx="6858000" cy="9144000"/>
@@ -765,6 +766,501 @@
     </pc:docChg>
   </pc:docChgLst>
   <pc:docChgLst>
+    <pc:chgData name="菱田 寛之(Hiroyuki Hishida)" userId="0b678a1d-3430-4bff-929e-dc8c867d5f9d" providerId="ADAL" clId="{0A02F421-C705-4E16-9D22-542AFB325BD4}"/>
+    <pc:docChg chg="undo custSel addSld delSld modSld sldOrd">
+      <pc:chgData name="菱田 寛之(Hiroyuki Hishida)" userId="0b678a1d-3430-4bff-929e-dc8c867d5f9d" providerId="ADAL" clId="{0A02F421-C705-4E16-9D22-542AFB325BD4}" dt="2025-01-15T07:22:27.033" v="3793"/>
+      <pc:docMkLst>
+        <pc:docMk/>
+      </pc:docMkLst>
+      <pc:sldChg chg="modSp mod">
+        <pc:chgData name="菱田 寛之(Hiroyuki Hishida)" userId="0b678a1d-3430-4bff-929e-dc8c867d5f9d" providerId="ADAL" clId="{0A02F421-C705-4E16-9D22-542AFB325BD4}" dt="2025-01-15T05:36:28.588" v="3405" actId="20577"/>
+        <pc:sldMkLst>
+          <pc:docMk/>
+          <pc:sldMk cId="3837915501" sldId="277"/>
+        </pc:sldMkLst>
+        <pc:spChg chg="mod">
+          <ac:chgData name="菱田 寛之(Hiroyuki Hishida)" userId="0b678a1d-3430-4bff-929e-dc8c867d5f9d" providerId="ADAL" clId="{0A02F421-C705-4E16-9D22-542AFB325BD4}" dt="2025-01-15T05:36:28.588" v="3405" actId="20577"/>
+          <ac:spMkLst>
+            <pc:docMk/>
+            <pc:sldMk cId="3837915501" sldId="277"/>
+            <ac:spMk id="4" creationId="{00000000-0000-0000-0000-000000000000}"/>
+          </ac:spMkLst>
+        </pc:spChg>
+      </pc:sldChg>
+      <pc:sldChg chg="modSp new del mod">
+        <pc:chgData name="菱田 寛之(Hiroyuki Hishida)" userId="0b678a1d-3430-4bff-929e-dc8c867d5f9d" providerId="ADAL" clId="{0A02F421-C705-4E16-9D22-542AFB325BD4}" dt="2025-01-14T02:26:46.464" v="8" actId="47"/>
+        <pc:sldMkLst>
+          <pc:docMk/>
+          <pc:sldMk cId="2639813574" sldId="293"/>
+        </pc:sldMkLst>
+        <pc:spChg chg="mod">
+          <ac:chgData name="菱田 寛之(Hiroyuki Hishida)" userId="0b678a1d-3430-4bff-929e-dc8c867d5f9d" providerId="ADAL" clId="{0A02F421-C705-4E16-9D22-542AFB325BD4}" dt="2025-01-14T02:26:40.100" v="5" actId="21"/>
+          <ac:spMkLst>
+            <pc:docMk/>
+            <pc:sldMk cId="2639813574" sldId="293"/>
+            <ac:spMk id="3" creationId="{2491DC5C-7E60-8784-357A-9BAA04FABB4D}"/>
+          </ac:spMkLst>
+        </pc:spChg>
+      </pc:sldChg>
+      <pc:sldChg chg="modSp new mod">
+        <pc:chgData name="菱田 寛之(Hiroyuki Hishida)" userId="0b678a1d-3430-4bff-929e-dc8c867d5f9d" providerId="ADAL" clId="{0A02F421-C705-4E16-9D22-542AFB325BD4}" dt="2025-01-14T04:48:22.600" v="1080"/>
+        <pc:sldMkLst>
+          <pc:docMk/>
+          <pc:sldMk cId="2406676856" sldId="294"/>
+        </pc:sldMkLst>
+        <pc:spChg chg="mod">
+          <ac:chgData name="菱田 寛之(Hiroyuki Hishida)" userId="0b678a1d-3430-4bff-929e-dc8c867d5f9d" providerId="ADAL" clId="{0A02F421-C705-4E16-9D22-542AFB325BD4}" dt="2025-01-14T04:47:05.826" v="955"/>
+          <ac:spMkLst>
+            <pc:docMk/>
+            <pc:sldMk cId="2406676856" sldId="294"/>
+            <ac:spMk id="2" creationId="{3E75A9D9-0BEC-714F-8EB8-3BF3C4F7B00F}"/>
+          </ac:spMkLst>
+        </pc:spChg>
+        <pc:spChg chg="mod">
+          <ac:chgData name="菱田 寛之(Hiroyuki Hishida)" userId="0b678a1d-3430-4bff-929e-dc8c867d5f9d" providerId="ADAL" clId="{0A02F421-C705-4E16-9D22-542AFB325BD4}" dt="2025-01-14T04:48:22.600" v="1080"/>
+          <ac:spMkLst>
+            <pc:docMk/>
+            <pc:sldMk cId="2406676856" sldId="294"/>
+            <ac:spMk id="3" creationId="{A1DC8043-D813-7A61-D677-8048215AC794}"/>
+          </ac:spMkLst>
+        </pc:spChg>
+      </pc:sldChg>
+      <pc:sldChg chg="addSp delSp modSp new mod ord">
+        <pc:chgData name="菱田 寛之(Hiroyuki Hishida)" userId="0b678a1d-3430-4bff-929e-dc8c867d5f9d" providerId="ADAL" clId="{0A02F421-C705-4E16-9D22-542AFB325BD4}" dt="2025-01-14T06:28:07.092" v="1565"/>
+        <pc:sldMkLst>
+          <pc:docMk/>
+          <pc:sldMk cId="3657896006" sldId="295"/>
+        </pc:sldMkLst>
+        <pc:spChg chg="mod">
+          <ac:chgData name="菱田 寛之(Hiroyuki Hishida)" userId="0b678a1d-3430-4bff-929e-dc8c867d5f9d" providerId="ADAL" clId="{0A02F421-C705-4E16-9D22-542AFB325BD4}" dt="2025-01-14T06:28:07.092" v="1565"/>
+          <ac:spMkLst>
+            <pc:docMk/>
+            <pc:sldMk cId="3657896006" sldId="295"/>
+            <ac:spMk id="2" creationId="{8D2B6B69-8098-E4F0-C716-05476B775611}"/>
+          </ac:spMkLst>
+        </pc:spChg>
+        <pc:spChg chg="mod">
+          <ac:chgData name="菱田 寛之(Hiroyuki Hishida)" userId="0b678a1d-3430-4bff-929e-dc8c867d5f9d" providerId="ADAL" clId="{0A02F421-C705-4E16-9D22-542AFB325BD4}" dt="2025-01-14T06:16:58.696" v="1435"/>
+          <ac:spMkLst>
+            <pc:docMk/>
+            <pc:sldMk cId="3657896006" sldId="295"/>
+            <ac:spMk id="3" creationId="{6F1863FB-8627-407E-156A-B115D1C55AD7}"/>
+          </ac:spMkLst>
+        </pc:spChg>
+        <pc:spChg chg="add del">
+          <ac:chgData name="菱田 寛之(Hiroyuki Hishida)" userId="0b678a1d-3430-4bff-929e-dc8c867d5f9d" providerId="ADAL" clId="{0A02F421-C705-4E16-9D22-542AFB325BD4}" dt="2025-01-14T04:35:52.269" v="185" actId="22"/>
+          <ac:spMkLst>
+            <pc:docMk/>
+            <pc:sldMk cId="3657896006" sldId="295"/>
+            <ac:spMk id="8" creationId="{E6D1C1B1-A985-C443-0E2A-42E2A086C988}"/>
+          </ac:spMkLst>
+        </pc:spChg>
+        <pc:spChg chg="add mod">
+          <ac:chgData name="菱田 寛之(Hiroyuki Hishida)" userId="0b678a1d-3430-4bff-929e-dc8c867d5f9d" providerId="ADAL" clId="{0A02F421-C705-4E16-9D22-542AFB325BD4}" dt="2025-01-14T04:36:03.843" v="189" actId="1076"/>
+          <ac:spMkLst>
+            <pc:docMk/>
+            <pc:sldMk cId="3657896006" sldId="295"/>
+            <ac:spMk id="10" creationId="{27C03E64-B0E0-2784-6B18-1AA8F2C61F48}"/>
+          </ac:spMkLst>
+        </pc:spChg>
+        <pc:picChg chg="add del mod modCrop">
+          <ac:chgData name="菱田 寛之(Hiroyuki Hishida)" userId="0b678a1d-3430-4bff-929e-dc8c867d5f9d" providerId="ADAL" clId="{0A02F421-C705-4E16-9D22-542AFB325BD4}" dt="2025-01-14T04:32:39.723" v="58" actId="21"/>
+          <ac:picMkLst>
+            <pc:docMk/>
+            <pc:sldMk cId="3657896006" sldId="295"/>
+            <ac:picMk id="5" creationId="{7C53E95B-28FC-3FF9-298B-26FFA7C8D73A}"/>
+          </ac:picMkLst>
+        </pc:picChg>
+        <pc:picChg chg="add mod">
+          <ac:chgData name="菱田 寛之(Hiroyuki Hishida)" userId="0b678a1d-3430-4bff-929e-dc8c867d5f9d" providerId="ADAL" clId="{0A02F421-C705-4E16-9D22-542AFB325BD4}" dt="2025-01-14T06:16:50.763" v="1374" actId="1036"/>
+          <ac:picMkLst>
+            <pc:docMk/>
+            <pc:sldMk cId="3657896006" sldId="295"/>
+            <ac:picMk id="6" creationId="{62A10C20-E846-F89A-27CB-8F4C59866581}"/>
+          </ac:picMkLst>
+        </pc:picChg>
+      </pc:sldChg>
+      <pc:sldChg chg="new">
+        <pc:chgData name="菱田 寛之(Hiroyuki Hishida)" userId="0b678a1d-3430-4bff-929e-dc8c867d5f9d" providerId="ADAL" clId="{0A02F421-C705-4E16-9D22-542AFB325BD4}" dt="2025-01-14T02:27:02.591" v="32" actId="680"/>
+        <pc:sldMkLst>
+          <pc:docMk/>
+          <pc:sldMk cId="2396825509" sldId="296"/>
+        </pc:sldMkLst>
+      </pc:sldChg>
+      <pc:sldChg chg="modSp new mod">
+        <pc:chgData name="菱田 寛之(Hiroyuki Hishida)" userId="0b678a1d-3430-4bff-929e-dc8c867d5f9d" providerId="ADAL" clId="{0A02F421-C705-4E16-9D22-542AFB325BD4}" dt="2025-01-14T04:34:01.803" v="183"/>
+        <pc:sldMkLst>
+          <pc:docMk/>
+          <pc:sldMk cId="2107502289" sldId="297"/>
+        </pc:sldMkLst>
+        <pc:spChg chg="mod">
+          <ac:chgData name="菱田 寛之(Hiroyuki Hishida)" userId="0b678a1d-3430-4bff-929e-dc8c867d5f9d" providerId="ADAL" clId="{0A02F421-C705-4E16-9D22-542AFB325BD4}" dt="2025-01-14T04:34:01.803" v="183"/>
+          <ac:spMkLst>
+            <pc:docMk/>
+            <pc:sldMk cId="2107502289" sldId="297"/>
+            <ac:spMk id="2" creationId="{6C36920D-B1CD-8055-485F-4EC8731A9051}"/>
+          </ac:spMkLst>
+        </pc:spChg>
+        <pc:spChg chg="mod">
+          <ac:chgData name="菱田 寛之(Hiroyuki Hishida)" userId="0b678a1d-3430-4bff-929e-dc8c867d5f9d" providerId="ADAL" clId="{0A02F421-C705-4E16-9D22-542AFB325BD4}" dt="2025-01-14T04:33:45.008" v="100" actId="20577"/>
+          <ac:spMkLst>
+            <pc:docMk/>
+            <pc:sldMk cId="2107502289" sldId="297"/>
+            <ac:spMk id="3" creationId="{E46CB6E8-FFAF-F78F-99EF-255099908874}"/>
+          </ac:spMkLst>
+        </pc:spChg>
+      </pc:sldChg>
+      <pc:sldChg chg="addSp delSp modSp new mod ord">
+        <pc:chgData name="菱田 寛之(Hiroyuki Hishida)" userId="0b678a1d-3430-4bff-929e-dc8c867d5f9d" providerId="ADAL" clId="{0A02F421-C705-4E16-9D22-542AFB325BD4}" dt="2025-01-14T06:47:36.787" v="1573"/>
+        <pc:sldMkLst>
+          <pc:docMk/>
+          <pc:sldMk cId="951674511" sldId="298"/>
+        </pc:sldMkLst>
+        <pc:spChg chg="mod">
+          <ac:chgData name="菱田 寛之(Hiroyuki Hishida)" userId="0b678a1d-3430-4bff-929e-dc8c867d5f9d" providerId="ADAL" clId="{0A02F421-C705-4E16-9D22-542AFB325BD4}" dt="2025-01-14T04:39:29.967" v="564"/>
+          <ac:spMkLst>
+            <pc:docMk/>
+            <pc:sldMk cId="951674511" sldId="298"/>
+            <ac:spMk id="2" creationId="{69280B4B-0EE1-309A-26DE-D43E03A2132C}"/>
+          </ac:spMkLst>
+        </pc:spChg>
+        <pc:spChg chg="mod">
+          <ac:chgData name="菱田 寛之(Hiroyuki Hishida)" userId="0b678a1d-3430-4bff-929e-dc8c867d5f9d" providerId="ADAL" clId="{0A02F421-C705-4E16-9D22-542AFB325BD4}" dt="2025-01-14T04:38:31.306" v="514"/>
+          <ac:spMkLst>
+            <pc:docMk/>
+            <pc:sldMk cId="951674511" sldId="298"/>
+            <ac:spMk id="3" creationId="{EE9A4396-461C-2611-85DF-A9BFCE860CEC}"/>
+          </ac:spMkLst>
+        </pc:spChg>
+        <pc:picChg chg="add del">
+          <ac:chgData name="菱田 寛之(Hiroyuki Hishida)" userId="0b678a1d-3430-4bff-929e-dc8c867d5f9d" providerId="ADAL" clId="{0A02F421-C705-4E16-9D22-542AFB325BD4}" dt="2025-01-14T04:37:45.597" v="355" actId="22"/>
+          <ac:picMkLst>
+            <pc:docMk/>
+            <pc:sldMk cId="951674511" sldId="298"/>
+            <ac:picMk id="5" creationId="{BB2AE573-F82A-8FB5-EE34-FF1493906F5D}"/>
+          </ac:picMkLst>
+        </pc:picChg>
+        <pc:picChg chg="add del mod modCrop">
+          <ac:chgData name="菱田 寛之(Hiroyuki Hishida)" userId="0b678a1d-3430-4bff-929e-dc8c867d5f9d" providerId="ADAL" clId="{0A02F421-C705-4E16-9D22-542AFB325BD4}" dt="2025-01-14T04:38:05.015" v="359" actId="21"/>
+          <ac:picMkLst>
+            <pc:docMk/>
+            <pc:sldMk cId="951674511" sldId="298"/>
+            <ac:picMk id="7" creationId="{4F1D35D8-8813-FE42-2C8F-38D061026844}"/>
+          </ac:picMkLst>
+        </pc:picChg>
+        <pc:picChg chg="add mod">
+          <ac:chgData name="菱田 寛之(Hiroyuki Hishida)" userId="0b678a1d-3430-4bff-929e-dc8c867d5f9d" providerId="ADAL" clId="{0A02F421-C705-4E16-9D22-542AFB325BD4}" dt="2025-01-14T04:38:43.387" v="537" actId="1035"/>
+          <ac:picMkLst>
+            <pc:docMk/>
+            <pc:sldMk cId="951674511" sldId="298"/>
+            <ac:picMk id="8" creationId="{6FA18581-2E03-2030-D044-7FDCC4A61908}"/>
+          </ac:picMkLst>
+        </pc:picChg>
+      </pc:sldChg>
+      <pc:sldChg chg="modSp new mod">
+        <pc:chgData name="菱田 寛之(Hiroyuki Hishida)" userId="0b678a1d-3430-4bff-929e-dc8c867d5f9d" providerId="ADAL" clId="{0A02F421-C705-4E16-9D22-542AFB325BD4}" dt="2025-01-14T04:40:49.875" v="609" actId="20577"/>
+        <pc:sldMkLst>
+          <pc:docMk/>
+          <pc:sldMk cId="1206120969" sldId="299"/>
+        </pc:sldMkLst>
+        <pc:spChg chg="mod">
+          <ac:chgData name="菱田 寛之(Hiroyuki Hishida)" userId="0b678a1d-3430-4bff-929e-dc8c867d5f9d" providerId="ADAL" clId="{0A02F421-C705-4E16-9D22-542AFB325BD4}" dt="2025-01-14T04:40:44.548" v="592"/>
+          <ac:spMkLst>
+            <pc:docMk/>
+            <pc:sldMk cId="1206120969" sldId="299"/>
+            <ac:spMk id="2" creationId="{C57B6847-C34B-E545-D444-03AE3A7E6E3A}"/>
+          </ac:spMkLst>
+        </pc:spChg>
+        <pc:spChg chg="mod">
+          <ac:chgData name="菱田 寛之(Hiroyuki Hishida)" userId="0b678a1d-3430-4bff-929e-dc8c867d5f9d" providerId="ADAL" clId="{0A02F421-C705-4E16-9D22-542AFB325BD4}" dt="2025-01-14T04:40:49.875" v="609" actId="20577"/>
+          <ac:spMkLst>
+            <pc:docMk/>
+            <pc:sldMk cId="1206120969" sldId="299"/>
+            <ac:spMk id="3" creationId="{138AB35E-61A3-3789-D30E-8AE3E8C6572D}"/>
+          </ac:spMkLst>
+        </pc:spChg>
+      </pc:sldChg>
+      <pc:sldChg chg="modSp new mod">
+        <pc:chgData name="菱田 寛之(Hiroyuki Hishida)" userId="0b678a1d-3430-4bff-929e-dc8c867d5f9d" providerId="ADAL" clId="{0A02F421-C705-4E16-9D22-542AFB325BD4}" dt="2025-01-14T04:42:56.559" v="783"/>
+        <pc:sldMkLst>
+          <pc:docMk/>
+          <pc:sldMk cId="1960065590" sldId="300"/>
+        </pc:sldMkLst>
+        <pc:spChg chg="mod">
+          <ac:chgData name="菱田 寛之(Hiroyuki Hishida)" userId="0b678a1d-3430-4bff-929e-dc8c867d5f9d" providerId="ADAL" clId="{0A02F421-C705-4E16-9D22-542AFB325BD4}" dt="2025-01-14T04:42:15.882" v="626"/>
+          <ac:spMkLst>
+            <pc:docMk/>
+            <pc:sldMk cId="1960065590" sldId="300"/>
+            <ac:spMk id="2" creationId="{B62D9668-8E9D-DD54-3131-49A14D026593}"/>
+          </ac:spMkLst>
+        </pc:spChg>
+        <pc:spChg chg="mod">
+          <ac:chgData name="菱田 寛之(Hiroyuki Hishida)" userId="0b678a1d-3430-4bff-929e-dc8c867d5f9d" providerId="ADAL" clId="{0A02F421-C705-4E16-9D22-542AFB325BD4}" dt="2025-01-14T04:42:56.559" v="783"/>
+          <ac:spMkLst>
+            <pc:docMk/>
+            <pc:sldMk cId="1960065590" sldId="300"/>
+            <ac:spMk id="3" creationId="{FA95D803-CAB2-2415-5E9C-01AE4EA9845F}"/>
+          </ac:spMkLst>
+        </pc:spChg>
+      </pc:sldChg>
+      <pc:sldChg chg="modSp new mod">
+        <pc:chgData name="菱田 寛之(Hiroyuki Hishida)" userId="0b678a1d-3430-4bff-929e-dc8c867d5f9d" providerId="ADAL" clId="{0A02F421-C705-4E16-9D22-542AFB325BD4}" dt="2025-01-14T04:44:26.020" v="795" actId="20577"/>
+        <pc:sldMkLst>
+          <pc:docMk/>
+          <pc:sldMk cId="999775469" sldId="301"/>
+        </pc:sldMkLst>
+        <pc:spChg chg="mod">
+          <ac:chgData name="菱田 寛之(Hiroyuki Hishida)" userId="0b678a1d-3430-4bff-929e-dc8c867d5f9d" providerId="ADAL" clId="{0A02F421-C705-4E16-9D22-542AFB325BD4}" dt="2025-01-14T04:44:22.817" v="791" actId="20577"/>
+          <ac:spMkLst>
+            <pc:docMk/>
+            <pc:sldMk cId="999775469" sldId="301"/>
+            <ac:spMk id="2" creationId="{2E0BA4A6-6EFA-36A8-91EC-76544D2622E9}"/>
+          </ac:spMkLst>
+        </pc:spChg>
+        <pc:spChg chg="mod">
+          <ac:chgData name="菱田 寛之(Hiroyuki Hishida)" userId="0b678a1d-3430-4bff-929e-dc8c867d5f9d" providerId="ADAL" clId="{0A02F421-C705-4E16-9D22-542AFB325BD4}" dt="2025-01-14T04:44:26.020" v="795" actId="20577"/>
+          <ac:spMkLst>
+            <pc:docMk/>
+            <pc:sldMk cId="999775469" sldId="301"/>
+            <ac:spMk id="3" creationId="{21F26E8C-7DF7-D671-7DF3-7E08116422EA}"/>
+          </ac:spMkLst>
+        </pc:spChg>
+      </pc:sldChg>
+      <pc:sldChg chg="addSp modSp new mod">
+        <pc:chgData name="菱田 寛之(Hiroyuki Hishida)" userId="0b678a1d-3430-4bff-929e-dc8c867d5f9d" providerId="ADAL" clId="{0A02F421-C705-4E16-9D22-542AFB325BD4}" dt="2025-01-14T06:27:57.345" v="1562"/>
+        <pc:sldMkLst>
+          <pc:docMk/>
+          <pc:sldMk cId="4046802638" sldId="302"/>
+        </pc:sldMkLst>
+        <pc:spChg chg="mod">
+          <ac:chgData name="菱田 寛之(Hiroyuki Hishida)" userId="0b678a1d-3430-4bff-929e-dc8c867d5f9d" providerId="ADAL" clId="{0A02F421-C705-4E16-9D22-542AFB325BD4}" dt="2025-01-14T06:27:57.345" v="1562"/>
+          <ac:spMkLst>
+            <pc:docMk/>
+            <pc:sldMk cId="4046802638" sldId="302"/>
+            <ac:spMk id="2" creationId="{17DC27CA-6B96-1E0A-ECEE-3C661E5F412B}"/>
+          </ac:spMkLst>
+        </pc:spChg>
+        <pc:spChg chg="mod">
+          <ac:chgData name="菱田 寛之(Hiroyuki Hishida)" userId="0b678a1d-3430-4bff-929e-dc8c867d5f9d" providerId="ADAL" clId="{0A02F421-C705-4E16-9D22-542AFB325BD4}" dt="2025-01-14T06:14:49.730" v="1323" actId="20577"/>
+          <ac:spMkLst>
+            <pc:docMk/>
+            <pc:sldMk cId="4046802638" sldId="302"/>
+            <ac:spMk id="3" creationId="{6CAFA6C4-600F-4EAE-D704-6ADBC5EF6B91}"/>
+          </ac:spMkLst>
+        </pc:spChg>
+        <pc:spChg chg="add mod">
+          <ac:chgData name="菱田 寛之(Hiroyuki Hishida)" userId="0b678a1d-3430-4bff-929e-dc8c867d5f9d" providerId="ADAL" clId="{0A02F421-C705-4E16-9D22-542AFB325BD4}" dt="2025-01-14T06:14:43.702" v="1322" actId="1076"/>
+          <ac:spMkLst>
+            <pc:docMk/>
+            <pc:sldMk cId="4046802638" sldId="302"/>
+            <ac:spMk id="7" creationId="{8327FB7A-87ED-65AC-D05F-55661D01BFFE}"/>
+          </ac:spMkLst>
+        </pc:spChg>
+        <pc:picChg chg="add mod modCrop">
+          <ac:chgData name="菱田 寛之(Hiroyuki Hishida)" userId="0b678a1d-3430-4bff-929e-dc8c867d5f9d" providerId="ADAL" clId="{0A02F421-C705-4E16-9D22-542AFB325BD4}" dt="2025-01-14T06:14:07.931" v="1225" actId="14100"/>
+          <ac:picMkLst>
+            <pc:docMk/>
+            <pc:sldMk cId="4046802638" sldId="302"/>
+            <ac:picMk id="5" creationId="{8CAD3752-4444-A5C3-490D-38E4C906CBE0}"/>
+          </ac:picMkLst>
+        </pc:picChg>
+      </pc:sldChg>
+      <pc:sldChg chg="modSp new mod ord">
+        <pc:chgData name="菱田 寛之(Hiroyuki Hishida)" userId="0b678a1d-3430-4bff-929e-dc8c867d5f9d" providerId="ADAL" clId="{0A02F421-C705-4E16-9D22-542AFB325BD4}" dt="2025-01-15T00:05:51.484" v="2502" actId="20577"/>
+        <pc:sldMkLst>
+          <pc:docMk/>
+          <pc:sldMk cId="719640762" sldId="303"/>
+        </pc:sldMkLst>
+        <pc:spChg chg="mod">
+          <ac:chgData name="菱田 寛之(Hiroyuki Hishida)" userId="0b678a1d-3430-4bff-929e-dc8c867d5f9d" providerId="ADAL" clId="{0A02F421-C705-4E16-9D22-542AFB325BD4}" dt="2025-01-14T06:53:44.557" v="1764"/>
+          <ac:spMkLst>
+            <pc:docMk/>
+            <pc:sldMk cId="719640762" sldId="303"/>
+            <ac:spMk id="2" creationId="{F2CCD695-E631-608D-892F-FB69D5F9E256}"/>
+          </ac:spMkLst>
+        </pc:spChg>
+        <pc:spChg chg="mod">
+          <ac:chgData name="菱田 寛之(Hiroyuki Hishida)" userId="0b678a1d-3430-4bff-929e-dc8c867d5f9d" providerId="ADAL" clId="{0A02F421-C705-4E16-9D22-542AFB325BD4}" dt="2025-01-15T00:05:51.484" v="2502" actId="20577"/>
+          <ac:spMkLst>
+            <pc:docMk/>
+            <pc:sldMk cId="719640762" sldId="303"/>
+            <ac:spMk id="3" creationId="{3DB83451-C0C1-63C1-29B3-B9ABBF24BDEE}"/>
+          </ac:spMkLst>
+        </pc:spChg>
+      </pc:sldChg>
+      <pc:sldChg chg="addSp modSp new mod">
+        <pc:chgData name="菱田 寛之(Hiroyuki Hishida)" userId="0b678a1d-3430-4bff-929e-dc8c867d5f9d" providerId="ADAL" clId="{0A02F421-C705-4E16-9D22-542AFB325BD4}" dt="2025-01-14T06:53:10.750" v="1750" actId="14100"/>
+        <pc:sldMkLst>
+          <pc:docMk/>
+          <pc:sldMk cId="2652112283" sldId="304"/>
+        </pc:sldMkLst>
+        <pc:spChg chg="mod">
+          <ac:chgData name="菱田 寛之(Hiroyuki Hishida)" userId="0b678a1d-3430-4bff-929e-dc8c867d5f9d" providerId="ADAL" clId="{0A02F421-C705-4E16-9D22-542AFB325BD4}" dt="2025-01-14T06:48:11.207" v="1621"/>
+          <ac:spMkLst>
+            <pc:docMk/>
+            <pc:sldMk cId="2652112283" sldId="304"/>
+            <ac:spMk id="2" creationId="{A177FF64-327E-A62F-3B5B-DDC43540C2BE}"/>
+          </ac:spMkLst>
+        </pc:spChg>
+        <pc:spChg chg="mod">
+          <ac:chgData name="菱田 寛之(Hiroyuki Hishida)" userId="0b678a1d-3430-4bff-929e-dc8c867d5f9d" providerId="ADAL" clId="{0A02F421-C705-4E16-9D22-542AFB325BD4}" dt="2025-01-14T06:53:03.921" v="1735"/>
+          <ac:spMkLst>
+            <pc:docMk/>
+            <pc:sldMk cId="2652112283" sldId="304"/>
+            <ac:spMk id="3" creationId="{FA66A7DC-77A1-7A1B-EF5B-CABDA973A0F0}"/>
+          </ac:spMkLst>
+        </pc:spChg>
+        <pc:picChg chg="add mod ord modCrop">
+          <ac:chgData name="菱田 寛之(Hiroyuki Hishida)" userId="0b678a1d-3430-4bff-929e-dc8c867d5f9d" providerId="ADAL" clId="{0A02F421-C705-4E16-9D22-542AFB325BD4}" dt="2025-01-14T06:53:10.750" v="1750" actId="14100"/>
+          <ac:picMkLst>
+            <pc:docMk/>
+            <pc:sldMk cId="2652112283" sldId="304"/>
+            <ac:picMk id="5" creationId="{7101452E-148A-0D89-B647-C3EDB575FB6B}"/>
+          </ac:picMkLst>
+        </pc:picChg>
+        <pc:picChg chg="add mod">
+          <ac:chgData name="菱田 寛之(Hiroyuki Hishida)" userId="0b678a1d-3430-4bff-929e-dc8c867d5f9d" providerId="ADAL" clId="{0A02F421-C705-4E16-9D22-542AFB325BD4}" dt="2025-01-14T06:53:07.118" v="1749" actId="1036"/>
+          <ac:picMkLst>
+            <pc:docMk/>
+            <pc:sldMk cId="2652112283" sldId="304"/>
+            <ac:picMk id="6" creationId="{39F4C94E-DCDC-6F91-50A2-A95BA43297F7}"/>
+          </ac:picMkLst>
+        </pc:picChg>
+      </pc:sldChg>
+      <pc:sldChg chg="new">
+        <pc:chgData name="菱田 寛之(Hiroyuki Hishida)" userId="0b678a1d-3430-4bff-929e-dc8c867d5f9d" providerId="ADAL" clId="{0A02F421-C705-4E16-9D22-542AFB325BD4}" dt="2025-01-14T06:51:10.268" v="1733" actId="680"/>
+        <pc:sldMkLst>
+          <pc:docMk/>
+          <pc:sldMk cId="3700622019" sldId="305"/>
+        </pc:sldMkLst>
+      </pc:sldChg>
+      <pc:sldChg chg="modSp new del mod">
+        <pc:chgData name="菱田 寛之(Hiroyuki Hishida)" userId="0b678a1d-3430-4bff-929e-dc8c867d5f9d" providerId="ADAL" clId="{0A02F421-C705-4E16-9D22-542AFB325BD4}" dt="2025-01-14T07:09:24.806" v="1983" actId="47"/>
+        <pc:sldMkLst>
+          <pc:docMk/>
+          <pc:sldMk cId="228139563" sldId="306"/>
+        </pc:sldMkLst>
+        <pc:spChg chg="mod">
+          <ac:chgData name="菱田 寛之(Hiroyuki Hishida)" userId="0b678a1d-3430-4bff-929e-dc8c867d5f9d" providerId="ADAL" clId="{0A02F421-C705-4E16-9D22-542AFB325BD4}" dt="2025-01-14T06:54:59.626" v="1772" actId="27636"/>
+          <ac:spMkLst>
+            <pc:docMk/>
+            <pc:sldMk cId="228139563" sldId="306"/>
+            <ac:spMk id="2" creationId="{15A44BA0-24A0-B04B-722A-B693EF368BDE}"/>
+          </ac:spMkLst>
+        </pc:spChg>
+      </pc:sldChg>
+      <pc:sldChg chg="modSp new del mod">
+        <pc:chgData name="菱田 寛之(Hiroyuki Hishida)" userId="0b678a1d-3430-4bff-929e-dc8c867d5f9d" providerId="ADAL" clId="{0A02F421-C705-4E16-9D22-542AFB325BD4}" dt="2025-01-14T07:09:24.806" v="1983" actId="47"/>
+        <pc:sldMkLst>
+          <pc:docMk/>
+          <pc:sldMk cId="1011086150" sldId="307"/>
+        </pc:sldMkLst>
+        <pc:spChg chg="mod">
+          <ac:chgData name="菱田 寛之(Hiroyuki Hishida)" userId="0b678a1d-3430-4bff-929e-dc8c867d5f9d" providerId="ADAL" clId="{0A02F421-C705-4E16-9D22-542AFB325BD4}" dt="2025-01-14T06:55:01.741" v="1774" actId="27636"/>
+          <ac:spMkLst>
+            <pc:docMk/>
+            <pc:sldMk cId="1011086150" sldId="307"/>
+            <ac:spMk id="2" creationId="{C27A32AE-716C-2163-3F1F-1F08737DD1A6}"/>
+          </ac:spMkLst>
+        </pc:spChg>
+      </pc:sldChg>
+      <pc:sldChg chg="addSp modSp new mod">
+        <pc:chgData name="菱田 寛之(Hiroyuki Hishida)" userId="0b678a1d-3430-4bff-929e-dc8c867d5f9d" providerId="ADAL" clId="{0A02F421-C705-4E16-9D22-542AFB325BD4}" dt="2025-01-14T07:25:47.987" v="2228" actId="207"/>
+        <pc:sldMkLst>
+          <pc:docMk/>
+          <pc:sldMk cId="2170115826" sldId="308"/>
+        </pc:sldMkLst>
+        <pc:spChg chg="mod">
+          <ac:chgData name="菱田 寛之(Hiroyuki Hishida)" userId="0b678a1d-3430-4bff-929e-dc8c867d5f9d" providerId="ADAL" clId="{0A02F421-C705-4E16-9D22-542AFB325BD4}" dt="2025-01-14T07:05:46.692" v="1874"/>
+          <ac:spMkLst>
+            <pc:docMk/>
+            <pc:sldMk cId="2170115826" sldId="308"/>
+            <ac:spMk id="2" creationId="{D5F57C3D-FA11-0124-B643-95599EA24D2A}"/>
+          </ac:spMkLst>
+        </pc:spChg>
+        <pc:spChg chg="mod">
+          <ac:chgData name="菱田 寛之(Hiroyuki Hishida)" userId="0b678a1d-3430-4bff-929e-dc8c867d5f9d" providerId="ADAL" clId="{0A02F421-C705-4E16-9D22-542AFB325BD4}" dt="2025-01-14T07:22:17.724" v="2201"/>
+          <ac:spMkLst>
+            <pc:docMk/>
+            <pc:sldMk cId="2170115826" sldId="308"/>
+            <ac:spMk id="3" creationId="{FF0EE96D-D661-2707-5552-BF39034415D8}"/>
+          </ac:spMkLst>
+        </pc:spChg>
+        <pc:spChg chg="add mod">
+          <ac:chgData name="菱田 寛之(Hiroyuki Hishida)" userId="0b678a1d-3430-4bff-929e-dc8c867d5f9d" providerId="ADAL" clId="{0A02F421-C705-4E16-9D22-542AFB325BD4}" dt="2025-01-14T07:25:47.987" v="2228" actId="207"/>
+          <ac:spMkLst>
+            <pc:docMk/>
+            <pc:sldMk cId="2170115826" sldId="308"/>
+            <ac:spMk id="4" creationId="{2ACAFCD8-1158-DC02-8F75-BF2B056EDD1C}"/>
+          </ac:spMkLst>
+        </pc:spChg>
+      </pc:sldChg>
+      <pc:sldChg chg="addSp delSp modSp new mod">
+        <pc:chgData name="菱田 寛之(Hiroyuki Hishida)" userId="0b678a1d-3430-4bff-929e-dc8c867d5f9d" providerId="ADAL" clId="{0A02F421-C705-4E16-9D22-542AFB325BD4}" dt="2025-01-15T07:22:27.033" v="3793"/>
+        <pc:sldMkLst>
+          <pc:docMk/>
+          <pc:sldMk cId="847802891" sldId="309"/>
+        </pc:sldMkLst>
+        <pc:spChg chg="mod">
+          <ac:chgData name="菱田 寛之(Hiroyuki Hishida)" userId="0b678a1d-3430-4bff-929e-dc8c867d5f9d" providerId="ADAL" clId="{0A02F421-C705-4E16-9D22-542AFB325BD4}" dt="2025-01-15T05:09:16.321" v="3069" actId="20577"/>
+          <ac:spMkLst>
+            <pc:docMk/>
+            <pc:sldMk cId="847802891" sldId="309"/>
+            <ac:spMk id="2" creationId="{B5D159CB-80F4-42D0-A92B-B90080237ACB}"/>
+          </ac:spMkLst>
+        </pc:spChg>
+        <pc:spChg chg="del">
+          <ac:chgData name="菱田 寛之(Hiroyuki Hishida)" userId="0b678a1d-3430-4bff-929e-dc8c867d5f9d" providerId="ADAL" clId="{0A02F421-C705-4E16-9D22-542AFB325BD4}" dt="2025-01-15T00:01:01.189" v="2246" actId="3680"/>
+          <ac:spMkLst>
+            <pc:docMk/>
+            <pc:sldMk cId="847802891" sldId="309"/>
+            <ac:spMk id="3" creationId="{838A350B-A7C5-78B8-535E-B884C9FCB814}"/>
+          </ac:spMkLst>
+        </pc:spChg>
+        <pc:spChg chg="add del mod">
+          <ac:chgData name="菱田 寛之(Hiroyuki Hishida)" userId="0b678a1d-3430-4bff-929e-dc8c867d5f9d" providerId="ADAL" clId="{0A02F421-C705-4E16-9D22-542AFB325BD4}" dt="2025-01-15T05:37:28.227" v="3414" actId="3680"/>
+          <ac:spMkLst>
+            <pc:docMk/>
+            <pc:sldMk cId="847802891" sldId="309"/>
+            <ac:spMk id="6" creationId="{042B3E6E-FCC7-6157-4400-6B1474082E00}"/>
+          </ac:spMkLst>
+        </pc:spChg>
+        <pc:spChg chg="add del mod">
+          <ac:chgData name="菱田 寛之(Hiroyuki Hishida)" userId="0b678a1d-3430-4bff-929e-dc8c867d5f9d" providerId="ADAL" clId="{0A02F421-C705-4E16-9D22-542AFB325BD4}" dt="2025-01-15T05:50:08.759" v="3529" actId="3680"/>
+          <ac:spMkLst>
+            <pc:docMk/>
+            <pc:sldMk cId="847802891" sldId="309"/>
+            <ac:spMk id="9" creationId="{BEE2835B-9EB2-3100-81FC-1C15648C34A5}"/>
+          </ac:spMkLst>
+        </pc:spChg>
+        <pc:graphicFrameChg chg="add del mod ord modGraphic">
+          <ac:chgData name="菱田 寛之(Hiroyuki Hishida)" userId="0b678a1d-3430-4bff-929e-dc8c867d5f9d" providerId="ADAL" clId="{0A02F421-C705-4E16-9D22-542AFB325BD4}" dt="2025-01-15T05:37:21.601" v="3413" actId="478"/>
+          <ac:graphicFrameMkLst>
+            <pc:docMk/>
+            <pc:sldMk cId="847802891" sldId="309"/>
+            <ac:graphicFrameMk id="4" creationId="{17D44829-38CC-1A08-BBBD-8BC59218D60D}"/>
+          </ac:graphicFrameMkLst>
+        </pc:graphicFrameChg>
+        <pc:graphicFrameChg chg="add del mod ord modGraphic">
+          <ac:chgData name="菱田 寛之(Hiroyuki Hishida)" userId="0b678a1d-3430-4bff-929e-dc8c867d5f9d" providerId="ADAL" clId="{0A02F421-C705-4E16-9D22-542AFB325BD4}" dt="2025-01-15T05:50:02.611" v="3528" actId="478"/>
+          <ac:graphicFrameMkLst>
+            <pc:docMk/>
+            <pc:sldMk cId="847802891" sldId="309"/>
+            <ac:graphicFrameMk id="7" creationId="{0DFEA17B-B7D3-4856-259F-4B4E966F9826}"/>
+          </ac:graphicFrameMkLst>
+        </pc:graphicFrameChg>
+        <pc:graphicFrameChg chg="add mod ord modGraphic">
+          <ac:chgData name="菱田 寛之(Hiroyuki Hishida)" userId="0b678a1d-3430-4bff-929e-dc8c867d5f9d" providerId="ADAL" clId="{0A02F421-C705-4E16-9D22-542AFB325BD4}" dt="2025-01-15T07:22:27.033" v="3793"/>
+          <ac:graphicFrameMkLst>
+            <pc:docMk/>
+            <pc:sldMk cId="847802891" sldId="309"/>
+            <ac:graphicFrameMk id="10" creationId="{6BA9BBAF-2C8E-0419-8502-23226F8DA7A2}"/>
+          </ac:graphicFrameMkLst>
+        </pc:graphicFrameChg>
+      </pc:sldChg>
+    </pc:docChg>
+  </pc:docChgLst>
+  <pc:docChgLst>
     <pc:chgData name="菱田 寛之(Hiroyuki Hishida)" userId="0b678a1d-3430-4bff-929e-dc8c867d5f9d" providerId="ADAL" clId="{CFA239F1-F375-4F36-9082-42C37FE41990}"/>
     <pc:docChg chg="undo custSel modMainMaster">
       <pc:chgData name="菱田 寛之(Hiroyuki Hishida)" userId="0b678a1d-3430-4bff-929e-dc8c867d5f9d" providerId="ADAL" clId="{CFA239F1-F375-4F36-9082-42C37FE41990}" dt="2025-01-08T06:00:44.453" v="10" actId="14100"/>
@@ -813,501 +1309,6 @@
           </pc:spChg>
         </pc:sldLayoutChg>
       </pc:sldMasterChg>
-    </pc:docChg>
-  </pc:docChgLst>
-  <pc:docChgLst>
-    <pc:chgData name="菱田 寛之(Hiroyuki Hishida)" userId="0b678a1d-3430-4bff-929e-dc8c867d5f9d" providerId="ADAL" clId="{0A02F421-C705-4E16-9D22-542AFB325BD4}"/>
-    <pc:docChg chg="undo custSel addSld delSld modSld sldOrd">
-      <pc:chgData name="菱田 寛之(Hiroyuki Hishida)" userId="0b678a1d-3430-4bff-929e-dc8c867d5f9d" providerId="ADAL" clId="{0A02F421-C705-4E16-9D22-542AFB325BD4}" dt="2025-01-15T07:22:27.033" v="3793"/>
-      <pc:docMkLst>
-        <pc:docMk/>
-      </pc:docMkLst>
-      <pc:sldChg chg="modSp mod">
-        <pc:chgData name="菱田 寛之(Hiroyuki Hishida)" userId="0b678a1d-3430-4bff-929e-dc8c867d5f9d" providerId="ADAL" clId="{0A02F421-C705-4E16-9D22-542AFB325BD4}" dt="2025-01-15T05:36:28.588" v="3405" actId="20577"/>
-        <pc:sldMkLst>
-          <pc:docMk/>
-          <pc:sldMk cId="3837915501" sldId="277"/>
-        </pc:sldMkLst>
-        <pc:spChg chg="mod">
-          <ac:chgData name="菱田 寛之(Hiroyuki Hishida)" userId="0b678a1d-3430-4bff-929e-dc8c867d5f9d" providerId="ADAL" clId="{0A02F421-C705-4E16-9D22-542AFB325BD4}" dt="2025-01-15T05:36:28.588" v="3405" actId="20577"/>
-          <ac:spMkLst>
-            <pc:docMk/>
-            <pc:sldMk cId="3837915501" sldId="277"/>
-            <ac:spMk id="4" creationId="{00000000-0000-0000-0000-000000000000}"/>
-          </ac:spMkLst>
-        </pc:spChg>
-      </pc:sldChg>
-      <pc:sldChg chg="modSp new del mod">
-        <pc:chgData name="菱田 寛之(Hiroyuki Hishida)" userId="0b678a1d-3430-4bff-929e-dc8c867d5f9d" providerId="ADAL" clId="{0A02F421-C705-4E16-9D22-542AFB325BD4}" dt="2025-01-14T02:26:46.464" v="8" actId="47"/>
-        <pc:sldMkLst>
-          <pc:docMk/>
-          <pc:sldMk cId="2639813574" sldId="293"/>
-        </pc:sldMkLst>
-        <pc:spChg chg="mod">
-          <ac:chgData name="菱田 寛之(Hiroyuki Hishida)" userId="0b678a1d-3430-4bff-929e-dc8c867d5f9d" providerId="ADAL" clId="{0A02F421-C705-4E16-9D22-542AFB325BD4}" dt="2025-01-14T02:26:40.100" v="5" actId="21"/>
-          <ac:spMkLst>
-            <pc:docMk/>
-            <pc:sldMk cId="2639813574" sldId="293"/>
-            <ac:spMk id="3" creationId="{2491DC5C-7E60-8784-357A-9BAA04FABB4D}"/>
-          </ac:spMkLst>
-        </pc:spChg>
-      </pc:sldChg>
-      <pc:sldChg chg="modSp new mod">
-        <pc:chgData name="菱田 寛之(Hiroyuki Hishida)" userId="0b678a1d-3430-4bff-929e-dc8c867d5f9d" providerId="ADAL" clId="{0A02F421-C705-4E16-9D22-542AFB325BD4}" dt="2025-01-14T04:48:22.600" v="1080"/>
-        <pc:sldMkLst>
-          <pc:docMk/>
-          <pc:sldMk cId="2406676856" sldId="294"/>
-        </pc:sldMkLst>
-        <pc:spChg chg="mod">
-          <ac:chgData name="菱田 寛之(Hiroyuki Hishida)" userId="0b678a1d-3430-4bff-929e-dc8c867d5f9d" providerId="ADAL" clId="{0A02F421-C705-4E16-9D22-542AFB325BD4}" dt="2025-01-14T04:47:05.826" v="955"/>
-          <ac:spMkLst>
-            <pc:docMk/>
-            <pc:sldMk cId="2406676856" sldId="294"/>
-            <ac:spMk id="2" creationId="{3E75A9D9-0BEC-714F-8EB8-3BF3C4F7B00F}"/>
-          </ac:spMkLst>
-        </pc:spChg>
-        <pc:spChg chg="mod">
-          <ac:chgData name="菱田 寛之(Hiroyuki Hishida)" userId="0b678a1d-3430-4bff-929e-dc8c867d5f9d" providerId="ADAL" clId="{0A02F421-C705-4E16-9D22-542AFB325BD4}" dt="2025-01-14T04:48:22.600" v="1080"/>
-          <ac:spMkLst>
-            <pc:docMk/>
-            <pc:sldMk cId="2406676856" sldId="294"/>
-            <ac:spMk id="3" creationId="{A1DC8043-D813-7A61-D677-8048215AC794}"/>
-          </ac:spMkLst>
-        </pc:spChg>
-      </pc:sldChg>
-      <pc:sldChg chg="addSp delSp modSp new mod ord">
-        <pc:chgData name="菱田 寛之(Hiroyuki Hishida)" userId="0b678a1d-3430-4bff-929e-dc8c867d5f9d" providerId="ADAL" clId="{0A02F421-C705-4E16-9D22-542AFB325BD4}" dt="2025-01-14T06:28:07.092" v="1565"/>
-        <pc:sldMkLst>
-          <pc:docMk/>
-          <pc:sldMk cId="3657896006" sldId="295"/>
-        </pc:sldMkLst>
-        <pc:spChg chg="mod">
-          <ac:chgData name="菱田 寛之(Hiroyuki Hishida)" userId="0b678a1d-3430-4bff-929e-dc8c867d5f9d" providerId="ADAL" clId="{0A02F421-C705-4E16-9D22-542AFB325BD4}" dt="2025-01-14T06:28:07.092" v="1565"/>
-          <ac:spMkLst>
-            <pc:docMk/>
-            <pc:sldMk cId="3657896006" sldId="295"/>
-            <ac:spMk id="2" creationId="{8D2B6B69-8098-E4F0-C716-05476B775611}"/>
-          </ac:spMkLst>
-        </pc:spChg>
-        <pc:spChg chg="mod">
-          <ac:chgData name="菱田 寛之(Hiroyuki Hishida)" userId="0b678a1d-3430-4bff-929e-dc8c867d5f9d" providerId="ADAL" clId="{0A02F421-C705-4E16-9D22-542AFB325BD4}" dt="2025-01-14T06:16:58.696" v="1435"/>
-          <ac:spMkLst>
-            <pc:docMk/>
-            <pc:sldMk cId="3657896006" sldId="295"/>
-            <ac:spMk id="3" creationId="{6F1863FB-8627-407E-156A-B115D1C55AD7}"/>
-          </ac:spMkLst>
-        </pc:spChg>
-        <pc:spChg chg="add del">
-          <ac:chgData name="菱田 寛之(Hiroyuki Hishida)" userId="0b678a1d-3430-4bff-929e-dc8c867d5f9d" providerId="ADAL" clId="{0A02F421-C705-4E16-9D22-542AFB325BD4}" dt="2025-01-14T04:35:52.269" v="185" actId="22"/>
-          <ac:spMkLst>
-            <pc:docMk/>
-            <pc:sldMk cId="3657896006" sldId="295"/>
-            <ac:spMk id="8" creationId="{E6D1C1B1-A985-C443-0E2A-42E2A086C988}"/>
-          </ac:spMkLst>
-        </pc:spChg>
-        <pc:spChg chg="add mod">
-          <ac:chgData name="菱田 寛之(Hiroyuki Hishida)" userId="0b678a1d-3430-4bff-929e-dc8c867d5f9d" providerId="ADAL" clId="{0A02F421-C705-4E16-9D22-542AFB325BD4}" dt="2025-01-14T04:36:03.843" v="189" actId="1076"/>
-          <ac:spMkLst>
-            <pc:docMk/>
-            <pc:sldMk cId="3657896006" sldId="295"/>
-            <ac:spMk id="10" creationId="{27C03E64-B0E0-2784-6B18-1AA8F2C61F48}"/>
-          </ac:spMkLst>
-        </pc:spChg>
-        <pc:picChg chg="add del mod modCrop">
-          <ac:chgData name="菱田 寛之(Hiroyuki Hishida)" userId="0b678a1d-3430-4bff-929e-dc8c867d5f9d" providerId="ADAL" clId="{0A02F421-C705-4E16-9D22-542AFB325BD4}" dt="2025-01-14T04:32:39.723" v="58" actId="21"/>
-          <ac:picMkLst>
-            <pc:docMk/>
-            <pc:sldMk cId="3657896006" sldId="295"/>
-            <ac:picMk id="5" creationId="{7C53E95B-28FC-3FF9-298B-26FFA7C8D73A}"/>
-          </ac:picMkLst>
-        </pc:picChg>
-        <pc:picChg chg="add mod">
-          <ac:chgData name="菱田 寛之(Hiroyuki Hishida)" userId="0b678a1d-3430-4bff-929e-dc8c867d5f9d" providerId="ADAL" clId="{0A02F421-C705-4E16-9D22-542AFB325BD4}" dt="2025-01-14T06:16:50.763" v="1374" actId="1036"/>
-          <ac:picMkLst>
-            <pc:docMk/>
-            <pc:sldMk cId="3657896006" sldId="295"/>
-            <ac:picMk id="6" creationId="{62A10C20-E846-F89A-27CB-8F4C59866581}"/>
-          </ac:picMkLst>
-        </pc:picChg>
-      </pc:sldChg>
-      <pc:sldChg chg="new">
-        <pc:chgData name="菱田 寛之(Hiroyuki Hishida)" userId="0b678a1d-3430-4bff-929e-dc8c867d5f9d" providerId="ADAL" clId="{0A02F421-C705-4E16-9D22-542AFB325BD4}" dt="2025-01-14T02:27:02.591" v="32" actId="680"/>
-        <pc:sldMkLst>
-          <pc:docMk/>
-          <pc:sldMk cId="2396825509" sldId="296"/>
-        </pc:sldMkLst>
-      </pc:sldChg>
-      <pc:sldChg chg="modSp new mod">
-        <pc:chgData name="菱田 寛之(Hiroyuki Hishida)" userId="0b678a1d-3430-4bff-929e-dc8c867d5f9d" providerId="ADAL" clId="{0A02F421-C705-4E16-9D22-542AFB325BD4}" dt="2025-01-14T04:34:01.803" v="183"/>
-        <pc:sldMkLst>
-          <pc:docMk/>
-          <pc:sldMk cId="2107502289" sldId="297"/>
-        </pc:sldMkLst>
-        <pc:spChg chg="mod">
-          <ac:chgData name="菱田 寛之(Hiroyuki Hishida)" userId="0b678a1d-3430-4bff-929e-dc8c867d5f9d" providerId="ADAL" clId="{0A02F421-C705-4E16-9D22-542AFB325BD4}" dt="2025-01-14T04:34:01.803" v="183"/>
-          <ac:spMkLst>
-            <pc:docMk/>
-            <pc:sldMk cId="2107502289" sldId="297"/>
-            <ac:spMk id="2" creationId="{6C36920D-B1CD-8055-485F-4EC8731A9051}"/>
-          </ac:spMkLst>
-        </pc:spChg>
-        <pc:spChg chg="mod">
-          <ac:chgData name="菱田 寛之(Hiroyuki Hishida)" userId="0b678a1d-3430-4bff-929e-dc8c867d5f9d" providerId="ADAL" clId="{0A02F421-C705-4E16-9D22-542AFB325BD4}" dt="2025-01-14T04:33:45.008" v="100" actId="20577"/>
-          <ac:spMkLst>
-            <pc:docMk/>
-            <pc:sldMk cId="2107502289" sldId="297"/>
-            <ac:spMk id="3" creationId="{E46CB6E8-FFAF-F78F-99EF-255099908874}"/>
-          </ac:spMkLst>
-        </pc:spChg>
-      </pc:sldChg>
-      <pc:sldChg chg="addSp delSp modSp new mod ord">
-        <pc:chgData name="菱田 寛之(Hiroyuki Hishida)" userId="0b678a1d-3430-4bff-929e-dc8c867d5f9d" providerId="ADAL" clId="{0A02F421-C705-4E16-9D22-542AFB325BD4}" dt="2025-01-14T06:47:36.787" v="1573"/>
-        <pc:sldMkLst>
-          <pc:docMk/>
-          <pc:sldMk cId="951674511" sldId="298"/>
-        </pc:sldMkLst>
-        <pc:spChg chg="mod">
-          <ac:chgData name="菱田 寛之(Hiroyuki Hishida)" userId="0b678a1d-3430-4bff-929e-dc8c867d5f9d" providerId="ADAL" clId="{0A02F421-C705-4E16-9D22-542AFB325BD4}" dt="2025-01-14T04:39:29.967" v="564"/>
-          <ac:spMkLst>
-            <pc:docMk/>
-            <pc:sldMk cId="951674511" sldId="298"/>
-            <ac:spMk id="2" creationId="{69280B4B-0EE1-309A-26DE-D43E03A2132C}"/>
-          </ac:spMkLst>
-        </pc:spChg>
-        <pc:spChg chg="mod">
-          <ac:chgData name="菱田 寛之(Hiroyuki Hishida)" userId="0b678a1d-3430-4bff-929e-dc8c867d5f9d" providerId="ADAL" clId="{0A02F421-C705-4E16-9D22-542AFB325BD4}" dt="2025-01-14T04:38:31.306" v="514"/>
-          <ac:spMkLst>
-            <pc:docMk/>
-            <pc:sldMk cId="951674511" sldId="298"/>
-            <ac:spMk id="3" creationId="{EE9A4396-461C-2611-85DF-A9BFCE860CEC}"/>
-          </ac:spMkLst>
-        </pc:spChg>
-        <pc:picChg chg="add del">
-          <ac:chgData name="菱田 寛之(Hiroyuki Hishida)" userId="0b678a1d-3430-4bff-929e-dc8c867d5f9d" providerId="ADAL" clId="{0A02F421-C705-4E16-9D22-542AFB325BD4}" dt="2025-01-14T04:37:45.597" v="355" actId="22"/>
-          <ac:picMkLst>
-            <pc:docMk/>
-            <pc:sldMk cId="951674511" sldId="298"/>
-            <ac:picMk id="5" creationId="{BB2AE573-F82A-8FB5-EE34-FF1493906F5D}"/>
-          </ac:picMkLst>
-        </pc:picChg>
-        <pc:picChg chg="add del mod modCrop">
-          <ac:chgData name="菱田 寛之(Hiroyuki Hishida)" userId="0b678a1d-3430-4bff-929e-dc8c867d5f9d" providerId="ADAL" clId="{0A02F421-C705-4E16-9D22-542AFB325BD4}" dt="2025-01-14T04:38:05.015" v="359" actId="21"/>
-          <ac:picMkLst>
-            <pc:docMk/>
-            <pc:sldMk cId="951674511" sldId="298"/>
-            <ac:picMk id="7" creationId="{4F1D35D8-8813-FE42-2C8F-38D061026844}"/>
-          </ac:picMkLst>
-        </pc:picChg>
-        <pc:picChg chg="add mod">
-          <ac:chgData name="菱田 寛之(Hiroyuki Hishida)" userId="0b678a1d-3430-4bff-929e-dc8c867d5f9d" providerId="ADAL" clId="{0A02F421-C705-4E16-9D22-542AFB325BD4}" dt="2025-01-14T04:38:43.387" v="537" actId="1035"/>
-          <ac:picMkLst>
-            <pc:docMk/>
-            <pc:sldMk cId="951674511" sldId="298"/>
-            <ac:picMk id="8" creationId="{6FA18581-2E03-2030-D044-7FDCC4A61908}"/>
-          </ac:picMkLst>
-        </pc:picChg>
-      </pc:sldChg>
-      <pc:sldChg chg="modSp new mod">
-        <pc:chgData name="菱田 寛之(Hiroyuki Hishida)" userId="0b678a1d-3430-4bff-929e-dc8c867d5f9d" providerId="ADAL" clId="{0A02F421-C705-4E16-9D22-542AFB325BD4}" dt="2025-01-14T04:40:49.875" v="609" actId="20577"/>
-        <pc:sldMkLst>
-          <pc:docMk/>
-          <pc:sldMk cId="1206120969" sldId="299"/>
-        </pc:sldMkLst>
-        <pc:spChg chg="mod">
-          <ac:chgData name="菱田 寛之(Hiroyuki Hishida)" userId="0b678a1d-3430-4bff-929e-dc8c867d5f9d" providerId="ADAL" clId="{0A02F421-C705-4E16-9D22-542AFB325BD4}" dt="2025-01-14T04:40:44.548" v="592"/>
-          <ac:spMkLst>
-            <pc:docMk/>
-            <pc:sldMk cId="1206120969" sldId="299"/>
-            <ac:spMk id="2" creationId="{C57B6847-C34B-E545-D444-03AE3A7E6E3A}"/>
-          </ac:spMkLst>
-        </pc:spChg>
-        <pc:spChg chg="mod">
-          <ac:chgData name="菱田 寛之(Hiroyuki Hishida)" userId="0b678a1d-3430-4bff-929e-dc8c867d5f9d" providerId="ADAL" clId="{0A02F421-C705-4E16-9D22-542AFB325BD4}" dt="2025-01-14T04:40:49.875" v="609" actId="20577"/>
-          <ac:spMkLst>
-            <pc:docMk/>
-            <pc:sldMk cId="1206120969" sldId="299"/>
-            <ac:spMk id="3" creationId="{138AB35E-61A3-3789-D30E-8AE3E8C6572D}"/>
-          </ac:spMkLst>
-        </pc:spChg>
-      </pc:sldChg>
-      <pc:sldChg chg="modSp new mod">
-        <pc:chgData name="菱田 寛之(Hiroyuki Hishida)" userId="0b678a1d-3430-4bff-929e-dc8c867d5f9d" providerId="ADAL" clId="{0A02F421-C705-4E16-9D22-542AFB325BD4}" dt="2025-01-14T04:42:56.559" v="783"/>
-        <pc:sldMkLst>
-          <pc:docMk/>
-          <pc:sldMk cId="1960065590" sldId="300"/>
-        </pc:sldMkLst>
-        <pc:spChg chg="mod">
-          <ac:chgData name="菱田 寛之(Hiroyuki Hishida)" userId="0b678a1d-3430-4bff-929e-dc8c867d5f9d" providerId="ADAL" clId="{0A02F421-C705-4E16-9D22-542AFB325BD4}" dt="2025-01-14T04:42:15.882" v="626"/>
-          <ac:spMkLst>
-            <pc:docMk/>
-            <pc:sldMk cId="1960065590" sldId="300"/>
-            <ac:spMk id="2" creationId="{B62D9668-8E9D-DD54-3131-49A14D026593}"/>
-          </ac:spMkLst>
-        </pc:spChg>
-        <pc:spChg chg="mod">
-          <ac:chgData name="菱田 寛之(Hiroyuki Hishida)" userId="0b678a1d-3430-4bff-929e-dc8c867d5f9d" providerId="ADAL" clId="{0A02F421-C705-4E16-9D22-542AFB325BD4}" dt="2025-01-14T04:42:56.559" v="783"/>
-          <ac:spMkLst>
-            <pc:docMk/>
-            <pc:sldMk cId="1960065590" sldId="300"/>
-            <ac:spMk id="3" creationId="{FA95D803-CAB2-2415-5E9C-01AE4EA9845F}"/>
-          </ac:spMkLst>
-        </pc:spChg>
-      </pc:sldChg>
-      <pc:sldChg chg="modSp new mod">
-        <pc:chgData name="菱田 寛之(Hiroyuki Hishida)" userId="0b678a1d-3430-4bff-929e-dc8c867d5f9d" providerId="ADAL" clId="{0A02F421-C705-4E16-9D22-542AFB325BD4}" dt="2025-01-14T04:44:26.020" v="795" actId="20577"/>
-        <pc:sldMkLst>
-          <pc:docMk/>
-          <pc:sldMk cId="999775469" sldId="301"/>
-        </pc:sldMkLst>
-        <pc:spChg chg="mod">
-          <ac:chgData name="菱田 寛之(Hiroyuki Hishida)" userId="0b678a1d-3430-4bff-929e-dc8c867d5f9d" providerId="ADAL" clId="{0A02F421-C705-4E16-9D22-542AFB325BD4}" dt="2025-01-14T04:44:22.817" v="791" actId="20577"/>
-          <ac:spMkLst>
-            <pc:docMk/>
-            <pc:sldMk cId="999775469" sldId="301"/>
-            <ac:spMk id="2" creationId="{2E0BA4A6-6EFA-36A8-91EC-76544D2622E9}"/>
-          </ac:spMkLst>
-        </pc:spChg>
-        <pc:spChg chg="mod">
-          <ac:chgData name="菱田 寛之(Hiroyuki Hishida)" userId="0b678a1d-3430-4bff-929e-dc8c867d5f9d" providerId="ADAL" clId="{0A02F421-C705-4E16-9D22-542AFB325BD4}" dt="2025-01-14T04:44:26.020" v="795" actId="20577"/>
-          <ac:spMkLst>
-            <pc:docMk/>
-            <pc:sldMk cId="999775469" sldId="301"/>
-            <ac:spMk id="3" creationId="{21F26E8C-7DF7-D671-7DF3-7E08116422EA}"/>
-          </ac:spMkLst>
-        </pc:spChg>
-      </pc:sldChg>
-      <pc:sldChg chg="addSp modSp new mod">
-        <pc:chgData name="菱田 寛之(Hiroyuki Hishida)" userId="0b678a1d-3430-4bff-929e-dc8c867d5f9d" providerId="ADAL" clId="{0A02F421-C705-4E16-9D22-542AFB325BD4}" dt="2025-01-14T06:27:57.345" v="1562"/>
-        <pc:sldMkLst>
-          <pc:docMk/>
-          <pc:sldMk cId="4046802638" sldId="302"/>
-        </pc:sldMkLst>
-        <pc:spChg chg="mod">
-          <ac:chgData name="菱田 寛之(Hiroyuki Hishida)" userId="0b678a1d-3430-4bff-929e-dc8c867d5f9d" providerId="ADAL" clId="{0A02F421-C705-4E16-9D22-542AFB325BD4}" dt="2025-01-14T06:27:57.345" v="1562"/>
-          <ac:spMkLst>
-            <pc:docMk/>
-            <pc:sldMk cId="4046802638" sldId="302"/>
-            <ac:spMk id="2" creationId="{17DC27CA-6B96-1E0A-ECEE-3C661E5F412B}"/>
-          </ac:spMkLst>
-        </pc:spChg>
-        <pc:spChg chg="mod">
-          <ac:chgData name="菱田 寛之(Hiroyuki Hishida)" userId="0b678a1d-3430-4bff-929e-dc8c867d5f9d" providerId="ADAL" clId="{0A02F421-C705-4E16-9D22-542AFB325BD4}" dt="2025-01-14T06:14:49.730" v="1323" actId="20577"/>
-          <ac:spMkLst>
-            <pc:docMk/>
-            <pc:sldMk cId="4046802638" sldId="302"/>
-            <ac:spMk id="3" creationId="{6CAFA6C4-600F-4EAE-D704-6ADBC5EF6B91}"/>
-          </ac:spMkLst>
-        </pc:spChg>
-        <pc:spChg chg="add mod">
-          <ac:chgData name="菱田 寛之(Hiroyuki Hishida)" userId="0b678a1d-3430-4bff-929e-dc8c867d5f9d" providerId="ADAL" clId="{0A02F421-C705-4E16-9D22-542AFB325BD4}" dt="2025-01-14T06:14:43.702" v="1322" actId="1076"/>
-          <ac:spMkLst>
-            <pc:docMk/>
-            <pc:sldMk cId="4046802638" sldId="302"/>
-            <ac:spMk id="7" creationId="{8327FB7A-87ED-65AC-D05F-55661D01BFFE}"/>
-          </ac:spMkLst>
-        </pc:spChg>
-        <pc:picChg chg="add mod modCrop">
-          <ac:chgData name="菱田 寛之(Hiroyuki Hishida)" userId="0b678a1d-3430-4bff-929e-dc8c867d5f9d" providerId="ADAL" clId="{0A02F421-C705-4E16-9D22-542AFB325BD4}" dt="2025-01-14T06:14:07.931" v="1225" actId="14100"/>
-          <ac:picMkLst>
-            <pc:docMk/>
-            <pc:sldMk cId="4046802638" sldId="302"/>
-            <ac:picMk id="5" creationId="{8CAD3752-4444-A5C3-490D-38E4C906CBE0}"/>
-          </ac:picMkLst>
-        </pc:picChg>
-      </pc:sldChg>
-      <pc:sldChg chg="modSp new mod ord">
-        <pc:chgData name="菱田 寛之(Hiroyuki Hishida)" userId="0b678a1d-3430-4bff-929e-dc8c867d5f9d" providerId="ADAL" clId="{0A02F421-C705-4E16-9D22-542AFB325BD4}" dt="2025-01-15T00:05:51.484" v="2502" actId="20577"/>
-        <pc:sldMkLst>
-          <pc:docMk/>
-          <pc:sldMk cId="719640762" sldId="303"/>
-        </pc:sldMkLst>
-        <pc:spChg chg="mod">
-          <ac:chgData name="菱田 寛之(Hiroyuki Hishida)" userId="0b678a1d-3430-4bff-929e-dc8c867d5f9d" providerId="ADAL" clId="{0A02F421-C705-4E16-9D22-542AFB325BD4}" dt="2025-01-14T06:53:44.557" v="1764"/>
-          <ac:spMkLst>
-            <pc:docMk/>
-            <pc:sldMk cId="719640762" sldId="303"/>
-            <ac:spMk id="2" creationId="{F2CCD695-E631-608D-892F-FB69D5F9E256}"/>
-          </ac:spMkLst>
-        </pc:spChg>
-        <pc:spChg chg="mod">
-          <ac:chgData name="菱田 寛之(Hiroyuki Hishida)" userId="0b678a1d-3430-4bff-929e-dc8c867d5f9d" providerId="ADAL" clId="{0A02F421-C705-4E16-9D22-542AFB325BD4}" dt="2025-01-15T00:05:51.484" v="2502" actId="20577"/>
-          <ac:spMkLst>
-            <pc:docMk/>
-            <pc:sldMk cId="719640762" sldId="303"/>
-            <ac:spMk id="3" creationId="{3DB83451-C0C1-63C1-29B3-B9ABBF24BDEE}"/>
-          </ac:spMkLst>
-        </pc:spChg>
-      </pc:sldChg>
-      <pc:sldChg chg="addSp modSp new mod">
-        <pc:chgData name="菱田 寛之(Hiroyuki Hishida)" userId="0b678a1d-3430-4bff-929e-dc8c867d5f9d" providerId="ADAL" clId="{0A02F421-C705-4E16-9D22-542AFB325BD4}" dt="2025-01-14T06:53:10.750" v="1750" actId="14100"/>
-        <pc:sldMkLst>
-          <pc:docMk/>
-          <pc:sldMk cId="2652112283" sldId="304"/>
-        </pc:sldMkLst>
-        <pc:spChg chg="mod">
-          <ac:chgData name="菱田 寛之(Hiroyuki Hishida)" userId="0b678a1d-3430-4bff-929e-dc8c867d5f9d" providerId="ADAL" clId="{0A02F421-C705-4E16-9D22-542AFB325BD4}" dt="2025-01-14T06:48:11.207" v="1621"/>
-          <ac:spMkLst>
-            <pc:docMk/>
-            <pc:sldMk cId="2652112283" sldId="304"/>
-            <ac:spMk id="2" creationId="{A177FF64-327E-A62F-3B5B-DDC43540C2BE}"/>
-          </ac:spMkLst>
-        </pc:spChg>
-        <pc:spChg chg="mod">
-          <ac:chgData name="菱田 寛之(Hiroyuki Hishida)" userId="0b678a1d-3430-4bff-929e-dc8c867d5f9d" providerId="ADAL" clId="{0A02F421-C705-4E16-9D22-542AFB325BD4}" dt="2025-01-14T06:53:03.921" v="1735"/>
-          <ac:spMkLst>
-            <pc:docMk/>
-            <pc:sldMk cId="2652112283" sldId="304"/>
-            <ac:spMk id="3" creationId="{FA66A7DC-77A1-7A1B-EF5B-CABDA973A0F0}"/>
-          </ac:spMkLst>
-        </pc:spChg>
-        <pc:picChg chg="add mod ord modCrop">
-          <ac:chgData name="菱田 寛之(Hiroyuki Hishida)" userId="0b678a1d-3430-4bff-929e-dc8c867d5f9d" providerId="ADAL" clId="{0A02F421-C705-4E16-9D22-542AFB325BD4}" dt="2025-01-14T06:53:10.750" v="1750" actId="14100"/>
-          <ac:picMkLst>
-            <pc:docMk/>
-            <pc:sldMk cId="2652112283" sldId="304"/>
-            <ac:picMk id="5" creationId="{7101452E-148A-0D89-B647-C3EDB575FB6B}"/>
-          </ac:picMkLst>
-        </pc:picChg>
-        <pc:picChg chg="add mod">
-          <ac:chgData name="菱田 寛之(Hiroyuki Hishida)" userId="0b678a1d-3430-4bff-929e-dc8c867d5f9d" providerId="ADAL" clId="{0A02F421-C705-4E16-9D22-542AFB325BD4}" dt="2025-01-14T06:53:07.118" v="1749" actId="1036"/>
-          <ac:picMkLst>
-            <pc:docMk/>
-            <pc:sldMk cId="2652112283" sldId="304"/>
-            <ac:picMk id="6" creationId="{39F4C94E-DCDC-6F91-50A2-A95BA43297F7}"/>
-          </ac:picMkLst>
-        </pc:picChg>
-      </pc:sldChg>
-      <pc:sldChg chg="new">
-        <pc:chgData name="菱田 寛之(Hiroyuki Hishida)" userId="0b678a1d-3430-4bff-929e-dc8c867d5f9d" providerId="ADAL" clId="{0A02F421-C705-4E16-9D22-542AFB325BD4}" dt="2025-01-14T06:51:10.268" v="1733" actId="680"/>
-        <pc:sldMkLst>
-          <pc:docMk/>
-          <pc:sldMk cId="3700622019" sldId="305"/>
-        </pc:sldMkLst>
-      </pc:sldChg>
-      <pc:sldChg chg="modSp new del mod">
-        <pc:chgData name="菱田 寛之(Hiroyuki Hishida)" userId="0b678a1d-3430-4bff-929e-dc8c867d5f9d" providerId="ADAL" clId="{0A02F421-C705-4E16-9D22-542AFB325BD4}" dt="2025-01-14T07:09:24.806" v="1983" actId="47"/>
-        <pc:sldMkLst>
-          <pc:docMk/>
-          <pc:sldMk cId="228139563" sldId="306"/>
-        </pc:sldMkLst>
-        <pc:spChg chg="mod">
-          <ac:chgData name="菱田 寛之(Hiroyuki Hishida)" userId="0b678a1d-3430-4bff-929e-dc8c867d5f9d" providerId="ADAL" clId="{0A02F421-C705-4E16-9D22-542AFB325BD4}" dt="2025-01-14T06:54:59.626" v="1772" actId="27636"/>
-          <ac:spMkLst>
-            <pc:docMk/>
-            <pc:sldMk cId="228139563" sldId="306"/>
-            <ac:spMk id="2" creationId="{15A44BA0-24A0-B04B-722A-B693EF368BDE}"/>
-          </ac:spMkLst>
-        </pc:spChg>
-      </pc:sldChg>
-      <pc:sldChg chg="modSp new del mod">
-        <pc:chgData name="菱田 寛之(Hiroyuki Hishida)" userId="0b678a1d-3430-4bff-929e-dc8c867d5f9d" providerId="ADAL" clId="{0A02F421-C705-4E16-9D22-542AFB325BD4}" dt="2025-01-14T07:09:24.806" v="1983" actId="47"/>
-        <pc:sldMkLst>
-          <pc:docMk/>
-          <pc:sldMk cId="1011086150" sldId="307"/>
-        </pc:sldMkLst>
-        <pc:spChg chg="mod">
-          <ac:chgData name="菱田 寛之(Hiroyuki Hishida)" userId="0b678a1d-3430-4bff-929e-dc8c867d5f9d" providerId="ADAL" clId="{0A02F421-C705-4E16-9D22-542AFB325BD4}" dt="2025-01-14T06:55:01.741" v="1774" actId="27636"/>
-          <ac:spMkLst>
-            <pc:docMk/>
-            <pc:sldMk cId="1011086150" sldId="307"/>
-            <ac:spMk id="2" creationId="{C27A32AE-716C-2163-3F1F-1F08737DD1A6}"/>
-          </ac:spMkLst>
-        </pc:spChg>
-      </pc:sldChg>
-      <pc:sldChg chg="addSp modSp new mod">
-        <pc:chgData name="菱田 寛之(Hiroyuki Hishida)" userId="0b678a1d-3430-4bff-929e-dc8c867d5f9d" providerId="ADAL" clId="{0A02F421-C705-4E16-9D22-542AFB325BD4}" dt="2025-01-14T07:25:47.987" v="2228" actId="207"/>
-        <pc:sldMkLst>
-          <pc:docMk/>
-          <pc:sldMk cId="2170115826" sldId="308"/>
-        </pc:sldMkLst>
-        <pc:spChg chg="mod">
-          <ac:chgData name="菱田 寛之(Hiroyuki Hishida)" userId="0b678a1d-3430-4bff-929e-dc8c867d5f9d" providerId="ADAL" clId="{0A02F421-C705-4E16-9D22-542AFB325BD4}" dt="2025-01-14T07:05:46.692" v="1874"/>
-          <ac:spMkLst>
-            <pc:docMk/>
-            <pc:sldMk cId="2170115826" sldId="308"/>
-            <ac:spMk id="2" creationId="{D5F57C3D-FA11-0124-B643-95599EA24D2A}"/>
-          </ac:spMkLst>
-        </pc:spChg>
-        <pc:spChg chg="mod">
-          <ac:chgData name="菱田 寛之(Hiroyuki Hishida)" userId="0b678a1d-3430-4bff-929e-dc8c867d5f9d" providerId="ADAL" clId="{0A02F421-C705-4E16-9D22-542AFB325BD4}" dt="2025-01-14T07:22:17.724" v="2201"/>
-          <ac:spMkLst>
-            <pc:docMk/>
-            <pc:sldMk cId="2170115826" sldId="308"/>
-            <ac:spMk id="3" creationId="{FF0EE96D-D661-2707-5552-BF39034415D8}"/>
-          </ac:spMkLst>
-        </pc:spChg>
-        <pc:spChg chg="add mod">
-          <ac:chgData name="菱田 寛之(Hiroyuki Hishida)" userId="0b678a1d-3430-4bff-929e-dc8c867d5f9d" providerId="ADAL" clId="{0A02F421-C705-4E16-9D22-542AFB325BD4}" dt="2025-01-14T07:25:47.987" v="2228" actId="207"/>
-          <ac:spMkLst>
-            <pc:docMk/>
-            <pc:sldMk cId="2170115826" sldId="308"/>
-            <ac:spMk id="4" creationId="{2ACAFCD8-1158-DC02-8F75-BF2B056EDD1C}"/>
-          </ac:spMkLst>
-        </pc:spChg>
-      </pc:sldChg>
-      <pc:sldChg chg="addSp delSp modSp new mod">
-        <pc:chgData name="菱田 寛之(Hiroyuki Hishida)" userId="0b678a1d-3430-4bff-929e-dc8c867d5f9d" providerId="ADAL" clId="{0A02F421-C705-4E16-9D22-542AFB325BD4}" dt="2025-01-15T07:22:27.033" v="3793"/>
-        <pc:sldMkLst>
-          <pc:docMk/>
-          <pc:sldMk cId="847802891" sldId="309"/>
-        </pc:sldMkLst>
-        <pc:spChg chg="mod">
-          <ac:chgData name="菱田 寛之(Hiroyuki Hishida)" userId="0b678a1d-3430-4bff-929e-dc8c867d5f9d" providerId="ADAL" clId="{0A02F421-C705-4E16-9D22-542AFB325BD4}" dt="2025-01-15T05:09:16.321" v="3069" actId="20577"/>
-          <ac:spMkLst>
-            <pc:docMk/>
-            <pc:sldMk cId="847802891" sldId="309"/>
-            <ac:spMk id="2" creationId="{B5D159CB-80F4-42D0-A92B-B90080237ACB}"/>
-          </ac:spMkLst>
-        </pc:spChg>
-        <pc:spChg chg="del">
-          <ac:chgData name="菱田 寛之(Hiroyuki Hishida)" userId="0b678a1d-3430-4bff-929e-dc8c867d5f9d" providerId="ADAL" clId="{0A02F421-C705-4E16-9D22-542AFB325BD4}" dt="2025-01-15T00:01:01.189" v="2246" actId="3680"/>
-          <ac:spMkLst>
-            <pc:docMk/>
-            <pc:sldMk cId="847802891" sldId="309"/>
-            <ac:spMk id="3" creationId="{838A350B-A7C5-78B8-535E-B884C9FCB814}"/>
-          </ac:spMkLst>
-        </pc:spChg>
-        <pc:spChg chg="add del mod">
-          <ac:chgData name="菱田 寛之(Hiroyuki Hishida)" userId="0b678a1d-3430-4bff-929e-dc8c867d5f9d" providerId="ADAL" clId="{0A02F421-C705-4E16-9D22-542AFB325BD4}" dt="2025-01-15T05:37:28.227" v="3414" actId="3680"/>
-          <ac:spMkLst>
-            <pc:docMk/>
-            <pc:sldMk cId="847802891" sldId="309"/>
-            <ac:spMk id="6" creationId="{042B3E6E-FCC7-6157-4400-6B1474082E00}"/>
-          </ac:spMkLst>
-        </pc:spChg>
-        <pc:spChg chg="add del mod">
-          <ac:chgData name="菱田 寛之(Hiroyuki Hishida)" userId="0b678a1d-3430-4bff-929e-dc8c867d5f9d" providerId="ADAL" clId="{0A02F421-C705-4E16-9D22-542AFB325BD4}" dt="2025-01-15T05:50:08.759" v="3529" actId="3680"/>
-          <ac:spMkLst>
-            <pc:docMk/>
-            <pc:sldMk cId="847802891" sldId="309"/>
-            <ac:spMk id="9" creationId="{BEE2835B-9EB2-3100-81FC-1C15648C34A5}"/>
-          </ac:spMkLst>
-        </pc:spChg>
-        <pc:graphicFrameChg chg="add del mod ord modGraphic">
-          <ac:chgData name="菱田 寛之(Hiroyuki Hishida)" userId="0b678a1d-3430-4bff-929e-dc8c867d5f9d" providerId="ADAL" clId="{0A02F421-C705-4E16-9D22-542AFB325BD4}" dt="2025-01-15T05:37:21.601" v="3413" actId="478"/>
-          <ac:graphicFrameMkLst>
-            <pc:docMk/>
-            <pc:sldMk cId="847802891" sldId="309"/>
-            <ac:graphicFrameMk id="4" creationId="{17D44829-38CC-1A08-BBBD-8BC59218D60D}"/>
-          </ac:graphicFrameMkLst>
-        </pc:graphicFrameChg>
-        <pc:graphicFrameChg chg="add del mod ord modGraphic">
-          <ac:chgData name="菱田 寛之(Hiroyuki Hishida)" userId="0b678a1d-3430-4bff-929e-dc8c867d5f9d" providerId="ADAL" clId="{0A02F421-C705-4E16-9D22-542AFB325BD4}" dt="2025-01-15T05:50:02.611" v="3528" actId="478"/>
-          <ac:graphicFrameMkLst>
-            <pc:docMk/>
-            <pc:sldMk cId="847802891" sldId="309"/>
-            <ac:graphicFrameMk id="7" creationId="{0DFEA17B-B7D3-4856-259F-4B4E966F9826}"/>
-          </ac:graphicFrameMkLst>
-        </pc:graphicFrameChg>
-        <pc:graphicFrameChg chg="add mod ord modGraphic">
-          <ac:chgData name="菱田 寛之(Hiroyuki Hishida)" userId="0b678a1d-3430-4bff-929e-dc8c867d5f9d" providerId="ADAL" clId="{0A02F421-C705-4E16-9D22-542AFB325BD4}" dt="2025-01-15T07:22:27.033" v="3793"/>
-          <ac:graphicFrameMkLst>
-            <pc:docMk/>
-            <pc:sldMk cId="847802891" sldId="309"/>
-            <ac:graphicFrameMk id="10" creationId="{6BA9BBAF-2C8E-0419-8502-23226F8DA7A2}"/>
-          </ac:graphicFrameMkLst>
-        </pc:graphicFrameChg>
-      </pc:sldChg>
     </pc:docChg>
   </pc:docChgLst>
 </pc:chgInfo>
@@ -4479,6 +4480,418 @@
           <p:cNvPr id="2" name="タイトル 1">
             <a:extLst>
               <a:ext uri="{FF2B5EF4-FFF2-40B4-BE49-F238E27FC236}">
+                <a16:creationId xmlns:a16="http://schemas.microsoft.com/office/drawing/2014/main" id="{21CF1194-BB40-6703-6B43-55A3DF56E1C2}"/>
+              </a:ext>
+            </a:extLst>
+          </p:cNvPr>
+          <p:cNvSpPr>
+            <a:spLocks noGrp="1"/>
+          </p:cNvSpPr>
+          <p:nvPr>
+            <p:ph type="title"/>
+          </p:nvPr>
+        </p:nvSpPr>
+        <p:spPr/>
+        <p:txBody>
+          <a:bodyPr>
+            <a:normAutofit fontScale="90000"/>
+          </a:bodyPr>
+          <a:lstStyle/>
+          <a:p>
+            <a:r>
+              <a:rPr lang="en-US" altLang="ja-JP" dirty="0"/>
+              <a:t>To predict 2024FY demand</a:t>
+            </a:r>
+            <a:br>
+              <a:rPr lang="en-US" altLang="ja-JP" dirty="0"/>
+            </a:br>
+            <a:endParaRPr kumimoji="1" lang="ja-JP" altLang="en-US" dirty="0"/>
+          </a:p>
+        </p:txBody>
+      </p:sp>
+      <p:pic>
+        <p:nvPicPr>
+          <p:cNvPr id="4" name="コンテンツ プレースホルダー 13" descr="グラフ, 折れ線グラフ&#10;&#10;自動的に生成された説明">
+            <a:extLst>
+              <a:ext uri="{FF2B5EF4-FFF2-40B4-BE49-F238E27FC236}">
+                <a16:creationId xmlns:a16="http://schemas.microsoft.com/office/drawing/2014/main" id="{FFC29EDC-03F2-0228-8FE9-CD973FE71A5E}"/>
+              </a:ext>
+            </a:extLst>
+          </p:cNvPr>
+          <p:cNvPicPr>
+            <a:picLocks noGrp="1" noChangeAspect="1"/>
+          </p:cNvPicPr>
+          <p:nvPr>
+            <p:ph idx="1"/>
+          </p:nvPr>
+        </p:nvPicPr>
+        <p:blipFill>
+          <a:blip r:embed="rId2" cstate="hqprint">
+            <a:extLst>
+              <a:ext uri="{28A0092B-C50C-407E-A947-70E740481C1C}">
+                <a14:useLocalDpi xmlns:a14="http://schemas.microsoft.com/office/drawing/2010/main"/>
+              </a:ext>
+            </a:extLst>
+          </a:blip>
+          <a:stretch>
+            <a:fillRect/>
+          </a:stretch>
+        </p:blipFill>
+        <p:spPr>
+          <a:xfrm>
+            <a:off x="1134479" y="1383006"/>
+            <a:ext cx="10258005" cy="4968288"/>
+          </a:xfrm>
+        </p:spPr>
+      </p:pic>
+      <p:cxnSp>
+        <p:nvCxnSpPr>
+          <p:cNvPr id="5" name="直線矢印コネクタ 4">
+            <a:extLst>
+              <a:ext uri="{FF2B5EF4-FFF2-40B4-BE49-F238E27FC236}">
+                <a16:creationId xmlns:a16="http://schemas.microsoft.com/office/drawing/2014/main" id="{B9403753-B1E5-7F6C-8524-582F12F2A2F5}"/>
+              </a:ext>
+            </a:extLst>
+          </p:cNvPr>
+          <p:cNvCxnSpPr>
+            <a:cxnSpLocks/>
+          </p:cNvCxnSpPr>
+          <p:nvPr/>
+        </p:nvCxnSpPr>
+        <p:spPr>
+          <a:xfrm>
+            <a:off x="4057921" y="2143462"/>
+            <a:ext cx="0" cy="259079"/>
+          </a:xfrm>
+          <a:prstGeom prst="straightConnector1">
+            <a:avLst/>
+          </a:prstGeom>
+          <a:ln w="19050" cap="flat" cmpd="sng" algn="ctr">
+            <a:solidFill>
+              <a:schemeClr val="accent5"/>
+            </a:solidFill>
+            <a:prstDash val="solid"/>
+            <a:round/>
+            <a:headEnd type="arrow" w="med" len="med"/>
+            <a:tailEnd type="arrow" w="med" len="med"/>
+          </a:ln>
+        </p:spPr>
+        <p:style>
+          <a:lnRef idx="0">
+            <a:scrgbClr r="0" g="0" b="0"/>
+          </a:lnRef>
+          <a:fillRef idx="0">
+            <a:scrgbClr r="0" g="0" b="0"/>
+          </a:fillRef>
+          <a:effectRef idx="0">
+            <a:scrgbClr r="0" g="0" b="0"/>
+          </a:effectRef>
+          <a:fontRef idx="minor">
+            <a:schemeClr val="tx1"/>
+          </a:fontRef>
+        </p:style>
+      </p:cxnSp>
+      <p:cxnSp>
+        <p:nvCxnSpPr>
+          <p:cNvPr id="7" name="直線矢印コネクタ 6">
+            <a:extLst>
+              <a:ext uri="{FF2B5EF4-FFF2-40B4-BE49-F238E27FC236}">
+                <a16:creationId xmlns:a16="http://schemas.microsoft.com/office/drawing/2014/main" id="{A7813417-42F6-DF74-272C-B2AD092CFB1E}"/>
+              </a:ext>
+            </a:extLst>
+          </p:cNvPr>
+          <p:cNvCxnSpPr>
+            <a:cxnSpLocks/>
+          </p:cNvCxnSpPr>
+          <p:nvPr/>
+        </p:nvCxnSpPr>
+        <p:spPr>
+          <a:xfrm>
+            <a:off x="9696720" y="2273001"/>
+            <a:ext cx="0" cy="488128"/>
+          </a:xfrm>
+          <a:prstGeom prst="straightConnector1">
+            <a:avLst/>
+          </a:prstGeom>
+          <a:ln w="19050" cap="flat" cmpd="sng" algn="ctr">
+            <a:solidFill>
+              <a:srgbClr val="0000FF"/>
+            </a:solidFill>
+            <a:prstDash val="solid"/>
+            <a:round/>
+            <a:headEnd type="arrow" w="med" len="med"/>
+            <a:tailEnd type="arrow" w="med" len="med"/>
+          </a:ln>
+        </p:spPr>
+        <p:style>
+          <a:lnRef idx="0">
+            <a:scrgbClr r="0" g="0" b="0"/>
+          </a:lnRef>
+          <a:fillRef idx="0">
+            <a:scrgbClr r="0" g="0" b="0"/>
+          </a:fillRef>
+          <a:effectRef idx="0">
+            <a:scrgbClr r="0" g="0" b="0"/>
+          </a:effectRef>
+          <a:fontRef idx="minor">
+            <a:schemeClr val="tx1"/>
+          </a:fontRef>
+        </p:style>
+      </p:cxnSp>
+      <p:sp>
+        <p:nvSpPr>
+          <p:cNvPr id="10" name="テキスト ボックス 9">
+            <a:extLst>
+              <a:ext uri="{FF2B5EF4-FFF2-40B4-BE49-F238E27FC236}">
+                <a16:creationId xmlns:a16="http://schemas.microsoft.com/office/drawing/2014/main" id="{A11812F2-953D-4817-D033-DF6738F3EB99}"/>
+              </a:ext>
+            </a:extLst>
+          </p:cNvPr>
+          <p:cNvSpPr txBox="1"/>
+          <p:nvPr/>
+        </p:nvSpPr>
+        <p:spPr>
+          <a:xfrm>
+            <a:off x="270539" y="724571"/>
+            <a:ext cx="11876635" cy="646331"/>
+          </a:xfrm>
+          <a:prstGeom prst="rect">
+            <a:avLst/>
+          </a:prstGeom>
+          <a:noFill/>
+        </p:spPr>
+        <p:txBody>
+          <a:bodyPr wrap="square">
+            <a:spAutoFit/>
+          </a:bodyPr>
+          <a:lstStyle/>
+          <a:p>
+            <a:pPr marL="285750" indent="-285750">
+              <a:buFont typeface="Arial" panose="020B0604020202020204" pitchFamily="34" charset="0"/>
+              <a:buChar char="•"/>
+            </a:pPr>
+            <a:r>
+              <a:rPr lang="en-US" altLang="ja-JP" dirty="0"/>
+              <a:t>Expected value: maximum error ,500GWh in July</a:t>
+            </a:r>
+          </a:p>
+          <a:p>
+            <a:pPr marL="285750" indent="-285750">
+              <a:buFont typeface="Arial" panose="020B0604020202020204" pitchFamily="34" charset="0"/>
+              <a:buChar char="•"/>
+            </a:pPr>
+            <a:r>
+              <a:rPr lang="en-US" altLang="ja-JP" dirty="0"/>
+              <a:t>2024FY weather: maximum error 1,000GWh in January, 2023FY weather : maximum error 1,500GWh in October</a:t>
+            </a:r>
+            <a:endParaRPr lang="ja-JP" altLang="en-US" dirty="0"/>
+          </a:p>
+        </p:txBody>
+      </p:sp>
+      <p:cxnSp>
+        <p:nvCxnSpPr>
+          <p:cNvPr id="11" name="直線矢印コネクタ 10">
+            <a:extLst>
+              <a:ext uri="{FF2B5EF4-FFF2-40B4-BE49-F238E27FC236}">
+                <a16:creationId xmlns:a16="http://schemas.microsoft.com/office/drawing/2014/main" id="{FF769DEB-337A-A72D-DEFF-71A00DB3B030}"/>
+              </a:ext>
+            </a:extLst>
+          </p:cNvPr>
+          <p:cNvCxnSpPr>
+            <a:cxnSpLocks/>
+          </p:cNvCxnSpPr>
+          <p:nvPr/>
+        </p:nvCxnSpPr>
+        <p:spPr>
+          <a:xfrm>
+            <a:off x="6550108" y="4505212"/>
+            <a:ext cx="0" cy="631564"/>
+          </a:xfrm>
+          <a:prstGeom prst="straightConnector1">
+            <a:avLst/>
+          </a:prstGeom>
+          <a:ln w="19050">
+            <a:headEnd type="arrow" w="med" len="med"/>
+            <a:tailEnd type="arrow" w="med" len="med"/>
+          </a:ln>
+        </p:spPr>
+        <p:style>
+          <a:lnRef idx="1">
+            <a:schemeClr val="dk1"/>
+          </a:lnRef>
+          <a:fillRef idx="0">
+            <a:schemeClr val="dk1"/>
+          </a:fillRef>
+          <a:effectRef idx="0">
+            <a:schemeClr val="dk1"/>
+          </a:effectRef>
+          <a:fontRef idx="minor">
+            <a:schemeClr val="tx1"/>
+          </a:fontRef>
+        </p:style>
+      </p:cxnSp>
+      <p:sp>
+        <p:nvSpPr>
+          <p:cNvPr id="14" name="テキスト ボックス 13">
+            <a:extLst>
+              <a:ext uri="{FF2B5EF4-FFF2-40B4-BE49-F238E27FC236}">
+                <a16:creationId xmlns:a16="http://schemas.microsoft.com/office/drawing/2014/main" id="{09225F3C-DF7E-EF8A-4EE3-65261B57F128}"/>
+              </a:ext>
+            </a:extLst>
+          </p:cNvPr>
+          <p:cNvSpPr txBox="1"/>
+          <p:nvPr/>
+        </p:nvSpPr>
+        <p:spPr>
+          <a:xfrm>
+            <a:off x="9696720" y="2332399"/>
+            <a:ext cx="1443318" cy="369332"/>
+          </a:xfrm>
+          <a:prstGeom prst="rect">
+            <a:avLst/>
+          </a:prstGeom>
+          <a:noFill/>
+        </p:spPr>
+        <p:txBody>
+          <a:bodyPr wrap="square">
+            <a:spAutoFit/>
+          </a:bodyPr>
+          <a:lstStyle/>
+          <a:p>
+            <a:r>
+              <a:rPr lang="en-US" altLang="ja-JP" dirty="0">
+                <a:solidFill>
+                  <a:srgbClr val="0000FF"/>
+                </a:solidFill>
+              </a:rPr>
+              <a:t>1,000GWh</a:t>
+            </a:r>
+            <a:endParaRPr lang="ja-JP" altLang="en-US" dirty="0">
+              <a:solidFill>
+                <a:srgbClr val="0000FF"/>
+              </a:solidFill>
+            </a:endParaRPr>
+          </a:p>
+        </p:txBody>
+      </p:sp>
+      <p:sp>
+        <p:nvSpPr>
+          <p:cNvPr id="15" name="テキスト ボックス 14">
+            <a:extLst>
+              <a:ext uri="{FF2B5EF4-FFF2-40B4-BE49-F238E27FC236}">
+                <a16:creationId xmlns:a16="http://schemas.microsoft.com/office/drawing/2014/main" id="{727E5DE7-0405-DA11-CFB2-A9C06C23AFAD}"/>
+              </a:ext>
+            </a:extLst>
+          </p:cNvPr>
+          <p:cNvSpPr txBox="1"/>
+          <p:nvPr/>
+        </p:nvSpPr>
+        <p:spPr>
+          <a:xfrm>
+            <a:off x="5196437" y="4952110"/>
+            <a:ext cx="1443318" cy="369332"/>
+          </a:xfrm>
+          <a:prstGeom prst="rect">
+            <a:avLst/>
+          </a:prstGeom>
+          <a:noFill/>
+        </p:spPr>
+        <p:txBody>
+          <a:bodyPr wrap="square">
+            <a:spAutoFit/>
+          </a:bodyPr>
+          <a:lstStyle/>
+          <a:p>
+            <a:r>
+              <a:rPr lang="en-US" altLang="ja-JP" dirty="0"/>
+              <a:t>1,500GWh</a:t>
+            </a:r>
+            <a:endParaRPr lang="ja-JP" altLang="en-US" dirty="0"/>
+          </a:p>
+        </p:txBody>
+      </p:sp>
+      <p:cxnSp>
+        <p:nvCxnSpPr>
+          <p:cNvPr id="16" name="直線矢印コネクタ 15">
+            <a:extLst>
+              <a:ext uri="{FF2B5EF4-FFF2-40B4-BE49-F238E27FC236}">
+                <a16:creationId xmlns:a16="http://schemas.microsoft.com/office/drawing/2014/main" id="{5D5E500C-7BB6-4729-AE50-A67D1CD2DED9}"/>
+              </a:ext>
+            </a:extLst>
+          </p:cNvPr>
+          <p:cNvCxnSpPr>
+            <a:cxnSpLocks/>
+          </p:cNvCxnSpPr>
+          <p:nvPr/>
+        </p:nvCxnSpPr>
+        <p:spPr>
+          <a:xfrm>
+            <a:off x="3932415" y="2143462"/>
+            <a:ext cx="0" cy="1101762"/>
+          </a:xfrm>
+          <a:prstGeom prst="straightConnector1">
+            <a:avLst/>
+          </a:prstGeom>
+          <a:ln w="19050" cap="flat" cmpd="sng" algn="ctr">
+            <a:solidFill>
+              <a:srgbClr val="FFC000"/>
+            </a:solidFill>
+            <a:prstDash val="solid"/>
+            <a:round/>
+            <a:headEnd type="arrow" w="med" len="med"/>
+            <a:tailEnd type="arrow" w="med" len="med"/>
+          </a:ln>
+        </p:spPr>
+        <p:style>
+          <a:lnRef idx="0">
+            <a:scrgbClr r="0" g="0" b="0"/>
+          </a:lnRef>
+          <a:fillRef idx="0">
+            <a:scrgbClr r="0" g="0" b="0"/>
+          </a:fillRef>
+          <a:effectRef idx="0">
+            <a:scrgbClr r="0" g="0" b="0"/>
+          </a:effectRef>
+          <a:fontRef idx="minor">
+            <a:schemeClr val="tx1"/>
+          </a:fontRef>
+        </p:style>
+      </p:cxnSp>
+    </p:spTree>
+    <p:extLst>
+      <p:ext uri="{BB962C8B-B14F-4D97-AF65-F5344CB8AC3E}">
+        <p14:creationId xmlns:p14="http://schemas.microsoft.com/office/powerpoint/2010/main" val="1499072676"/>
+      </p:ext>
+    </p:extLst>
+  </p:cSld>
+  <p:clrMapOvr>
+    <a:masterClrMapping/>
+  </p:clrMapOvr>
+</p:sld>
+</file>
+
+<file path=ppt/slides/slide3.xml><?xml version="1.0" encoding="utf-8"?>
+<p:sld xmlns:a="http://schemas.openxmlformats.org/drawingml/2006/main" xmlns:r="http://schemas.openxmlformats.org/officeDocument/2006/relationships" xmlns:p="http://schemas.openxmlformats.org/presentationml/2006/main">
+  <p:cSld>
+    <p:spTree>
+      <p:nvGrpSpPr>
+        <p:cNvPr id="1" name=""/>
+        <p:cNvGrpSpPr/>
+        <p:nvPr/>
+      </p:nvGrpSpPr>
+      <p:grpSpPr>
+        <a:xfrm>
+          <a:off x="0" y="0"/>
+          <a:ext cx="0" cy="0"/>
+          <a:chOff x="0" y="0"/>
+          <a:chExt cx="0" cy="0"/>
+        </a:xfrm>
+      </p:grpSpPr>
+      <p:sp>
+        <p:nvSpPr>
+          <p:cNvPr id="2" name="タイトル 1">
+            <a:extLst>
+              <a:ext uri="{FF2B5EF4-FFF2-40B4-BE49-F238E27FC236}">
                 <a16:creationId xmlns:a16="http://schemas.microsoft.com/office/drawing/2014/main" id="{DC9BC9C8-7974-B085-DC9C-1CB7709FE148}"/>
               </a:ext>
             </a:extLst>
@@ -4499,8 +4912,11 @@
           <a:p>
             <a:r>
               <a:rPr kumimoji="1" lang="en-US" altLang="ja-JP" dirty="0"/>
-              <a:t>1 degree change might hit 1 cargo for July ~ September and December ~ March</a:t>
-            </a:r>
+              <a:t>Sensitivity analysis (temperature)</a:t>
+            </a:r>
+            <a:br>
+              <a:rPr kumimoji="1" lang="en-US" altLang="ja-JP" dirty="0"/>
+            </a:br>
             <a:endParaRPr kumimoji="1" lang="ja-JP" altLang="en-US" dirty="0"/>
           </a:p>
         </p:txBody>
@@ -4615,6 +5031,46 @@
           </a:fontRef>
         </p:style>
       </p:cxnSp>
+      <p:sp>
+        <p:nvSpPr>
+          <p:cNvPr id="6" name="テキスト ボックス 5">
+            <a:extLst>
+              <a:ext uri="{FF2B5EF4-FFF2-40B4-BE49-F238E27FC236}">
+                <a16:creationId xmlns:a16="http://schemas.microsoft.com/office/drawing/2014/main" id="{7946ED17-CA49-05F4-A5C5-44C7E589CC5E}"/>
+              </a:ext>
+            </a:extLst>
+          </p:cNvPr>
+          <p:cNvSpPr txBox="1"/>
+          <p:nvPr/>
+        </p:nvSpPr>
+        <p:spPr>
+          <a:xfrm>
+            <a:off x="672353" y="753700"/>
+            <a:ext cx="9959788" cy="369332"/>
+          </a:xfrm>
+          <a:prstGeom prst="rect">
+            <a:avLst/>
+          </a:prstGeom>
+          <a:noFill/>
+        </p:spPr>
+        <p:txBody>
+          <a:bodyPr wrap="square">
+            <a:spAutoFit/>
+          </a:bodyPr>
+          <a:lstStyle/>
+          <a:p>
+            <a:pPr marL="285750" indent="-285750">
+              <a:buFont typeface="Arial" panose="020B0604020202020204" pitchFamily="34" charset="0"/>
+              <a:buChar char="•"/>
+            </a:pPr>
+            <a:r>
+              <a:rPr lang="en-US" altLang="ja-JP" dirty="0"/>
+              <a:t>1 degree change might hit 1 cargo in July ~ September and December ~ March</a:t>
+            </a:r>
+            <a:endParaRPr lang="ja-JP" altLang="en-US" dirty="0"/>
+          </a:p>
+        </p:txBody>
+      </p:sp>
     </p:spTree>
     <p:extLst>
       <p:ext uri="{BB962C8B-B14F-4D97-AF65-F5344CB8AC3E}">
@@ -4628,7 +5084,7 @@
 </p:sld>
 </file>
 
-<file path=ppt/slides/slide3.xml><?xml version="1.0" encoding="utf-8"?>
+<file path=ppt/slides/slide4.xml><?xml version="1.0" encoding="utf-8"?>
 <p:sld xmlns:a="http://schemas.openxmlformats.org/drawingml/2006/main" xmlns:r="http://schemas.openxmlformats.org/officeDocument/2006/relationships" xmlns:p="http://schemas.openxmlformats.org/presentationml/2006/main">
   <p:cSld>
     <p:spTree>
@@ -4690,7 +5146,12 @@
             <p:ph idx="1"/>
           </p:nvPr>
         </p:nvSpPr>
-        <p:spPr/>
+        <p:spPr>
+          <a:xfrm>
+            <a:off x="593269" y="1314742"/>
+            <a:ext cx="6946049" cy="5104475"/>
+          </a:xfrm>
+        </p:spPr>
         <p:txBody>
           <a:bodyPr/>
           <a:lstStyle/>
@@ -4763,18 +5224,59 @@
             </a:endParaRPr>
           </a:p>
           <a:p>
-            <a:pPr lvl="1"/>
             <a:endParaRPr lang="en-US" altLang="ja-JP" dirty="0"/>
           </a:p>
           <a:p>
             <a:r>
-              <a:rPr lang="en-US" altLang="ja-JP"/>
+              <a:rPr lang="en-US" altLang="ja-JP" dirty="0"/>
               <a:t>Gits</a:t>
+            </a:r>
+          </a:p>
+          <a:p>
+            <a:pPr lvl="1"/>
+            <a:r>
+              <a:rPr lang="en-US" altLang="ja-JP" dirty="0" err="1">
+                <a:hlinkClick r:id="rId4"/>
+              </a:rPr>
+              <a:t>hhishida-jera</a:t>
+            </a:r>
+            <a:r>
+              <a:rPr lang="en-US" altLang="ja-JP" dirty="0">
+                <a:hlinkClick r:id="rId4"/>
+              </a:rPr>
+              <a:t>/</a:t>
+            </a:r>
+            <a:r>
+              <a:rPr lang="en-US" altLang="ja-JP" dirty="0" err="1">
+                <a:hlinkClick r:id="rId4"/>
+              </a:rPr>
+              <a:t>EvaluateDelta</a:t>
             </a:r>
             <a:endParaRPr lang="en-US" altLang="ja-JP" dirty="0"/>
           </a:p>
           <a:p>
+            <a:endParaRPr lang="en-US" altLang="ja-JP" dirty="0"/>
+          </a:p>
+          <a:p>
+            <a:r>
+              <a:rPr lang="en-US" altLang="ja-JP" dirty="0"/>
+              <a:t>Note</a:t>
+            </a:r>
+          </a:p>
+          <a:p>
             <a:pPr lvl="1"/>
+            <a:r>
+              <a:rPr lang="en-US" altLang="ja-JP" dirty="0"/>
+              <a:t>Need discussion with </a:t>
+            </a:r>
+            <a:r>
+              <a:rPr lang="en-US" altLang="ja-JP"/>
+              <a:t>Fuel Optimization </a:t>
+            </a:r>
+            <a:r>
+              <a:rPr lang="en-US" altLang="ja-JP" dirty="0"/>
+              <a:t>Unit?</a:t>
+            </a:r>
             <a:endParaRPr lang="ja-JP" altLang="en-US" dirty="0"/>
           </a:p>
         </p:txBody>
@@ -4794,7 +5296,7 @@
           <p:nvPr/>
         </p:nvPicPr>
         <p:blipFill>
-          <a:blip r:embed="rId4" cstate="hqprint">
+          <a:blip r:embed="rId5" cstate="hqprint">
             <a:extLst>
               <a:ext uri="{28A0092B-C50C-407E-A947-70E740481C1C}">
                 <a14:useLocalDpi xmlns:a14="http://schemas.microsoft.com/office/drawing/2010/main"/>
@@ -4808,7 +5310,7 @@
         <p:spPr>
           <a:xfrm>
             <a:off x="7746885" y="560005"/>
-            <a:ext cx="3792750" cy="1963636"/>
+            <a:ext cx="4172026" cy="2160000"/>
           </a:xfrm>
           <a:prstGeom prst="rect">
             <a:avLst/>
@@ -4829,8 +5331,8 @@
         </p:nvSpPr>
         <p:spPr>
           <a:xfrm>
-            <a:off x="8812306" y="2512571"/>
-            <a:ext cx="2098651" cy="338554"/>
+            <a:off x="8267297" y="2756468"/>
+            <a:ext cx="3219920" cy="338554"/>
           </a:xfrm>
           <a:prstGeom prst="rect">
             <a:avLst/>
@@ -4845,7 +5347,83 @@
           <a:p>
             <a:r>
               <a:rPr kumimoji="1" lang="en-US" altLang="ja-JP" sz="1600" dirty="0"/>
-              <a:t>Demand delta in July</a:t>
+              <a:t>Demand delta in July, delta = 861</a:t>
+            </a:r>
+            <a:endParaRPr kumimoji="1" lang="ja-JP" altLang="en-US" sz="1600" dirty="0"/>
+          </a:p>
+        </p:txBody>
+      </p:sp>
+      <p:pic>
+        <p:nvPicPr>
+          <p:cNvPr id="4" name="図 3" descr="グラフ&#10;&#10;自動的に生成された説明">
+            <a:extLst>
+              <a:ext uri="{FF2B5EF4-FFF2-40B4-BE49-F238E27FC236}">
+                <a16:creationId xmlns:a16="http://schemas.microsoft.com/office/drawing/2014/main" id="{67748193-F340-8381-7D50-9DCF965E9509}"/>
+              </a:ext>
+            </a:extLst>
+          </p:cNvPr>
+          <p:cNvPicPr>
+            <a:picLocks noChangeAspect="1"/>
+          </p:cNvPicPr>
+          <p:nvPr/>
+        </p:nvPicPr>
+        <p:blipFill>
+          <a:blip r:embed="rId6" cstate="hqprint">
+            <a:extLst>
+              <a:ext uri="{28A0092B-C50C-407E-A947-70E740481C1C}">
+                <a14:useLocalDpi xmlns:a14="http://schemas.microsoft.com/office/drawing/2010/main"/>
+              </a:ext>
+            </a:extLst>
+          </a:blip>
+          <a:stretch>
+            <a:fillRect/>
+          </a:stretch>
+        </p:blipFill>
+        <p:spPr>
+          <a:xfrm>
+            <a:off x="7746885" y="3383258"/>
+            <a:ext cx="4172025" cy="2160000"/>
+          </a:xfrm>
+          <a:prstGeom prst="rect">
+            <a:avLst/>
+          </a:prstGeom>
+        </p:spPr>
+      </p:pic>
+      <p:sp>
+        <p:nvSpPr>
+          <p:cNvPr id="5" name="テキスト ボックス 4">
+            <a:extLst>
+              <a:ext uri="{FF2B5EF4-FFF2-40B4-BE49-F238E27FC236}">
+                <a16:creationId xmlns:a16="http://schemas.microsoft.com/office/drawing/2014/main" id="{276CAB06-D717-5E30-775E-7AAFBE91973C}"/>
+              </a:ext>
+            </a:extLst>
+          </p:cNvPr>
+          <p:cNvSpPr txBox="1"/>
+          <p:nvPr/>
+        </p:nvSpPr>
+        <p:spPr>
+          <a:xfrm>
+            <a:off x="7821246" y="5642683"/>
+            <a:ext cx="4112023" cy="338554"/>
+          </a:xfrm>
+          <a:prstGeom prst="rect">
+            <a:avLst/>
+          </a:prstGeom>
+          <a:noFill/>
+        </p:spPr>
+        <p:txBody>
+          <a:bodyPr wrap="none" rtlCol="0">
+            <a:spAutoFit/>
+          </a:bodyPr>
+          <a:lstStyle/>
+          <a:p>
+            <a:r>
+              <a:rPr kumimoji="1" lang="en-US" altLang="ja-JP" sz="1600" dirty="0"/>
+              <a:t>Residual demand delta in July , delta = </a:t>
+            </a:r>
+            <a:r>
+              <a:rPr lang="en-US" altLang="ja-JP" sz="1600" dirty="0"/>
+              <a:t>677</a:t>
             </a:r>
             <a:endParaRPr kumimoji="1" lang="ja-JP" altLang="en-US" sz="1600" dirty="0"/>
           </a:p>
@@ -5804,6 +6382,21 @@
 </file>
 
 <file path=customXml/item1.xml><?xml version="1.0" encoding="utf-8"?>
+<?mso-contentType ?>
+<FormTemplates xmlns="http://schemas.microsoft.com/sharepoint/v3/contenttype/forms">
+  <Display>DocumentLibraryForm</Display>
+  <Edit>DocumentLibraryForm</Edit>
+  <New>DocumentLibraryForm</New>
+</FormTemplates>
+</file>
+
+<file path=customXml/item2.xml><?xml version="1.0" encoding="utf-8"?>
+<p:properties xmlns:p="http://schemas.microsoft.com/office/2006/metadata/properties" xmlns:xsi="http://www.w3.org/2001/XMLSchema-instance" xmlns:pc="http://schemas.microsoft.com/office/infopath/2007/PartnerControls">
+  <documentManagement/>
+</p:properties>
+</file>
+
+<file path=customXml/item3.xml><?xml version="1.0" encoding="utf-8"?>
 <ct:contentTypeSchema xmlns:ct="http://schemas.microsoft.com/office/2006/metadata/contentType" xmlns:ma="http://schemas.microsoft.com/office/2006/metadata/properties/metaAttributes" ct:_="" ma:_="" ma:contentTypeName="ドキュメント" ma:contentTypeID="0x010100FF2F93FF3DB9634F8FBAEA602B638785" ma:contentTypeVersion="4" ma:contentTypeDescription="新しいドキュメントを作成します。" ma:contentTypeScope="" ma:versionID="1565eda96bd0f07e1690113f58b0beb9">
   <xsd:schema xmlns:xsd="http://www.w3.org/2001/XMLSchema" xmlns:xs="http://www.w3.org/2001/XMLSchema" xmlns:p="http://schemas.microsoft.com/office/2006/metadata/properties" xmlns:ns2="653e9419-0903-4931-b774-08ac89ba5ce0" targetNamespace="http://schemas.microsoft.com/office/2006/metadata/properties" ma:root="true" ma:fieldsID="6ef5f73c226f902315490317dc3ee3d0" ns2:_="">
     <xsd:import namespace="653e9419-0903-4931-b774-08ac89ba5ce0"/>
@@ -5947,22 +6540,24 @@
 </ct:contentTypeSchema>
 </file>
 
-<file path=customXml/item2.xml><?xml version="1.0" encoding="utf-8"?>
-<p:properties xmlns:p="http://schemas.microsoft.com/office/2006/metadata/properties" xmlns:xsi="http://www.w3.org/2001/XMLSchema-instance" xmlns:pc="http://schemas.microsoft.com/office/infopath/2007/PartnerControls">
-  <documentManagement/>
-</p:properties>
+<file path=customXml/itemProps1.xml><?xml version="1.0" encoding="utf-8"?>
+<ds:datastoreItem xmlns:ds="http://schemas.openxmlformats.org/officeDocument/2006/customXml" ds:itemID="{8197A689-2F84-449E-AE7C-4D0E5BE883F0}">
+  <ds:schemaRefs>
+    <ds:schemaRef ds:uri="http://schemas.microsoft.com/sharepoint/v3/contenttype/forms"/>
+  </ds:schemaRefs>
+</ds:datastoreItem>
 </file>
 
-<file path=customXml/item3.xml><?xml version="1.0" encoding="utf-8"?>
-<?mso-contentType ?>
-<FormTemplates xmlns="http://schemas.microsoft.com/sharepoint/v3/contenttype/forms">
-  <Display>DocumentLibraryForm</Display>
-  <Edit>DocumentLibraryForm</Edit>
-  <New>DocumentLibraryForm</New>
-</FormTemplates>
+<file path=customXml/itemProps2.xml><?xml version="1.0" encoding="utf-8"?>
+<ds:datastoreItem xmlns:ds="http://schemas.openxmlformats.org/officeDocument/2006/customXml" ds:itemID="{7C6CC81E-8697-4FBD-A01F-BB37C2C87EA1}">
+  <ds:schemaRefs>
+    <ds:schemaRef ds:uri="http://schemas.microsoft.com/office/2006/metadata/properties"/>
+    <ds:schemaRef ds:uri="http://schemas.microsoft.com/office/infopath/2007/PartnerControls"/>
+  </ds:schemaRefs>
+</ds:datastoreItem>
 </file>
 
-<file path=customXml/itemProps1.xml><?xml version="1.0" encoding="utf-8"?>
+<file path=customXml/itemProps3.xml><?xml version="1.0" encoding="utf-8"?>
 <ds:datastoreItem xmlns:ds="http://schemas.openxmlformats.org/officeDocument/2006/customXml" ds:itemID="{148C5804-AFBE-4CEC-9FE5-A729380FEC27}">
   <ds:schemaRefs>
     <ds:schemaRef ds:uri="http://schemas.microsoft.com/office/2006/metadata/contentType"/>
@@ -5978,21 +6573,4 @@
     <ds:schemaRef ds:uri="http://schemas.microsoft.com/internal/obd"/>
   </ds:schemaRefs>
 </ds:datastoreItem>
-</file>
-
-<file path=customXml/itemProps2.xml><?xml version="1.0" encoding="utf-8"?>
-<ds:datastoreItem xmlns:ds="http://schemas.openxmlformats.org/officeDocument/2006/customXml" ds:itemID="{7C6CC81E-8697-4FBD-A01F-BB37C2C87EA1}">
-  <ds:schemaRefs>
-    <ds:schemaRef ds:uri="http://schemas.microsoft.com/office/2006/metadata/properties"/>
-    <ds:schemaRef ds:uri="http://schemas.microsoft.com/office/infopath/2007/PartnerControls"/>
-  </ds:schemaRefs>
-</ds:datastoreItem>
-</file>
-
-<file path=customXml/itemProps3.xml><?xml version="1.0" encoding="utf-8"?>
-<ds:datastoreItem xmlns:ds="http://schemas.openxmlformats.org/officeDocument/2006/customXml" ds:itemID="{8197A689-2F84-449E-AE7C-4D0E5BE883F0}">
-  <ds:schemaRefs>
-    <ds:schemaRef ds:uri="http://schemas.microsoft.com/sharepoint/v3/contenttype/forms"/>
-  </ds:schemaRefs>
-</ds:datastoreItem>
 </file>
--- a/TokyoResults/250710_TokyoResults_delta.pptx
+++ b/TokyoResults/250710_TokyoResults_delta.pptx
@@ -766,501 +766,6 @@
     </pc:docChg>
   </pc:docChgLst>
   <pc:docChgLst>
-    <pc:chgData name="菱田 寛之(Hiroyuki Hishida)" userId="0b678a1d-3430-4bff-929e-dc8c867d5f9d" providerId="ADAL" clId="{0A02F421-C705-4E16-9D22-542AFB325BD4}"/>
-    <pc:docChg chg="undo custSel addSld delSld modSld sldOrd">
-      <pc:chgData name="菱田 寛之(Hiroyuki Hishida)" userId="0b678a1d-3430-4bff-929e-dc8c867d5f9d" providerId="ADAL" clId="{0A02F421-C705-4E16-9D22-542AFB325BD4}" dt="2025-01-15T07:22:27.033" v="3793"/>
-      <pc:docMkLst>
-        <pc:docMk/>
-      </pc:docMkLst>
-      <pc:sldChg chg="modSp mod">
-        <pc:chgData name="菱田 寛之(Hiroyuki Hishida)" userId="0b678a1d-3430-4bff-929e-dc8c867d5f9d" providerId="ADAL" clId="{0A02F421-C705-4E16-9D22-542AFB325BD4}" dt="2025-01-15T05:36:28.588" v="3405" actId="20577"/>
-        <pc:sldMkLst>
-          <pc:docMk/>
-          <pc:sldMk cId="3837915501" sldId="277"/>
-        </pc:sldMkLst>
-        <pc:spChg chg="mod">
-          <ac:chgData name="菱田 寛之(Hiroyuki Hishida)" userId="0b678a1d-3430-4bff-929e-dc8c867d5f9d" providerId="ADAL" clId="{0A02F421-C705-4E16-9D22-542AFB325BD4}" dt="2025-01-15T05:36:28.588" v="3405" actId="20577"/>
-          <ac:spMkLst>
-            <pc:docMk/>
-            <pc:sldMk cId="3837915501" sldId="277"/>
-            <ac:spMk id="4" creationId="{00000000-0000-0000-0000-000000000000}"/>
-          </ac:spMkLst>
-        </pc:spChg>
-      </pc:sldChg>
-      <pc:sldChg chg="modSp new del mod">
-        <pc:chgData name="菱田 寛之(Hiroyuki Hishida)" userId="0b678a1d-3430-4bff-929e-dc8c867d5f9d" providerId="ADAL" clId="{0A02F421-C705-4E16-9D22-542AFB325BD4}" dt="2025-01-14T02:26:46.464" v="8" actId="47"/>
-        <pc:sldMkLst>
-          <pc:docMk/>
-          <pc:sldMk cId="2639813574" sldId="293"/>
-        </pc:sldMkLst>
-        <pc:spChg chg="mod">
-          <ac:chgData name="菱田 寛之(Hiroyuki Hishida)" userId="0b678a1d-3430-4bff-929e-dc8c867d5f9d" providerId="ADAL" clId="{0A02F421-C705-4E16-9D22-542AFB325BD4}" dt="2025-01-14T02:26:40.100" v="5" actId="21"/>
-          <ac:spMkLst>
-            <pc:docMk/>
-            <pc:sldMk cId="2639813574" sldId="293"/>
-            <ac:spMk id="3" creationId="{2491DC5C-7E60-8784-357A-9BAA04FABB4D}"/>
-          </ac:spMkLst>
-        </pc:spChg>
-      </pc:sldChg>
-      <pc:sldChg chg="modSp new mod">
-        <pc:chgData name="菱田 寛之(Hiroyuki Hishida)" userId="0b678a1d-3430-4bff-929e-dc8c867d5f9d" providerId="ADAL" clId="{0A02F421-C705-4E16-9D22-542AFB325BD4}" dt="2025-01-14T04:48:22.600" v="1080"/>
-        <pc:sldMkLst>
-          <pc:docMk/>
-          <pc:sldMk cId="2406676856" sldId="294"/>
-        </pc:sldMkLst>
-        <pc:spChg chg="mod">
-          <ac:chgData name="菱田 寛之(Hiroyuki Hishida)" userId="0b678a1d-3430-4bff-929e-dc8c867d5f9d" providerId="ADAL" clId="{0A02F421-C705-4E16-9D22-542AFB325BD4}" dt="2025-01-14T04:47:05.826" v="955"/>
-          <ac:spMkLst>
-            <pc:docMk/>
-            <pc:sldMk cId="2406676856" sldId="294"/>
-            <ac:spMk id="2" creationId="{3E75A9D9-0BEC-714F-8EB8-3BF3C4F7B00F}"/>
-          </ac:spMkLst>
-        </pc:spChg>
-        <pc:spChg chg="mod">
-          <ac:chgData name="菱田 寛之(Hiroyuki Hishida)" userId="0b678a1d-3430-4bff-929e-dc8c867d5f9d" providerId="ADAL" clId="{0A02F421-C705-4E16-9D22-542AFB325BD4}" dt="2025-01-14T04:48:22.600" v="1080"/>
-          <ac:spMkLst>
-            <pc:docMk/>
-            <pc:sldMk cId="2406676856" sldId="294"/>
-            <ac:spMk id="3" creationId="{A1DC8043-D813-7A61-D677-8048215AC794}"/>
-          </ac:spMkLst>
-        </pc:spChg>
-      </pc:sldChg>
-      <pc:sldChg chg="addSp delSp modSp new mod ord">
-        <pc:chgData name="菱田 寛之(Hiroyuki Hishida)" userId="0b678a1d-3430-4bff-929e-dc8c867d5f9d" providerId="ADAL" clId="{0A02F421-C705-4E16-9D22-542AFB325BD4}" dt="2025-01-14T06:28:07.092" v="1565"/>
-        <pc:sldMkLst>
-          <pc:docMk/>
-          <pc:sldMk cId="3657896006" sldId="295"/>
-        </pc:sldMkLst>
-        <pc:spChg chg="mod">
-          <ac:chgData name="菱田 寛之(Hiroyuki Hishida)" userId="0b678a1d-3430-4bff-929e-dc8c867d5f9d" providerId="ADAL" clId="{0A02F421-C705-4E16-9D22-542AFB325BD4}" dt="2025-01-14T06:28:07.092" v="1565"/>
-          <ac:spMkLst>
-            <pc:docMk/>
-            <pc:sldMk cId="3657896006" sldId="295"/>
-            <ac:spMk id="2" creationId="{8D2B6B69-8098-E4F0-C716-05476B775611}"/>
-          </ac:spMkLst>
-        </pc:spChg>
-        <pc:spChg chg="mod">
-          <ac:chgData name="菱田 寛之(Hiroyuki Hishida)" userId="0b678a1d-3430-4bff-929e-dc8c867d5f9d" providerId="ADAL" clId="{0A02F421-C705-4E16-9D22-542AFB325BD4}" dt="2025-01-14T06:16:58.696" v="1435"/>
-          <ac:spMkLst>
-            <pc:docMk/>
-            <pc:sldMk cId="3657896006" sldId="295"/>
-            <ac:spMk id="3" creationId="{6F1863FB-8627-407E-156A-B115D1C55AD7}"/>
-          </ac:spMkLst>
-        </pc:spChg>
-        <pc:spChg chg="add del">
-          <ac:chgData name="菱田 寛之(Hiroyuki Hishida)" userId="0b678a1d-3430-4bff-929e-dc8c867d5f9d" providerId="ADAL" clId="{0A02F421-C705-4E16-9D22-542AFB325BD4}" dt="2025-01-14T04:35:52.269" v="185" actId="22"/>
-          <ac:spMkLst>
-            <pc:docMk/>
-            <pc:sldMk cId="3657896006" sldId="295"/>
-            <ac:spMk id="8" creationId="{E6D1C1B1-A985-C443-0E2A-42E2A086C988}"/>
-          </ac:spMkLst>
-        </pc:spChg>
-        <pc:spChg chg="add mod">
-          <ac:chgData name="菱田 寛之(Hiroyuki Hishida)" userId="0b678a1d-3430-4bff-929e-dc8c867d5f9d" providerId="ADAL" clId="{0A02F421-C705-4E16-9D22-542AFB325BD4}" dt="2025-01-14T04:36:03.843" v="189" actId="1076"/>
-          <ac:spMkLst>
-            <pc:docMk/>
-            <pc:sldMk cId="3657896006" sldId="295"/>
-            <ac:spMk id="10" creationId="{27C03E64-B0E0-2784-6B18-1AA8F2C61F48}"/>
-          </ac:spMkLst>
-        </pc:spChg>
-        <pc:picChg chg="add del mod modCrop">
-          <ac:chgData name="菱田 寛之(Hiroyuki Hishida)" userId="0b678a1d-3430-4bff-929e-dc8c867d5f9d" providerId="ADAL" clId="{0A02F421-C705-4E16-9D22-542AFB325BD4}" dt="2025-01-14T04:32:39.723" v="58" actId="21"/>
-          <ac:picMkLst>
-            <pc:docMk/>
-            <pc:sldMk cId="3657896006" sldId="295"/>
-            <ac:picMk id="5" creationId="{7C53E95B-28FC-3FF9-298B-26FFA7C8D73A}"/>
-          </ac:picMkLst>
-        </pc:picChg>
-        <pc:picChg chg="add mod">
-          <ac:chgData name="菱田 寛之(Hiroyuki Hishida)" userId="0b678a1d-3430-4bff-929e-dc8c867d5f9d" providerId="ADAL" clId="{0A02F421-C705-4E16-9D22-542AFB325BD4}" dt="2025-01-14T06:16:50.763" v="1374" actId="1036"/>
-          <ac:picMkLst>
-            <pc:docMk/>
-            <pc:sldMk cId="3657896006" sldId="295"/>
-            <ac:picMk id="6" creationId="{62A10C20-E846-F89A-27CB-8F4C59866581}"/>
-          </ac:picMkLst>
-        </pc:picChg>
-      </pc:sldChg>
-      <pc:sldChg chg="new">
-        <pc:chgData name="菱田 寛之(Hiroyuki Hishida)" userId="0b678a1d-3430-4bff-929e-dc8c867d5f9d" providerId="ADAL" clId="{0A02F421-C705-4E16-9D22-542AFB325BD4}" dt="2025-01-14T02:27:02.591" v="32" actId="680"/>
-        <pc:sldMkLst>
-          <pc:docMk/>
-          <pc:sldMk cId="2396825509" sldId="296"/>
-        </pc:sldMkLst>
-      </pc:sldChg>
-      <pc:sldChg chg="modSp new mod">
-        <pc:chgData name="菱田 寛之(Hiroyuki Hishida)" userId="0b678a1d-3430-4bff-929e-dc8c867d5f9d" providerId="ADAL" clId="{0A02F421-C705-4E16-9D22-542AFB325BD4}" dt="2025-01-14T04:34:01.803" v="183"/>
-        <pc:sldMkLst>
-          <pc:docMk/>
-          <pc:sldMk cId="2107502289" sldId="297"/>
-        </pc:sldMkLst>
-        <pc:spChg chg="mod">
-          <ac:chgData name="菱田 寛之(Hiroyuki Hishida)" userId="0b678a1d-3430-4bff-929e-dc8c867d5f9d" providerId="ADAL" clId="{0A02F421-C705-4E16-9D22-542AFB325BD4}" dt="2025-01-14T04:34:01.803" v="183"/>
-          <ac:spMkLst>
-            <pc:docMk/>
-            <pc:sldMk cId="2107502289" sldId="297"/>
-            <ac:spMk id="2" creationId="{6C36920D-B1CD-8055-485F-4EC8731A9051}"/>
-          </ac:spMkLst>
-        </pc:spChg>
-        <pc:spChg chg="mod">
-          <ac:chgData name="菱田 寛之(Hiroyuki Hishida)" userId="0b678a1d-3430-4bff-929e-dc8c867d5f9d" providerId="ADAL" clId="{0A02F421-C705-4E16-9D22-542AFB325BD4}" dt="2025-01-14T04:33:45.008" v="100" actId="20577"/>
-          <ac:spMkLst>
-            <pc:docMk/>
-            <pc:sldMk cId="2107502289" sldId="297"/>
-            <ac:spMk id="3" creationId="{E46CB6E8-FFAF-F78F-99EF-255099908874}"/>
-          </ac:spMkLst>
-        </pc:spChg>
-      </pc:sldChg>
-      <pc:sldChg chg="addSp delSp modSp new mod ord">
-        <pc:chgData name="菱田 寛之(Hiroyuki Hishida)" userId="0b678a1d-3430-4bff-929e-dc8c867d5f9d" providerId="ADAL" clId="{0A02F421-C705-4E16-9D22-542AFB325BD4}" dt="2025-01-14T06:47:36.787" v="1573"/>
-        <pc:sldMkLst>
-          <pc:docMk/>
-          <pc:sldMk cId="951674511" sldId="298"/>
-        </pc:sldMkLst>
-        <pc:spChg chg="mod">
-          <ac:chgData name="菱田 寛之(Hiroyuki Hishida)" userId="0b678a1d-3430-4bff-929e-dc8c867d5f9d" providerId="ADAL" clId="{0A02F421-C705-4E16-9D22-542AFB325BD4}" dt="2025-01-14T04:39:29.967" v="564"/>
-          <ac:spMkLst>
-            <pc:docMk/>
-            <pc:sldMk cId="951674511" sldId="298"/>
-            <ac:spMk id="2" creationId="{69280B4B-0EE1-309A-26DE-D43E03A2132C}"/>
-          </ac:spMkLst>
-        </pc:spChg>
-        <pc:spChg chg="mod">
-          <ac:chgData name="菱田 寛之(Hiroyuki Hishida)" userId="0b678a1d-3430-4bff-929e-dc8c867d5f9d" providerId="ADAL" clId="{0A02F421-C705-4E16-9D22-542AFB325BD4}" dt="2025-01-14T04:38:31.306" v="514"/>
-          <ac:spMkLst>
-            <pc:docMk/>
-            <pc:sldMk cId="951674511" sldId="298"/>
-            <ac:spMk id="3" creationId="{EE9A4396-461C-2611-85DF-A9BFCE860CEC}"/>
-          </ac:spMkLst>
-        </pc:spChg>
-        <pc:picChg chg="add del">
-          <ac:chgData name="菱田 寛之(Hiroyuki Hishida)" userId="0b678a1d-3430-4bff-929e-dc8c867d5f9d" providerId="ADAL" clId="{0A02F421-C705-4E16-9D22-542AFB325BD4}" dt="2025-01-14T04:37:45.597" v="355" actId="22"/>
-          <ac:picMkLst>
-            <pc:docMk/>
-            <pc:sldMk cId="951674511" sldId="298"/>
-            <ac:picMk id="5" creationId="{BB2AE573-F82A-8FB5-EE34-FF1493906F5D}"/>
-          </ac:picMkLst>
-        </pc:picChg>
-        <pc:picChg chg="add del mod modCrop">
-          <ac:chgData name="菱田 寛之(Hiroyuki Hishida)" userId="0b678a1d-3430-4bff-929e-dc8c867d5f9d" providerId="ADAL" clId="{0A02F421-C705-4E16-9D22-542AFB325BD4}" dt="2025-01-14T04:38:05.015" v="359" actId="21"/>
-          <ac:picMkLst>
-            <pc:docMk/>
-            <pc:sldMk cId="951674511" sldId="298"/>
-            <ac:picMk id="7" creationId="{4F1D35D8-8813-FE42-2C8F-38D061026844}"/>
-          </ac:picMkLst>
-        </pc:picChg>
-        <pc:picChg chg="add mod">
-          <ac:chgData name="菱田 寛之(Hiroyuki Hishida)" userId="0b678a1d-3430-4bff-929e-dc8c867d5f9d" providerId="ADAL" clId="{0A02F421-C705-4E16-9D22-542AFB325BD4}" dt="2025-01-14T04:38:43.387" v="537" actId="1035"/>
-          <ac:picMkLst>
-            <pc:docMk/>
-            <pc:sldMk cId="951674511" sldId="298"/>
-            <ac:picMk id="8" creationId="{6FA18581-2E03-2030-D044-7FDCC4A61908}"/>
-          </ac:picMkLst>
-        </pc:picChg>
-      </pc:sldChg>
-      <pc:sldChg chg="modSp new mod">
-        <pc:chgData name="菱田 寛之(Hiroyuki Hishida)" userId="0b678a1d-3430-4bff-929e-dc8c867d5f9d" providerId="ADAL" clId="{0A02F421-C705-4E16-9D22-542AFB325BD4}" dt="2025-01-14T04:40:49.875" v="609" actId="20577"/>
-        <pc:sldMkLst>
-          <pc:docMk/>
-          <pc:sldMk cId="1206120969" sldId="299"/>
-        </pc:sldMkLst>
-        <pc:spChg chg="mod">
-          <ac:chgData name="菱田 寛之(Hiroyuki Hishida)" userId="0b678a1d-3430-4bff-929e-dc8c867d5f9d" providerId="ADAL" clId="{0A02F421-C705-4E16-9D22-542AFB325BD4}" dt="2025-01-14T04:40:44.548" v="592"/>
-          <ac:spMkLst>
-            <pc:docMk/>
-            <pc:sldMk cId="1206120969" sldId="299"/>
-            <ac:spMk id="2" creationId="{C57B6847-C34B-E545-D444-03AE3A7E6E3A}"/>
-          </ac:spMkLst>
-        </pc:spChg>
-        <pc:spChg chg="mod">
-          <ac:chgData name="菱田 寛之(Hiroyuki Hishida)" userId="0b678a1d-3430-4bff-929e-dc8c867d5f9d" providerId="ADAL" clId="{0A02F421-C705-4E16-9D22-542AFB325BD4}" dt="2025-01-14T04:40:49.875" v="609" actId="20577"/>
-          <ac:spMkLst>
-            <pc:docMk/>
-            <pc:sldMk cId="1206120969" sldId="299"/>
-            <ac:spMk id="3" creationId="{138AB35E-61A3-3789-D30E-8AE3E8C6572D}"/>
-          </ac:spMkLst>
-        </pc:spChg>
-      </pc:sldChg>
-      <pc:sldChg chg="modSp new mod">
-        <pc:chgData name="菱田 寛之(Hiroyuki Hishida)" userId="0b678a1d-3430-4bff-929e-dc8c867d5f9d" providerId="ADAL" clId="{0A02F421-C705-4E16-9D22-542AFB325BD4}" dt="2025-01-14T04:42:56.559" v="783"/>
-        <pc:sldMkLst>
-          <pc:docMk/>
-          <pc:sldMk cId="1960065590" sldId="300"/>
-        </pc:sldMkLst>
-        <pc:spChg chg="mod">
-          <ac:chgData name="菱田 寛之(Hiroyuki Hishida)" userId="0b678a1d-3430-4bff-929e-dc8c867d5f9d" providerId="ADAL" clId="{0A02F421-C705-4E16-9D22-542AFB325BD4}" dt="2025-01-14T04:42:15.882" v="626"/>
-          <ac:spMkLst>
-            <pc:docMk/>
-            <pc:sldMk cId="1960065590" sldId="300"/>
-            <ac:spMk id="2" creationId="{B62D9668-8E9D-DD54-3131-49A14D026593}"/>
-          </ac:spMkLst>
-        </pc:spChg>
-        <pc:spChg chg="mod">
-          <ac:chgData name="菱田 寛之(Hiroyuki Hishida)" userId="0b678a1d-3430-4bff-929e-dc8c867d5f9d" providerId="ADAL" clId="{0A02F421-C705-4E16-9D22-542AFB325BD4}" dt="2025-01-14T04:42:56.559" v="783"/>
-          <ac:spMkLst>
-            <pc:docMk/>
-            <pc:sldMk cId="1960065590" sldId="300"/>
-            <ac:spMk id="3" creationId="{FA95D803-CAB2-2415-5E9C-01AE4EA9845F}"/>
-          </ac:spMkLst>
-        </pc:spChg>
-      </pc:sldChg>
-      <pc:sldChg chg="modSp new mod">
-        <pc:chgData name="菱田 寛之(Hiroyuki Hishida)" userId="0b678a1d-3430-4bff-929e-dc8c867d5f9d" providerId="ADAL" clId="{0A02F421-C705-4E16-9D22-542AFB325BD4}" dt="2025-01-14T04:44:26.020" v="795" actId="20577"/>
-        <pc:sldMkLst>
-          <pc:docMk/>
-          <pc:sldMk cId="999775469" sldId="301"/>
-        </pc:sldMkLst>
-        <pc:spChg chg="mod">
-          <ac:chgData name="菱田 寛之(Hiroyuki Hishida)" userId="0b678a1d-3430-4bff-929e-dc8c867d5f9d" providerId="ADAL" clId="{0A02F421-C705-4E16-9D22-542AFB325BD4}" dt="2025-01-14T04:44:22.817" v="791" actId="20577"/>
-          <ac:spMkLst>
-            <pc:docMk/>
-            <pc:sldMk cId="999775469" sldId="301"/>
-            <ac:spMk id="2" creationId="{2E0BA4A6-6EFA-36A8-91EC-76544D2622E9}"/>
-          </ac:spMkLst>
-        </pc:spChg>
-        <pc:spChg chg="mod">
-          <ac:chgData name="菱田 寛之(Hiroyuki Hishida)" userId="0b678a1d-3430-4bff-929e-dc8c867d5f9d" providerId="ADAL" clId="{0A02F421-C705-4E16-9D22-542AFB325BD4}" dt="2025-01-14T04:44:26.020" v="795" actId="20577"/>
-          <ac:spMkLst>
-            <pc:docMk/>
-            <pc:sldMk cId="999775469" sldId="301"/>
-            <ac:spMk id="3" creationId="{21F26E8C-7DF7-D671-7DF3-7E08116422EA}"/>
-          </ac:spMkLst>
-        </pc:spChg>
-      </pc:sldChg>
-      <pc:sldChg chg="addSp modSp new mod">
-        <pc:chgData name="菱田 寛之(Hiroyuki Hishida)" userId="0b678a1d-3430-4bff-929e-dc8c867d5f9d" providerId="ADAL" clId="{0A02F421-C705-4E16-9D22-542AFB325BD4}" dt="2025-01-14T06:27:57.345" v="1562"/>
-        <pc:sldMkLst>
-          <pc:docMk/>
-          <pc:sldMk cId="4046802638" sldId="302"/>
-        </pc:sldMkLst>
-        <pc:spChg chg="mod">
-          <ac:chgData name="菱田 寛之(Hiroyuki Hishida)" userId="0b678a1d-3430-4bff-929e-dc8c867d5f9d" providerId="ADAL" clId="{0A02F421-C705-4E16-9D22-542AFB325BD4}" dt="2025-01-14T06:27:57.345" v="1562"/>
-          <ac:spMkLst>
-            <pc:docMk/>
-            <pc:sldMk cId="4046802638" sldId="302"/>
-            <ac:spMk id="2" creationId="{17DC27CA-6B96-1E0A-ECEE-3C661E5F412B}"/>
-          </ac:spMkLst>
-        </pc:spChg>
-        <pc:spChg chg="mod">
-          <ac:chgData name="菱田 寛之(Hiroyuki Hishida)" userId="0b678a1d-3430-4bff-929e-dc8c867d5f9d" providerId="ADAL" clId="{0A02F421-C705-4E16-9D22-542AFB325BD4}" dt="2025-01-14T06:14:49.730" v="1323" actId="20577"/>
-          <ac:spMkLst>
-            <pc:docMk/>
-            <pc:sldMk cId="4046802638" sldId="302"/>
-            <ac:spMk id="3" creationId="{6CAFA6C4-600F-4EAE-D704-6ADBC5EF6B91}"/>
-          </ac:spMkLst>
-        </pc:spChg>
-        <pc:spChg chg="add mod">
-          <ac:chgData name="菱田 寛之(Hiroyuki Hishida)" userId="0b678a1d-3430-4bff-929e-dc8c867d5f9d" providerId="ADAL" clId="{0A02F421-C705-4E16-9D22-542AFB325BD4}" dt="2025-01-14T06:14:43.702" v="1322" actId="1076"/>
-          <ac:spMkLst>
-            <pc:docMk/>
-            <pc:sldMk cId="4046802638" sldId="302"/>
-            <ac:spMk id="7" creationId="{8327FB7A-87ED-65AC-D05F-55661D01BFFE}"/>
-          </ac:spMkLst>
-        </pc:spChg>
-        <pc:picChg chg="add mod modCrop">
-          <ac:chgData name="菱田 寛之(Hiroyuki Hishida)" userId="0b678a1d-3430-4bff-929e-dc8c867d5f9d" providerId="ADAL" clId="{0A02F421-C705-4E16-9D22-542AFB325BD4}" dt="2025-01-14T06:14:07.931" v="1225" actId="14100"/>
-          <ac:picMkLst>
-            <pc:docMk/>
-            <pc:sldMk cId="4046802638" sldId="302"/>
-            <ac:picMk id="5" creationId="{8CAD3752-4444-A5C3-490D-38E4C906CBE0}"/>
-          </ac:picMkLst>
-        </pc:picChg>
-      </pc:sldChg>
-      <pc:sldChg chg="modSp new mod ord">
-        <pc:chgData name="菱田 寛之(Hiroyuki Hishida)" userId="0b678a1d-3430-4bff-929e-dc8c867d5f9d" providerId="ADAL" clId="{0A02F421-C705-4E16-9D22-542AFB325BD4}" dt="2025-01-15T00:05:51.484" v="2502" actId="20577"/>
-        <pc:sldMkLst>
-          <pc:docMk/>
-          <pc:sldMk cId="719640762" sldId="303"/>
-        </pc:sldMkLst>
-        <pc:spChg chg="mod">
-          <ac:chgData name="菱田 寛之(Hiroyuki Hishida)" userId="0b678a1d-3430-4bff-929e-dc8c867d5f9d" providerId="ADAL" clId="{0A02F421-C705-4E16-9D22-542AFB325BD4}" dt="2025-01-14T06:53:44.557" v="1764"/>
-          <ac:spMkLst>
-            <pc:docMk/>
-            <pc:sldMk cId="719640762" sldId="303"/>
-            <ac:spMk id="2" creationId="{F2CCD695-E631-608D-892F-FB69D5F9E256}"/>
-          </ac:spMkLst>
-        </pc:spChg>
-        <pc:spChg chg="mod">
-          <ac:chgData name="菱田 寛之(Hiroyuki Hishida)" userId="0b678a1d-3430-4bff-929e-dc8c867d5f9d" providerId="ADAL" clId="{0A02F421-C705-4E16-9D22-542AFB325BD4}" dt="2025-01-15T00:05:51.484" v="2502" actId="20577"/>
-          <ac:spMkLst>
-            <pc:docMk/>
-            <pc:sldMk cId="719640762" sldId="303"/>
-            <ac:spMk id="3" creationId="{3DB83451-C0C1-63C1-29B3-B9ABBF24BDEE}"/>
-          </ac:spMkLst>
-        </pc:spChg>
-      </pc:sldChg>
-      <pc:sldChg chg="addSp modSp new mod">
-        <pc:chgData name="菱田 寛之(Hiroyuki Hishida)" userId="0b678a1d-3430-4bff-929e-dc8c867d5f9d" providerId="ADAL" clId="{0A02F421-C705-4E16-9D22-542AFB325BD4}" dt="2025-01-14T06:53:10.750" v="1750" actId="14100"/>
-        <pc:sldMkLst>
-          <pc:docMk/>
-          <pc:sldMk cId="2652112283" sldId="304"/>
-        </pc:sldMkLst>
-        <pc:spChg chg="mod">
-          <ac:chgData name="菱田 寛之(Hiroyuki Hishida)" userId="0b678a1d-3430-4bff-929e-dc8c867d5f9d" providerId="ADAL" clId="{0A02F421-C705-4E16-9D22-542AFB325BD4}" dt="2025-01-14T06:48:11.207" v="1621"/>
-          <ac:spMkLst>
-            <pc:docMk/>
-            <pc:sldMk cId="2652112283" sldId="304"/>
-            <ac:spMk id="2" creationId="{A177FF64-327E-A62F-3B5B-DDC43540C2BE}"/>
-          </ac:spMkLst>
-        </pc:spChg>
-        <pc:spChg chg="mod">
-          <ac:chgData name="菱田 寛之(Hiroyuki Hishida)" userId="0b678a1d-3430-4bff-929e-dc8c867d5f9d" providerId="ADAL" clId="{0A02F421-C705-4E16-9D22-542AFB325BD4}" dt="2025-01-14T06:53:03.921" v="1735"/>
-          <ac:spMkLst>
-            <pc:docMk/>
-            <pc:sldMk cId="2652112283" sldId="304"/>
-            <ac:spMk id="3" creationId="{FA66A7DC-77A1-7A1B-EF5B-CABDA973A0F0}"/>
-          </ac:spMkLst>
-        </pc:spChg>
-        <pc:picChg chg="add mod ord modCrop">
-          <ac:chgData name="菱田 寛之(Hiroyuki Hishida)" userId="0b678a1d-3430-4bff-929e-dc8c867d5f9d" providerId="ADAL" clId="{0A02F421-C705-4E16-9D22-542AFB325BD4}" dt="2025-01-14T06:53:10.750" v="1750" actId="14100"/>
-          <ac:picMkLst>
-            <pc:docMk/>
-            <pc:sldMk cId="2652112283" sldId="304"/>
-            <ac:picMk id="5" creationId="{7101452E-148A-0D89-B647-C3EDB575FB6B}"/>
-          </ac:picMkLst>
-        </pc:picChg>
-        <pc:picChg chg="add mod">
-          <ac:chgData name="菱田 寛之(Hiroyuki Hishida)" userId="0b678a1d-3430-4bff-929e-dc8c867d5f9d" providerId="ADAL" clId="{0A02F421-C705-4E16-9D22-542AFB325BD4}" dt="2025-01-14T06:53:07.118" v="1749" actId="1036"/>
-          <ac:picMkLst>
-            <pc:docMk/>
-            <pc:sldMk cId="2652112283" sldId="304"/>
-            <ac:picMk id="6" creationId="{39F4C94E-DCDC-6F91-50A2-A95BA43297F7}"/>
-          </ac:picMkLst>
-        </pc:picChg>
-      </pc:sldChg>
-      <pc:sldChg chg="new">
-        <pc:chgData name="菱田 寛之(Hiroyuki Hishida)" userId="0b678a1d-3430-4bff-929e-dc8c867d5f9d" providerId="ADAL" clId="{0A02F421-C705-4E16-9D22-542AFB325BD4}" dt="2025-01-14T06:51:10.268" v="1733" actId="680"/>
-        <pc:sldMkLst>
-          <pc:docMk/>
-          <pc:sldMk cId="3700622019" sldId="305"/>
-        </pc:sldMkLst>
-      </pc:sldChg>
-      <pc:sldChg chg="modSp new del mod">
-        <pc:chgData name="菱田 寛之(Hiroyuki Hishida)" userId="0b678a1d-3430-4bff-929e-dc8c867d5f9d" providerId="ADAL" clId="{0A02F421-C705-4E16-9D22-542AFB325BD4}" dt="2025-01-14T07:09:24.806" v="1983" actId="47"/>
-        <pc:sldMkLst>
-          <pc:docMk/>
-          <pc:sldMk cId="228139563" sldId="306"/>
-        </pc:sldMkLst>
-        <pc:spChg chg="mod">
-          <ac:chgData name="菱田 寛之(Hiroyuki Hishida)" userId="0b678a1d-3430-4bff-929e-dc8c867d5f9d" providerId="ADAL" clId="{0A02F421-C705-4E16-9D22-542AFB325BD4}" dt="2025-01-14T06:54:59.626" v="1772" actId="27636"/>
-          <ac:spMkLst>
-            <pc:docMk/>
-            <pc:sldMk cId="228139563" sldId="306"/>
-            <ac:spMk id="2" creationId="{15A44BA0-24A0-B04B-722A-B693EF368BDE}"/>
-          </ac:spMkLst>
-        </pc:spChg>
-      </pc:sldChg>
-      <pc:sldChg chg="modSp new del mod">
-        <pc:chgData name="菱田 寛之(Hiroyuki Hishida)" userId="0b678a1d-3430-4bff-929e-dc8c867d5f9d" providerId="ADAL" clId="{0A02F421-C705-4E16-9D22-542AFB325BD4}" dt="2025-01-14T07:09:24.806" v="1983" actId="47"/>
-        <pc:sldMkLst>
-          <pc:docMk/>
-          <pc:sldMk cId="1011086150" sldId="307"/>
-        </pc:sldMkLst>
-        <pc:spChg chg="mod">
-          <ac:chgData name="菱田 寛之(Hiroyuki Hishida)" userId="0b678a1d-3430-4bff-929e-dc8c867d5f9d" providerId="ADAL" clId="{0A02F421-C705-4E16-9D22-542AFB325BD4}" dt="2025-01-14T06:55:01.741" v="1774" actId="27636"/>
-          <ac:spMkLst>
-            <pc:docMk/>
-            <pc:sldMk cId="1011086150" sldId="307"/>
-            <ac:spMk id="2" creationId="{C27A32AE-716C-2163-3F1F-1F08737DD1A6}"/>
-          </ac:spMkLst>
-        </pc:spChg>
-      </pc:sldChg>
-      <pc:sldChg chg="addSp modSp new mod">
-        <pc:chgData name="菱田 寛之(Hiroyuki Hishida)" userId="0b678a1d-3430-4bff-929e-dc8c867d5f9d" providerId="ADAL" clId="{0A02F421-C705-4E16-9D22-542AFB325BD4}" dt="2025-01-14T07:25:47.987" v="2228" actId="207"/>
-        <pc:sldMkLst>
-          <pc:docMk/>
-          <pc:sldMk cId="2170115826" sldId="308"/>
-        </pc:sldMkLst>
-        <pc:spChg chg="mod">
-          <ac:chgData name="菱田 寛之(Hiroyuki Hishida)" userId="0b678a1d-3430-4bff-929e-dc8c867d5f9d" providerId="ADAL" clId="{0A02F421-C705-4E16-9D22-542AFB325BD4}" dt="2025-01-14T07:05:46.692" v="1874"/>
-          <ac:spMkLst>
-            <pc:docMk/>
-            <pc:sldMk cId="2170115826" sldId="308"/>
-            <ac:spMk id="2" creationId="{D5F57C3D-FA11-0124-B643-95599EA24D2A}"/>
-          </ac:spMkLst>
-        </pc:spChg>
-        <pc:spChg chg="mod">
-          <ac:chgData name="菱田 寛之(Hiroyuki Hishida)" userId="0b678a1d-3430-4bff-929e-dc8c867d5f9d" providerId="ADAL" clId="{0A02F421-C705-4E16-9D22-542AFB325BD4}" dt="2025-01-14T07:22:17.724" v="2201"/>
-          <ac:spMkLst>
-            <pc:docMk/>
-            <pc:sldMk cId="2170115826" sldId="308"/>
-            <ac:spMk id="3" creationId="{FF0EE96D-D661-2707-5552-BF39034415D8}"/>
-          </ac:spMkLst>
-        </pc:spChg>
-        <pc:spChg chg="add mod">
-          <ac:chgData name="菱田 寛之(Hiroyuki Hishida)" userId="0b678a1d-3430-4bff-929e-dc8c867d5f9d" providerId="ADAL" clId="{0A02F421-C705-4E16-9D22-542AFB325BD4}" dt="2025-01-14T07:25:47.987" v="2228" actId="207"/>
-          <ac:spMkLst>
-            <pc:docMk/>
-            <pc:sldMk cId="2170115826" sldId="308"/>
-            <ac:spMk id="4" creationId="{2ACAFCD8-1158-DC02-8F75-BF2B056EDD1C}"/>
-          </ac:spMkLst>
-        </pc:spChg>
-      </pc:sldChg>
-      <pc:sldChg chg="addSp delSp modSp new mod">
-        <pc:chgData name="菱田 寛之(Hiroyuki Hishida)" userId="0b678a1d-3430-4bff-929e-dc8c867d5f9d" providerId="ADAL" clId="{0A02F421-C705-4E16-9D22-542AFB325BD4}" dt="2025-01-15T07:22:27.033" v="3793"/>
-        <pc:sldMkLst>
-          <pc:docMk/>
-          <pc:sldMk cId="847802891" sldId="309"/>
-        </pc:sldMkLst>
-        <pc:spChg chg="mod">
-          <ac:chgData name="菱田 寛之(Hiroyuki Hishida)" userId="0b678a1d-3430-4bff-929e-dc8c867d5f9d" providerId="ADAL" clId="{0A02F421-C705-4E16-9D22-542AFB325BD4}" dt="2025-01-15T05:09:16.321" v="3069" actId="20577"/>
-          <ac:spMkLst>
-            <pc:docMk/>
-            <pc:sldMk cId="847802891" sldId="309"/>
-            <ac:spMk id="2" creationId="{B5D159CB-80F4-42D0-A92B-B90080237ACB}"/>
-          </ac:spMkLst>
-        </pc:spChg>
-        <pc:spChg chg="del">
-          <ac:chgData name="菱田 寛之(Hiroyuki Hishida)" userId="0b678a1d-3430-4bff-929e-dc8c867d5f9d" providerId="ADAL" clId="{0A02F421-C705-4E16-9D22-542AFB325BD4}" dt="2025-01-15T00:01:01.189" v="2246" actId="3680"/>
-          <ac:spMkLst>
-            <pc:docMk/>
-            <pc:sldMk cId="847802891" sldId="309"/>
-            <ac:spMk id="3" creationId="{838A350B-A7C5-78B8-535E-B884C9FCB814}"/>
-          </ac:spMkLst>
-        </pc:spChg>
-        <pc:spChg chg="add del mod">
-          <ac:chgData name="菱田 寛之(Hiroyuki Hishida)" userId="0b678a1d-3430-4bff-929e-dc8c867d5f9d" providerId="ADAL" clId="{0A02F421-C705-4E16-9D22-542AFB325BD4}" dt="2025-01-15T05:37:28.227" v="3414" actId="3680"/>
-          <ac:spMkLst>
-            <pc:docMk/>
-            <pc:sldMk cId="847802891" sldId="309"/>
-            <ac:spMk id="6" creationId="{042B3E6E-FCC7-6157-4400-6B1474082E00}"/>
-          </ac:spMkLst>
-        </pc:spChg>
-        <pc:spChg chg="add del mod">
-          <ac:chgData name="菱田 寛之(Hiroyuki Hishida)" userId="0b678a1d-3430-4bff-929e-dc8c867d5f9d" providerId="ADAL" clId="{0A02F421-C705-4E16-9D22-542AFB325BD4}" dt="2025-01-15T05:50:08.759" v="3529" actId="3680"/>
-          <ac:spMkLst>
-            <pc:docMk/>
-            <pc:sldMk cId="847802891" sldId="309"/>
-            <ac:spMk id="9" creationId="{BEE2835B-9EB2-3100-81FC-1C15648C34A5}"/>
-          </ac:spMkLst>
-        </pc:spChg>
-        <pc:graphicFrameChg chg="add del mod ord modGraphic">
-          <ac:chgData name="菱田 寛之(Hiroyuki Hishida)" userId="0b678a1d-3430-4bff-929e-dc8c867d5f9d" providerId="ADAL" clId="{0A02F421-C705-4E16-9D22-542AFB325BD4}" dt="2025-01-15T05:37:21.601" v="3413" actId="478"/>
-          <ac:graphicFrameMkLst>
-            <pc:docMk/>
-            <pc:sldMk cId="847802891" sldId="309"/>
-            <ac:graphicFrameMk id="4" creationId="{17D44829-38CC-1A08-BBBD-8BC59218D60D}"/>
-          </ac:graphicFrameMkLst>
-        </pc:graphicFrameChg>
-        <pc:graphicFrameChg chg="add del mod ord modGraphic">
-          <ac:chgData name="菱田 寛之(Hiroyuki Hishida)" userId="0b678a1d-3430-4bff-929e-dc8c867d5f9d" providerId="ADAL" clId="{0A02F421-C705-4E16-9D22-542AFB325BD4}" dt="2025-01-15T05:50:02.611" v="3528" actId="478"/>
-          <ac:graphicFrameMkLst>
-            <pc:docMk/>
-            <pc:sldMk cId="847802891" sldId="309"/>
-            <ac:graphicFrameMk id="7" creationId="{0DFEA17B-B7D3-4856-259F-4B4E966F9826}"/>
-          </ac:graphicFrameMkLst>
-        </pc:graphicFrameChg>
-        <pc:graphicFrameChg chg="add mod ord modGraphic">
-          <ac:chgData name="菱田 寛之(Hiroyuki Hishida)" userId="0b678a1d-3430-4bff-929e-dc8c867d5f9d" providerId="ADAL" clId="{0A02F421-C705-4E16-9D22-542AFB325BD4}" dt="2025-01-15T07:22:27.033" v="3793"/>
-          <ac:graphicFrameMkLst>
-            <pc:docMk/>
-            <pc:sldMk cId="847802891" sldId="309"/>
-            <ac:graphicFrameMk id="10" creationId="{6BA9BBAF-2C8E-0419-8502-23226F8DA7A2}"/>
-          </ac:graphicFrameMkLst>
-        </pc:graphicFrameChg>
-      </pc:sldChg>
-    </pc:docChg>
-  </pc:docChgLst>
-  <pc:docChgLst>
     <pc:chgData name="菱田 寛之(Hiroyuki Hishida)" userId="0b678a1d-3430-4bff-929e-dc8c867d5f9d" providerId="ADAL" clId="{CFA239F1-F375-4F36-9082-42C37FE41990}"/>
     <pc:docChg chg="undo custSel modMainMaster">
       <pc:chgData name="菱田 寛之(Hiroyuki Hishida)" userId="0b678a1d-3430-4bff-929e-dc8c867d5f9d" providerId="ADAL" clId="{CFA239F1-F375-4F36-9082-42C37FE41990}" dt="2025-01-08T06:00:44.453" v="10" actId="14100"/>
@@ -1309,6 +814,501 @@
           </pc:spChg>
         </pc:sldLayoutChg>
       </pc:sldMasterChg>
+    </pc:docChg>
+  </pc:docChgLst>
+  <pc:docChgLst>
+    <pc:chgData name="菱田 寛之(Hiroyuki Hishida)" userId="0b678a1d-3430-4bff-929e-dc8c867d5f9d" providerId="ADAL" clId="{0A02F421-C705-4E16-9D22-542AFB325BD4}"/>
+    <pc:docChg chg="undo custSel addSld delSld modSld sldOrd">
+      <pc:chgData name="菱田 寛之(Hiroyuki Hishida)" userId="0b678a1d-3430-4bff-929e-dc8c867d5f9d" providerId="ADAL" clId="{0A02F421-C705-4E16-9D22-542AFB325BD4}" dt="2025-01-15T07:22:27.033" v="3793"/>
+      <pc:docMkLst>
+        <pc:docMk/>
+      </pc:docMkLst>
+      <pc:sldChg chg="modSp mod">
+        <pc:chgData name="菱田 寛之(Hiroyuki Hishida)" userId="0b678a1d-3430-4bff-929e-dc8c867d5f9d" providerId="ADAL" clId="{0A02F421-C705-4E16-9D22-542AFB325BD4}" dt="2025-01-15T05:36:28.588" v="3405" actId="20577"/>
+        <pc:sldMkLst>
+          <pc:docMk/>
+          <pc:sldMk cId="3837915501" sldId="277"/>
+        </pc:sldMkLst>
+        <pc:spChg chg="mod">
+          <ac:chgData name="菱田 寛之(Hiroyuki Hishida)" userId="0b678a1d-3430-4bff-929e-dc8c867d5f9d" providerId="ADAL" clId="{0A02F421-C705-4E16-9D22-542AFB325BD4}" dt="2025-01-15T05:36:28.588" v="3405" actId="20577"/>
+          <ac:spMkLst>
+            <pc:docMk/>
+            <pc:sldMk cId="3837915501" sldId="277"/>
+            <ac:spMk id="4" creationId="{00000000-0000-0000-0000-000000000000}"/>
+          </ac:spMkLst>
+        </pc:spChg>
+      </pc:sldChg>
+      <pc:sldChg chg="modSp new del mod">
+        <pc:chgData name="菱田 寛之(Hiroyuki Hishida)" userId="0b678a1d-3430-4bff-929e-dc8c867d5f9d" providerId="ADAL" clId="{0A02F421-C705-4E16-9D22-542AFB325BD4}" dt="2025-01-14T02:26:46.464" v="8" actId="47"/>
+        <pc:sldMkLst>
+          <pc:docMk/>
+          <pc:sldMk cId="2639813574" sldId="293"/>
+        </pc:sldMkLst>
+        <pc:spChg chg="mod">
+          <ac:chgData name="菱田 寛之(Hiroyuki Hishida)" userId="0b678a1d-3430-4bff-929e-dc8c867d5f9d" providerId="ADAL" clId="{0A02F421-C705-4E16-9D22-542AFB325BD4}" dt="2025-01-14T02:26:40.100" v="5" actId="21"/>
+          <ac:spMkLst>
+            <pc:docMk/>
+            <pc:sldMk cId="2639813574" sldId="293"/>
+            <ac:spMk id="3" creationId="{2491DC5C-7E60-8784-357A-9BAA04FABB4D}"/>
+          </ac:spMkLst>
+        </pc:spChg>
+      </pc:sldChg>
+      <pc:sldChg chg="modSp new mod">
+        <pc:chgData name="菱田 寛之(Hiroyuki Hishida)" userId="0b678a1d-3430-4bff-929e-dc8c867d5f9d" providerId="ADAL" clId="{0A02F421-C705-4E16-9D22-542AFB325BD4}" dt="2025-01-14T04:48:22.600" v="1080"/>
+        <pc:sldMkLst>
+          <pc:docMk/>
+          <pc:sldMk cId="2406676856" sldId="294"/>
+        </pc:sldMkLst>
+        <pc:spChg chg="mod">
+          <ac:chgData name="菱田 寛之(Hiroyuki Hishida)" userId="0b678a1d-3430-4bff-929e-dc8c867d5f9d" providerId="ADAL" clId="{0A02F421-C705-4E16-9D22-542AFB325BD4}" dt="2025-01-14T04:47:05.826" v="955"/>
+          <ac:spMkLst>
+            <pc:docMk/>
+            <pc:sldMk cId="2406676856" sldId="294"/>
+            <ac:spMk id="2" creationId="{3E75A9D9-0BEC-714F-8EB8-3BF3C4F7B00F}"/>
+          </ac:spMkLst>
+        </pc:spChg>
+        <pc:spChg chg="mod">
+          <ac:chgData name="菱田 寛之(Hiroyuki Hishida)" userId="0b678a1d-3430-4bff-929e-dc8c867d5f9d" providerId="ADAL" clId="{0A02F421-C705-4E16-9D22-542AFB325BD4}" dt="2025-01-14T04:48:22.600" v="1080"/>
+          <ac:spMkLst>
+            <pc:docMk/>
+            <pc:sldMk cId="2406676856" sldId="294"/>
+            <ac:spMk id="3" creationId="{A1DC8043-D813-7A61-D677-8048215AC794}"/>
+          </ac:spMkLst>
+        </pc:spChg>
+      </pc:sldChg>
+      <pc:sldChg chg="addSp delSp modSp new mod ord">
+        <pc:chgData name="菱田 寛之(Hiroyuki Hishida)" userId="0b678a1d-3430-4bff-929e-dc8c867d5f9d" providerId="ADAL" clId="{0A02F421-C705-4E16-9D22-542AFB325BD4}" dt="2025-01-14T06:28:07.092" v="1565"/>
+        <pc:sldMkLst>
+          <pc:docMk/>
+          <pc:sldMk cId="3657896006" sldId="295"/>
+        </pc:sldMkLst>
+        <pc:spChg chg="mod">
+          <ac:chgData name="菱田 寛之(Hiroyuki Hishida)" userId="0b678a1d-3430-4bff-929e-dc8c867d5f9d" providerId="ADAL" clId="{0A02F421-C705-4E16-9D22-542AFB325BD4}" dt="2025-01-14T06:28:07.092" v="1565"/>
+          <ac:spMkLst>
+            <pc:docMk/>
+            <pc:sldMk cId="3657896006" sldId="295"/>
+            <ac:spMk id="2" creationId="{8D2B6B69-8098-E4F0-C716-05476B775611}"/>
+          </ac:spMkLst>
+        </pc:spChg>
+        <pc:spChg chg="mod">
+          <ac:chgData name="菱田 寛之(Hiroyuki Hishida)" userId="0b678a1d-3430-4bff-929e-dc8c867d5f9d" providerId="ADAL" clId="{0A02F421-C705-4E16-9D22-542AFB325BD4}" dt="2025-01-14T06:16:58.696" v="1435"/>
+          <ac:spMkLst>
+            <pc:docMk/>
+            <pc:sldMk cId="3657896006" sldId="295"/>
+            <ac:spMk id="3" creationId="{6F1863FB-8627-407E-156A-B115D1C55AD7}"/>
+          </ac:spMkLst>
+        </pc:spChg>
+        <pc:spChg chg="add del">
+          <ac:chgData name="菱田 寛之(Hiroyuki Hishida)" userId="0b678a1d-3430-4bff-929e-dc8c867d5f9d" providerId="ADAL" clId="{0A02F421-C705-4E16-9D22-542AFB325BD4}" dt="2025-01-14T04:35:52.269" v="185" actId="22"/>
+          <ac:spMkLst>
+            <pc:docMk/>
+            <pc:sldMk cId="3657896006" sldId="295"/>
+            <ac:spMk id="8" creationId="{E6D1C1B1-A985-C443-0E2A-42E2A086C988}"/>
+          </ac:spMkLst>
+        </pc:spChg>
+        <pc:spChg chg="add mod">
+          <ac:chgData name="菱田 寛之(Hiroyuki Hishida)" userId="0b678a1d-3430-4bff-929e-dc8c867d5f9d" providerId="ADAL" clId="{0A02F421-C705-4E16-9D22-542AFB325BD4}" dt="2025-01-14T04:36:03.843" v="189" actId="1076"/>
+          <ac:spMkLst>
+            <pc:docMk/>
+            <pc:sldMk cId="3657896006" sldId="295"/>
+            <ac:spMk id="10" creationId="{27C03E64-B0E0-2784-6B18-1AA8F2C61F48}"/>
+          </ac:spMkLst>
+        </pc:spChg>
+        <pc:picChg chg="add del mod modCrop">
+          <ac:chgData name="菱田 寛之(Hiroyuki Hishida)" userId="0b678a1d-3430-4bff-929e-dc8c867d5f9d" providerId="ADAL" clId="{0A02F421-C705-4E16-9D22-542AFB325BD4}" dt="2025-01-14T04:32:39.723" v="58" actId="21"/>
+          <ac:picMkLst>
+            <pc:docMk/>
+            <pc:sldMk cId="3657896006" sldId="295"/>
+            <ac:picMk id="5" creationId="{7C53E95B-28FC-3FF9-298B-26FFA7C8D73A}"/>
+          </ac:picMkLst>
+        </pc:picChg>
+        <pc:picChg chg="add mod">
+          <ac:chgData name="菱田 寛之(Hiroyuki Hishida)" userId="0b678a1d-3430-4bff-929e-dc8c867d5f9d" providerId="ADAL" clId="{0A02F421-C705-4E16-9D22-542AFB325BD4}" dt="2025-01-14T06:16:50.763" v="1374" actId="1036"/>
+          <ac:picMkLst>
+            <pc:docMk/>
+            <pc:sldMk cId="3657896006" sldId="295"/>
+            <ac:picMk id="6" creationId="{62A10C20-E846-F89A-27CB-8F4C59866581}"/>
+          </ac:picMkLst>
+        </pc:picChg>
+      </pc:sldChg>
+      <pc:sldChg chg="new">
+        <pc:chgData name="菱田 寛之(Hiroyuki Hishida)" userId="0b678a1d-3430-4bff-929e-dc8c867d5f9d" providerId="ADAL" clId="{0A02F421-C705-4E16-9D22-542AFB325BD4}" dt="2025-01-14T02:27:02.591" v="32" actId="680"/>
+        <pc:sldMkLst>
+          <pc:docMk/>
+          <pc:sldMk cId="2396825509" sldId="296"/>
+        </pc:sldMkLst>
+      </pc:sldChg>
+      <pc:sldChg chg="modSp new mod">
+        <pc:chgData name="菱田 寛之(Hiroyuki Hishida)" userId="0b678a1d-3430-4bff-929e-dc8c867d5f9d" providerId="ADAL" clId="{0A02F421-C705-4E16-9D22-542AFB325BD4}" dt="2025-01-14T04:34:01.803" v="183"/>
+        <pc:sldMkLst>
+          <pc:docMk/>
+          <pc:sldMk cId="2107502289" sldId="297"/>
+        </pc:sldMkLst>
+        <pc:spChg chg="mod">
+          <ac:chgData name="菱田 寛之(Hiroyuki Hishida)" userId="0b678a1d-3430-4bff-929e-dc8c867d5f9d" providerId="ADAL" clId="{0A02F421-C705-4E16-9D22-542AFB325BD4}" dt="2025-01-14T04:34:01.803" v="183"/>
+          <ac:spMkLst>
+            <pc:docMk/>
+            <pc:sldMk cId="2107502289" sldId="297"/>
+            <ac:spMk id="2" creationId="{6C36920D-B1CD-8055-485F-4EC8731A9051}"/>
+          </ac:spMkLst>
+        </pc:spChg>
+        <pc:spChg chg="mod">
+          <ac:chgData name="菱田 寛之(Hiroyuki Hishida)" userId="0b678a1d-3430-4bff-929e-dc8c867d5f9d" providerId="ADAL" clId="{0A02F421-C705-4E16-9D22-542AFB325BD4}" dt="2025-01-14T04:33:45.008" v="100" actId="20577"/>
+          <ac:spMkLst>
+            <pc:docMk/>
+            <pc:sldMk cId="2107502289" sldId="297"/>
+            <ac:spMk id="3" creationId="{E46CB6E8-FFAF-F78F-99EF-255099908874}"/>
+          </ac:spMkLst>
+        </pc:spChg>
+      </pc:sldChg>
+      <pc:sldChg chg="addSp delSp modSp new mod ord">
+        <pc:chgData name="菱田 寛之(Hiroyuki Hishida)" userId="0b678a1d-3430-4bff-929e-dc8c867d5f9d" providerId="ADAL" clId="{0A02F421-C705-4E16-9D22-542AFB325BD4}" dt="2025-01-14T06:47:36.787" v="1573"/>
+        <pc:sldMkLst>
+          <pc:docMk/>
+          <pc:sldMk cId="951674511" sldId="298"/>
+        </pc:sldMkLst>
+        <pc:spChg chg="mod">
+          <ac:chgData name="菱田 寛之(Hiroyuki Hishida)" userId="0b678a1d-3430-4bff-929e-dc8c867d5f9d" providerId="ADAL" clId="{0A02F421-C705-4E16-9D22-542AFB325BD4}" dt="2025-01-14T04:39:29.967" v="564"/>
+          <ac:spMkLst>
+            <pc:docMk/>
+            <pc:sldMk cId="951674511" sldId="298"/>
+            <ac:spMk id="2" creationId="{69280B4B-0EE1-309A-26DE-D43E03A2132C}"/>
+          </ac:spMkLst>
+        </pc:spChg>
+        <pc:spChg chg="mod">
+          <ac:chgData name="菱田 寛之(Hiroyuki Hishida)" userId="0b678a1d-3430-4bff-929e-dc8c867d5f9d" providerId="ADAL" clId="{0A02F421-C705-4E16-9D22-542AFB325BD4}" dt="2025-01-14T04:38:31.306" v="514"/>
+          <ac:spMkLst>
+            <pc:docMk/>
+            <pc:sldMk cId="951674511" sldId="298"/>
+            <ac:spMk id="3" creationId="{EE9A4396-461C-2611-85DF-A9BFCE860CEC}"/>
+          </ac:spMkLst>
+        </pc:spChg>
+        <pc:picChg chg="add del">
+          <ac:chgData name="菱田 寛之(Hiroyuki Hishida)" userId="0b678a1d-3430-4bff-929e-dc8c867d5f9d" providerId="ADAL" clId="{0A02F421-C705-4E16-9D22-542AFB325BD4}" dt="2025-01-14T04:37:45.597" v="355" actId="22"/>
+          <ac:picMkLst>
+            <pc:docMk/>
+            <pc:sldMk cId="951674511" sldId="298"/>
+            <ac:picMk id="5" creationId="{BB2AE573-F82A-8FB5-EE34-FF1493906F5D}"/>
+          </ac:picMkLst>
+        </pc:picChg>
+        <pc:picChg chg="add del mod modCrop">
+          <ac:chgData name="菱田 寛之(Hiroyuki Hishida)" userId="0b678a1d-3430-4bff-929e-dc8c867d5f9d" providerId="ADAL" clId="{0A02F421-C705-4E16-9D22-542AFB325BD4}" dt="2025-01-14T04:38:05.015" v="359" actId="21"/>
+          <ac:picMkLst>
+            <pc:docMk/>
+            <pc:sldMk cId="951674511" sldId="298"/>
+            <ac:picMk id="7" creationId="{4F1D35D8-8813-FE42-2C8F-38D061026844}"/>
+          </ac:picMkLst>
+        </pc:picChg>
+        <pc:picChg chg="add mod">
+          <ac:chgData name="菱田 寛之(Hiroyuki Hishida)" userId="0b678a1d-3430-4bff-929e-dc8c867d5f9d" providerId="ADAL" clId="{0A02F421-C705-4E16-9D22-542AFB325BD4}" dt="2025-01-14T04:38:43.387" v="537" actId="1035"/>
+          <ac:picMkLst>
+            <pc:docMk/>
+            <pc:sldMk cId="951674511" sldId="298"/>
+            <ac:picMk id="8" creationId="{6FA18581-2E03-2030-D044-7FDCC4A61908}"/>
+          </ac:picMkLst>
+        </pc:picChg>
+      </pc:sldChg>
+      <pc:sldChg chg="modSp new mod">
+        <pc:chgData name="菱田 寛之(Hiroyuki Hishida)" userId="0b678a1d-3430-4bff-929e-dc8c867d5f9d" providerId="ADAL" clId="{0A02F421-C705-4E16-9D22-542AFB325BD4}" dt="2025-01-14T04:40:49.875" v="609" actId="20577"/>
+        <pc:sldMkLst>
+          <pc:docMk/>
+          <pc:sldMk cId="1206120969" sldId="299"/>
+        </pc:sldMkLst>
+        <pc:spChg chg="mod">
+          <ac:chgData name="菱田 寛之(Hiroyuki Hishida)" userId="0b678a1d-3430-4bff-929e-dc8c867d5f9d" providerId="ADAL" clId="{0A02F421-C705-4E16-9D22-542AFB325BD4}" dt="2025-01-14T04:40:44.548" v="592"/>
+          <ac:spMkLst>
+            <pc:docMk/>
+            <pc:sldMk cId="1206120969" sldId="299"/>
+            <ac:spMk id="2" creationId="{C57B6847-C34B-E545-D444-03AE3A7E6E3A}"/>
+          </ac:spMkLst>
+        </pc:spChg>
+        <pc:spChg chg="mod">
+          <ac:chgData name="菱田 寛之(Hiroyuki Hishida)" userId="0b678a1d-3430-4bff-929e-dc8c867d5f9d" providerId="ADAL" clId="{0A02F421-C705-4E16-9D22-542AFB325BD4}" dt="2025-01-14T04:40:49.875" v="609" actId="20577"/>
+          <ac:spMkLst>
+            <pc:docMk/>
+            <pc:sldMk cId="1206120969" sldId="299"/>
+            <ac:spMk id="3" creationId="{138AB35E-61A3-3789-D30E-8AE3E8C6572D}"/>
+          </ac:spMkLst>
+        </pc:spChg>
+      </pc:sldChg>
+      <pc:sldChg chg="modSp new mod">
+        <pc:chgData name="菱田 寛之(Hiroyuki Hishida)" userId="0b678a1d-3430-4bff-929e-dc8c867d5f9d" providerId="ADAL" clId="{0A02F421-C705-4E16-9D22-542AFB325BD4}" dt="2025-01-14T04:42:56.559" v="783"/>
+        <pc:sldMkLst>
+          <pc:docMk/>
+          <pc:sldMk cId="1960065590" sldId="300"/>
+        </pc:sldMkLst>
+        <pc:spChg chg="mod">
+          <ac:chgData name="菱田 寛之(Hiroyuki Hishida)" userId="0b678a1d-3430-4bff-929e-dc8c867d5f9d" providerId="ADAL" clId="{0A02F421-C705-4E16-9D22-542AFB325BD4}" dt="2025-01-14T04:42:15.882" v="626"/>
+          <ac:spMkLst>
+            <pc:docMk/>
+            <pc:sldMk cId="1960065590" sldId="300"/>
+            <ac:spMk id="2" creationId="{B62D9668-8E9D-DD54-3131-49A14D026593}"/>
+          </ac:spMkLst>
+        </pc:spChg>
+        <pc:spChg chg="mod">
+          <ac:chgData name="菱田 寛之(Hiroyuki Hishida)" userId="0b678a1d-3430-4bff-929e-dc8c867d5f9d" providerId="ADAL" clId="{0A02F421-C705-4E16-9D22-542AFB325BD4}" dt="2025-01-14T04:42:56.559" v="783"/>
+          <ac:spMkLst>
+            <pc:docMk/>
+            <pc:sldMk cId="1960065590" sldId="300"/>
+            <ac:spMk id="3" creationId="{FA95D803-CAB2-2415-5E9C-01AE4EA9845F}"/>
+          </ac:spMkLst>
+        </pc:spChg>
+      </pc:sldChg>
+      <pc:sldChg chg="modSp new mod">
+        <pc:chgData name="菱田 寛之(Hiroyuki Hishida)" userId="0b678a1d-3430-4bff-929e-dc8c867d5f9d" providerId="ADAL" clId="{0A02F421-C705-4E16-9D22-542AFB325BD4}" dt="2025-01-14T04:44:26.020" v="795" actId="20577"/>
+        <pc:sldMkLst>
+          <pc:docMk/>
+          <pc:sldMk cId="999775469" sldId="301"/>
+        </pc:sldMkLst>
+        <pc:spChg chg="mod">
+          <ac:chgData name="菱田 寛之(Hiroyuki Hishida)" userId="0b678a1d-3430-4bff-929e-dc8c867d5f9d" providerId="ADAL" clId="{0A02F421-C705-4E16-9D22-542AFB325BD4}" dt="2025-01-14T04:44:22.817" v="791" actId="20577"/>
+          <ac:spMkLst>
+            <pc:docMk/>
+            <pc:sldMk cId="999775469" sldId="301"/>
+            <ac:spMk id="2" creationId="{2E0BA4A6-6EFA-36A8-91EC-76544D2622E9}"/>
+          </ac:spMkLst>
+        </pc:spChg>
+        <pc:spChg chg="mod">
+          <ac:chgData name="菱田 寛之(Hiroyuki Hishida)" userId="0b678a1d-3430-4bff-929e-dc8c867d5f9d" providerId="ADAL" clId="{0A02F421-C705-4E16-9D22-542AFB325BD4}" dt="2025-01-14T04:44:26.020" v="795" actId="20577"/>
+          <ac:spMkLst>
+            <pc:docMk/>
+            <pc:sldMk cId="999775469" sldId="301"/>
+            <ac:spMk id="3" creationId="{21F26E8C-7DF7-D671-7DF3-7E08116422EA}"/>
+          </ac:spMkLst>
+        </pc:spChg>
+      </pc:sldChg>
+      <pc:sldChg chg="addSp modSp new mod">
+        <pc:chgData name="菱田 寛之(Hiroyuki Hishida)" userId="0b678a1d-3430-4bff-929e-dc8c867d5f9d" providerId="ADAL" clId="{0A02F421-C705-4E16-9D22-542AFB325BD4}" dt="2025-01-14T06:27:57.345" v="1562"/>
+        <pc:sldMkLst>
+          <pc:docMk/>
+          <pc:sldMk cId="4046802638" sldId="302"/>
+        </pc:sldMkLst>
+        <pc:spChg chg="mod">
+          <ac:chgData name="菱田 寛之(Hiroyuki Hishida)" userId="0b678a1d-3430-4bff-929e-dc8c867d5f9d" providerId="ADAL" clId="{0A02F421-C705-4E16-9D22-542AFB325BD4}" dt="2025-01-14T06:27:57.345" v="1562"/>
+          <ac:spMkLst>
+            <pc:docMk/>
+            <pc:sldMk cId="4046802638" sldId="302"/>
+            <ac:spMk id="2" creationId="{17DC27CA-6B96-1E0A-ECEE-3C661E5F412B}"/>
+          </ac:spMkLst>
+        </pc:spChg>
+        <pc:spChg chg="mod">
+          <ac:chgData name="菱田 寛之(Hiroyuki Hishida)" userId="0b678a1d-3430-4bff-929e-dc8c867d5f9d" providerId="ADAL" clId="{0A02F421-C705-4E16-9D22-542AFB325BD4}" dt="2025-01-14T06:14:49.730" v="1323" actId="20577"/>
+          <ac:spMkLst>
+            <pc:docMk/>
+            <pc:sldMk cId="4046802638" sldId="302"/>
+            <ac:spMk id="3" creationId="{6CAFA6C4-600F-4EAE-D704-6ADBC5EF6B91}"/>
+          </ac:spMkLst>
+        </pc:spChg>
+        <pc:spChg chg="add mod">
+          <ac:chgData name="菱田 寛之(Hiroyuki Hishida)" userId="0b678a1d-3430-4bff-929e-dc8c867d5f9d" providerId="ADAL" clId="{0A02F421-C705-4E16-9D22-542AFB325BD4}" dt="2025-01-14T06:14:43.702" v="1322" actId="1076"/>
+          <ac:spMkLst>
+            <pc:docMk/>
+            <pc:sldMk cId="4046802638" sldId="302"/>
+            <ac:spMk id="7" creationId="{8327FB7A-87ED-65AC-D05F-55661D01BFFE}"/>
+          </ac:spMkLst>
+        </pc:spChg>
+        <pc:picChg chg="add mod modCrop">
+          <ac:chgData name="菱田 寛之(Hiroyuki Hishida)" userId="0b678a1d-3430-4bff-929e-dc8c867d5f9d" providerId="ADAL" clId="{0A02F421-C705-4E16-9D22-542AFB325BD4}" dt="2025-01-14T06:14:07.931" v="1225" actId="14100"/>
+          <ac:picMkLst>
+            <pc:docMk/>
+            <pc:sldMk cId="4046802638" sldId="302"/>
+            <ac:picMk id="5" creationId="{8CAD3752-4444-A5C3-490D-38E4C906CBE0}"/>
+          </ac:picMkLst>
+        </pc:picChg>
+      </pc:sldChg>
+      <pc:sldChg chg="modSp new mod ord">
+        <pc:chgData name="菱田 寛之(Hiroyuki Hishida)" userId="0b678a1d-3430-4bff-929e-dc8c867d5f9d" providerId="ADAL" clId="{0A02F421-C705-4E16-9D22-542AFB325BD4}" dt="2025-01-15T00:05:51.484" v="2502" actId="20577"/>
+        <pc:sldMkLst>
+          <pc:docMk/>
+          <pc:sldMk cId="719640762" sldId="303"/>
+        </pc:sldMkLst>
+        <pc:spChg chg="mod">
+          <ac:chgData name="菱田 寛之(Hiroyuki Hishida)" userId="0b678a1d-3430-4bff-929e-dc8c867d5f9d" providerId="ADAL" clId="{0A02F421-C705-4E16-9D22-542AFB325BD4}" dt="2025-01-14T06:53:44.557" v="1764"/>
+          <ac:spMkLst>
+            <pc:docMk/>
+            <pc:sldMk cId="719640762" sldId="303"/>
+            <ac:spMk id="2" creationId="{F2CCD695-E631-608D-892F-FB69D5F9E256}"/>
+          </ac:spMkLst>
+        </pc:spChg>
+        <pc:spChg chg="mod">
+          <ac:chgData name="菱田 寛之(Hiroyuki Hishida)" userId="0b678a1d-3430-4bff-929e-dc8c867d5f9d" providerId="ADAL" clId="{0A02F421-C705-4E16-9D22-542AFB325BD4}" dt="2025-01-15T00:05:51.484" v="2502" actId="20577"/>
+          <ac:spMkLst>
+            <pc:docMk/>
+            <pc:sldMk cId="719640762" sldId="303"/>
+            <ac:spMk id="3" creationId="{3DB83451-C0C1-63C1-29B3-B9ABBF24BDEE}"/>
+          </ac:spMkLst>
+        </pc:spChg>
+      </pc:sldChg>
+      <pc:sldChg chg="addSp modSp new mod">
+        <pc:chgData name="菱田 寛之(Hiroyuki Hishida)" userId="0b678a1d-3430-4bff-929e-dc8c867d5f9d" providerId="ADAL" clId="{0A02F421-C705-4E16-9D22-542AFB325BD4}" dt="2025-01-14T06:53:10.750" v="1750" actId="14100"/>
+        <pc:sldMkLst>
+          <pc:docMk/>
+          <pc:sldMk cId="2652112283" sldId="304"/>
+        </pc:sldMkLst>
+        <pc:spChg chg="mod">
+          <ac:chgData name="菱田 寛之(Hiroyuki Hishida)" userId="0b678a1d-3430-4bff-929e-dc8c867d5f9d" providerId="ADAL" clId="{0A02F421-C705-4E16-9D22-542AFB325BD4}" dt="2025-01-14T06:48:11.207" v="1621"/>
+          <ac:spMkLst>
+            <pc:docMk/>
+            <pc:sldMk cId="2652112283" sldId="304"/>
+            <ac:spMk id="2" creationId="{A177FF64-327E-A62F-3B5B-DDC43540C2BE}"/>
+          </ac:spMkLst>
+        </pc:spChg>
+        <pc:spChg chg="mod">
+          <ac:chgData name="菱田 寛之(Hiroyuki Hishida)" userId="0b678a1d-3430-4bff-929e-dc8c867d5f9d" providerId="ADAL" clId="{0A02F421-C705-4E16-9D22-542AFB325BD4}" dt="2025-01-14T06:53:03.921" v="1735"/>
+          <ac:spMkLst>
+            <pc:docMk/>
+            <pc:sldMk cId="2652112283" sldId="304"/>
+            <ac:spMk id="3" creationId="{FA66A7DC-77A1-7A1B-EF5B-CABDA973A0F0}"/>
+          </ac:spMkLst>
+        </pc:spChg>
+        <pc:picChg chg="add mod ord modCrop">
+          <ac:chgData name="菱田 寛之(Hiroyuki Hishida)" userId="0b678a1d-3430-4bff-929e-dc8c867d5f9d" providerId="ADAL" clId="{0A02F421-C705-4E16-9D22-542AFB325BD4}" dt="2025-01-14T06:53:10.750" v="1750" actId="14100"/>
+          <ac:picMkLst>
+            <pc:docMk/>
+            <pc:sldMk cId="2652112283" sldId="304"/>
+            <ac:picMk id="5" creationId="{7101452E-148A-0D89-B647-C3EDB575FB6B}"/>
+          </ac:picMkLst>
+        </pc:picChg>
+        <pc:picChg chg="add mod">
+          <ac:chgData name="菱田 寛之(Hiroyuki Hishida)" userId="0b678a1d-3430-4bff-929e-dc8c867d5f9d" providerId="ADAL" clId="{0A02F421-C705-4E16-9D22-542AFB325BD4}" dt="2025-01-14T06:53:07.118" v="1749" actId="1036"/>
+          <ac:picMkLst>
+            <pc:docMk/>
+            <pc:sldMk cId="2652112283" sldId="304"/>
+            <ac:picMk id="6" creationId="{39F4C94E-DCDC-6F91-50A2-A95BA43297F7}"/>
+          </ac:picMkLst>
+        </pc:picChg>
+      </pc:sldChg>
+      <pc:sldChg chg="new">
+        <pc:chgData name="菱田 寛之(Hiroyuki Hishida)" userId="0b678a1d-3430-4bff-929e-dc8c867d5f9d" providerId="ADAL" clId="{0A02F421-C705-4E16-9D22-542AFB325BD4}" dt="2025-01-14T06:51:10.268" v="1733" actId="680"/>
+        <pc:sldMkLst>
+          <pc:docMk/>
+          <pc:sldMk cId="3700622019" sldId="305"/>
+        </pc:sldMkLst>
+      </pc:sldChg>
+      <pc:sldChg chg="modSp new del mod">
+        <pc:chgData name="菱田 寛之(Hiroyuki Hishida)" userId="0b678a1d-3430-4bff-929e-dc8c867d5f9d" providerId="ADAL" clId="{0A02F421-C705-4E16-9D22-542AFB325BD4}" dt="2025-01-14T07:09:24.806" v="1983" actId="47"/>
+        <pc:sldMkLst>
+          <pc:docMk/>
+          <pc:sldMk cId="228139563" sldId="306"/>
+        </pc:sldMkLst>
+        <pc:spChg chg="mod">
+          <ac:chgData name="菱田 寛之(Hiroyuki Hishida)" userId="0b678a1d-3430-4bff-929e-dc8c867d5f9d" providerId="ADAL" clId="{0A02F421-C705-4E16-9D22-542AFB325BD4}" dt="2025-01-14T06:54:59.626" v="1772" actId="27636"/>
+          <ac:spMkLst>
+            <pc:docMk/>
+            <pc:sldMk cId="228139563" sldId="306"/>
+            <ac:spMk id="2" creationId="{15A44BA0-24A0-B04B-722A-B693EF368BDE}"/>
+          </ac:spMkLst>
+        </pc:spChg>
+      </pc:sldChg>
+      <pc:sldChg chg="modSp new del mod">
+        <pc:chgData name="菱田 寛之(Hiroyuki Hishida)" userId="0b678a1d-3430-4bff-929e-dc8c867d5f9d" providerId="ADAL" clId="{0A02F421-C705-4E16-9D22-542AFB325BD4}" dt="2025-01-14T07:09:24.806" v="1983" actId="47"/>
+        <pc:sldMkLst>
+          <pc:docMk/>
+          <pc:sldMk cId="1011086150" sldId="307"/>
+        </pc:sldMkLst>
+        <pc:spChg chg="mod">
+          <ac:chgData name="菱田 寛之(Hiroyuki Hishida)" userId="0b678a1d-3430-4bff-929e-dc8c867d5f9d" providerId="ADAL" clId="{0A02F421-C705-4E16-9D22-542AFB325BD4}" dt="2025-01-14T06:55:01.741" v="1774" actId="27636"/>
+          <ac:spMkLst>
+            <pc:docMk/>
+            <pc:sldMk cId="1011086150" sldId="307"/>
+            <ac:spMk id="2" creationId="{C27A32AE-716C-2163-3F1F-1F08737DD1A6}"/>
+          </ac:spMkLst>
+        </pc:spChg>
+      </pc:sldChg>
+      <pc:sldChg chg="addSp modSp new mod">
+        <pc:chgData name="菱田 寛之(Hiroyuki Hishida)" userId="0b678a1d-3430-4bff-929e-dc8c867d5f9d" providerId="ADAL" clId="{0A02F421-C705-4E16-9D22-542AFB325BD4}" dt="2025-01-14T07:25:47.987" v="2228" actId="207"/>
+        <pc:sldMkLst>
+          <pc:docMk/>
+          <pc:sldMk cId="2170115826" sldId="308"/>
+        </pc:sldMkLst>
+        <pc:spChg chg="mod">
+          <ac:chgData name="菱田 寛之(Hiroyuki Hishida)" userId="0b678a1d-3430-4bff-929e-dc8c867d5f9d" providerId="ADAL" clId="{0A02F421-C705-4E16-9D22-542AFB325BD4}" dt="2025-01-14T07:05:46.692" v="1874"/>
+          <ac:spMkLst>
+            <pc:docMk/>
+            <pc:sldMk cId="2170115826" sldId="308"/>
+            <ac:spMk id="2" creationId="{D5F57C3D-FA11-0124-B643-95599EA24D2A}"/>
+          </ac:spMkLst>
+        </pc:spChg>
+        <pc:spChg chg="mod">
+          <ac:chgData name="菱田 寛之(Hiroyuki Hishida)" userId="0b678a1d-3430-4bff-929e-dc8c867d5f9d" providerId="ADAL" clId="{0A02F421-C705-4E16-9D22-542AFB325BD4}" dt="2025-01-14T07:22:17.724" v="2201"/>
+          <ac:spMkLst>
+            <pc:docMk/>
+            <pc:sldMk cId="2170115826" sldId="308"/>
+            <ac:spMk id="3" creationId="{FF0EE96D-D661-2707-5552-BF39034415D8}"/>
+          </ac:spMkLst>
+        </pc:spChg>
+        <pc:spChg chg="add mod">
+          <ac:chgData name="菱田 寛之(Hiroyuki Hishida)" userId="0b678a1d-3430-4bff-929e-dc8c867d5f9d" providerId="ADAL" clId="{0A02F421-C705-4E16-9D22-542AFB325BD4}" dt="2025-01-14T07:25:47.987" v="2228" actId="207"/>
+          <ac:spMkLst>
+            <pc:docMk/>
+            <pc:sldMk cId="2170115826" sldId="308"/>
+            <ac:spMk id="4" creationId="{2ACAFCD8-1158-DC02-8F75-BF2B056EDD1C}"/>
+          </ac:spMkLst>
+        </pc:spChg>
+      </pc:sldChg>
+      <pc:sldChg chg="addSp delSp modSp new mod">
+        <pc:chgData name="菱田 寛之(Hiroyuki Hishida)" userId="0b678a1d-3430-4bff-929e-dc8c867d5f9d" providerId="ADAL" clId="{0A02F421-C705-4E16-9D22-542AFB325BD4}" dt="2025-01-15T07:22:27.033" v="3793"/>
+        <pc:sldMkLst>
+          <pc:docMk/>
+          <pc:sldMk cId="847802891" sldId="309"/>
+        </pc:sldMkLst>
+        <pc:spChg chg="mod">
+          <ac:chgData name="菱田 寛之(Hiroyuki Hishida)" userId="0b678a1d-3430-4bff-929e-dc8c867d5f9d" providerId="ADAL" clId="{0A02F421-C705-4E16-9D22-542AFB325BD4}" dt="2025-01-15T05:09:16.321" v="3069" actId="20577"/>
+          <ac:spMkLst>
+            <pc:docMk/>
+            <pc:sldMk cId="847802891" sldId="309"/>
+            <ac:spMk id="2" creationId="{B5D159CB-80F4-42D0-A92B-B90080237ACB}"/>
+          </ac:spMkLst>
+        </pc:spChg>
+        <pc:spChg chg="del">
+          <ac:chgData name="菱田 寛之(Hiroyuki Hishida)" userId="0b678a1d-3430-4bff-929e-dc8c867d5f9d" providerId="ADAL" clId="{0A02F421-C705-4E16-9D22-542AFB325BD4}" dt="2025-01-15T00:01:01.189" v="2246" actId="3680"/>
+          <ac:spMkLst>
+            <pc:docMk/>
+            <pc:sldMk cId="847802891" sldId="309"/>
+            <ac:spMk id="3" creationId="{838A350B-A7C5-78B8-535E-B884C9FCB814}"/>
+          </ac:spMkLst>
+        </pc:spChg>
+        <pc:spChg chg="add del mod">
+          <ac:chgData name="菱田 寛之(Hiroyuki Hishida)" userId="0b678a1d-3430-4bff-929e-dc8c867d5f9d" providerId="ADAL" clId="{0A02F421-C705-4E16-9D22-542AFB325BD4}" dt="2025-01-15T05:37:28.227" v="3414" actId="3680"/>
+          <ac:spMkLst>
+            <pc:docMk/>
+            <pc:sldMk cId="847802891" sldId="309"/>
+            <ac:spMk id="6" creationId="{042B3E6E-FCC7-6157-4400-6B1474082E00}"/>
+          </ac:spMkLst>
+        </pc:spChg>
+        <pc:spChg chg="add del mod">
+          <ac:chgData name="菱田 寛之(Hiroyuki Hishida)" userId="0b678a1d-3430-4bff-929e-dc8c867d5f9d" providerId="ADAL" clId="{0A02F421-C705-4E16-9D22-542AFB325BD4}" dt="2025-01-15T05:50:08.759" v="3529" actId="3680"/>
+          <ac:spMkLst>
+            <pc:docMk/>
+            <pc:sldMk cId="847802891" sldId="309"/>
+            <ac:spMk id="9" creationId="{BEE2835B-9EB2-3100-81FC-1C15648C34A5}"/>
+          </ac:spMkLst>
+        </pc:spChg>
+        <pc:graphicFrameChg chg="add del mod ord modGraphic">
+          <ac:chgData name="菱田 寛之(Hiroyuki Hishida)" userId="0b678a1d-3430-4bff-929e-dc8c867d5f9d" providerId="ADAL" clId="{0A02F421-C705-4E16-9D22-542AFB325BD4}" dt="2025-01-15T05:37:21.601" v="3413" actId="478"/>
+          <ac:graphicFrameMkLst>
+            <pc:docMk/>
+            <pc:sldMk cId="847802891" sldId="309"/>
+            <ac:graphicFrameMk id="4" creationId="{17D44829-38CC-1A08-BBBD-8BC59218D60D}"/>
+          </ac:graphicFrameMkLst>
+        </pc:graphicFrameChg>
+        <pc:graphicFrameChg chg="add del mod ord modGraphic">
+          <ac:chgData name="菱田 寛之(Hiroyuki Hishida)" userId="0b678a1d-3430-4bff-929e-dc8c867d5f9d" providerId="ADAL" clId="{0A02F421-C705-4E16-9D22-542AFB325BD4}" dt="2025-01-15T05:50:02.611" v="3528" actId="478"/>
+          <ac:graphicFrameMkLst>
+            <pc:docMk/>
+            <pc:sldMk cId="847802891" sldId="309"/>
+            <ac:graphicFrameMk id="7" creationId="{0DFEA17B-B7D3-4856-259F-4B4E966F9826}"/>
+          </ac:graphicFrameMkLst>
+        </pc:graphicFrameChg>
+        <pc:graphicFrameChg chg="add mod ord modGraphic">
+          <ac:chgData name="菱田 寛之(Hiroyuki Hishida)" userId="0b678a1d-3430-4bff-929e-dc8c867d5f9d" providerId="ADAL" clId="{0A02F421-C705-4E16-9D22-542AFB325BD4}" dt="2025-01-15T07:22:27.033" v="3793"/>
+          <ac:graphicFrameMkLst>
+            <pc:docMk/>
+            <pc:sldMk cId="847802891" sldId="309"/>
+            <ac:graphicFrameMk id="10" creationId="{6BA9BBAF-2C8E-0419-8502-23226F8DA7A2}"/>
+          </ac:graphicFrameMkLst>
+        </pc:graphicFrameChg>
+      </pc:sldChg>
     </pc:docChg>
   </pc:docChgLst>
 </pc:chgInfo>
@@ -2468,7 +2468,7 @@
           <a:p>
             <a:fld id="{6C2C4386-B183-654C-9E7B-D52C24951AF5}" type="datetimeFigureOut">
               <a:rPr kumimoji="1" lang="ja-JP" altLang="en-US" smtClean="0"/>
-              <a:t>2025/7/10</a:t>
+              <a:t>2025/7/11</a:t>
             </a:fld>
             <a:endParaRPr kumimoji="1" lang="ja-JP" altLang="en-US"/>
           </a:p>
@@ -2634,7 +2634,7 @@
           <a:p>
             <a:fld id="{7DC62E43-6BEB-E141-BAB0-607A387E4360}" type="datetimeFigureOut">
               <a:rPr kumimoji="1" lang="ja-JP" altLang="en-US" smtClean="0"/>
-              <a:t>2025/7/10</a:t>
+              <a:t>2025/7/11</a:t>
             </a:fld>
             <a:endParaRPr kumimoji="1" lang="ja-JP" altLang="en-US"/>
           </a:p>
@@ -4546,53 +4546,6 @@
       </p:pic>
       <p:cxnSp>
         <p:nvCxnSpPr>
-          <p:cNvPr id="5" name="直線矢印コネクタ 4">
-            <a:extLst>
-              <a:ext uri="{FF2B5EF4-FFF2-40B4-BE49-F238E27FC236}">
-                <a16:creationId xmlns:a16="http://schemas.microsoft.com/office/drawing/2014/main" id="{B9403753-B1E5-7F6C-8524-582F12F2A2F5}"/>
-              </a:ext>
-            </a:extLst>
-          </p:cNvPr>
-          <p:cNvCxnSpPr>
-            <a:cxnSpLocks/>
-          </p:cNvCxnSpPr>
-          <p:nvPr/>
-        </p:nvCxnSpPr>
-        <p:spPr>
-          <a:xfrm>
-            <a:off x="4057921" y="2143462"/>
-            <a:ext cx="0" cy="259079"/>
-          </a:xfrm>
-          <a:prstGeom prst="straightConnector1">
-            <a:avLst/>
-          </a:prstGeom>
-          <a:ln w="19050" cap="flat" cmpd="sng" algn="ctr">
-            <a:solidFill>
-              <a:schemeClr val="accent5"/>
-            </a:solidFill>
-            <a:prstDash val="solid"/>
-            <a:round/>
-            <a:headEnd type="arrow" w="med" len="med"/>
-            <a:tailEnd type="arrow" w="med" len="med"/>
-          </a:ln>
-        </p:spPr>
-        <p:style>
-          <a:lnRef idx="0">
-            <a:scrgbClr r="0" g="0" b="0"/>
-          </a:lnRef>
-          <a:fillRef idx="0">
-            <a:scrgbClr r="0" g="0" b="0"/>
-          </a:fillRef>
-          <a:effectRef idx="0">
-            <a:scrgbClr r="0" g="0" b="0"/>
-          </a:effectRef>
-          <a:fontRef idx="minor">
-            <a:schemeClr val="tx1"/>
-          </a:fontRef>
-        </p:style>
-      </p:cxnSp>
-      <p:cxnSp>
-        <p:nvCxnSpPr>
           <p:cNvPr id="7" name="直線矢印コネクタ 6">
             <a:extLst>
               <a:ext uri="{FF2B5EF4-FFF2-40B4-BE49-F238E27FC236}">
@@ -4672,7 +4625,7 @@
             </a:pPr>
             <a:r>
               <a:rPr lang="en-US" altLang="ja-JP" dirty="0"/>
-              <a:t>Expected value: maximum error ,500GWh in July</a:t>
+              <a:t>Expected value: maximum error ,2,500GWh in July</a:t>
             </a:r>
           </a:p>
           <a:p>
@@ -4857,6 +4810,96 @@
           </a:fontRef>
         </p:style>
       </p:cxnSp>
+      <p:sp>
+        <p:nvSpPr>
+          <p:cNvPr id="8" name="テキスト ボックス 7">
+            <a:extLst>
+              <a:ext uri="{FF2B5EF4-FFF2-40B4-BE49-F238E27FC236}">
+                <a16:creationId xmlns:a16="http://schemas.microsoft.com/office/drawing/2014/main" id="{C02E0ADB-89EF-53DB-CE2C-1A6F19603417}"/>
+              </a:ext>
+            </a:extLst>
+          </p:cNvPr>
+          <p:cNvSpPr txBox="1"/>
+          <p:nvPr/>
+        </p:nvSpPr>
+        <p:spPr>
+          <a:xfrm>
+            <a:off x="-340535" y="2143462"/>
+            <a:ext cx="3329758" cy="461665"/>
+          </a:xfrm>
+          <a:prstGeom prst="rect">
+            <a:avLst/>
+          </a:prstGeom>
+          <a:solidFill>
+            <a:schemeClr val="bg1"/>
+          </a:solidFill>
+          <a:ln>
+            <a:solidFill>
+              <a:srgbClr val="000000"/>
+            </a:solidFill>
+          </a:ln>
+        </p:spPr>
+        <p:txBody>
+          <a:bodyPr wrap="none" rtlCol="0">
+            <a:spAutoFit/>
+          </a:bodyPr>
+          <a:lstStyle/>
+          <a:p>
+            <a:pPr marL="171450" indent="-171450">
+              <a:buFont typeface="Arial" panose="020B0604020202020204" pitchFamily="34" charset="0"/>
+              <a:buChar char="•"/>
+            </a:pPr>
+            <a:r>
+              <a:rPr kumimoji="1" lang="en-US" altLang="ja-JP" sz="1200" dirty="0">
+                <a:solidFill>
+                  <a:srgbClr val="FF0000"/>
+                </a:solidFill>
+              </a:rPr>
+              <a:t>Calibration</a:t>
+            </a:r>
+            <a:r>
+              <a:rPr kumimoji="1" lang="ja-JP" altLang="en-US" sz="1200" dirty="0">
+                <a:solidFill>
+                  <a:srgbClr val="FF0000"/>
+                </a:solidFill>
+              </a:rPr>
+              <a:t>で</a:t>
+            </a:r>
+            <a:r>
+              <a:rPr kumimoji="1" lang="en-US" altLang="ja-JP" sz="1200" dirty="0">
+                <a:solidFill>
+                  <a:srgbClr val="FF0000"/>
+                </a:solidFill>
+              </a:rPr>
+              <a:t>2017FY~2023FY</a:t>
+            </a:r>
+            <a:r>
+              <a:rPr kumimoji="1" lang="ja-JP" altLang="en-US" sz="1200" dirty="0">
+                <a:solidFill>
+                  <a:srgbClr val="FF0000"/>
+                </a:solidFill>
+              </a:rPr>
+              <a:t>を使っている</a:t>
+            </a:r>
+            <a:endParaRPr kumimoji="1" lang="en-US" altLang="ja-JP" sz="1200" dirty="0">
+              <a:solidFill>
+                <a:srgbClr val="FF0000"/>
+              </a:solidFill>
+            </a:endParaRPr>
+          </a:p>
+          <a:p>
+            <a:pPr marL="171450" indent="-171450">
+              <a:buFont typeface="Arial" panose="020B0604020202020204" pitchFamily="34" charset="0"/>
+              <a:buChar char="•"/>
+            </a:pPr>
+            <a:endParaRPr kumimoji="1" lang="en-US" altLang="ja-JP" sz="1200" dirty="0">
+              <a:solidFill>
+                <a:srgbClr val="FF0000"/>
+              </a:solidFill>
+            </a:endParaRPr>
+          </a:p>
+        </p:txBody>
+      </p:sp>
     </p:spTree>
     <p:extLst>
       <p:ext uri="{BB962C8B-B14F-4D97-AF65-F5344CB8AC3E}">
@@ -4912,7 +4955,7 @@
           <a:p>
             <a:r>
               <a:rPr kumimoji="1" lang="en-US" altLang="ja-JP" dirty="0"/>
-              <a:t>Sensitivity analysis (temperature)</a:t>
+              <a:t>Sensitivity analysis in Tokyo (temperature using 2023FY)</a:t>
             </a:r>
             <a:br>
               <a:rPr kumimoji="1" lang="en-US" altLang="ja-JP" dirty="0"/>
@@ -5071,6 +5114,1433 @@
           </a:p>
         </p:txBody>
       </p:sp>
+      <p:graphicFrame>
+        <p:nvGraphicFramePr>
+          <p:cNvPr id="8" name="表 7">
+            <a:extLst>
+              <a:ext uri="{FF2B5EF4-FFF2-40B4-BE49-F238E27FC236}">
+                <a16:creationId xmlns:a16="http://schemas.microsoft.com/office/drawing/2014/main" id="{77619247-F629-74C7-E2B3-A3A4DBA5D10B}"/>
+              </a:ext>
+            </a:extLst>
+          </p:cNvPr>
+          <p:cNvGraphicFramePr>
+            <a:graphicFrameLocks noGrp="1"/>
+          </p:cNvGraphicFramePr>
+          <p:nvPr>
+            <p:extLst>
+              <p:ext uri="{D42A27DB-BD31-4B8C-83A1-F6EECF244321}">
+                <p14:modId xmlns:p14="http://schemas.microsoft.com/office/powerpoint/2010/main" val="2464759169"/>
+              </p:ext>
+            </p:extLst>
+          </p:nvPr>
+        </p:nvGraphicFramePr>
+        <p:xfrm>
+          <a:off x="9910655" y="725805"/>
+          <a:ext cx="2057400" cy="3141345"/>
+        </p:xfrm>
+        <a:graphic>
+          <a:graphicData uri="http://schemas.openxmlformats.org/drawingml/2006/table">
+            <a:tbl>
+              <a:tblPr>
+                <a:tableStyleId>{616DA210-FB5B-4158-B5E0-FEB733F419BA}</a:tableStyleId>
+              </a:tblPr>
+              <a:tblGrid>
+                <a:gridCol w="685800">
+                  <a:extLst>
+                    <a:ext uri="{9D8B030D-6E8A-4147-A177-3AD203B41FA5}">
+                      <a16:colId xmlns:a16="http://schemas.microsoft.com/office/drawing/2014/main" val="3707218435"/>
+                    </a:ext>
+                  </a:extLst>
+                </a:gridCol>
+                <a:gridCol w="685800">
+                  <a:extLst>
+                    <a:ext uri="{9D8B030D-6E8A-4147-A177-3AD203B41FA5}">
+                      <a16:colId xmlns:a16="http://schemas.microsoft.com/office/drawing/2014/main" val="2747086286"/>
+                    </a:ext>
+                  </a:extLst>
+                </a:gridCol>
+                <a:gridCol w="685800">
+                  <a:extLst>
+                    <a:ext uri="{9D8B030D-6E8A-4147-A177-3AD203B41FA5}">
+                      <a16:colId xmlns:a16="http://schemas.microsoft.com/office/drawing/2014/main" val="1850329862"/>
+                    </a:ext>
+                  </a:extLst>
+                </a:gridCol>
+              </a:tblGrid>
+              <a:tr h="238125">
+                <a:tc>
+                  <a:txBody>
+                    <a:bodyPr/>
+                    <a:lstStyle/>
+                    <a:p>
+                      <a:pPr algn="l" fontAlgn="ctr"/>
+                      <a:endParaRPr lang="ja-JP" altLang="en-US" sz="900" b="0" i="0" u="none" strike="noStrike" dirty="0">
+                        <a:solidFill>
+                          <a:srgbClr val="000000"/>
+                        </a:solidFill>
+                        <a:effectLst/>
+                        <a:latin typeface="游ゴシック" panose="020B0400000000000000" pitchFamily="50" charset="-128"/>
+                        <a:ea typeface="游ゴシック" panose="020B0400000000000000" pitchFamily="50" charset="-128"/>
+                      </a:endParaRPr>
+                    </a:p>
+                  </a:txBody>
+                  <a:tcPr marL="9525" marR="9525" marT="9525" marB="0" anchor="ctr"/>
+                </a:tc>
+                <a:tc>
+                  <a:txBody>
+                    <a:bodyPr/>
+                    <a:lstStyle/>
+                    <a:p>
+                      <a:pPr algn="l" fontAlgn="ctr"/>
+                      <a:r>
+                        <a:rPr lang="en-US" sz="900" b="0" u="none" strike="noStrike" dirty="0">
+                          <a:solidFill>
+                            <a:srgbClr val="000000"/>
+                          </a:solidFill>
+                          <a:effectLst/>
+                        </a:rPr>
+                        <a:t>demand</a:t>
+                      </a:r>
+                      <a:endParaRPr lang="en-US" sz="900" b="0" i="0" u="none" strike="noStrike" dirty="0">
+                        <a:solidFill>
+                          <a:srgbClr val="000000"/>
+                        </a:solidFill>
+                        <a:effectLst/>
+                        <a:latin typeface="游ゴシック" panose="020B0400000000000000" pitchFamily="50" charset="-128"/>
+                        <a:ea typeface="游ゴシック" panose="020B0400000000000000" pitchFamily="50" charset="-128"/>
+                      </a:endParaRPr>
+                    </a:p>
+                  </a:txBody>
+                  <a:tcPr marL="9525" marR="9525" marT="9525" marB="0" anchor="ctr"/>
+                </a:tc>
+                <a:tc>
+                  <a:txBody>
+                    <a:bodyPr/>
+                    <a:lstStyle/>
+                    <a:p>
+                      <a:pPr algn="l" fontAlgn="ctr"/>
+                      <a:r>
+                        <a:rPr lang="en-US" sz="900" b="0" u="none" strike="noStrike">
+                          <a:solidFill>
+                            <a:srgbClr val="000000"/>
+                          </a:solidFill>
+                          <a:effectLst/>
+                        </a:rPr>
+                        <a:t>residual demand</a:t>
+                      </a:r>
+                      <a:endParaRPr lang="en-US" sz="900" b="0" i="0" u="none" strike="noStrike">
+                        <a:solidFill>
+                          <a:srgbClr val="000000"/>
+                        </a:solidFill>
+                        <a:effectLst/>
+                        <a:latin typeface="游ゴシック" panose="020B0400000000000000" pitchFamily="50" charset="-128"/>
+                        <a:ea typeface="游ゴシック" panose="020B0400000000000000" pitchFamily="50" charset="-128"/>
+                      </a:endParaRPr>
+                    </a:p>
+                  </a:txBody>
+                  <a:tcPr marL="9525" marR="9525" marT="9525" marB="0" anchor="ctr"/>
+                </a:tc>
+                <a:extLst>
+                  <a:ext uri="{0D108BD9-81ED-4DB2-BD59-A6C34878D82A}">
+                    <a16:rowId xmlns:a16="http://schemas.microsoft.com/office/drawing/2014/main" val="2190293480"/>
+                  </a:ext>
+                </a:extLst>
+              </a:tr>
+              <a:tr h="238125">
+                <a:tc>
+                  <a:txBody>
+                    <a:bodyPr/>
+                    <a:lstStyle/>
+                    <a:p>
+                      <a:pPr algn="l" fontAlgn="ctr"/>
+                      <a:r>
+                        <a:rPr lang="en-US" sz="900" b="0" u="none" strike="noStrike">
+                          <a:solidFill>
+                            <a:srgbClr val="000000"/>
+                          </a:solidFill>
+                          <a:effectLst/>
+                        </a:rPr>
+                        <a:t>April</a:t>
+                      </a:r>
+                      <a:endParaRPr lang="en-US" sz="900" b="0" i="0" u="none" strike="noStrike">
+                        <a:solidFill>
+                          <a:srgbClr val="000000"/>
+                        </a:solidFill>
+                        <a:effectLst/>
+                        <a:latin typeface="游ゴシック" panose="020B0400000000000000" pitchFamily="50" charset="-128"/>
+                        <a:ea typeface="游ゴシック" panose="020B0400000000000000" pitchFamily="50" charset="-128"/>
+                      </a:endParaRPr>
+                    </a:p>
+                  </a:txBody>
+                  <a:tcPr marL="9525" marR="9525" marT="9525" marB="0" anchor="ctr"/>
+                </a:tc>
+                <a:tc>
+                  <a:txBody>
+                    <a:bodyPr/>
+                    <a:lstStyle/>
+                    <a:p>
+                      <a:pPr algn="r" fontAlgn="ctr"/>
+                      <a:r>
+                        <a:rPr lang="en-US" altLang="ja-JP" sz="900" b="0" u="none" strike="noStrike">
+                          <a:solidFill>
+                            <a:srgbClr val="000000"/>
+                          </a:solidFill>
+                          <a:effectLst/>
+                        </a:rPr>
+                        <a:t>-209.198</a:t>
+                      </a:r>
+                      <a:endParaRPr lang="en-US" altLang="ja-JP" sz="900" b="0" i="0" u="none" strike="noStrike">
+                        <a:solidFill>
+                          <a:srgbClr val="000000"/>
+                        </a:solidFill>
+                        <a:effectLst/>
+                        <a:latin typeface="游ゴシック" panose="020B0400000000000000" pitchFamily="50" charset="-128"/>
+                        <a:ea typeface="游ゴシック" panose="020B0400000000000000" pitchFamily="50" charset="-128"/>
+                      </a:endParaRPr>
+                    </a:p>
+                  </a:txBody>
+                  <a:tcPr marL="9525" marR="9525" marT="9525" marB="0" anchor="ctr"/>
+                </a:tc>
+                <a:tc>
+                  <a:txBody>
+                    <a:bodyPr/>
+                    <a:lstStyle/>
+                    <a:p>
+                      <a:pPr algn="r" fontAlgn="ctr"/>
+                      <a:r>
+                        <a:rPr lang="en-US" altLang="ja-JP" sz="900" b="0" u="none" strike="noStrike">
+                          <a:solidFill>
+                            <a:srgbClr val="000000"/>
+                          </a:solidFill>
+                          <a:effectLst/>
+                        </a:rPr>
+                        <a:t>-187.35</a:t>
+                      </a:r>
+                      <a:endParaRPr lang="en-US" altLang="ja-JP" sz="900" b="0" i="0" u="none" strike="noStrike">
+                        <a:solidFill>
+                          <a:srgbClr val="000000"/>
+                        </a:solidFill>
+                        <a:effectLst/>
+                        <a:latin typeface="游ゴシック" panose="020B0400000000000000" pitchFamily="50" charset="-128"/>
+                        <a:ea typeface="游ゴシック" panose="020B0400000000000000" pitchFamily="50" charset="-128"/>
+                      </a:endParaRPr>
+                    </a:p>
+                  </a:txBody>
+                  <a:tcPr marL="9525" marR="9525" marT="9525" marB="0" anchor="ctr"/>
+                </a:tc>
+                <a:extLst>
+                  <a:ext uri="{0D108BD9-81ED-4DB2-BD59-A6C34878D82A}">
+                    <a16:rowId xmlns:a16="http://schemas.microsoft.com/office/drawing/2014/main" val="1507093475"/>
+                  </a:ext>
+                </a:extLst>
+              </a:tr>
+              <a:tr h="238125">
+                <a:tc>
+                  <a:txBody>
+                    <a:bodyPr/>
+                    <a:lstStyle/>
+                    <a:p>
+                      <a:pPr algn="l" fontAlgn="ctr"/>
+                      <a:r>
+                        <a:rPr lang="en-US" sz="900" b="0" u="none" strike="noStrike">
+                          <a:solidFill>
+                            <a:srgbClr val="000000"/>
+                          </a:solidFill>
+                          <a:effectLst/>
+                        </a:rPr>
+                        <a:t>May</a:t>
+                      </a:r>
+                      <a:endParaRPr lang="en-US" sz="900" b="0" i="0" u="none" strike="noStrike">
+                        <a:solidFill>
+                          <a:srgbClr val="000000"/>
+                        </a:solidFill>
+                        <a:effectLst/>
+                        <a:latin typeface="游ゴシック" panose="020B0400000000000000" pitchFamily="50" charset="-128"/>
+                        <a:ea typeface="游ゴシック" panose="020B0400000000000000" pitchFamily="50" charset="-128"/>
+                      </a:endParaRPr>
+                    </a:p>
+                  </a:txBody>
+                  <a:tcPr marL="9525" marR="9525" marT="9525" marB="0" anchor="ctr"/>
+                </a:tc>
+                <a:tc>
+                  <a:txBody>
+                    <a:bodyPr/>
+                    <a:lstStyle/>
+                    <a:p>
+                      <a:pPr algn="r" fontAlgn="ctr"/>
+                      <a:r>
+                        <a:rPr lang="en-US" altLang="ja-JP" sz="900" b="0" u="none" strike="noStrike">
+                          <a:solidFill>
+                            <a:srgbClr val="000000"/>
+                          </a:solidFill>
+                          <a:effectLst/>
+                        </a:rPr>
+                        <a:t>86.73842</a:t>
+                      </a:r>
+                      <a:endParaRPr lang="en-US" altLang="ja-JP" sz="900" b="0" i="0" u="none" strike="noStrike">
+                        <a:solidFill>
+                          <a:srgbClr val="000000"/>
+                        </a:solidFill>
+                        <a:effectLst/>
+                        <a:latin typeface="游ゴシック" panose="020B0400000000000000" pitchFamily="50" charset="-128"/>
+                        <a:ea typeface="游ゴシック" panose="020B0400000000000000" pitchFamily="50" charset="-128"/>
+                      </a:endParaRPr>
+                    </a:p>
+                  </a:txBody>
+                  <a:tcPr marL="9525" marR="9525" marT="9525" marB="0" anchor="ctr"/>
+                </a:tc>
+                <a:tc>
+                  <a:txBody>
+                    <a:bodyPr/>
+                    <a:lstStyle/>
+                    <a:p>
+                      <a:pPr algn="r" fontAlgn="ctr"/>
+                      <a:r>
+                        <a:rPr lang="en-US" altLang="ja-JP" sz="900" b="0" u="none" strike="noStrike">
+                          <a:solidFill>
+                            <a:srgbClr val="000000"/>
+                          </a:solidFill>
+                          <a:effectLst/>
+                        </a:rPr>
+                        <a:t>29.66189</a:t>
+                      </a:r>
+                      <a:endParaRPr lang="en-US" altLang="ja-JP" sz="900" b="0" i="0" u="none" strike="noStrike">
+                        <a:solidFill>
+                          <a:srgbClr val="000000"/>
+                        </a:solidFill>
+                        <a:effectLst/>
+                        <a:latin typeface="游ゴシック" panose="020B0400000000000000" pitchFamily="50" charset="-128"/>
+                        <a:ea typeface="游ゴシック" panose="020B0400000000000000" pitchFamily="50" charset="-128"/>
+                      </a:endParaRPr>
+                    </a:p>
+                  </a:txBody>
+                  <a:tcPr marL="9525" marR="9525" marT="9525" marB="0" anchor="ctr"/>
+                </a:tc>
+                <a:extLst>
+                  <a:ext uri="{0D108BD9-81ED-4DB2-BD59-A6C34878D82A}">
+                    <a16:rowId xmlns:a16="http://schemas.microsoft.com/office/drawing/2014/main" val="3622096532"/>
+                  </a:ext>
+                </a:extLst>
+              </a:tr>
+              <a:tr h="238125">
+                <a:tc>
+                  <a:txBody>
+                    <a:bodyPr/>
+                    <a:lstStyle/>
+                    <a:p>
+                      <a:pPr algn="l" fontAlgn="ctr"/>
+                      <a:r>
+                        <a:rPr lang="en-US" sz="900" b="0" u="none" strike="noStrike">
+                          <a:solidFill>
+                            <a:srgbClr val="000000"/>
+                          </a:solidFill>
+                          <a:effectLst/>
+                        </a:rPr>
+                        <a:t>June</a:t>
+                      </a:r>
+                      <a:endParaRPr lang="en-US" sz="900" b="0" i="0" u="none" strike="noStrike">
+                        <a:solidFill>
+                          <a:srgbClr val="000000"/>
+                        </a:solidFill>
+                        <a:effectLst/>
+                        <a:latin typeface="游ゴシック" panose="020B0400000000000000" pitchFamily="50" charset="-128"/>
+                        <a:ea typeface="游ゴシック" panose="020B0400000000000000" pitchFamily="50" charset="-128"/>
+                      </a:endParaRPr>
+                    </a:p>
+                  </a:txBody>
+                  <a:tcPr marL="9525" marR="9525" marT="9525" marB="0" anchor="ctr"/>
+                </a:tc>
+                <a:tc>
+                  <a:txBody>
+                    <a:bodyPr/>
+                    <a:lstStyle/>
+                    <a:p>
+                      <a:pPr algn="r" fontAlgn="ctr"/>
+                      <a:r>
+                        <a:rPr lang="en-US" altLang="ja-JP" sz="900" b="0" u="none" strike="noStrike">
+                          <a:solidFill>
+                            <a:srgbClr val="000000"/>
+                          </a:solidFill>
+                          <a:effectLst/>
+                        </a:rPr>
+                        <a:t>359.653</a:t>
+                      </a:r>
+                      <a:endParaRPr lang="en-US" altLang="ja-JP" sz="900" b="0" i="0" u="none" strike="noStrike">
+                        <a:solidFill>
+                          <a:srgbClr val="000000"/>
+                        </a:solidFill>
+                        <a:effectLst/>
+                        <a:latin typeface="游ゴシック" panose="020B0400000000000000" pitchFamily="50" charset="-128"/>
+                        <a:ea typeface="游ゴシック" panose="020B0400000000000000" pitchFamily="50" charset="-128"/>
+                      </a:endParaRPr>
+                    </a:p>
+                  </a:txBody>
+                  <a:tcPr marL="9525" marR="9525" marT="9525" marB="0" anchor="ctr"/>
+                </a:tc>
+                <a:tc>
+                  <a:txBody>
+                    <a:bodyPr/>
+                    <a:lstStyle/>
+                    <a:p>
+                      <a:pPr algn="r" fontAlgn="ctr"/>
+                      <a:r>
+                        <a:rPr lang="en-US" altLang="ja-JP" sz="900" b="0" u="none" strike="noStrike" dirty="0">
+                          <a:solidFill>
+                            <a:srgbClr val="000000"/>
+                          </a:solidFill>
+                          <a:effectLst/>
+                        </a:rPr>
+                        <a:t>262.325</a:t>
+                      </a:r>
+                      <a:endParaRPr lang="en-US" altLang="ja-JP" sz="900" b="0" i="0" u="none" strike="noStrike" dirty="0">
+                        <a:solidFill>
+                          <a:srgbClr val="000000"/>
+                        </a:solidFill>
+                        <a:effectLst/>
+                        <a:latin typeface="游ゴシック" panose="020B0400000000000000" pitchFamily="50" charset="-128"/>
+                        <a:ea typeface="游ゴシック" panose="020B0400000000000000" pitchFamily="50" charset="-128"/>
+                      </a:endParaRPr>
+                    </a:p>
+                  </a:txBody>
+                  <a:tcPr marL="9525" marR="9525" marT="9525" marB="0" anchor="ctr"/>
+                </a:tc>
+                <a:extLst>
+                  <a:ext uri="{0D108BD9-81ED-4DB2-BD59-A6C34878D82A}">
+                    <a16:rowId xmlns:a16="http://schemas.microsoft.com/office/drawing/2014/main" val="2262093060"/>
+                  </a:ext>
+                </a:extLst>
+              </a:tr>
+              <a:tr h="238125">
+                <a:tc>
+                  <a:txBody>
+                    <a:bodyPr/>
+                    <a:lstStyle/>
+                    <a:p>
+                      <a:pPr algn="l" fontAlgn="ctr"/>
+                      <a:r>
+                        <a:rPr lang="en-US" sz="900" b="0" u="none" strike="noStrike">
+                          <a:solidFill>
+                            <a:srgbClr val="000000"/>
+                          </a:solidFill>
+                          <a:effectLst/>
+                        </a:rPr>
+                        <a:t>July</a:t>
+                      </a:r>
+                      <a:endParaRPr lang="en-US" sz="900" b="0" i="0" u="none" strike="noStrike">
+                        <a:solidFill>
+                          <a:srgbClr val="000000"/>
+                        </a:solidFill>
+                        <a:effectLst/>
+                        <a:latin typeface="游ゴシック" panose="020B0400000000000000" pitchFamily="50" charset="-128"/>
+                        <a:ea typeface="游ゴシック" panose="020B0400000000000000" pitchFamily="50" charset="-128"/>
+                      </a:endParaRPr>
+                    </a:p>
+                  </a:txBody>
+                  <a:tcPr marL="9525" marR="9525" marT="9525" marB="0" anchor="ctr"/>
+                </a:tc>
+                <a:tc>
+                  <a:txBody>
+                    <a:bodyPr/>
+                    <a:lstStyle/>
+                    <a:p>
+                      <a:pPr algn="r" fontAlgn="ctr"/>
+                      <a:r>
+                        <a:rPr lang="en-US" altLang="ja-JP" sz="900" b="0" u="none" strike="noStrike">
+                          <a:solidFill>
+                            <a:srgbClr val="000000"/>
+                          </a:solidFill>
+                          <a:effectLst/>
+                        </a:rPr>
+                        <a:t>861.9488</a:t>
+                      </a:r>
+                      <a:endParaRPr lang="en-US" altLang="ja-JP" sz="900" b="0" i="0" u="none" strike="noStrike">
+                        <a:solidFill>
+                          <a:srgbClr val="000000"/>
+                        </a:solidFill>
+                        <a:effectLst/>
+                        <a:latin typeface="游ゴシック" panose="020B0400000000000000" pitchFamily="50" charset="-128"/>
+                        <a:ea typeface="游ゴシック" panose="020B0400000000000000" pitchFamily="50" charset="-128"/>
+                      </a:endParaRPr>
+                    </a:p>
+                  </a:txBody>
+                  <a:tcPr marL="9525" marR="9525" marT="9525" marB="0" anchor="ctr"/>
+                </a:tc>
+                <a:tc>
+                  <a:txBody>
+                    <a:bodyPr/>
+                    <a:lstStyle/>
+                    <a:p>
+                      <a:pPr algn="r" fontAlgn="ctr"/>
+                      <a:r>
+                        <a:rPr lang="en-US" altLang="ja-JP" sz="900" b="0" u="none" strike="noStrike">
+                          <a:solidFill>
+                            <a:srgbClr val="000000"/>
+                          </a:solidFill>
+                          <a:effectLst/>
+                        </a:rPr>
+                        <a:t>677.427</a:t>
+                      </a:r>
+                      <a:endParaRPr lang="en-US" altLang="ja-JP" sz="900" b="0" i="0" u="none" strike="noStrike">
+                        <a:solidFill>
+                          <a:srgbClr val="000000"/>
+                        </a:solidFill>
+                        <a:effectLst/>
+                        <a:latin typeface="游ゴシック" panose="020B0400000000000000" pitchFamily="50" charset="-128"/>
+                        <a:ea typeface="游ゴシック" panose="020B0400000000000000" pitchFamily="50" charset="-128"/>
+                      </a:endParaRPr>
+                    </a:p>
+                  </a:txBody>
+                  <a:tcPr marL="9525" marR="9525" marT="9525" marB="0" anchor="ctr"/>
+                </a:tc>
+                <a:extLst>
+                  <a:ext uri="{0D108BD9-81ED-4DB2-BD59-A6C34878D82A}">
+                    <a16:rowId xmlns:a16="http://schemas.microsoft.com/office/drawing/2014/main" val="345200289"/>
+                  </a:ext>
+                </a:extLst>
+              </a:tr>
+              <a:tr h="238125">
+                <a:tc>
+                  <a:txBody>
+                    <a:bodyPr/>
+                    <a:lstStyle/>
+                    <a:p>
+                      <a:pPr algn="l" fontAlgn="ctr"/>
+                      <a:r>
+                        <a:rPr lang="en-US" sz="900" b="0" u="none" strike="noStrike">
+                          <a:solidFill>
+                            <a:srgbClr val="000000"/>
+                          </a:solidFill>
+                          <a:effectLst/>
+                        </a:rPr>
+                        <a:t>August</a:t>
+                      </a:r>
+                      <a:endParaRPr lang="en-US" sz="900" b="0" i="0" u="none" strike="noStrike">
+                        <a:solidFill>
+                          <a:srgbClr val="000000"/>
+                        </a:solidFill>
+                        <a:effectLst/>
+                        <a:latin typeface="游ゴシック" panose="020B0400000000000000" pitchFamily="50" charset="-128"/>
+                        <a:ea typeface="游ゴシック" panose="020B0400000000000000" pitchFamily="50" charset="-128"/>
+                      </a:endParaRPr>
+                    </a:p>
+                  </a:txBody>
+                  <a:tcPr marL="9525" marR="9525" marT="9525" marB="0" anchor="ctr"/>
+                </a:tc>
+                <a:tc>
+                  <a:txBody>
+                    <a:bodyPr/>
+                    <a:lstStyle/>
+                    <a:p>
+                      <a:pPr algn="r" fontAlgn="ctr"/>
+                      <a:r>
+                        <a:rPr lang="en-US" altLang="ja-JP" sz="900" b="0" u="none" strike="noStrike">
+                          <a:solidFill>
+                            <a:srgbClr val="000000"/>
+                          </a:solidFill>
+                          <a:effectLst/>
+                        </a:rPr>
+                        <a:t>836.7706</a:t>
+                      </a:r>
+                      <a:endParaRPr lang="en-US" altLang="ja-JP" sz="900" b="0" i="0" u="none" strike="noStrike">
+                        <a:solidFill>
+                          <a:srgbClr val="000000"/>
+                        </a:solidFill>
+                        <a:effectLst/>
+                        <a:latin typeface="游ゴシック" panose="020B0400000000000000" pitchFamily="50" charset="-128"/>
+                        <a:ea typeface="游ゴシック" panose="020B0400000000000000" pitchFamily="50" charset="-128"/>
+                      </a:endParaRPr>
+                    </a:p>
+                  </a:txBody>
+                  <a:tcPr marL="9525" marR="9525" marT="9525" marB="0" anchor="ctr"/>
+                </a:tc>
+                <a:tc>
+                  <a:txBody>
+                    <a:bodyPr/>
+                    <a:lstStyle/>
+                    <a:p>
+                      <a:pPr algn="r" fontAlgn="ctr"/>
+                      <a:r>
+                        <a:rPr lang="en-US" altLang="ja-JP" sz="900" b="0" u="none" strike="noStrike">
+                          <a:solidFill>
+                            <a:srgbClr val="000000"/>
+                          </a:solidFill>
+                          <a:effectLst/>
+                        </a:rPr>
+                        <a:t>647.7932</a:t>
+                      </a:r>
+                      <a:endParaRPr lang="en-US" altLang="ja-JP" sz="900" b="0" i="0" u="none" strike="noStrike">
+                        <a:solidFill>
+                          <a:srgbClr val="000000"/>
+                        </a:solidFill>
+                        <a:effectLst/>
+                        <a:latin typeface="游ゴシック" panose="020B0400000000000000" pitchFamily="50" charset="-128"/>
+                        <a:ea typeface="游ゴシック" panose="020B0400000000000000" pitchFamily="50" charset="-128"/>
+                      </a:endParaRPr>
+                    </a:p>
+                  </a:txBody>
+                  <a:tcPr marL="9525" marR="9525" marT="9525" marB="0" anchor="ctr"/>
+                </a:tc>
+                <a:extLst>
+                  <a:ext uri="{0D108BD9-81ED-4DB2-BD59-A6C34878D82A}">
+                    <a16:rowId xmlns:a16="http://schemas.microsoft.com/office/drawing/2014/main" val="2230133960"/>
+                  </a:ext>
+                </a:extLst>
+              </a:tr>
+              <a:tr h="238125">
+                <a:tc>
+                  <a:txBody>
+                    <a:bodyPr/>
+                    <a:lstStyle/>
+                    <a:p>
+                      <a:pPr algn="l" fontAlgn="ctr"/>
+                      <a:r>
+                        <a:rPr lang="en-US" sz="900" b="0" u="none" strike="noStrike">
+                          <a:solidFill>
+                            <a:srgbClr val="000000"/>
+                          </a:solidFill>
+                          <a:effectLst/>
+                        </a:rPr>
+                        <a:t>September</a:t>
+                      </a:r>
+                      <a:endParaRPr lang="en-US" sz="900" b="0" i="0" u="none" strike="noStrike">
+                        <a:solidFill>
+                          <a:srgbClr val="000000"/>
+                        </a:solidFill>
+                        <a:effectLst/>
+                        <a:latin typeface="游ゴシック" panose="020B0400000000000000" pitchFamily="50" charset="-128"/>
+                        <a:ea typeface="游ゴシック" panose="020B0400000000000000" pitchFamily="50" charset="-128"/>
+                      </a:endParaRPr>
+                    </a:p>
+                  </a:txBody>
+                  <a:tcPr marL="9525" marR="9525" marT="9525" marB="0" anchor="ctr"/>
+                </a:tc>
+                <a:tc>
+                  <a:txBody>
+                    <a:bodyPr/>
+                    <a:lstStyle/>
+                    <a:p>
+                      <a:pPr algn="r" fontAlgn="ctr"/>
+                      <a:r>
+                        <a:rPr lang="en-US" altLang="ja-JP" sz="900" b="0" u="none" strike="noStrike">
+                          <a:solidFill>
+                            <a:srgbClr val="000000"/>
+                          </a:solidFill>
+                          <a:effectLst/>
+                        </a:rPr>
+                        <a:t>667.6624</a:t>
+                      </a:r>
+                      <a:endParaRPr lang="en-US" altLang="ja-JP" sz="900" b="0" i="0" u="none" strike="noStrike">
+                        <a:solidFill>
+                          <a:srgbClr val="000000"/>
+                        </a:solidFill>
+                        <a:effectLst/>
+                        <a:latin typeface="游ゴシック" panose="020B0400000000000000" pitchFamily="50" charset="-128"/>
+                        <a:ea typeface="游ゴシック" panose="020B0400000000000000" pitchFamily="50" charset="-128"/>
+                      </a:endParaRPr>
+                    </a:p>
+                  </a:txBody>
+                  <a:tcPr marL="9525" marR="9525" marT="9525" marB="0" anchor="ctr"/>
+                </a:tc>
+                <a:tc>
+                  <a:txBody>
+                    <a:bodyPr/>
+                    <a:lstStyle/>
+                    <a:p>
+                      <a:pPr algn="r" fontAlgn="ctr"/>
+                      <a:r>
+                        <a:rPr lang="en-US" altLang="ja-JP" sz="900" b="0" u="none" strike="noStrike">
+                          <a:solidFill>
+                            <a:srgbClr val="000000"/>
+                          </a:solidFill>
+                          <a:effectLst/>
+                        </a:rPr>
+                        <a:t>605.0774</a:t>
+                      </a:r>
+                      <a:endParaRPr lang="en-US" altLang="ja-JP" sz="900" b="0" i="0" u="none" strike="noStrike">
+                        <a:solidFill>
+                          <a:srgbClr val="000000"/>
+                        </a:solidFill>
+                        <a:effectLst/>
+                        <a:latin typeface="游ゴシック" panose="020B0400000000000000" pitchFamily="50" charset="-128"/>
+                        <a:ea typeface="游ゴシック" panose="020B0400000000000000" pitchFamily="50" charset="-128"/>
+                      </a:endParaRPr>
+                    </a:p>
+                  </a:txBody>
+                  <a:tcPr marL="9525" marR="9525" marT="9525" marB="0" anchor="ctr"/>
+                </a:tc>
+                <a:extLst>
+                  <a:ext uri="{0D108BD9-81ED-4DB2-BD59-A6C34878D82A}">
+                    <a16:rowId xmlns:a16="http://schemas.microsoft.com/office/drawing/2014/main" val="3795367048"/>
+                  </a:ext>
+                </a:extLst>
+              </a:tr>
+              <a:tr h="238125">
+                <a:tc>
+                  <a:txBody>
+                    <a:bodyPr/>
+                    <a:lstStyle/>
+                    <a:p>
+                      <a:pPr algn="l" fontAlgn="ctr"/>
+                      <a:r>
+                        <a:rPr lang="en-US" sz="900" b="0" u="none" strike="noStrike">
+                          <a:solidFill>
+                            <a:srgbClr val="000000"/>
+                          </a:solidFill>
+                          <a:effectLst/>
+                        </a:rPr>
+                        <a:t>October</a:t>
+                      </a:r>
+                      <a:endParaRPr lang="en-US" sz="900" b="0" i="0" u="none" strike="noStrike">
+                        <a:solidFill>
+                          <a:srgbClr val="000000"/>
+                        </a:solidFill>
+                        <a:effectLst/>
+                        <a:latin typeface="游ゴシック" panose="020B0400000000000000" pitchFamily="50" charset="-128"/>
+                        <a:ea typeface="游ゴシック" panose="020B0400000000000000" pitchFamily="50" charset="-128"/>
+                      </a:endParaRPr>
+                    </a:p>
+                  </a:txBody>
+                  <a:tcPr marL="9525" marR="9525" marT="9525" marB="0" anchor="ctr"/>
+                </a:tc>
+                <a:tc>
+                  <a:txBody>
+                    <a:bodyPr/>
+                    <a:lstStyle/>
+                    <a:p>
+                      <a:pPr algn="r" fontAlgn="ctr"/>
+                      <a:r>
+                        <a:rPr lang="en-US" altLang="ja-JP" sz="900" b="0" u="none" strike="noStrike">
+                          <a:solidFill>
+                            <a:srgbClr val="000000"/>
+                          </a:solidFill>
+                          <a:effectLst/>
+                        </a:rPr>
+                        <a:t>104.5558</a:t>
+                      </a:r>
+                      <a:endParaRPr lang="en-US" altLang="ja-JP" sz="900" b="0" i="0" u="none" strike="noStrike">
+                        <a:solidFill>
+                          <a:srgbClr val="000000"/>
+                        </a:solidFill>
+                        <a:effectLst/>
+                        <a:latin typeface="游ゴシック" panose="020B0400000000000000" pitchFamily="50" charset="-128"/>
+                        <a:ea typeface="游ゴシック" panose="020B0400000000000000" pitchFamily="50" charset="-128"/>
+                      </a:endParaRPr>
+                    </a:p>
+                  </a:txBody>
+                  <a:tcPr marL="9525" marR="9525" marT="9525" marB="0" anchor="ctr"/>
+                </a:tc>
+                <a:tc>
+                  <a:txBody>
+                    <a:bodyPr/>
+                    <a:lstStyle/>
+                    <a:p>
+                      <a:pPr algn="r" fontAlgn="ctr"/>
+                      <a:r>
+                        <a:rPr lang="en-US" altLang="ja-JP" sz="900" b="0" u="none" strike="noStrike">
+                          <a:solidFill>
+                            <a:srgbClr val="000000"/>
+                          </a:solidFill>
+                          <a:effectLst/>
+                        </a:rPr>
+                        <a:t>142.3859</a:t>
+                      </a:r>
+                      <a:endParaRPr lang="en-US" altLang="ja-JP" sz="900" b="0" i="0" u="none" strike="noStrike">
+                        <a:solidFill>
+                          <a:srgbClr val="000000"/>
+                        </a:solidFill>
+                        <a:effectLst/>
+                        <a:latin typeface="游ゴシック" panose="020B0400000000000000" pitchFamily="50" charset="-128"/>
+                        <a:ea typeface="游ゴシック" panose="020B0400000000000000" pitchFamily="50" charset="-128"/>
+                      </a:endParaRPr>
+                    </a:p>
+                  </a:txBody>
+                  <a:tcPr marL="9525" marR="9525" marT="9525" marB="0" anchor="ctr"/>
+                </a:tc>
+                <a:extLst>
+                  <a:ext uri="{0D108BD9-81ED-4DB2-BD59-A6C34878D82A}">
+                    <a16:rowId xmlns:a16="http://schemas.microsoft.com/office/drawing/2014/main" val="1234805477"/>
+                  </a:ext>
+                </a:extLst>
+              </a:tr>
+              <a:tr h="238125">
+                <a:tc>
+                  <a:txBody>
+                    <a:bodyPr/>
+                    <a:lstStyle/>
+                    <a:p>
+                      <a:pPr algn="l" fontAlgn="ctr"/>
+                      <a:r>
+                        <a:rPr lang="en-US" sz="900" b="0" u="none" strike="noStrike">
+                          <a:solidFill>
+                            <a:srgbClr val="000000"/>
+                          </a:solidFill>
+                          <a:effectLst/>
+                        </a:rPr>
+                        <a:t>November</a:t>
+                      </a:r>
+                      <a:endParaRPr lang="en-US" sz="900" b="0" i="0" u="none" strike="noStrike">
+                        <a:solidFill>
+                          <a:srgbClr val="000000"/>
+                        </a:solidFill>
+                        <a:effectLst/>
+                        <a:latin typeface="游ゴシック" panose="020B0400000000000000" pitchFamily="50" charset="-128"/>
+                        <a:ea typeface="游ゴシック" panose="020B0400000000000000" pitchFamily="50" charset="-128"/>
+                      </a:endParaRPr>
+                    </a:p>
+                  </a:txBody>
+                  <a:tcPr marL="9525" marR="9525" marT="9525" marB="0" anchor="ctr"/>
+                </a:tc>
+                <a:tc>
+                  <a:txBody>
+                    <a:bodyPr/>
+                    <a:lstStyle/>
+                    <a:p>
+                      <a:pPr algn="r" fontAlgn="ctr"/>
+                      <a:r>
+                        <a:rPr lang="en-US" altLang="ja-JP" sz="900" b="0" u="none" strike="noStrike">
+                          <a:solidFill>
+                            <a:srgbClr val="000000"/>
+                          </a:solidFill>
+                          <a:effectLst/>
+                        </a:rPr>
+                        <a:t>-298.976</a:t>
+                      </a:r>
+                      <a:endParaRPr lang="en-US" altLang="ja-JP" sz="900" b="0" i="0" u="none" strike="noStrike">
+                        <a:solidFill>
+                          <a:srgbClr val="000000"/>
+                        </a:solidFill>
+                        <a:effectLst/>
+                        <a:latin typeface="游ゴシック" panose="020B0400000000000000" pitchFamily="50" charset="-128"/>
+                        <a:ea typeface="游ゴシック" panose="020B0400000000000000" pitchFamily="50" charset="-128"/>
+                      </a:endParaRPr>
+                    </a:p>
+                  </a:txBody>
+                  <a:tcPr marL="9525" marR="9525" marT="9525" marB="0" anchor="ctr"/>
+                </a:tc>
+                <a:tc>
+                  <a:txBody>
+                    <a:bodyPr/>
+                    <a:lstStyle/>
+                    <a:p>
+                      <a:pPr algn="r" fontAlgn="ctr"/>
+                      <a:r>
+                        <a:rPr lang="en-US" altLang="ja-JP" sz="900" b="0" u="none" strike="noStrike">
+                          <a:solidFill>
+                            <a:srgbClr val="000000"/>
+                          </a:solidFill>
+                          <a:effectLst/>
+                        </a:rPr>
+                        <a:t>-272.793</a:t>
+                      </a:r>
+                      <a:endParaRPr lang="en-US" altLang="ja-JP" sz="900" b="0" i="0" u="none" strike="noStrike">
+                        <a:solidFill>
+                          <a:srgbClr val="000000"/>
+                        </a:solidFill>
+                        <a:effectLst/>
+                        <a:latin typeface="游ゴシック" panose="020B0400000000000000" pitchFamily="50" charset="-128"/>
+                        <a:ea typeface="游ゴシック" panose="020B0400000000000000" pitchFamily="50" charset="-128"/>
+                      </a:endParaRPr>
+                    </a:p>
+                  </a:txBody>
+                  <a:tcPr marL="9525" marR="9525" marT="9525" marB="0" anchor="ctr"/>
+                </a:tc>
+                <a:extLst>
+                  <a:ext uri="{0D108BD9-81ED-4DB2-BD59-A6C34878D82A}">
+                    <a16:rowId xmlns:a16="http://schemas.microsoft.com/office/drawing/2014/main" val="3613916916"/>
+                  </a:ext>
+                </a:extLst>
+              </a:tr>
+              <a:tr h="238125">
+                <a:tc>
+                  <a:txBody>
+                    <a:bodyPr/>
+                    <a:lstStyle/>
+                    <a:p>
+                      <a:pPr algn="l" fontAlgn="ctr"/>
+                      <a:r>
+                        <a:rPr lang="en-US" sz="900" b="0" u="none" strike="noStrike">
+                          <a:solidFill>
+                            <a:srgbClr val="000000"/>
+                          </a:solidFill>
+                          <a:effectLst/>
+                        </a:rPr>
+                        <a:t>December</a:t>
+                      </a:r>
+                      <a:endParaRPr lang="en-US" sz="900" b="0" i="0" u="none" strike="noStrike">
+                        <a:solidFill>
+                          <a:srgbClr val="000000"/>
+                        </a:solidFill>
+                        <a:effectLst/>
+                        <a:latin typeface="游ゴシック" panose="020B0400000000000000" pitchFamily="50" charset="-128"/>
+                        <a:ea typeface="游ゴシック" panose="020B0400000000000000" pitchFamily="50" charset="-128"/>
+                      </a:endParaRPr>
+                    </a:p>
+                  </a:txBody>
+                  <a:tcPr marL="9525" marR="9525" marT="9525" marB="0" anchor="ctr"/>
+                </a:tc>
+                <a:tc>
+                  <a:txBody>
+                    <a:bodyPr/>
+                    <a:lstStyle/>
+                    <a:p>
+                      <a:pPr algn="r" fontAlgn="ctr"/>
+                      <a:r>
+                        <a:rPr lang="en-US" altLang="ja-JP" sz="900" b="0" u="none" strike="noStrike">
+                          <a:solidFill>
+                            <a:srgbClr val="000000"/>
+                          </a:solidFill>
+                          <a:effectLst/>
+                        </a:rPr>
+                        <a:t>-567.643</a:t>
+                      </a:r>
+                      <a:endParaRPr lang="en-US" altLang="ja-JP" sz="900" b="0" i="0" u="none" strike="noStrike">
+                        <a:solidFill>
+                          <a:srgbClr val="000000"/>
+                        </a:solidFill>
+                        <a:effectLst/>
+                        <a:latin typeface="游ゴシック" panose="020B0400000000000000" pitchFamily="50" charset="-128"/>
+                        <a:ea typeface="游ゴシック" panose="020B0400000000000000" pitchFamily="50" charset="-128"/>
+                      </a:endParaRPr>
+                    </a:p>
+                  </a:txBody>
+                  <a:tcPr marL="9525" marR="9525" marT="9525" marB="0" anchor="ctr"/>
+                </a:tc>
+                <a:tc>
+                  <a:txBody>
+                    <a:bodyPr/>
+                    <a:lstStyle/>
+                    <a:p>
+                      <a:pPr algn="r" fontAlgn="ctr"/>
+                      <a:r>
+                        <a:rPr lang="en-US" altLang="ja-JP" sz="900" b="0" u="none" strike="noStrike">
+                          <a:solidFill>
+                            <a:srgbClr val="000000"/>
+                          </a:solidFill>
+                          <a:effectLst/>
+                        </a:rPr>
+                        <a:t>-515.624</a:t>
+                      </a:r>
+                      <a:endParaRPr lang="en-US" altLang="ja-JP" sz="900" b="0" i="0" u="none" strike="noStrike">
+                        <a:solidFill>
+                          <a:srgbClr val="000000"/>
+                        </a:solidFill>
+                        <a:effectLst/>
+                        <a:latin typeface="游ゴシック" panose="020B0400000000000000" pitchFamily="50" charset="-128"/>
+                        <a:ea typeface="游ゴシック" panose="020B0400000000000000" pitchFamily="50" charset="-128"/>
+                      </a:endParaRPr>
+                    </a:p>
+                  </a:txBody>
+                  <a:tcPr marL="9525" marR="9525" marT="9525" marB="0" anchor="ctr"/>
+                </a:tc>
+                <a:extLst>
+                  <a:ext uri="{0D108BD9-81ED-4DB2-BD59-A6C34878D82A}">
+                    <a16:rowId xmlns:a16="http://schemas.microsoft.com/office/drawing/2014/main" val="3649235054"/>
+                  </a:ext>
+                </a:extLst>
+              </a:tr>
+              <a:tr h="238125">
+                <a:tc>
+                  <a:txBody>
+                    <a:bodyPr/>
+                    <a:lstStyle/>
+                    <a:p>
+                      <a:pPr algn="l" fontAlgn="ctr"/>
+                      <a:r>
+                        <a:rPr lang="en-US" sz="900" b="0" u="none" strike="noStrike">
+                          <a:solidFill>
+                            <a:srgbClr val="000000"/>
+                          </a:solidFill>
+                          <a:effectLst/>
+                        </a:rPr>
+                        <a:t>January</a:t>
+                      </a:r>
+                      <a:endParaRPr lang="en-US" sz="900" b="0" i="0" u="none" strike="noStrike">
+                        <a:solidFill>
+                          <a:srgbClr val="000000"/>
+                        </a:solidFill>
+                        <a:effectLst/>
+                        <a:latin typeface="游ゴシック" panose="020B0400000000000000" pitchFamily="50" charset="-128"/>
+                        <a:ea typeface="游ゴシック" panose="020B0400000000000000" pitchFamily="50" charset="-128"/>
+                      </a:endParaRPr>
+                    </a:p>
+                  </a:txBody>
+                  <a:tcPr marL="9525" marR="9525" marT="9525" marB="0" anchor="ctr"/>
+                </a:tc>
+                <a:tc>
+                  <a:txBody>
+                    <a:bodyPr/>
+                    <a:lstStyle/>
+                    <a:p>
+                      <a:pPr algn="r" fontAlgn="ctr"/>
+                      <a:r>
+                        <a:rPr lang="en-US" altLang="ja-JP" sz="900" b="0" u="none" strike="noStrike">
+                          <a:solidFill>
+                            <a:srgbClr val="000000"/>
+                          </a:solidFill>
+                          <a:effectLst/>
+                        </a:rPr>
+                        <a:t>-558.824</a:t>
+                      </a:r>
+                      <a:endParaRPr lang="en-US" altLang="ja-JP" sz="900" b="0" i="0" u="none" strike="noStrike">
+                        <a:solidFill>
+                          <a:srgbClr val="000000"/>
+                        </a:solidFill>
+                        <a:effectLst/>
+                        <a:latin typeface="游ゴシック" panose="020B0400000000000000" pitchFamily="50" charset="-128"/>
+                        <a:ea typeface="游ゴシック" panose="020B0400000000000000" pitchFamily="50" charset="-128"/>
+                      </a:endParaRPr>
+                    </a:p>
+                  </a:txBody>
+                  <a:tcPr marL="9525" marR="9525" marT="9525" marB="0" anchor="ctr"/>
+                </a:tc>
+                <a:tc>
+                  <a:txBody>
+                    <a:bodyPr/>
+                    <a:lstStyle/>
+                    <a:p>
+                      <a:pPr algn="r" fontAlgn="ctr"/>
+                      <a:r>
+                        <a:rPr lang="en-US" altLang="ja-JP" sz="900" b="0" u="none" strike="noStrike">
+                          <a:solidFill>
+                            <a:srgbClr val="000000"/>
+                          </a:solidFill>
+                          <a:effectLst/>
+                        </a:rPr>
+                        <a:t>-525.594</a:t>
+                      </a:r>
+                      <a:endParaRPr lang="en-US" altLang="ja-JP" sz="900" b="0" i="0" u="none" strike="noStrike">
+                        <a:solidFill>
+                          <a:srgbClr val="000000"/>
+                        </a:solidFill>
+                        <a:effectLst/>
+                        <a:latin typeface="游ゴシック" panose="020B0400000000000000" pitchFamily="50" charset="-128"/>
+                        <a:ea typeface="游ゴシック" panose="020B0400000000000000" pitchFamily="50" charset="-128"/>
+                      </a:endParaRPr>
+                    </a:p>
+                  </a:txBody>
+                  <a:tcPr marL="9525" marR="9525" marT="9525" marB="0" anchor="ctr"/>
+                </a:tc>
+                <a:extLst>
+                  <a:ext uri="{0D108BD9-81ED-4DB2-BD59-A6C34878D82A}">
+                    <a16:rowId xmlns:a16="http://schemas.microsoft.com/office/drawing/2014/main" val="648366965"/>
+                  </a:ext>
+                </a:extLst>
+              </a:tr>
+              <a:tr h="238125">
+                <a:tc>
+                  <a:txBody>
+                    <a:bodyPr/>
+                    <a:lstStyle/>
+                    <a:p>
+                      <a:pPr algn="l" fontAlgn="ctr"/>
+                      <a:r>
+                        <a:rPr lang="en-US" sz="900" b="0" u="none" strike="noStrike">
+                          <a:solidFill>
+                            <a:srgbClr val="000000"/>
+                          </a:solidFill>
+                          <a:effectLst/>
+                        </a:rPr>
+                        <a:t>February</a:t>
+                      </a:r>
+                      <a:endParaRPr lang="en-US" sz="900" b="0" i="0" u="none" strike="noStrike">
+                        <a:solidFill>
+                          <a:srgbClr val="000000"/>
+                        </a:solidFill>
+                        <a:effectLst/>
+                        <a:latin typeface="游ゴシック" panose="020B0400000000000000" pitchFamily="50" charset="-128"/>
+                        <a:ea typeface="游ゴシック" panose="020B0400000000000000" pitchFamily="50" charset="-128"/>
+                      </a:endParaRPr>
+                    </a:p>
+                  </a:txBody>
+                  <a:tcPr marL="9525" marR="9525" marT="9525" marB="0" anchor="ctr"/>
+                </a:tc>
+                <a:tc>
+                  <a:txBody>
+                    <a:bodyPr/>
+                    <a:lstStyle/>
+                    <a:p>
+                      <a:pPr algn="r" fontAlgn="ctr"/>
+                      <a:r>
+                        <a:rPr lang="en-US" altLang="ja-JP" sz="900" b="0" u="none" strike="noStrike">
+                          <a:solidFill>
+                            <a:srgbClr val="000000"/>
+                          </a:solidFill>
+                          <a:effectLst/>
+                        </a:rPr>
+                        <a:t>-491.588</a:t>
+                      </a:r>
+                      <a:endParaRPr lang="en-US" altLang="ja-JP" sz="900" b="0" i="0" u="none" strike="noStrike">
+                        <a:solidFill>
+                          <a:srgbClr val="000000"/>
+                        </a:solidFill>
+                        <a:effectLst/>
+                        <a:latin typeface="游ゴシック" panose="020B0400000000000000" pitchFamily="50" charset="-128"/>
+                        <a:ea typeface="游ゴシック" panose="020B0400000000000000" pitchFamily="50" charset="-128"/>
+                      </a:endParaRPr>
+                    </a:p>
+                  </a:txBody>
+                  <a:tcPr marL="9525" marR="9525" marT="9525" marB="0" anchor="ctr"/>
+                </a:tc>
+                <a:tc>
+                  <a:txBody>
+                    <a:bodyPr/>
+                    <a:lstStyle/>
+                    <a:p>
+                      <a:pPr algn="r" fontAlgn="ctr"/>
+                      <a:r>
+                        <a:rPr lang="en-US" altLang="ja-JP" sz="900" b="0" u="none" strike="noStrike">
+                          <a:solidFill>
+                            <a:srgbClr val="000000"/>
+                          </a:solidFill>
+                          <a:effectLst/>
+                        </a:rPr>
+                        <a:t>-464.035</a:t>
+                      </a:r>
+                      <a:endParaRPr lang="en-US" altLang="ja-JP" sz="900" b="0" i="0" u="none" strike="noStrike">
+                        <a:solidFill>
+                          <a:srgbClr val="000000"/>
+                        </a:solidFill>
+                        <a:effectLst/>
+                        <a:latin typeface="游ゴシック" panose="020B0400000000000000" pitchFamily="50" charset="-128"/>
+                        <a:ea typeface="游ゴシック" panose="020B0400000000000000" pitchFamily="50" charset="-128"/>
+                      </a:endParaRPr>
+                    </a:p>
+                  </a:txBody>
+                  <a:tcPr marL="9525" marR="9525" marT="9525" marB="0" anchor="ctr"/>
+                </a:tc>
+                <a:extLst>
+                  <a:ext uri="{0D108BD9-81ED-4DB2-BD59-A6C34878D82A}">
+                    <a16:rowId xmlns:a16="http://schemas.microsoft.com/office/drawing/2014/main" val="1005645983"/>
+                  </a:ext>
+                </a:extLst>
+              </a:tr>
+              <a:tr h="238125">
+                <a:tc>
+                  <a:txBody>
+                    <a:bodyPr/>
+                    <a:lstStyle/>
+                    <a:p>
+                      <a:pPr algn="l" fontAlgn="ctr"/>
+                      <a:r>
+                        <a:rPr lang="en-US" sz="900" b="0" u="none" strike="noStrike">
+                          <a:solidFill>
+                            <a:srgbClr val="000000"/>
+                          </a:solidFill>
+                          <a:effectLst/>
+                        </a:rPr>
+                        <a:t>March</a:t>
+                      </a:r>
+                      <a:endParaRPr lang="en-US" sz="900" b="0" i="0" u="none" strike="noStrike">
+                        <a:solidFill>
+                          <a:srgbClr val="000000"/>
+                        </a:solidFill>
+                        <a:effectLst/>
+                        <a:latin typeface="游ゴシック" panose="020B0400000000000000" pitchFamily="50" charset="-128"/>
+                        <a:ea typeface="游ゴシック" panose="020B0400000000000000" pitchFamily="50" charset="-128"/>
+                      </a:endParaRPr>
+                    </a:p>
+                  </a:txBody>
+                  <a:tcPr marL="9525" marR="9525" marT="9525" marB="0" anchor="ctr"/>
+                </a:tc>
+                <a:tc>
+                  <a:txBody>
+                    <a:bodyPr/>
+                    <a:lstStyle/>
+                    <a:p>
+                      <a:pPr algn="r" fontAlgn="ctr"/>
+                      <a:r>
+                        <a:rPr lang="en-US" altLang="ja-JP" sz="900" b="0" u="none" strike="noStrike" dirty="0">
+                          <a:solidFill>
+                            <a:srgbClr val="000000"/>
+                          </a:solidFill>
+                          <a:effectLst/>
+                        </a:rPr>
+                        <a:t>-476.025</a:t>
+                      </a:r>
+                      <a:endParaRPr lang="en-US" altLang="ja-JP" sz="900" b="0" i="0" u="none" strike="noStrike" dirty="0">
+                        <a:solidFill>
+                          <a:srgbClr val="000000"/>
+                        </a:solidFill>
+                        <a:effectLst/>
+                        <a:latin typeface="游ゴシック" panose="020B0400000000000000" pitchFamily="50" charset="-128"/>
+                        <a:ea typeface="游ゴシック" panose="020B0400000000000000" pitchFamily="50" charset="-128"/>
+                      </a:endParaRPr>
+                    </a:p>
+                  </a:txBody>
+                  <a:tcPr marL="9525" marR="9525" marT="9525" marB="0" anchor="ctr"/>
+                </a:tc>
+                <a:tc>
+                  <a:txBody>
+                    <a:bodyPr/>
+                    <a:lstStyle/>
+                    <a:p>
+                      <a:pPr algn="r" fontAlgn="ctr"/>
+                      <a:r>
+                        <a:rPr lang="en-US" altLang="ja-JP" sz="900" b="0" u="none" strike="noStrike" dirty="0">
+                          <a:solidFill>
+                            <a:srgbClr val="000000"/>
+                          </a:solidFill>
+                          <a:effectLst/>
+                        </a:rPr>
+                        <a:t>-481.716</a:t>
+                      </a:r>
+                      <a:endParaRPr lang="en-US" altLang="ja-JP" sz="900" b="0" i="0" u="none" strike="noStrike" dirty="0">
+                        <a:solidFill>
+                          <a:srgbClr val="000000"/>
+                        </a:solidFill>
+                        <a:effectLst/>
+                        <a:latin typeface="游ゴシック" panose="020B0400000000000000" pitchFamily="50" charset="-128"/>
+                        <a:ea typeface="游ゴシック" panose="020B0400000000000000" pitchFamily="50" charset="-128"/>
+                      </a:endParaRPr>
+                    </a:p>
+                  </a:txBody>
+                  <a:tcPr marL="9525" marR="9525" marT="9525" marB="0" anchor="ctr"/>
+                </a:tc>
+                <a:extLst>
+                  <a:ext uri="{0D108BD9-81ED-4DB2-BD59-A6C34878D82A}">
+                    <a16:rowId xmlns:a16="http://schemas.microsoft.com/office/drawing/2014/main" val="2583745575"/>
+                  </a:ext>
+                </a:extLst>
+              </a:tr>
+            </a:tbl>
+          </a:graphicData>
+        </a:graphic>
+      </p:graphicFrame>
+      <p:sp>
+        <p:nvSpPr>
+          <p:cNvPr id="9" name="テキスト ボックス 8">
+            <a:extLst>
+              <a:ext uri="{FF2B5EF4-FFF2-40B4-BE49-F238E27FC236}">
+                <a16:creationId xmlns:a16="http://schemas.microsoft.com/office/drawing/2014/main" id="{2F1B50CC-724D-A933-9455-F837ACC7832C}"/>
+              </a:ext>
+            </a:extLst>
+          </p:cNvPr>
+          <p:cNvSpPr txBox="1"/>
+          <p:nvPr/>
+        </p:nvSpPr>
+        <p:spPr>
+          <a:xfrm>
+            <a:off x="-474147" y="3778012"/>
+            <a:ext cx="6853158" cy="1200329"/>
+          </a:xfrm>
+          <a:prstGeom prst="rect">
+            <a:avLst/>
+          </a:prstGeom>
+          <a:solidFill>
+            <a:schemeClr val="bg1"/>
+          </a:solidFill>
+          <a:ln>
+            <a:solidFill>
+              <a:srgbClr val="000000"/>
+            </a:solidFill>
+          </a:ln>
+        </p:spPr>
+        <p:txBody>
+          <a:bodyPr wrap="none" rtlCol="0">
+            <a:spAutoFit/>
+          </a:bodyPr>
+          <a:lstStyle/>
+          <a:p>
+            <a:pPr marL="171450" indent="-171450">
+              <a:buFont typeface="Arial" panose="020B0604020202020204" pitchFamily="34" charset="0"/>
+              <a:buChar char="•"/>
+            </a:pPr>
+            <a:r>
+              <a:rPr kumimoji="1" lang="ja-JP" altLang="en-US" sz="1200" dirty="0">
+                <a:solidFill>
+                  <a:srgbClr val="FF0000"/>
+                </a:solidFill>
+              </a:rPr>
+              <a:t>これはモデルの感応度→</a:t>
+            </a:r>
+            <a:r>
+              <a:rPr kumimoji="1" lang="en-US" altLang="ja-JP" sz="1200" dirty="0">
+                <a:solidFill>
+                  <a:srgbClr val="FF0000"/>
+                </a:solidFill>
+              </a:rPr>
+              <a:t>Generation</a:t>
+            </a:r>
+            <a:r>
+              <a:rPr kumimoji="1" lang="ja-JP" altLang="en-US" sz="1200" dirty="0">
+                <a:solidFill>
+                  <a:srgbClr val="FF0000"/>
+                </a:solidFill>
+              </a:rPr>
+              <a:t>まではいった結果はモデルの出力として欲しい</a:t>
+            </a:r>
+            <a:endParaRPr kumimoji="1" lang="en-US" altLang="ja-JP" sz="1200" dirty="0">
+              <a:solidFill>
+                <a:srgbClr val="FF0000"/>
+              </a:solidFill>
+            </a:endParaRPr>
+          </a:p>
+          <a:p>
+            <a:pPr marL="171450" indent="-171450">
+              <a:buFont typeface="Arial" panose="020B0604020202020204" pitchFamily="34" charset="0"/>
+              <a:buChar char="•"/>
+            </a:pPr>
+            <a:r>
+              <a:rPr kumimoji="1" lang="en-US" altLang="ja-JP" sz="1200" dirty="0">
+                <a:solidFill>
+                  <a:srgbClr val="FF0000"/>
+                </a:solidFill>
+                <a:highlight>
+                  <a:srgbClr val="FFFF00"/>
+                </a:highlight>
+              </a:rPr>
+              <a:t>Demand</a:t>
+            </a:r>
+            <a:r>
+              <a:rPr kumimoji="1" lang="ja-JP" altLang="en-US" sz="1200" dirty="0">
+                <a:solidFill>
+                  <a:srgbClr val="FF0000"/>
+                </a:solidFill>
+                <a:highlight>
+                  <a:srgbClr val="FFFF00"/>
+                </a:highlight>
+              </a:rPr>
+              <a:t>までであれば、実績の感応度が欲しい（これは常に</a:t>
+            </a:r>
+            <a:r>
+              <a:rPr kumimoji="1" lang="en-US" altLang="ja-JP" sz="1200" dirty="0">
+                <a:solidFill>
+                  <a:srgbClr val="FF0000"/>
+                </a:solidFill>
+                <a:highlight>
+                  <a:srgbClr val="FFFF00"/>
+                </a:highlight>
+              </a:rPr>
+              <a:t>Appendix</a:t>
+            </a:r>
+            <a:r>
+              <a:rPr kumimoji="1" lang="ja-JP" altLang="en-US" sz="1200" dirty="0">
+                <a:solidFill>
+                  <a:srgbClr val="FF0000"/>
+                </a:solidFill>
+                <a:highlight>
+                  <a:srgbClr val="FFFF00"/>
+                </a:highlight>
+              </a:rPr>
+              <a:t>にいれておく）</a:t>
+            </a:r>
+            <a:br>
+              <a:rPr kumimoji="1" lang="en-US" altLang="ja-JP" sz="1200" dirty="0">
+                <a:solidFill>
+                  <a:srgbClr val="FF0000"/>
+                </a:solidFill>
+                <a:highlight>
+                  <a:srgbClr val="FFFF00"/>
+                </a:highlight>
+              </a:rPr>
+            </a:br>
+            <a:r>
+              <a:rPr kumimoji="1" lang="ja-JP" altLang="en-US" sz="1200" dirty="0">
+                <a:solidFill>
+                  <a:srgbClr val="FF0000"/>
+                </a:solidFill>
+                <a:highlight>
+                  <a:srgbClr val="FFFF00"/>
+                </a:highlight>
+              </a:rPr>
+              <a:t>→　需要、残余需要</a:t>
+            </a:r>
+            <a:br>
+              <a:rPr lang="en-US" altLang="ja-JP" sz="1200" dirty="0">
+                <a:solidFill>
+                  <a:srgbClr val="FF0000"/>
+                </a:solidFill>
+                <a:highlight>
+                  <a:srgbClr val="FFFF00"/>
+                </a:highlight>
+              </a:rPr>
+            </a:br>
+            <a:r>
+              <a:rPr lang="ja-JP" altLang="en-US" sz="1200" dirty="0">
+                <a:solidFill>
+                  <a:srgbClr val="FF0000"/>
+                </a:solidFill>
+                <a:highlight>
+                  <a:srgbClr val="FFFF00"/>
+                </a:highlight>
+              </a:rPr>
+              <a:t>→　期間　（コロナに注意）</a:t>
+            </a:r>
+            <a:br>
+              <a:rPr lang="en-US" altLang="ja-JP" sz="1200" dirty="0">
+                <a:solidFill>
+                  <a:srgbClr val="FF0000"/>
+                </a:solidFill>
+                <a:highlight>
+                  <a:srgbClr val="FFFF00"/>
+                </a:highlight>
+              </a:rPr>
+            </a:br>
+            <a:r>
+              <a:rPr lang="ja-JP" altLang="en-US" sz="1200" dirty="0">
+                <a:solidFill>
+                  <a:srgbClr val="FF0000"/>
+                </a:solidFill>
+                <a:highlight>
+                  <a:srgbClr val="FFFF00"/>
+                </a:highlight>
+              </a:rPr>
+              <a:t>→　学習期間が</a:t>
+            </a:r>
+            <a:r>
+              <a:rPr lang="en-US" altLang="ja-JP" sz="1200" dirty="0">
+                <a:solidFill>
+                  <a:srgbClr val="FF0000"/>
+                </a:solidFill>
+                <a:highlight>
+                  <a:srgbClr val="FFFF00"/>
+                </a:highlight>
+              </a:rPr>
+              <a:t>2017</a:t>
+            </a:r>
+            <a:r>
+              <a:rPr lang="ja-JP" altLang="en-US" sz="1200" dirty="0">
+                <a:solidFill>
+                  <a:srgbClr val="FF0000"/>
+                </a:solidFill>
+                <a:highlight>
+                  <a:srgbClr val="FFFF00"/>
+                </a:highlight>
+              </a:rPr>
+              <a:t>になっているのはなんで？→データない？最近のトレンドを捕らえたい？</a:t>
+            </a:r>
+            <a:br>
+              <a:rPr lang="en-US" altLang="ja-JP" sz="1200" dirty="0">
+                <a:solidFill>
+                  <a:srgbClr val="FF0000"/>
+                </a:solidFill>
+                <a:highlight>
+                  <a:srgbClr val="FFFF00"/>
+                </a:highlight>
+              </a:rPr>
+            </a:br>
+            <a:r>
+              <a:rPr lang="ja-JP" altLang="en-US" sz="1200" dirty="0">
+                <a:solidFill>
+                  <a:srgbClr val="FF0000"/>
+                </a:solidFill>
+                <a:highlight>
+                  <a:srgbClr val="FFFF00"/>
+                </a:highlight>
+              </a:rPr>
+              <a:t>→　月ではなく週ごとにみてデータ点をふやすのもありか</a:t>
+            </a:r>
+            <a:endParaRPr kumimoji="1" lang="en-US" altLang="ja-JP" sz="1200" dirty="0">
+              <a:solidFill>
+                <a:srgbClr val="FF0000"/>
+              </a:solidFill>
+              <a:highlight>
+                <a:srgbClr val="FFFF00"/>
+              </a:highlight>
+            </a:endParaRPr>
+          </a:p>
+        </p:txBody>
+      </p:sp>
     </p:spTree>
     <p:extLst>
       <p:ext uri="{BB962C8B-B14F-4D97-AF65-F5344CB8AC3E}">
@@ -5267,15 +6737,14 @@
             <a:pPr lvl="1"/>
             <a:r>
               <a:rPr lang="en-US" altLang="ja-JP" dirty="0"/>
-              <a:t>Need discussion with </a:t>
-            </a:r>
-            <a:r>
-              <a:rPr lang="en-US" altLang="ja-JP"/>
-              <a:t>Fuel Optimization </a:t>
-            </a:r>
+              <a:t>Need discussion with Fuel Optimization Unit?</a:t>
+            </a:r>
+          </a:p>
+          <a:p>
+            <a:pPr lvl="2"/>
             <a:r>
               <a:rPr lang="en-US" altLang="ja-JP" dirty="0"/>
-              <a:t>Unit?</a:t>
+              <a:t>Fuel / unit is needed </a:t>
             </a:r>
             <a:endParaRPr lang="ja-JP" altLang="en-US" dirty="0"/>
           </a:p>
@@ -6382,21 +7851,6 @@
 </file>
 
 <file path=customXml/item1.xml><?xml version="1.0" encoding="utf-8"?>
-<?mso-contentType ?>
-<FormTemplates xmlns="http://schemas.microsoft.com/sharepoint/v3/contenttype/forms">
-  <Display>DocumentLibraryForm</Display>
-  <Edit>DocumentLibraryForm</Edit>
-  <New>DocumentLibraryForm</New>
-</FormTemplates>
-</file>
-
-<file path=customXml/item2.xml><?xml version="1.0" encoding="utf-8"?>
-<p:properties xmlns:p="http://schemas.microsoft.com/office/2006/metadata/properties" xmlns:xsi="http://www.w3.org/2001/XMLSchema-instance" xmlns:pc="http://schemas.microsoft.com/office/infopath/2007/PartnerControls">
-  <documentManagement/>
-</p:properties>
-</file>
-
-<file path=customXml/item3.xml><?xml version="1.0" encoding="utf-8"?>
 <ct:contentTypeSchema xmlns:ct="http://schemas.microsoft.com/office/2006/metadata/contentType" xmlns:ma="http://schemas.microsoft.com/office/2006/metadata/properties/metaAttributes" ct:_="" ma:_="" ma:contentTypeName="ドキュメント" ma:contentTypeID="0x010100FF2F93FF3DB9634F8FBAEA602B638785" ma:contentTypeVersion="4" ma:contentTypeDescription="新しいドキュメントを作成します。" ma:contentTypeScope="" ma:versionID="1565eda96bd0f07e1690113f58b0beb9">
   <xsd:schema xmlns:xsd="http://www.w3.org/2001/XMLSchema" xmlns:xs="http://www.w3.org/2001/XMLSchema" xmlns:p="http://schemas.microsoft.com/office/2006/metadata/properties" xmlns:ns2="653e9419-0903-4931-b774-08ac89ba5ce0" targetNamespace="http://schemas.microsoft.com/office/2006/metadata/properties" ma:root="true" ma:fieldsID="6ef5f73c226f902315490317dc3ee3d0" ns2:_="">
     <xsd:import namespace="653e9419-0903-4931-b774-08ac89ba5ce0"/>
@@ -6540,24 +7994,22 @@
 </ct:contentTypeSchema>
 </file>
 
-<file path=customXml/itemProps1.xml><?xml version="1.0" encoding="utf-8"?>
-<ds:datastoreItem xmlns:ds="http://schemas.openxmlformats.org/officeDocument/2006/customXml" ds:itemID="{8197A689-2F84-449E-AE7C-4D0E5BE883F0}">
-  <ds:schemaRefs>
-    <ds:schemaRef ds:uri="http://schemas.microsoft.com/sharepoint/v3/contenttype/forms"/>
-  </ds:schemaRefs>
-</ds:datastoreItem>
+<file path=customXml/item2.xml><?xml version="1.0" encoding="utf-8"?>
+<p:properties xmlns:p="http://schemas.microsoft.com/office/2006/metadata/properties" xmlns:xsi="http://www.w3.org/2001/XMLSchema-instance" xmlns:pc="http://schemas.microsoft.com/office/infopath/2007/PartnerControls">
+  <documentManagement/>
+</p:properties>
 </file>
 
-<file path=customXml/itemProps2.xml><?xml version="1.0" encoding="utf-8"?>
-<ds:datastoreItem xmlns:ds="http://schemas.openxmlformats.org/officeDocument/2006/customXml" ds:itemID="{7C6CC81E-8697-4FBD-A01F-BB37C2C87EA1}">
-  <ds:schemaRefs>
-    <ds:schemaRef ds:uri="http://schemas.microsoft.com/office/2006/metadata/properties"/>
-    <ds:schemaRef ds:uri="http://schemas.microsoft.com/office/infopath/2007/PartnerControls"/>
-  </ds:schemaRefs>
-</ds:datastoreItem>
+<file path=customXml/item3.xml><?xml version="1.0" encoding="utf-8"?>
+<?mso-contentType ?>
+<FormTemplates xmlns="http://schemas.microsoft.com/sharepoint/v3/contenttype/forms">
+  <Display>DocumentLibraryForm</Display>
+  <Edit>DocumentLibraryForm</Edit>
+  <New>DocumentLibraryForm</New>
+</FormTemplates>
 </file>
 
-<file path=customXml/itemProps3.xml><?xml version="1.0" encoding="utf-8"?>
+<file path=customXml/itemProps1.xml><?xml version="1.0" encoding="utf-8"?>
 <ds:datastoreItem xmlns:ds="http://schemas.openxmlformats.org/officeDocument/2006/customXml" ds:itemID="{148C5804-AFBE-4CEC-9FE5-A729380FEC27}">
   <ds:schemaRefs>
     <ds:schemaRef ds:uri="http://schemas.microsoft.com/office/2006/metadata/contentType"/>
@@ -6573,4 +8025,21 @@
     <ds:schemaRef ds:uri="http://schemas.microsoft.com/internal/obd"/>
   </ds:schemaRefs>
 </ds:datastoreItem>
+</file>
+
+<file path=customXml/itemProps2.xml><?xml version="1.0" encoding="utf-8"?>
+<ds:datastoreItem xmlns:ds="http://schemas.openxmlformats.org/officeDocument/2006/customXml" ds:itemID="{7C6CC81E-8697-4FBD-A01F-BB37C2C87EA1}">
+  <ds:schemaRefs>
+    <ds:schemaRef ds:uri="http://schemas.microsoft.com/office/2006/metadata/properties"/>
+    <ds:schemaRef ds:uri="http://schemas.microsoft.com/office/infopath/2007/PartnerControls"/>
+  </ds:schemaRefs>
+</ds:datastoreItem>
+</file>
+
+<file path=customXml/itemProps3.xml><?xml version="1.0" encoding="utf-8"?>
+<ds:datastoreItem xmlns:ds="http://schemas.openxmlformats.org/officeDocument/2006/customXml" ds:itemID="{8197A689-2F84-449E-AE7C-4D0E5BE883F0}">
+  <ds:schemaRefs>
+    <ds:schemaRef ds:uri="http://schemas.microsoft.com/sharepoint/v3/contenttype/forms"/>
+  </ds:schemaRefs>
+</ds:datastoreItem>
 </file>